--- a/Android10/1_Pixel3_Image.pptx
+++ b/Android10/1_Pixel3_Image.pptx
@@ -161,7 +161,7 @@
 <file path=ppt/revisionInfo.xml><?xml version="1.0" encoding="utf-8"?>
 <p1510:revInfo xmlns:a="http://schemas.openxmlformats.org/drawingml/2006/main" xmlns:r="http://schemas.openxmlformats.org/officeDocument/2006/relationships" xmlns:p1510="http://schemas.microsoft.com/office/powerpoint/2015/10/main">
   <p1510:revLst>
-    <p1510:client id="{3EF660C2-5E00-497A-8141-0937EA7FF5A5}" v="44" dt="2025-09-09T13:56:53.782"/>
+    <p1510:client id="{D4D54F02-3238-43DF-B735-EC8D236BDA0E}" v="3" dt="2025-09-11T15:31:35.827"/>
   </p1510:revLst>
 </p1510:revInfo>
 </file>
@@ -1803,7 +1803,7 @@
   <pc:docChgLst>
     <pc:chgData name="Weifeng Xu" userId="e7aed605-a3dd-4d5a-a692-a87037af107b" providerId="ADAL" clId="{F99F8FFF-BA20-43EA-924B-4DF5D2A785F3}"/>
     <pc:docChg chg="undo custSel addSld modSld">
-      <pc:chgData name="Weifeng Xu" userId="e7aed605-a3dd-4d5a-a692-a87037af107b" providerId="ADAL" clId="{F99F8FFF-BA20-43EA-924B-4DF5D2A785F3}" dt="2025-09-09T14:00:08.236" v="376" actId="207"/>
+      <pc:chgData name="Weifeng Xu" userId="e7aed605-a3dd-4d5a-a692-a87037af107b" providerId="ADAL" clId="{F99F8FFF-BA20-43EA-924B-4DF5D2A785F3}" dt="2025-09-11T15:31:35.827" v="432" actId="478"/>
       <pc:docMkLst>
         <pc:docMk/>
       </pc:docMkLst>
@@ -1822,28 +1822,58 @@
           </ac:spMkLst>
         </pc:spChg>
       </pc:sldChg>
+      <pc:sldChg chg="delSp modSp mod">
+        <pc:chgData name="Weifeng Xu" userId="e7aed605-a3dd-4d5a-a692-a87037af107b" providerId="ADAL" clId="{F99F8FFF-BA20-43EA-924B-4DF5D2A785F3}" dt="2025-09-11T15:31:35.827" v="432" actId="478"/>
+        <pc:sldMkLst>
+          <pc:docMk/>
+          <pc:sldMk cId="2786836983" sldId="331"/>
+        </pc:sldMkLst>
+        <pc:spChg chg="del">
+          <ac:chgData name="Weifeng Xu" userId="e7aed605-a3dd-4d5a-a692-a87037af107b" providerId="ADAL" clId="{F99F8FFF-BA20-43EA-924B-4DF5D2A785F3}" dt="2025-09-11T15:31:35.827" v="432" actId="478"/>
+          <ac:spMkLst>
+            <pc:docMk/>
+            <pc:sldMk cId="2786836983" sldId="331"/>
+            <ac:spMk id="5" creationId="{238B2818-0C2A-4945-8FA7-025F23B99D45}"/>
+          </ac:spMkLst>
+        </pc:spChg>
+        <pc:spChg chg="mod">
+          <ac:chgData name="Weifeng Xu" userId="e7aed605-a3dd-4d5a-a692-a87037af107b" providerId="ADAL" clId="{F99F8FFF-BA20-43EA-924B-4DF5D2A785F3}" dt="2025-09-11T15:30:02.418" v="429" actId="6549"/>
+          <ac:spMkLst>
+            <pc:docMk/>
+            <pc:sldMk cId="2786836983" sldId="331"/>
+            <ac:spMk id="7" creationId="{D2EC9C14-40A0-47ED-866E-3120E1FFB527}"/>
+          </ac:spMkLst>
+        </pc:spChg>
+        <pc:spChg chg="del mod">
+          <ac:chgData name="Weifeng Xu" userId="e7aed605-a3dd-4d5a-a692-a87037af107b" providerId="ADAL" clId="{F99F8FFF-BA20-43EA-924B-4DF5D2A785F3}" dt="2025-09-11T15:30:11.511" v="431" actId="478"/>
+          <ac:spMkLst>
+            <pc:docMk/>
+            <pc:sldMk cId="2786836983" sldId="331"/>
+            <ac:spMk id="9" creationId="{0FAC32FE-7A05-44A4-BE9F-03BCE7E7029A}"/>
+          </ac:spMkLst>
+        </pc:spChg>
+      </pc:sldChg>
+      <pc:sldChg chg="modSp mod">
+        <pc:chgData name="Weifeng Xu" userId="e7aed605-a3dd-4d5a-a692-a87037af107b" providerId="ADAL" clId="{F99F8FFF-BA20-43EA-924B-4DF5D2A785F3}" dt="2025-09-11T14:52:21.126" v="406" actId="6549"/>
+        <pc:sldMkLst>
+          <pc:docMk/>
+          <pc:sldMk cId="1881697046" sldId="351"/>
+        </pc:sldMkLst>
+        <pc:spChg chg="mod">
+          <ac:chgData name="Weifeng Xu" userId="e7aed605-a3dd-4d5a-a692-a87037af107b" providerId="ADAL" clId="{F99F8FFF-BA20-43EA-924B-4DF5D2A785F3}" dt="2025-09-11T14:52:21.126" v="406" actId="6549"/>
+          <ac:spMkLst>
+            <pc:docMk/>
+            <pc:sldMk cId="1881697046" sldId="351"/>
+            <ac:spMk id="3" creationId="{E6CA5CEB-EB55-5C0D-4669-76EF3BEA4513}"/>
+          </ac:spMkLst>
+        </pc:spChg>
+      </pc:sldChg>
       <pc:sldChg chg="addSp delSp modSp new mod modClrScheme chgLayout">
         <pc:chgData name="Weifeng Xu" userId="e7aed605-a3dd-4d5a-a692-a87037af107b" providerId="ADAL" clId="{F99F8FFF-BA20-43EA-924B-4DF5D2A785F3}" dt="2025-09-09T13:46:05.196" v="254" actId="20577"/>
         <pc:sldMkLst>
           <pc:docMk/>
           <pc:sldMk cId="615912425" sldId="353"/>
         </pc:sldMkLst>
-        <pc:spChg chg="del mod ord">
-          <ac:chgData name="Weifeng Xu" userId="e7aed605-a3dd-4d5a-a692-a87037af107b" providerId="ADAL" clId="{F99F8FFF-BA20-43EA-924B-4DF5D2A785F3}" dt="2025-09-09T13:04:38.386" v="1" actId="700"/>
-          <ac:spMkLst>
-            <pc:docMk/>
-            <pc:sldMk cId="615912425" sldId="353"/>
-            <ac:spMk id="2" creationId="{3FFF1879-242E-E31B-C5AF-EE3E7E606F42}"/>
-          </ac:spMkLst>
-        </pc:spChg>
-        <pc:spChg chg="del">
-          <ac:chgData name="Weifeng Xu" userId="e7aed605-a3dd-4d5a-a692-a87037af107b" providerId="ADAL" clId="{F99F8FFF-BA20-43EA-924B-4DF5D2A785F3}" dt="2025-09-09T13:04:38.386" v="1" actId="700"/>
-          <ac:spMkLst>
-            <pc:docMk/>
-            <pc:sldMk cId="615912425" sldId="353"/>
-            <ac:spMk id="3" creationId="{1AB5C137-8978-D528-03DB-68B723FA5E1A}"/>
-          </ac:spMkLst>
-        </pc:spChg>
         <pc:spChg chg="add mod ord">
           <ac:chgData name="Weifeng Xu" userId="e7aed605-a3dd-4d5a-a692-a87037af107b" providerId="ADAL" clId="{F99F8FFF-BA20-43EA-924B-4DF5D2A785F3}" dt="2025-09-09T13:46:05.196" v="254" actId="20577"/>
           <ac:spMkLst>
@@ -1852,30 +1882,6 @@
             <ac:spMk id="4" creationId="{05463EA0-C3B6-28F2-52CC-90BEC6531325}"/>
           </ac:spMkLst>
         </pc:spChg>
-        <pc:spChg chg="add">
-          <ac:chgData name="Weifeng Xu" userId="e7aed605-a3dd-4d5a-a692-a87037af107b" providerId="ADAL" clId="{F99F8FFF-BA20-43EA-924B-4DF5D2A785F3}" dt="2025-09-09T13:04:54.813" v="2"/>
-          <ac:spMkLst>
-            <pc:docMk/>
-            <pc:sldMk cId="615912425" sldId="353"/>
-            <ac:spMk id="5" creationId="{93D16AB9-70C9-C268-CB80-5F0D796A2AF4}"/>
-          </ac:spMkLst>
-        </pc:spChg>
-        <pc:spChg chg="add del mod ord">
-          <ac:chgData name="Weifeng Xu" userId="e7aed605-a3dd-4d5a-a692-a87037af107b" providerId="ADAL" clId="{F99F8FFF-BA20-43EA-924B-4DF5D2A785F3}" dt="2025-09-09T13:17:45.773" v="99" actId="700"/>
-          <ac:spMkLst>
-            <pc:docMk/>
-            <pc:sldMk cId="615912425" sldId="353"/>
-            <ac:spMk id="8" creationId="{062ABC41-AE64-45CC-62EB-0F647C0777C4}"/>
-          </ac:spMkLst>
-        </pc:spChg>
-        <pc:graphicFrameChg chg="add mod">
-          <ac:chgData name="Weifeng Xu" userId="e7aed605-a3dd-4d5a-a692-a87037af107b" providerId="ADAL" clId="{F99F8FFF-BA20-43EA-924B-4DF5D2A785F3}" dt="2025-09-09T13:09:21.122" v="9"/>
-          <ac:graphicFrameMkLst>
-            <pc:docMk/>
-            <pc:sldMk cId="615912425" sldId="353"/>
-            <ac:graphicFrameMk id="7" creationId="{BC2C53D0-5497-FB46-8A25-BA00540C9535}"/>
-          </ac:graphicFrameMkLst>
-        </pc:graphicFrameChg>
         <pc:picChg chg="add mod">
           <ac:chgData name="Weifeng Xu" userId="e7aed605-a3dd-4d5a-a692-a87037af107b" providerId="ADAL" clId="{F99F8FFF-BA20-43EA-924B-4DF5D2A785F3}" dt="2025-09-09T13:18:19.069" v="106" actId="1076"/>
           <ac:picMkLst>
@@ -1899,14 +1905,6 @@
           <pc:docMk/>
           <pc:sldMk cId="3130248869" sldId="354"/>
         </pc:sldMkLst>
-        <pc:spChg chg="del">
-          <ac:chgData name="Weifeng Xu" userId="e7aed605-a3dd-4d5a-a692-a87037af107b" providerId="ADAL" clId="{F99F8FFF-BA20-43EA-924B-4DF5D2A785F3}" dt="2025-09-09T13:09:38.670" v="14" actId="700"/>
-          <ac:spMkLst>
-            <pc:docMk/>
-            <pc:sldMk cId="3130248869" sldId="354"/>
-            <ac:spMk id="2" creationId="{93241FF2-66AD-6546-C61D-19F345001539}"/>
-          </ac:spMkLst>
-        </pc:spChg>
         <pc:graphicFrameChg chg="add mod modGraphic">
           <ac:chgData name="Weifeng Xu" userId="e7aed605-a3dd-4d5a-a692-a87037af107b" providerId="ADAL" clId="{F99F8FFF-BA20-43EA-924B-4DF5D2A785F3}" dt="2025-09-09T13:11:57.408" v="38" actId="1076"/>
           <ac:graphicFrameMkLst>
@@ -1976,14 +1974,6 @@
             <ac:spMk id="3" creationId="{408A2939-842B-8D7D-A54E-6E67C7AA8277}"/>
           </ac:spMkLst>
         </pc:spChg>
-        <pc:spChg chg="add mod">
-          <ac:chgData name="Weifeng Xu" userId="e7aed605-a3dd-4d5a-a692-a87037af107b" providerId="ADAL" clId="{F99F8FFF-BA20-43EA-924B-4DF5D2A785F3}" dt="2025-09-09T13:29:39.473" v="138"/>
-          <ac:spMkLst>
-            <pc:docMk/>
-            <pc:sldMk cId="3325037933" sldId="357"/>
-            <ac:spMk id="4" creationId="{C5F08BC2-E704-C5D2-F7CA-D7D94C1EF074}"/>
-          </ac:spMkLst>
-        </pc:spChg>
       </pc:sldChg>
       <pc:sldChg chg="modSp new mod">
         <pc:chgData name="Weifeng Xu" userId="e7aed605-a3dd-4d5a-a692-a87037af107b" providerId="ADAL" clId="{F99F8FFF-BA20-43EA-924B-4DF5D2A785F3}" dt="2025-09-09T13:35:52.487" v="223" actId="207"/>
@@ -2037,22 +2027,6 @@
           <pc:docMk/>
           <pc:sldMk cId="1825281144" sldId="360"/>
         </pc:sldMkLst>
-        <pc:spChg chg="del">
-          <ac:chgData name="Weifeng Xu" userId="e7aed605-a3dd-4d5a-a692-a87037af107b" providerId="ADAL" clId="{F99F8FFF-BA20-43EA-924B-4DF5D2A785F3}" dt="2025-09-09T13:39:15.096" v="238" actId="700"/>
-          <ac:spMkLst>
-            <pc:docMk/>
-            <pc:sldMk cId="1825281144" sldId="360"/>
-            <ac:spMk id="2" creationId="{8877B3D3-C15D-A9E6-0AA4-5A42E4028D45}"/>
-          </ac:spMkLst>
-        </pc:spChg>
-        <pc:spChg chg="del">
-          <ac:chgData name="Weifeng Xu" userId="e7aed605-a3dd-4d5a-a692-a87037af107b" providerId="ADAL" clId="{F99F8FFF-BA20-43EA-924B-4DF5D2A785F3}" dt="2025-09-09T13:39:15.096" v="238" actId="700"/>
-          <ac:spMkLst>
-            <pc:docMk/>
-            <pc:sldMk cId="1825281144" sldId="360"/>
-            <ac:spMk id="3" creationId="{020D826F-7C89-1ADA-A73D-55FF60836B66}"/>
-          </ac:spMkLst>
-        </pc:spChg>
         <pc:spChg chg="add mod ord">
           <ac:chgData name="Weifeng Xu" userId="e7aed605-a3dd-4d5a-a692-a87037af107b" providerId="ADAL" clId="{F99F8FFF-BA20-43EA-924B-4DF5D2A785F3}" dt="2025-09-09T13:39:44.355" v="243"/>
           <ac:spMkLst>
@@ -2076,14 +2050,6 @@
           <pc:docMk/>
           <pc:sldMk cId="139985094" sldId="361"/>
         </pc:sldMkLst>
-        <pc:spChg chg="del mod ord">
-          <ac:chgData name="Weifeng Xu" userId="e7aed605-a3dd-4d5a-a692-a87037af107b" providerId="ADAL" clId="{F99F8FFF-BA20-43EA-924B-4DF5D2A785F3}" dt="2025-09-09T13:46:23.117" v="256" actId="700"/>
-          <ac:spMkLst>
-            <pc:docMk/>
-            <pc:sldMk cId="139985094" sldId="361"/>
-            <ac:spMk id="2" creationId="{403EB521-3B10-560F-E897-0E04201F2F7F}"/>
-          </ac:spMkLst>
-        </pc:spChg>
         <pc:spChg chg="add mod ord">
           <ac:chgData name="Weifeng Xu" userId="e7aed605-a3dd-4d5a-a692-a87037af107b" providerId="ADAL" clId="{F99F8FFF-BA20-43EA-924B-4DF5D2A785F3}" dt="2025-09-09T13:46:28.779" v="260" actId="20577"/>
           <ac:spMkLst>
@@ -2107,14 +2073,6 @@
           <pc:docMk/>
           <pc:sldMk cId="2229704913" sldId="362"/>
         </pc:sldMkLst>
-        <pc:spChg chg="del">
-          <ac:chgData name="Weifeng Xu" userId="e7aed605-a3dd-4d5a-a692-a87037af107b" providerId="ADAL" clId="{F99F8FFF-BA20-43EA-924B-4DF5D2A785F3}" dt="2025-09-09T13:48:07.245" v="280" actId="700"/>
-          <ac:spMkLst>
-            <pc:docMk/>
-            <pc:sldMk cId="2229704913" sldId="362"/>
-            <ac:spMk id="2" creationId="{08F988BB-2C24-6CAF-06F8-15E7862CD40F}"/>
-          </ac:spMkLst>
-        </pc:spChg>
         <pc:spChg chg="add mod">
           <ac:chgData name="Weifeng Xu" userId="e7aed605-a3dd-4d5a-a692-a87037af107b" providerId="ADAL" clId="{F99F8FFF-BA20-43EA-924B-4DF5D2A785F3}" dt="2025-09-09T13:48:20.760" v="287" actId="1076"/>
           <ac:spMkLst>
@@ -2133,27 +2091,11 @@
         </pc:graphicFrameChg>
       </pc:sldChg>
       <pc:sldChg chg="addSp delSp modSp new mod modClrScheme chgLayout">
-        <pc:chgData name="Weifeng Xu" userId="e7aed605-a3dd-4d5a-a692-a87037af107b" providerId="ADAL" clId="{F99F8FFF-BA20-43EA-924B-4DF5D2A785F3}" dt="2025-09-09T14:00:08.236" v="376" actId="207"/>
+        <pc:chgData name="Weifeng Xu" userId="e7aed605-a3dd-4d5a-a692-a87037af107b" providerId="ADAL" clId="{F99F8FFF-BA20-43EA-924B-4DF5D2A785F3}" dt="2025-09-11T15:27:36.244" v="407" actId="6549"/>
         <pc:sldMkLst>
           <pc:docMk/>
           <pc:sldMk cId="4121565291" sldId="363"/>
         </pc:sldMkLst>
-        <pc:spChg chg="del">
-          <ac:chgData name="Weifeng Xu" userId="e7aed605-a3dd-4d5a-a692-a87037af107b" providerId="ADAL" clId="{F99F8FFF-BA20-43EA-924B-4DF5D2A785F3}" dt="2025-09-09T13:56:17.207" v="289" actId="700"/>
-          <ac:spMkLst>
-            <pc:docMk/>
-            <pc:sldMk cId="4121565291" sldId="363"/>
-            <ac:spMk id="2" creationId="{9C89C4D5-0261-42E7-4045-CABB2E80E09D}"/>
-          </ac:spMkLst>
-        </pc:spChg>
-        <pc:spChg chg="del">
-          <ac:chgData name="Weifeng Xu" userId="e7aed605-a3dd-4d5a-a692-a87037af107b" providerId="ADAL" clId="{F99F8FFF-BA20-43EA-924B-4DF5D2A785F3}" dt="2025-09-09T13:56:17.207" v="289" actId="700"/>
-          <ac:spMkLst>
-            <pc:docMk/>
-            <pc:sldMk cId="4121565291" sldId="363"/>
-            <ac:spMk id="3" creationId="{57B43AC5-B8B1-AFAA-FC4C-7BF8D1259AF0}"/>
-          </ac:spMkLst>
-        </pc:spChg>
         <pc:spChg chg="add mod">
           <ac:chgData name="Weifeng Xu" userId="e7aed605-a3dd-4d5a-a692-a87037af107b" providerId="ADAL" clId="{F99F8FFF-BA20-43EA-924B-4DF5D2A785F3}" dt="2025-09-09T13:56:56.194" v="298" actId="20577"/>
           <ac:spMkLst>
@@ -2163,7 +2105,7 @@
           </ac:spMkLst>
         </pc:spChg>
         <pc:spChg chg="add mod">
-          <ac:chgData name="Weifeng Xu" userId="e7aed605-a3dd-4d5a-a692-a87037af107b" providerId="ADAL" clId="{F99F8FFF-BA20-43EA-924B-4DF5D2A785F3}" dt="2025-09-09T14:00:08.236" v="376" actId="207"/>
+          <ac:chgData name="Weifeng Xu" userId="e7aed605-a3dd-4d5a-a692-a87037af107b" providerId="ADAL" clId="{F99F8FFF-BA20-43EA-924B-4DF5D2A785F3}" dt="2025-09-11T15:27:36.244" v="407" actId="6549"/>
           <ac:spMkLst>
             <pc:docMk/>
             <pc:sldMk cId="4121565291" sldId="363"/>
@@ -4583,7 +4525,7 @@
           <a:p>
             <a:fld id="{EE41F6E3-57F9-402E-BDBA-5B2DE11C8530}" type="datetimeFigureOut">
               <a:rPr lang="en-US" smtClean="0"/>
-              <a:t>9/8/2025</a:t>
+              <a:t>9/11/2025</a:t>
             </a:fld>
             <a:endParaRPr lang="en-US"/>
           </a:p>
@@ -10863,7 +10805,7 @@
           <a:p>
             <a:fld id="{4263717A-E3C1-4BED-ABE0-B7069385E023}" type="datetimeFigureOut">
               <a:rPr lang="en-US" smtClean="0"/>
-              <a:t>9/8/2025</a:t>
+              <a:t>9/11/2025</a:t>
             </a:fld>
             <a:endParaRPr lang="en-US"/>
           </a:p>
@@ -11036,7 +10978,7 @@
           <a:p>
             <a:fld id="{4263717A-E3C1-4BED-ABE0-B7069385E023}" type="datetimeFigureOut">
               <a:rPr lang="en-US" smtClean="0"/>
-              <a:t>9/8/2025</a:t>
+              <a:t>9/11/2025</a:t>
             </a:fld>
             <a:endParaRPr lang="en-US"/>
           </a:p>
@@ -11214,7 +11156,7 @@
           <a:p>
             <a:fld id="{4263717A-E3C1-4BED-ABE0-B7069385E023}" type="datetimeFigureOut">
               <a:rPr lang="en-US" smtClean="0"/>
-              <a:t>9/8/2025</a:t>
+              <a:t>9/11/2025</a:t>
             </a:fld>
             <a:endParaRPr lang="en-US"/>
           </a:p>
@@ -11382,7 +11324,7 @@
           <a:p>
             <a:fld id="{4263717A-E3C1-4BED-ABE0-B7069385E023}" type="datetimeFigureOut">
               <a:rPr lang="en-US" smtClean="0"/>
-              <a:t>9/8/2025</a:t>
+              <a:t>9/11/2025</a:t>
             </a:fld>
             <a:endParaRPr lang="en-US"/>
           </a:p>
@@ -11627,7 +11569,7 @@
           <a:p>
             <a:fld id="{4263717A-E3C1-4BED-ABE0-B7069385E023}" type="datetimeFigureOut">
               <a:rPr lang="en-US" smtClean="0"/>
-              <a:t>9/8/2025</a:t>
+              <a:t>9/11/2025</a:t>
             </a:fld>
             <a:endParaRPr lang="en-US"/>
           </a:p>
@@ -11856,7 +11798,7 @@
           <a:p>
             <a:fld id="{4263717A-E3C1-4BED-ABE0-B7069385E023}" type="datetimeFigureOut">
               <a:rPr lang="en-US" smtClean="0"/>
-              <a:t>9/8/2025</a:t>
+              <a:t>9/11/2025</a:t>
             </a:fld>
             <a:endParaRPr lang="en-US"/>
           </a:p>
@@ -12220,7 +12162,7 @@
           <a:p>
             <a:fld id="{4263717A-E3C1-4BED-ABE0-B7069385E023}" type="datetimeFigureOut">
               <a:rPr lang="en-US" smtClean="0"/>
-              <a:t>9/8/2025</a:t>
+              <a:t>9/11/2025</a:t>
             </a:fld>
             <a:endParaRPr lang="en-US"/>
           </a:p>
@@ -12337,7 +12279,7 @@
           <a:p>
             <a:fld id="{4263717A-E3C1-4BED-ABE0-B7069385E023}" type="datetimeFigureOut">
               <a:rPr lang="en-US" smtClean="0"/>
-              <a:t>9/8/2025</a:t>
+              <a:t>9/11/2025</a:t>
             </a:fld>
             <a:endParaRPr lang="en-US"/>
           </a:p>
@@ -12432,7 +12374,7 @@
           <a:p>
             <a:fld id="{4263717A-E3C1-4BED-ABE0-B7069385E023}" type="datetimeFigureOut">
               <a:rPr lang="en-US" smtClean="0"/>
-              <a:t>9/8/2025</a:t>
+              <a:t>9/11/2025</a:t>
             </a:fld>
             <a:endParaRPr lang="en-US"/>
           </a:p>
@@ -12707,7 +12649,7 @@
           <a:p>
             <a:fld id="{4263717A-E3C1-4BED-ABE0-B7069385E023}" type="datetimeFigureOut">
               <a:rPr lang="en-US" smtClean="0"/>
-              <a:t>9/8/2025</a:t>
+              <a:t>9/11/2025</a:t>
             </a:fld>
             <a:endParaRPr lang="en-US"/>
           </a:p>
@@ -12959,7 +12901,7 @@
           <a:p>
             <a:fld id="{4263717A-E3C1-4BED-ABE0-B7069385E023}" type="datetimeFigureOut">
               <a:rPr lang="en-US" smtClean="0"/>
-              <a:t>9/8/2025</a:t>
+              <a:t>9/11/2025</a:t>
             </a:fld>
             <a:endParaRPr lang="en-US"/>
           </a:p>
@@ -13170,7 +13112,7 @@
           <a:p>
             <a:fld id="{4263717A-E3C1-4BED-ABE0-B7069385E023}" type="datetimeFigureOut">
               <a:rPr lang="en-US" smtClean="0"/>
-              <a:t>9/8/2025</a:t>
+              <a:t>9/11/2025</a:t>
             </a:fld>
             <a:endParaRPr lang="en-US"/>
           </a:p>
@@ -16430,7 +16372,7 @@
                         <a:buNone/>
                       </a:pPr>
                       <a:r>
-                        <a:rPr lang="en-US" sz="1400"/>
+                        <a:rPr lang="en-US" sz="1400" dirty="0"/>
                         <a:t>Builds installation timelines, identifies suspicious apps.</a:t>
                       </a:r>
                     </a:p>
@@ -19793,7 +19735,7 @@
           <a:p>
             <a:r>
               <a:rPr lang="en-US" dirty="0"/>
-              <a:t> Special format (</a:t>
+              <a:t>Special format (</a:t>
             </a:r>
             <a:r>
               <a:rPr lang="en-US" dirty="0">
@@ -19850,95 +19792,6 @@
       </p:grpSpPr>
       <p:sp>
         <p:nvSpPr>
-          <p:cNvPr id="5" name="Rectangle 2">
-            <a:extLst>
-              <a:ext uri="{FF2B5EF4-FFF2-40B4-BE49-F238E27FC236}">
-                <a16:creationId xmlns:a16="http://schemas.microsoft.com/office/drawing/2014/main" id="{238B2818-0C2A-4945-8FA7-025F23B99D45}"/>
-              </a:ext>
-            </a:extLst>
-          </p:cNvPr>
-          <p:cNvSpPr>
-            <a:spLocks noChangeArrowheads="1"/>
-          </p:cNvSpPr>
-          <p:nvPr/>
-        </p:nvSpPr>
-        <p:spPr bwMode="auto">
-          <a:xfrm>
-            <a:off x="0" y="-138499"/>
-            <a:ext cx="65" cy="276999"/>
-          </a:xfrm>
-          <a:prstGeom prst="rect">
-            <a:avLst/>
-          </a:prstGeom>
-          <a:solidFill>
-            <a:srgbClr val="FFFFFF"/>
-          </a:solidFill>
-          <a:ln>
-            <a:noFill/>
-          </a:ln>
-          <a:effectLst/>
-          <a:extLst>
-            <a:ext uri="{91240B29-F687-4F45-9708-019B960494DF}">
-              <a14:hiddenLine xmlns:a14="http://schemas.microsoft.com/office/drawing/2010/main" w="9525">
-                <a:solidFill>
-                  <a:schemeClr val="tx1"/>
-                </a:solidFill>
-                <a:miter lim="800000"/>
-                <a:headEnd/>
-                <a:tailEnd/>
-              </a14:hiddenLine>
-            </a:ext>
-            <a:ext uri="{AF507438-7753-43E0-B8FC-AC1667EBCBE1}">
-              <a14:hiddenEffects xmlns:a14="http://schemas.microsoft.com/office/drawing/2010/main">
-                <a:effectLst>
-                  <a:outerShdw dist="35921" dir="2700000" algn="ctr" rotWithShape="0">
-                    <a:schemeClr val="bg2"/>
-                  </a:outerShdw>
-                </a:effectLst>
-              </a14:hiddenEffects>
-            </a:ext>
-          </a:extLst>
-        </p:spPr>
-        <p:txBody>
-          <a:bodyPr vert="horz" wrap="none" lIns="0" tIns="0" rIns="0" bIns="0" numCol="1" anchor="ctr" anchorCtr="0" compatLnSpc="1">
-            <a:prstTxWarp prst="textNoShape">
-              <a:avLst/>
-            </a:prstTxWarp>
-            <a:spAutoFit/>
-          </a:bodyPr>
-          <a:lstStyle/>
-          <a:p>
-            <a:pPr marL="0" marR="0" lvl="0" indent="0" algn="l" defTabSz="914400" rtl="0" eaLnBrk="0" fontAlgn="base" latinLnBrk="0" hangingPunct="0">
-              <a:lnSpc>
-                <a:spcPct val="100000"/>
-              </a:lnSpc>
-              <a:spcBef>
-                <a:spcPct val="0"/>
-              </a:spcBef>
-              <a:spcAft>
-                <a:spcPct val="0"/>
-              </a:spcAft>
-              <a:buClrTx/>
-              <a:buSzTx/>
-              <a:buFontTx/>
-              <a:buNone/>
-              <a:tabLst/>
-            </a:pPr>
-            <a:endParaRPr kumimoji="0" lang="en-US" altLang="en-US" sz="1800" b="0" i="0" u="none" strike="noStrike" cap="none" normalizeH="0" baseline="0">
-              <a:ln>
-                <a:noFill/>
-              </a:ln>
-              <a:solidFill>
-                <a:schemeClr val="tx1"/>
-              </a:solidFill>
-              <a:effectLst/>
-              <a:latin typeface="Arial" panose="020B0604020202020204" pitchFamily="34" charset="0"/>
-            </a:endParaRPr>
-          </a:p>
-        </p:txBody>
-      </p:sp>
-      <p:sp>
-        <p:nvSpPr>
           <p:cNvPr id="7" name="TextBox 6">
             <a:extLst>
               <a:ext uri="{FF2B5EF4-FFF2-40B4-BE49-F238E27FC236}">
@@ -20039,7 +19892,7 @@
                 <a:ea typeface="inherit"/>
                 <a:cs typeface="Arial" panose="020B0604020202020204" pitchFamily="34" charset="0"/>
               </a:rPr>
-              <a:t> service which controls application permissions;</a:t>
+              <a:t> service, which controls application permissions;</a:t>
             </a:r>
           </a:p>
           <a:p>
@@ -20195,7 +20048,7 @@
                 <a:ea typeface="inherit"/>
                 <a:cs typeface="Arial" panose="020B0604020202020204" pitchFamily="34" charset="0"/>
               </a:rPr>
-              <a:t> service to keeps power statistics of application installed;</a:t>
+              <a:t> service to keep power statistics of applications installed;</a:t>
             </a:r>
           </a:p>
           <a:p>
@@ -20336,37 +20189,7 @@
                 <a:ea typeface="inherit"/>
                 <a:cs typeface="Arial" panose="020B0604020202020204" pitchFamily="34" charset="0"/>
               </a:rPr>
-              <a:t> with IME locales, keyboard layout sets </a:t>
-            </a:r>
-            <a:r>
-              <a:rPr kumimoji="0" lang="en-US" altLang="en-US" sz="2400" b="0" i="0" u="none" strike="noStrike" cap="none" normalizeH="0" baseline="0" dirty="0" err="1">
-                <a:ln>
-                  <a:noFill/>
-                </a:ln>
-                <a:solidFill>
-                  <a:srgbClr val="242729"/>
-                </a:solidFill>
-                <a:effectLst/>
-                <a:latin typeface="Arial" panose="020B0604020202020204" pitchFamily="34" charset="0"/>
-                <a:ea typeface="inherit"/>
-                <a:cs typeface="Arial" panose="020B0604020202020204" pitchFamily="34" charset="0"/>
-              </a:rPr>
-              <a:t>etc</a:t>
-            </a:r>
-            <a:r>
-              <a:rPr kumimoji="0" lang="en-US" altLang="en-US" sz="2400" b="0" i="0" u="none" strike="noStrike" cap="none" normalizeH="0" baseline="0" dirty="0">
-                <a:ln>
-                  <a:noFill/>
-                </a:ln>
-                <a:solidFill>
-                  <a:srgbClr val="242729"/>
-                </a:solidFill>
-                <a:effectLst/>
-                <a:latin typeface="Arial" panose="020B0604020202020204" pitchFamily="34" charset="0"/>
-                <a:ea typeface="inherit"/>
-                <a:cs typeface="Arial" panose="020B0604020202020204" pitchFamily="34" charset="0"/>
-              </a:rPr>
-              <a:t>;</a:t>
+              <a:t> with IME locales, keyboard layout sets, etc.</a:t>
             </a:r>
           </a:p>
           <a:p>
@@ -20414,7 +20237,7 @@
                 <a:ea typeface="inherit"/>
                 <a:cs typeface="Arial" panose="020B0604020202020204" pitchFamily="34" charset="0"/>
               </a:rPr>
-              <a:t> - a </a:t>
+              <a:t> - an </a:t>
             </a:r>
             <a:r>
               <a:rPr kumimoji="0" lang="en-US" altLang="en-US" sz="2400" b="0" i="0" u="none" strike="noStrike" cap="none" normalizeH="0" baseline="0" dirty="0">
@@ -20613,41 +20436,6 @@
               <a:latin typeface="Arial" panose="020B0604020202020204" pitchFamily="34" charset="0"/>
               <a:cs typeface="Arial" panose="020B0604020202020204" pitchFamily="34" charset="0"/>
             </a:endParaRPr>
-          </a:p>
-        </p:txBody>
-      </p:sp>
-      <p:sp>
-        <p:nvSpPr>
-          <p:cNvPr id="9" name="TextBox 8">
-            <a:extLst>
-              <a:ext uri="{FF2B5EF4-FFF2-40B4-BE49-F238E27FC236}">
-                <a16:creationId xmlns:a16="http://schemas.microsoft.com/office/drawing/2014/main" id="{0FAC32FE-7A05-44A4-BE9F-03BCE7E7029A}"/>
-              </a:ext>
-            </a:extLst>
-          </p:cNvPr>
-          <p:cNvSpPr txBox="1"/>
-          <p:nvPr/>
-        </p:nvSpPr>
-        <p:spPr>
-          <a:xfrm>
-            <a:off x="7714526" y="6447098"/>
-            <a:ext cx="2980482" cy="646331"/>
-          </a:xfrm>
-          <a:prstGeom prst="rect">
-            <a:avLst/>
-          </a:prstGeom>
-          <a:noFill/>
-        </p:spPr>
-        <p:txBody>
-          <a:bodyPr wrap="square">
-            <a:spAutoFit/>
-          </a:bodyPr>
-          <a:lstStyle/>
-          <a:p>
-            <a:r>
-              <a:rPr lang="en-US"/>
-              <a:t>P48. http://newandroidbook.com/</a:t>
-            </a:r>
           </a:p>
         </p:txBody>
       </p:sp>
@@ -28272,33 +28060,28 @@
             <a:pPr lvl="1"/>
             <a:r>
               <a:rPr lang="en-US" dirty="0"/>
-              <a:t>including Linux commands Python code</a:t>
+              <a:t>including Linux commands and Python code</a:t>
             </a:r>
           </a:p>
           <a:p>
             <a:r>
               <a:rPr lang="en-US" dirty="0"/>
-              <a:t>Pay special attention to slides 25-31 because the Google </a:t>
-            </a:r>
-            <a:r>
-              <a:rPr lang="en-US" dirty="0" err="1"/>
-              <a:t>Playstore</a:t>
+              <a:t>Pay special attention to slide </a:t>
+            </a:r>
+            <a:r>
+              <a:rPr lang="en-US" altLang="zh-CN" dirty="0"/>
+              <a:t>34</a:t>
             </a:r>
             <a:r>
               <a:rPr lang="en-US" dirty="0"/>
-              <a:t> encodes app names differently in HTML pages</a:t>
+              <a:t> because the Google Play Store encodes app names differently in HTML pages</a:t>
             </a:r>
           </a:p>
           <a:p>
             <a:r>
               <a:rPr lang="en-US" dirty="0"/>
-              <a:t>Need to show Python </a:t>
-            </a:r>
-            <a:r>
-              <a:rPr lang="en-US"/>
-              <a:t>execution results</a:t>
-            </a:r>
-            <a:endParaRPr lang="en-US" dirty="0"/>
+              <a:t>Need to show Python execution results</a:t>
+            </a:r>
           </a:p>
           <a:p>
             <a:endParaRPr lang="en-US" dirty="0"/>

--- a/Android10/1_Pixel3_Image.pptx
+++ b/Android10/1_Pixel3_Image.pptx
@@ -5,53 +5,54 @@
     <p:sldMasterId id="2147483648" r:id="rId1"/>
   </p:sldMasterIdLst>
   <p:notesMasterIdLst>
-    <p:notesMasterId r:id="rId46"/>
+    <p:notesMasterId r:id="rId47"/>
   </p:notesMasterIdLst>
   <p:sldIdLst>
     <p:sldId id="282" r:id="rId2"/>
     <p:sldId id="335" r:id="rId3"/>
     <p:sldId id="334" r:id="rId4"/>
     <p:sldId id="260" r:id="rId5"/>
-    <p:sldId id="257" r:id="rId6"/>
-    <p:sldId id="258" r:id="rId7"/>
-    <p:sldId id="259" r:id="rId8"/>
-    <p:sldId id="346" r:id="rId9"/>
-    <p:sldId id="296" r:id="rId10"/>
-    <p:sldId id="353" r:id="rId11"/>
-    <p:sldId id="355" r:id="rId12"/>
-    <p:sldId id="354" r:id="rId13"/>
-    <p:sldId id="356" r:id="rId14"/>
-    <p:sldId id="359" r:id="rId15"/>
-    <p:sldId id="357" r:id="rId16"/>
-    <p:sldId id="358" r:id="rId17"/>
-    <p:sldId id="360" r:id="rId18"/>
-    <p:sldId id="362" r:id="rId19"/>
-    <p:sldId id="361" r:id="rId20"/>
-    <p:sldId id="283" r:id="rId21"/>
-    <p:sldId id="284" r:id="rId22"/>
-    <p:sldId id="286" r:id="rId23"/>
-    <p:sldId id="285" r:id="rId24"/>
-    <p:sldId id="330" r:id="rId25"/>
-    <p:sldId id="363" r:id="rId26"/>
-    <p:sldId id="331" r:id="rId27"/>
-    <p:sldId id="333" r:id="rId28"/>
-    <p:sldId id="304" r:id="rId29"/>
-    <p:sldId id="347" r:id="rId30"/>
-    <p:sldId id="336" r:id="rId31"/>
-    <p:sldId id="338" r:id="rId32"/>
-    <p:sldId id="340" r:id="rId33"/>
-    <p:sldId id="337" r:id="rId34"/>
-    <p:sldId id="342" r:id="rId35"/>
-    <p:sldId id="339" r:id="rId36"/>
-    <p:sldId id="343" r:id="rId37"/>
-    <p:sldId id="352" r:id="rId38"/>
-    <p:sldId id="341" r:id="rId39"/>
-    <p:sldId id="348" r:id="rId40"/>
-    <p:sldId id="349" r:id="rId41"/>
-    <p:sldId id="344" r:id="rId42"/>
-    <p:sldId id="345" r:id="rId43"/>
-    <p:sldId id="350" r:id="rId44"/>
-    <p:sldId id="351" r:id="rId45"/>
+    <p:sldId id="364" r:id="rId6"/>
+    <p:sldId id="257" r:id="rId7"/>
+    <p:sldId id="258" r:id="rId8"/>
+    <p:sldId id="259" r:id="rId9"/>
+    <p:sldId id="346" r:id="rId10"/>
+    <p:sldId id="296" r:id="rId11"/>
+    <p:sldId id="353" r:id="rId12"/>
+    <p:sldId id="355" r:id="rId13"/>
+    <p:sldId id="354" r:id="rId14"/>
+    <p:sldId id="356" r:id="rId15"/>
+    <p:sldId id="359" r:id="rId16"/>
+    <p:sldId id="357" r:id="rId17"/>
+    <p:sldId id="358" r:id="rId18"/>
+    <p:sldId id="360" r:id="rId19"/>
+    <p:sldId id="362" r:id="rId20"/>
+    <p:sldId id="361" r:id="rId21"/>
+    <p:sldId id="283" r:id="rId22"/>
+    <p:sldId id="284" r:id="rId23"/>
+    <p:sldId id="286" r:id="rId24"/>
+    <p:sldId id="285" r:id="rId25"/>
+    <p:sldId id="330" r:id="rId26"/>
+    <p:sldId id="363" r:id="rId27"/>
+    <p:sldId id="331" r:id="rId28"/>
+    <p:sldId id="333" r:id="rId29"/>
+    <p:sldId id="304" r:id="rId30"/>
+    <p:sldId id="347" r:id="rId31"/>
+    <p:sldId id="336" r:id="rId32"/>
+    <p:sldId id="338" r:id="rId33"/>
+    <p:sldId id="340" r:id="rId34"/>
+    <p:sldId id="337" r:id="rId35"/>
+    <p:sldId id="342" r:id="rId36"/>
+    <p:sldId id="339" r:id="rId37"/>
+    <p:sldId id="343" r:id="rId38"/>
+    <p:sldId id="352" r:id="rId39"/>
+    <p:sldId id="341" r:id="rId40"/>
+    <p:sldId id="348" r:id="rId41"/>
+    <p:sldId id="349" r:id="rId42"/>
+    <p:sldId id="344" r:id="rId43"/>
+    <p:sldId id="345" r:id="rId44"/>
+    <p:sldId id="350" r:id="rId45"/>
+    <p:sldId id="351" r:id="rId46"/>
   </p:sldIdLst>
   <p:sldSz cx="12192000" cy="6858000"/>
   <p:notesSz cx="6858000" cy="9144000"/>
@@ -161,7 +162,7 @@
 <file path=ppt/revisionInfo.xml><?xml version="1.0" encoding="utf-8"?>
 <p1510:revInfo xmlns:a="http://schemas.openxmlformats.org/drawingml/2006/main" xmlns:r="http://schemas.openxmlformats.org/officeDocument/2006/relationships" xmlns:p1510="http://schemas.microsoft.com/office/powerpoint/2015/10/main">
   <p1510:revLst>
-    <p1510:client id="{D4D54F02-3238-43DF-B735-EC8D236BDA0E}" v="3" dt="2025-09-11T15:31:35.827"/>
+    <p1510:client id="{11A8E7DC-CF8B-456A-B401-0E5410D9D327}" v="13" dt="2026-01-30T16:57:14.029"/>
   </p1510:revLst>
 </p1510:revInfo>
 </file>
@@ -169,1828 +170,145 @@
 <file path=ppt/changesInfos/changesInfo1.xml><?xml version="1.0" encoding="utf-8"?>
 <pc:chgInfo xmlns:a="http://schemas.openxmlformats.org/drawingml/2006/main" xmlns:r="http://schemas.openxmlformats.org/officeDocument/2006/relationships" xmlns:ac="http://schemas.microsoft.com/office/drawing/2013/main/command" xmlns:pc="http://schemas.microsoft.com/office/powerpoint/2013/main/command">
   <pc:docChgLst>
-    <pc:chgData name="Weifeng Xu" userId="e7aed605-a3dd-4d5a-a692-a87037af107b" providerId="ADAL" clId="{0CC1B67B-6FF0-4C7B-BF9D-C508A73793B8}"/>
-    <pc:docChg chg="undo custSel addSld delSld modSld sldOrd">
-      <pc:chgData name="Weifeng Xu" userId="e7aed605-a3dd-4d5a-a692-a87037af107b" providerId="ADAL" clId="{0CC1B67B-6FF0-4C7B-BF9D-C508A73793B8}" dt="2021-03-23T02:10:50.814" v="1531"/>
+    <pc:chgData name="Weifeng Xu" userId="e7aed605-a3dd-4d5a-a692-a87037af107b" providerId="ADAL" clId="{F99F8FFF-BA20-43EA-924B-4DF5D2A785F3}"/>
+    <pc:docChg chg="undo custSel addSld modSld">
+      <pc:chgData name="Weifeng Xu" userId="e7aed605-a3dd-4d5a-a692-a87037af107b" providerId="ADAL" clId="{F99F8FFF-BA20-43EA-924B-4DF5D2A785F3}" dt="2026-01-30T16:57:14.029" v="747"/>
       <pc:docMkLst>
         <pc:docMk/>
       </pc:docMkLst>
-      <pc:sldChg chg="del">
-        <pc:chgData name="Weifeng Xu" userId="e7aed605-a3dd-4d5a-a692-a87037af107b" providerId="ADAL" clId="{0CC1B67B-6FF0-4C7B-BF9D-C508A73793B8}" dt="2021-03-22T02:26:39.860" v="0" actId="47"/>
-        <pc:sldMkLst>
-          <pc:docMk/>
-          <pc:sldMk cId="1323245308" sldId="256"/>
-        </pc:sldMkLst>
-      </pc:sldChg>
-      <pc:sldChg chg="del">
-        <pc:chgData name="Weifeng Xu" userId="e7aed605-a3dd-4d5a-a692-a87037af107b" providerId="ADAL" clId="{0CC1B67B-6FF0-4C7B-BF9D-C508A73793B8}" dt="2021-03-22T02:26:40.396" v="2" actId="47"/>
-        <pc:sldMkLst>
-          <pc:docMk/>
-          <pc:sldMk cId="1539245675" sldId="261"/>
-        </pc:sldMkLst>
-      </pc:sldChg>
-      <pc:sldChg chg="del">
-        <pc:chgData name="Weifeng Xu" userId="e7aed605-a3dd-4d5a-a692-a87037af107b" providerId="ADAL" clId="{0CC1B67B-6FF0-4C7B-BF9D-C508A73793B8}" dt="2021-03-22T02:26:40.608" v="7" actId="47"/>
-        <pc:sldMkLst>
-          <pc:docMk/>
-          <pc:sldMk cId="3347624405" sldId="262"/>
-        </pc:sldMkLst>
-      </pc:sldChg>
-      <pc:sldChg chg="del">
-        <pc:chgData name="Weifeng Xu" userId="e7aed605-a3dd-4d5a-a692-a87037af107b" providerId="ADAL" clId="{0CC1B67B-6FF0-4C7B-BF9D-C508A73793B8}" dt="2021-03-22T02:26:40.618" v="8" actId="47"/>
-        <pc:sldMkLst>
-          <pc:docMk/>
-          <pc:sldMk cId="523254660" sldId="263"/>
-        </pc:sldMkLst>
-      </pc:sldChg>
-      <pc:sldChg chg="del">
-        <pc:chgData name="Weifeng Xu" userId="e7aed605-a3dd-4d5a-a692-a87037af107b" providerId="ADAL" clId="{0CC1B67B-6FF0-4C7B-BF9D-C508A73793B8}" dt="2021-03-22T02:26:42.427" v="16" actId="47"/>
-        <pc:sldMkLst>
-          <pc:docMk/>
-          <pc:sldMk cId="1005714408" sldId="265"/>
-        </pc:sldMkLst>
-      </pc:sldChg>
-      <pc:sldChg chg="del">
-        <pc:chgData name="Weifeng Xu" userId="e7aed605-a3dd-4d5a-a692-a87037af107b" providerId="ADAL" clId="{0CC1B67B-6FF0-4C7B-BF9D-C508A73793B8}" dt="2021-03-22T02:26:43.197" v="20" actId="47"/>
-        <pc:sldMkLst>
-          <pc:docMk/>
-          <pc:sldMk cId="2103126633" sldId="266"/>
-        </pc:sldMkLst>
-      </pc:sldChg>
-      <pc:sldChg chg="del">
-        <pc:chgData name="Weifeng Xu" userId="e7aed605-a3dd-4d5a-a692-a87037af107b" providerId="ADAL" clId="{0CC1B67B-6FF0-4C7B-BF9D-C508A73793B8}" dt="2021-03-22T02:26:43.746" v="23" actId="47"/>
-        <pc:sldMkLst>
-          <pc:docMk/>
-          <pc:sldMk cId="2454898931" sldId="267"/>
-        </pc:sldMkLst>
-      </pc:sldChg>
-      <pc:sldChg chg="del">
-        <pc:chgData name="Weifeng Xu" userId="e7aed605-a3dd-4d5a-a692-a87037af107b" providerId="ADAL" clId="{0CC1B67B-6FF0-4C7B-BF9D-C508A73793B8}" dt="2021-03-22T02:26:40.360" v="1" actId="47"/>
-        <pc:sldMkLst>
-          <pc:docMk/>
-          <pc:sldMk cId="927007670" sldId="268"/>
-        </pc:sldMkLst>
-      </pc:sldChg>
-      <pc:sldChg chg="del">
-        <pc:chgData name="Weifeng Xu" userId="e7aed605-a3dd-4d5a-a692-a87037af107b" providerId="ADAL" clId="{0CC1B67B-6FF0-4C7B-BF9D-C508A73793B8}" dt="2021-03-22T02:26:45.896" v="30" actId="47"/>
-        <pc:sldMkLst>
-          <pc:docMk/>
-          <pc:sldMk cId="1151958853" sldId="269"/>
-        </pc:sldMkLst>
-      </pc:sldChg>
-      <pc:sldChg chg="del">
-        <pc:chgData name="Weifeng Xu" userId="e7aed605-a3dd-4d5a-a692-a87037af107b" providerId="ADAL" clId="{0CC1B67B-6FF0-4C7B-BF9D-C508A73793B8}" dt="2021-03-22T02:26:46.066" v="31" actId="47"/>
-        <pc:sldMkLst>
-          <pc:docMk/>
-          <pc:sldMk cId="2256375109" sldId="270"/>
-        </pc:sldMkLst>
-      </pc:sldChg>
-      <pc:sldChg chg="del">
-        <pc:chgData name="Weifeng Xu" userId="e7aed605-a3dd-4d5a-a692-a87037af107b" providerId="ADAL" clId="{0CC1B67B-6FF0-4C7B-BF9D-C508A73793B8}" dt="2021-03-22T02:26:46.294" v="32" actId="47"/>
-        <pc:sldMkLst>
-          <pc:docMk/>
-          <pc:sldMk cId="1000008397" sldId="271"/>
-        </pc:sldMkLst>
-      </pc:sldChg>
-      <pc:sldChg chg="del">
-        <pc:chgData name="Weifeng Xu" userId="e7aed605-a3dd-4d5a-a692-a87037af107b" providerId="ADAL" clId="{0CC1B67B-6FF0-4C7B-BF9D-C508A73793B8}" dt="2021-03-22T02:26:44.335" v="25" actId="47"/>
-        <pc:sldMkLst>
-          <pc:docMk/>
-          <pc:sldMk cId="3702491373" sldId="272"/>
-        </pc:sldMkLst>
-      </pc:sldChg>
-      <pc:sldChg chg="del">
-        <pc:chgData name="Weifeng Xu" userId="e7aed605-a3dd-4d5a-a692-a87037af107b" providerId="ADAL" clId="{0CC1B67B-6FF0-4C7B-BF9D-C508A73793B8}" dt="2021-03-22T02:26:40.423" v="3" actId="47"/>
-        <pc:sldMkLst>
-          <pc:docMk/>
-          <pc:sldMk cId="3090718351" sldId="274"/>
-        </pc:sldMkLst>
-      </pc:sldChg>
-      <pc:sldChg chg="del">
-        <pc:chgData name="Weifeng Xu" userId="e7aed605-a3dd-4d5a-a692-a87037af107b" providerId="ADAL" clId="{0CC1B67B-6FF0-4C7B-BF9D-C508A73793B8}" dt="2021-03-22T02:26:40.454" v="4" actId="47"/>
-        <pc:sldMkLst>
-          <pc:docMk/>
-          <pc:sldMk cId="3821000861" sldId="275"/>
-        </pc:sldMkLst>
-      </pc:sldChg>
-      <pc:sldChg chg="del">
-        <pc:chgData name="Weifeng Xu" userId="e7aed605-a3dd-4d5a-a692-a87037af107b" providerId="ADAL" clId="{0CC1B67B-6FF0-4C7B-BF9D-C508A73793B8}" dt="2021-03-22T02:26:41.873" v="14" actId="47"/>
-        <pc:sldMkLst>
-          <pc:docMk/>
-          <pc:sldMk cId="1773513139" sldId="276"/>
-        </pc:sldMkLst>
-      </pc:sldChg>
-      <pc:sldChg chg="del">
-        <pc:chgData name="Weifeng Xu" userId="e7aed605-a3dd-4d5a-a692-a87037af107b" providerId="ADAL" clId="{0CC1B67B-6FF0-4C7B-BF9D-C508A73793B8}" dt="2021-03-22T02:26:44.586" v="26" actId="47"/>
-        <pc:sldMkLst>
-          <pc:docMk/>
-          <pc:sldMk cId="4164042851" sldId="277"/>
-        </pc:sldMkLst>
-      </pc:sldChg>
-      <pc:sldChg chg="del">
-        <pc:chgData name="Weifeng Xu" userId="e7aed605-a3dd-4d5a-a692-a87037af107b" providerId="ADAL" clId="{0CC1B67B-6FF0-4C7B-BF9D-C508A73793B8}" dt="2021-03-22T02:26:40.628" v="9" actId="47"/>
-        <pc:sldMkLst>
-          <pc:docMk/>
-          <pc:sldMk cId="110160891" sldId="278"/>
-        </pc:sldMkLst>
-      </pc:sldChg>
-      <pc:sldChg chg="del">
-        <pc:chgData name="Weifeng Xu" userId="e7aed605-a3dd-4d5a-a692-a87037af107b" providerId="ADAL" clId="{0CC1B67B-6FF0-4C7B-BF9D-C508A73793B8}" dt="2021-03-22T02:26:45.392" v="27" actId="47"/>
-        <pc:sldMkLst>
-          <pc:docMk/>
-          <pc:sldMk cId="2351248153" sldId="279"/>
-        </pc:sldMkLst>
-      </pc:sldChg>
-      <pc:sldChg chg="del">
-        <pc:chgData name="Weifeng Xu" userId="e7aed605-a3dd-4d5a-a692-a87037af107b" providerId="ADAL" clId="{0CC1B67B-6FF0-4C7B-BF9D-C508A73793B8}" dt="2021-03-22T02:26:45.561" v="28" actId="47"/>
-        <pc:sldMkLst>
-          <pc:docMk/>
-          <pc:sldMk cId="3156258806" sldId="280"/>
-        </pc:sldMkLst>
-      </pc:sldChg>
-      <pc:sldChg chg="del">
-        <pc:chgData name="Weifeng Xu" userId="e7aed605-a3dd-4d5a-a692-a87037af107b" providerId="ADAL" clId="{0CC1B67B-6FF0-4C7B-BF9D-C508A73793B8}" dt="2021-03-22T02:26:45.744" v="29" actId="47"/>
-        <pc:sldMkLst>
-          <pc:docMk/>
-          <pc:sldMk cId="3873850888" sldId="281"/>
-        </pc:sldMkLst>
-      </pc:sldChg>
-      <pc:sldChg chg="addSp delSp modSp mod modClrScheme chgLayout">
-        <pc:chgData name="Weifeng Xu" userId="e7aed605-a3dd-4d5a-a692-a87037af107b" providerId="ADAL" clId="{0CC1B67B-6FF0-4C7B-BF9D-C508A73793B8}" dt="2021-03-22T02:26:53.159" v="33" actId="700"/>
-        <pc:sldMkLst>
-          <pc:docMk/>
-          <pc:sldMk cId="4291129217" sldId="282"/>
-        </pc:sldMkLst>
-      </pc:sldChg>
       <pc:sldChg chg="modSp mod">
-        <pc:chgData name="Weifeng Xu" userId="e7aed605-a3dd-4d5a-a692-a87037af107b" providerId="ADAL" clId="{0CC1B67B-6FF0-4C7B-BF9D-C508A73793B8}" dt="2021-03-22T02:40:48.424" v="229" actId="20577"/>
-        <pc:sldMkLst>
-          <pc:docMk/>
-          <pc:sldMk cId="988206790" sldId="284"/>
-        </pc:sldMkLst>
-      </pc:sldChg>
-      <pc:sldChg chg="addSp delSp modSp mod setBg">
-        <pc:chgData name="Weifeng Xu" userId="e7aed605-a3dd-4d5a-a692-a87037af107b" providerId="ADAL" clId="{0CC1B67B-6FF0-4C7B-BF9D-C508A73793B8}" dt="2021-03-22T02:38:41.848" v="179" actId="20577"/>
-        <pc:sldMkLst>
-          <pc:docMk/>
-          <pc:sldMk cId="319929686" sldId="286"/>
-        </pc:sldMkLst>
-      </pc:sldChg>
-      <pc:sldChg chg="del">
-        <pc:chgData name="Weifeng Xu" userId="e7aed605-a3dd-4d5a-a692-a87037af107b" providerId="ADAL" clId="{0CC1B67B-6FF0-4C7B-BF9D-C508A73793B8}" dt="2021-03-22T02:26:40.488" v="5" actId="47"/>
-        <pc:sldMkLst>
-          <pc:docMk/>
-          <pc:sldMk cId="3622009093" sldId="289"/>
-        </pc:sldMkLst>
-      </pc:sldChg>
-      <pc:sldChg chg="del">
-        <pc:chgData name="Weifeng Xu" userId="e7aed605-a3dd-4d5a-a692-a87037af107b" providerId="ADAL" clId="{0CC1B67B-6FF0-4C7B-BF9D-C508A73793B8}" dt="2021-03-22T02:26:40.573" v="6" actId="47"/>
-        <pc:sldMkLst>
-          <pc:docMk/>
-          <pc:sldMk cId="1554022807" sldId="290"/>
-        </pc:sldMkLst>
-      </pc:sldChg>
-      <pc:sldChg chg="modSp mod">
-        <pc:chgData name="Weifeng Xu" userId="e7aed605-a3dd-4d5a-a692-a87037af107b" providerId="ADAL" clId="{0CC1B67B-6FF0-4C7B-BF9D-C508A73793B8}" dt="2021-03-22T02:42:00.939" v="233" actId="1076"/>
-        <pc:sldMkLst>
-          <pc:docMk/>
-          <pc:sldMk cId="53763807" sldId="304"/>
-        </pc:sldMkLst>
-      </pc:sldChg>
-      <pc:sldChg chg="del">
-        <pc:chgData name="Weifeng Xu" userId="e7aed605-a3dd-4d5a-a692-a87037af107b" providerId="ADAL" clId="{0CC1B67B-6FF0-4C7B-BF9D-C508A73793B8}" dt="2021-03-22T02:26:40.724" v="12" actId="47"/>
-        <pc:sldMkLst>
-          <pc:docMk/>
-          <pc:sldMk cId="4015681537" sldId="316"/>
-        </pc:sldMkLst>
-      </pc:sldChg>
-      <pc:sldChg chg="del">
-        <pc:chgData name="Weifeng Xu" userId="e7aed605-a3dd-4d5a-a692-a87037af107b" providerId="ADAL" clId="{0CC1B67B-6FF0-4C7B-BF9D-C508A73793B8}" dt="2021-03-22T02:26:40.915" v="13" actId="47"/>
-        <pc:sldMkLst>
-          <pc:docMk/>
-          <pc:sldMk cId="3632309167" sldId="317"/>
-        </pc:sldMkLst>
-      </pc:sldChg>
-      <pc:sldChg chg="del">
-        <pc:chgData name="Weifeng Xu" userId="e7aed605-a3dd-4d5a-a692-a87037af107b" providerId="ADAL" clId="{0CC1B67B-6FF0-4C7B-BF9D-C508A73793B8}" dt="2021-03-22T02:26:42.097" v="15" actId="47"/>
-        <pc:sldMkLst>
-          <pc:docMk/>
-          <pc:sldMk cId="1212472519" sldId="323"/>
-        </pc:sldMkLst>
-      </pc:sldChg>
-      <pc:sldChg chg="del">
-        <pc:chgData name="Weifeng Xu" userId="e7aed605-a3dd-4d5a-a692-a87037af107b" providerId="ADAL" clId="{0CC1B67B-6FF0-4C7B-BF9D-C508A73793B8}" dt="2021-03-22T02:26:42.602" v="17" actId="47"/>
-        <pc:sldMkLst>
-          <pc:docMk/>
-          <pc:sldMk cId="1474958626" sldId="324"/>
-        </pc:sldMkLst>
-      </pc:sldChg>
-      <pc:sldChg chg="del">
-        <pc:chgData name="Weifeng Xu" userId="e7aed605-a3dd-4d5a-a692-a87037af107b" providerId="ADAL" clId="{0CC1B67B-6FF0-4C7B-BF9D-C508A73793B8}" dt="2021-03-22T02:26:42.784" v="18" actId="47"/>
-        <pc:sldMkLst>
-          <pc:docMk/>
-          <pc:sldMk cId="953707264" sldId="325"/>
-        </pc:sldMkLst>
-      </pc:sldChg>
-      <pc:sldChg chg="del">
-        <pc:chgData name="Weifeng Xu" userId="e7aed605-a3dd-4d5a-a692-a87037af107b" providerId="ADAL" clId="{0CC1B67B-6FF0-4C7B-BF9D-C508A73793B8}" dt="2021-03-22T02:26:42.978" v="19" actId="47"/>
-        <pc:sldMkLst>
-          <pc:docMk/>
-          <pc:sldMk cId="4066713324" sldId="326"/>
-        </pc:sldMkLst>
-      </pc:sldChg>
-      <pc:sldChg chg="del">
-        <pc:chgData name="Weifeng Xu" userId="e7aed605-a3dd-4d5a-a692-a87037af107b" providerId="ADAL" clId="{0CC1B67B-6FF0-4C7B-BF9D-C508A73793B8}" dt="2021-03-22T02:26:43.368" v="21" actId="47"/>
-        <pc:sldMkLst>
-          <pc:docMk/>
-          <pc:sldMk cId="1895418146" sldId="327"/>
-        </pc:sldMkLst>
-      </pc:sldChg>
-      <pc:sldChg chg="del">
-        <pc:chgData name="Weifeng Xu" userId="e7aed605-a3dd-4d5a-a692-a87037af107b" providerId="ADAL" clId="{0CC1B67B-6FF0-4C7B-BF9D-C508A73793B8}" dt="2021-03-22T02:26:44.183" v="24" actId="47"/>
-        <pc:sldMkLst>
-          <pc:docMk/>
-          <pc:sldMk cId="1077324671" sldId="328"/>
-        </pc:sldMkLst>
-      </pc:sldChg>
-      <pc:sldChg chg="del">
-        <pc:chgData name="Weifeng Xu" userId="e7aed605-a3dd-4d5a-a692-a87037af107b" providerId="ADAL" clId="{0CC1B67B-6FF0-4C7B-BF9D-C508A73793B8}" dt="2021-03-22T02:26:43.492" v="22" actId="47"/>
-        <pc:sldMkLst>
-          <pc:docMk/>
-          <pc:sldMk cId="4060086368" sldId="329"/>
-        </pc:sldMkLst>
-      </pc:sldChg>
-      <pc:sldChg chg="modSp mod">
-        <pc:chgData name="Weifeng Xu" userId="e7aed605-a3dd-4d5a-a692-a87037af107b" providerId="ADAL" clId="{0CC1B67B-6FF0-4C7B-BF9D-C508A73793B8}" dt="2021-03-22T02:42:13.561" v="251" actId="6549"/>
+        <pc:chgData name="Weifeng Xu" userId="e7aed605-a3dd-4d5a-a692-a87037af107b" providerId="ADAL" clId="{F99F8FFF-BA20-43EA-924B-4DF5D2A785F3}" dt="2026-01-30T16:57:14.029" v="747"/>
         <pc:sldMkLst>
           <pc:docMk/>
           <pc:sldMk cId="3192494774" sldId="330"/>
         </pc:sldMkLst>
-      </pc:sldChg>
-      <pc:sldChg chg="addSp delSp modSp new mod modClrScheme chgLayout">
-        <pc:chgData name="Weifeng Xu" userId="e7aed605-a3dd-4d5a-a692-a87037af107b" providerId="ADAL" clId="{0CC1B67B-6FF0-4C7B-BF9D-C508A73793B8}" dt="2021-03-22T02:28:09.223" v="74" actId="20577"/>
-        <pc:sldMkLst>
-          <pc:docMk/>
-          <pc:sldMk cId="566423159" sldId="334"/>
-        </pc:sldMkLst>
-      </pc:sldChg>
-      <pc:sldChg chg="del">
-        <pc:chgData name="Weifeng Xu" userId="e7aed605-a3dd-4d5a-a692-a87037af107b" providerId="ADAL" clId="{0CC1B67B-6FF0-4C7B-BF9D-C508A73793B8}" dt="2021-03-22T02:26:40.654" v="10" actId="47"/>
-        <pc:sldMkLst>
-          <pc:docMk/>
-          <pc:sldMk cId="3494595657" sldId="334"/>
-        </pc:sldMkLst>
-      </pc:sldChg>
-      <pc:sldChg chg="del">
-        <pc:chgData name="Weifeng Xu" userId="e7aed605-a3dd-4d5a-a692-a87037af107b" providerId="ADAL" clId="{0CC1B67B-6FF0-4C7B-BF9D-C508A73793B8}" dt="2021-03-22T02:26:40.713" v="11" actId="47"/>
-        <pc:sldMkLst>
-          <pc:docMk/>
-          <pc:sldMk cId="3364671392" sldId="335"/>
-        </pc:sldMkLst>
-      </pc:sldChg>
-      <pc:sldChg chg="addSp delSp modSp new mod ord modClrScheme chgLayout">
-        <pc:chgData name="Weifeng Xu" userId="e7aed605-a3dd-4d5a-a692-a87037af107b" providerId="ADAL" clId="{0CC1B67B-6FF0-4C7B-BF9D-C508A73793B8}" dt="2021-03-22T02:29:38.776" v="123" actId="20577"/>
-        <pc:sldMkLst>
-          <pc:docMk/>
-          <pc:sldMk cId="3689451257" sldId="335"/>
-        </pc:sldMkLst>
-      </pc:sldChg>
-      <pc:sldChg chg="addSp delSp modSp new mod modClrScheme chgLayout">
-        <pc:chgData name="Weifeng Xu" userId="e7aed605-a3dd-4d5a-a692-a87037af107b" providerId="ADAL" clId="{0CC1B67B-6FF0-4C7B-BF9D-C508A73793B8}" dt="2021-03-22T02:29:55.553" v="127" actId="20577"/>
-        <pc:sldMkLst>
-          <pc:docMk/>
-          <pc:sldMk cId="713012708" sldId="336"/>
-        </pc:sldMkLst>
-      </pc:sldChg>
-      <pc:sldChg chg="addSp delSp modSp new mod modClrScheme chgLayout modNotesTx">
-        <pc:chgData name="Weifeng Xu" userId="e7aed605-a3dd-4d5a-a692-a87037af107b" providerId="ADAL" clId="{0CC1B67B-6FF0-4C7B-BF9D-C508A73793B8}" dt="2021-03-22T18:50:41.993" v="671" actId="20577"/>
-        <pc:sldMkLst>
-          <pc:docMk/>
-          <pc:sldMk cId="119805061" sldId="337"/>
-        </pc:sldMkLst>
-      </pc:sldChg>
-      <pc:sldChg chg="addSp delSp modSp new mod setBg modClrScheme chgLayout modNotesTx">
-        <pc:chgData name="Weifeng Xu" userId="e7aed605-a3dd-4d5a-a692-a87037af107b" providerId="ADAL" clId="{0CC1B67B-6FF0-4C7B-BF9D-C508A73793B8}" dt="2021-03-22T16:53:49.097" v="500" actId="114"/>
-        <pc:sldMkLst>
-          <pc:docMk/>
-          <pc:sldMk cId="1045397166" sldId="338"/>
-        </pc:sldMkLst>
-      </pc:sldChg>
-      <pc:sldChg chg="addSp delSp modSp add mod modClrScheme chgLayout modNotesTx">
-        <pc:chgData name="Weifeng Xu" userId="e7aed605-a3dd-4d5a-a692-a87037af107b" providerId="ADAL" clId="{0CC1B67B-6FF0-4C7B-BF9D-C508A73793B8}" dt="2021-03-22T20:05:18.435" v="1132" actId="6549"/>
-        <pc:sldMkLst>
-          <pc:docMk/>
-          <pc:sldMk cId="1184896937" sldId="339"/>
-        </pc:sldMkLst>
-      </pc:sldChg>
-      <pc:sldChg chg="addSp delSp modSp new mod setBg modClrScheme addAnim delAnim chgLayout modNotesTx">
-        <pc:chgData name="Weifeng Xu" userId="e7aed605-a3dd-4d5a-a692-a87037af107b" providerId="ADAL" clId="{0CC1B67B-6FF0-4C7B-BF9D-C508A73793B8}" dt="2021-03-22T15:25:05.968" v="456" actId="404"/>
-        <pc:sldMkLst>
-          <pc:docMk/>
-          <pc:sldMk cId="991312058" sldId="340"/>
-        </pc:sldMkLst>
-      </pc:sldChg>
-      <pc:sldChg chg="addSp delSp modSp new mod ord modNotesTx">
-        <pc:chgData name="Weifeng Xu" userId="e7aed605-a3dd-4d5a-a692-a87037af107b" providerId="ADAL" clId="{0CC1B67B-6FF0-4C7B-BF9D-C508A73793B8}" dt="2021-03-22T20:14:53.725" v="1260" actId="1035"/>
-        <pc:sldMkLst>
-          <pc:docMk/>
-          <pc:sldMk cId="3664990277" sldId="341"/>
-        </pc:sldMkLst>
-      </pc:sldChg>
-      <pc:sldChg chg="addSp modSp new mod modClrScheme chgLayout">
-        <pc:chgData name="Weifeng Xu" userId="e7aed605-a3dd-4d5a-a692-a87037af107b" providerId="ADAL" clId="{0CC1B67B-6FF0-4C7B-BF9D-C508A73793B8}" dt="2021-03-22T19:01:38.490" v="781" actId="20577"/>
-        <pc:sldMkLst>
-          <pc:docMk/>
-          <pc:sldMk cId="347436562" sldId="342"/>
-        </pc:sldMkLst>
-      </pc:sldChg>
-      <pc:sldChg chg="addSp delSp modSp new mod modClrScheme chgLayout">
-        <pc:chgData name="Weifeng Xu" userId="e7aed605-a3dd-4d5a-a692-a87037af107b" providerId="ADAL" clId="{0CC1B67B-6FF0-4C7B-BF9D-C508A73793B8}" dt="2021-03-22T20:22:41.776" v="1303" actId="14100"/>
-        <pc:sldMkLst>
-          <pc:docMk/>
-          <pc:sldMk cId="420362170" sldId="343"/>
-        </pc:sldMkLst>
-      </pc:sldChg>
-      <pc:sldChg chg="addSp modSp new mod modNotesTx">
-        <pc:chgData name="Weifeng Xu" userId="e7aed605-a3dd-4d5a-a692-a87037af107b" providerId="ADAL" clId="{0CC1B67B-6FF0-4C7B-BF9D-C508A73793B8}" dt="2021-03-23T01:25:07.278" v="1373"/>
-        <pc:sldMkLst>
-          <pc:docMk/>
-          <pc:sldMk cId="188422031" sldId="344"/>
-        </pc:sldMkLst>
-      </pc:sldChg>
-      <pc:sldChg chg="addSp delSp modSp new mod modNotesTx">
-        <pc:chgData name="Weifeng Xu" userId="e7aed605-a3dd-4d5a-a692-a87037af107b" providerId="ADAL" clId="{0CC1B67B-6FF0-4C7B-BF9D-C508A73793B8}" dt="2021-03-23T02:10:50.814" v="1531"/>
-        <pc:sldMkLst>
-          <pc:docMk/>
-          <pc:sldMk cId="1056541184" sldId="345"/>
-        </pc:sldMkLst>
-      </pc:sldChg>
-    </pc:docChg>
-  </pc:docChgLst>
-  <pc:docChgLst>
-    <pc:chgData name="Harleen Kaur" userId="S::id65ns02@ubalt.edu::9f7fc1d6-ab67-473f-ba46-e98f6ce2049b" providerId="AD" clId="Web-{A6A59B01-3D4E-001E-8AD2-FCA96CE0C2FB}"/>
-    <pc:docChg chg="modSld">
-      <pc:chgData name="Harleen Kaur" userId="S::id65ns02@ubalt.edu::9f7fc1d6-ab67-473f-ba46-e98f6ce2049b" providerId="AD" clId="Web-{A6A59B01-3D4E-001E-8AD2-FCA96CE0C2FB}" dt="2021-06-04T01:30:34.654" v="0" actId="1076"/>
-      <pc:docMkLst>
-        <pc:docMk/>
-      </pc:docMkLst>
-      <pc:sldChg chg="modSp">
-        <pc:chgData name="Harleen Kaur" userId="S::id65ns02@ubalt.edu::9f7fc1d6-ab67-473f-ba46-e98f6ce2049b" providerId="AD" clId="Web-{A6A59B01-3D4E-001E-8AD2-FCA96CE0C2FB}" dt="2021-06-04T01:30:34.654" v="0" actId="1076"/>
-        <pc:sldMkLst>
-          <pc:docMk/>
-          <pc:sldMk cId="1345239187" sldId="283"/>
-        </pc:sldMkLst>
-      </pc:sldChg>
-    </pc:docChg>
-  </pc:docChgLst>
-  <pc:docChgLst>
-    <pc:chgData name="Weifeng Xu" userId="e7aed605-a3dd-4d5a-a692-a87037af107b" providerId="ADAL" clId="{3EF660C2-5E00-497A-8141-0937EA7FF5A5}"/>
-    <pc:docChg chg="undo redo custSel addSld modSld sldOrd">
-      <pc:chgData name="Weifeng Xu" userId="e7aed605-a3dd-4d5a-a692-a87037af107b" providerId="ADAL" clId="{3EF660C2-5E00-497A-8141-0937EA7FF5A5}" dt="2025-02-17T15:26:16.736" v="1912" actId="20577"/>
-      <pc:docMkLst>
-        <pc:docMk/>
-      </pc:docMkLst>
-      <pc:sldChg chg="addSp delSp modSp mod modNotesTx">
-        <pc:chgData name="Weifeng Xu" userId="e7aed605-a3dd-4d5a-a692-a87037af107b" providerId="ADAL" clId="{3EF660C2-5E00-497A-8141-0937EA7FF5A5}" dt="2025-02-14T15:33:21.184" v="1850" actId="6549"/>
-        <pc:sldMkLst>
-          <pc:docMk/>
-          <pc:sldMk cId="594714798" sldId="257"/>
-        </pc:sldMkLst>
-      </pc:sldChg>
-      <pc:sldChg chg="addSp modSp mod modNotesTx">
-        <pc:chgData name="Weifeng Xu" userId="e7aed605-a3dd-4d5a-a692-a87037af107b" providerId="ADAL" clId="{3EF660C2-5E00-497A-8141-0937EA7FF5A5}" dt="2024-12-27T14:38:38.796" v="252" actId="6549"/>
-        <pc:sldMkLst>
-          <pc:docMk/>
-          <pc:sldMk cId="838394385" sldId="260"/>
-        </pc:sldMkLst>
-      </pc:sldChg>
-      <pc:sldChg chg="modSp mod">
-        <pc:chgData name="Weifeng Xu" userId="e7aed605-a3dd-4d5a-a692-a87037af107b" providerId="ADAL" clId="{3EF660C2-5E00-497A-8141-0937EA7FF5A5}" dt="2025-02-11T17:50:34.883" v="1849" actId="20577"/>
-        <pc:sldMkLst>
-          <pc:docMk/>
-          <pc:sldMk cId="4291129217" sldId="282"/>
-        </pc:sldMkLst>
-      </pc:sldChg>
-      <pc:sldChg chg="modSp mod">
-        <pc:chgData name="Weifeng Xu" userId="e7aed605-a3dd-4d5a-a692-a87037af107b" providerId="ADAL" clId="{3EF660C2-5E00-497A-8141-0937EA7FF5A5}" dt="2024-12-27T14:44:09.711" v="278" actId="20577"/>
-        <pc:sldMkLst>
-          <pc:docMk/>
-          <pc:sldMk cId="1345239187" sldId="283"/>
-        </pc:sldMkLst>
-      </pc:sldChg>
-      <pc:sldChg chg="addSp modSp mod">
-        <pc:chgData name="Weifeng Xu" userId="e7aed605-a3dd-4d5a-a692-a87037af107b" providerId="ADAL" clId="{3EF660C2-5E00-497A-8141-0937EA7FF5A5}" dt="2024-12-29T00:50:32.311" v="943" actId="207"/>
-        <pc:sldMkLst>
-          <pc:docMk/>
-          <pc:sldMk cId="988206790" sldId="284"/>
-        </pc:sldMkLst>
-      </pc:sldChg>
-      <pc:sldChg chg="addSp modSp mod">
-        <pc:chgData name="Weifeng Xu" userId="e7aed605-a3dd-4d5a-a692-a87037af107b" providerId="ADAL" clId="{3EF660C2-5E00-497A-8141-0937EA7FF5A5}" dt="2025-02-10T04:05:42.334" v="1229" actId="1035"/>
-        <pc:sldMkLst>
-          <pc:docMk/>
-          <pc:sldMk cId="848153081" sldId="285"/>
-        </pc:sldMkLst>
-      </pc:sldChg>
-      <pc:sldChg chg="modSp mod ord">
-        <pc:chgData name="Weifeng Xu" userId="e7aed605-a3dd-4d5a-a692-a87037af107b" providerId="ADAL" clId="{3EF660C2-5E00-497A-8141-0937EA7FF5A5}" dt="2025-02-10T04:05:55.819" v="1231" actId="27636"/>
-        <pc:sldMkLst>
-          <pc:docMk/>
-          <pc:sldMk cId="319929686" sldId="286"/>
-        </pc:sldMkLst>
-      </pc:sldChg>
-      <pc:sldChg chg="modSp mod">
-        <pc:chgData name="Weifeng Xu" userId="e7aed605-a3dd-4d5a-a692-a87037af107b" providerId="ADAL" clId="{3EF660C2-5E00-497A-8141-0937EA7FF5A5}" dt="2024-12-27T14:46:05.947" v="353" actId="20577"/>
-        <pc:sldMkLst>
-          <pc:docMk/>
-          <pc:sldMk cId="2323005149" sldId="296"/>
-        </pc:sldMkLst>
-      </pc:sldChg>
-      <pc:sldChg chg="modSp mod">
-        <pc:chgData name="Weifeng Xu" userId="e7aed605-a3dd-4d5a-a692-a87037af107b" providerId="ADAL" clId="{3EF660C2-5E00-497A-8141-0937EA7FF5A5}" dt="2025-02-10T04:00:00.141" v="1188" actId="313"/>
-        <pc:sldMkLst>
-          <pc:docMk/>
-          <pc:sldMk cId="53763807" sldId="304"/>
-        </pc:sldMkLst>
-      </pc:sldChg>
-      <pc:sldChg chg="modSp mod">
-        <pc:chgData name="Weifeng Xu" userId="e7aed605-a3dd-4d5a-a692-a87037af107b" providerId="ADAL" clId="{3EF660C2-5E00-497A-8141-0937EA7FF5A5}" dt="2024-12-27T01:20:20.937" v="23" actId="20577"/>
-        <pc:sldMkLst>
-          <pc:docMk/>
-          <pc:sldMk cId="3192494774" sldId="330"/>
-        </pc:sldMkLst>
-      </pc:sldChg>
-      <pc:sldChg chg="modSp mod">
-        <pc:chgData name="Weifeng Xu" userId="e7aed605-a3dd-4d5a-a692-a87037af107b" providerId="ADAL" clId="{3EF660C2-5E00-497A-8141-0937EA7FF5A5}" dt="2024-12-27T14:47:35.244" v="410" actId="20577"/>
-        <pc:sldMkLst>
-          <pc:docMk/>
-          <pc:sldMk cId="566423159" sldId="334"/>
-        </pc:sldMkLst>
-      </pc:sldChg>
-      <pc:sldChg chg="modSp mod">
-        <pc:chgData name="Weifeng Xu" userId="e7aed605-a3dd-4d5a-a692-a87037af107b" providerId="ADAL" clId="{3EF660C2-5E00-497A-8141-0937EA7FF5A5}" dt="2024-12-27T15:29:59.480" v="610" actId="20577"/>
-        <pc:sldMkLst>
-          <pc:docMk/>
-          <pc:sldMk cId="713012708" sldId="336"/>
-        </pc:sldMkLst>
-      </pc:sldChg>
-      <pc:sldChg chg="modSp mod">
-        <pc:chgData name="Weifeng Xu" userId="e7aed605-a3dd-4d5a-a692-a87037af107b" providerId="ADAL" clId="{3EF660C2-5E00-497A-8141-0937EA7FF5A5}" dt="2025-02-10T04:08:02.901" v="1235" actId="14100"/>
-        <pc:sldMkLst>
-          <pc:docMk/>
-          <pc:sldMk cId="1045397166" sldId="338"/>
-        </pc:sldMkLst>
-      </pc:sldChg>
-      <pc:sldChg chg="modSp mod">
-        <pc:chgData name="Weifeng Xu" userId="e7aed605-a3dd-4d5a-a692-a87037af107b" providerId="ADAL" clId="{3EF660C2-5E00-497A-8141-0937EA7FF5A5}" dt="2024-12-27T15:44:03.920" v="611" actId="1076"/>
-        <pc:sldMkLst>
-          <pc:docMk/>
-          <pc:sldMk cId="1184896937" sldId="339"/>
-        </pc:sldMkLst>
-      </pc:sldChg>
-      <pc:sldChg chg="addSp modSp mod modNotesTx">
-        <pc:chgData name="Weifeng Xu" userId="e7aed605-a3dd-4d5a-a692-a87037af107b" providerId="ADAL" clId="{3EF660C2-5E00-497A-8141-0937EA7FF5A5}" dt="2025-02-17T14:40:30.311" v="1899" actId="20577"/>
-        <pc:sldMkLst>
-          <pc:docMk/>
-          <pc:sldMk cId="3664990277" sldId="341"/>
-        </pc:sldMkLst>
-      </pc:sldChg>
-      <pc:sldChg chg="addSp modSp mod">
-        <pc:chgData name="Weifeng Xu" userId="e7aed605-a3dd-4d5a-a692-a87037af107b" providerId="ADAL" clId="{3EF660C2-5E00-497A-8141-0937EA7FF5A5}" dt="2025-02-10T16:06:32.550" v="1477" actId="20577"/>
-        <pc:sldMkLst>
-          <pc:docMk/>
-          <pc:sldMk cId="420362170" sldId="343"/>
-        </pc:sldMkLst>
-      </pc:sldChg>
-      <pc:sldChg chg="modSp mod">
-        <pc:chgData name="Weifeng Xu" userId="e7aed605-a3dd-4d5a-a692-a87037af107b" providerId="ADAL" clId="{3EF660C2-5E00-497A-8141-0937EA7FF5A5}" dt="2024-12-27T15:45:30.163" v="614" actId="1076"/>
-        <pc:sldMkLst>
-          <pc:docMk/>
-          <pc:sldMk cId="188422031" sldId="344"/>
-        </pc:sldMkLst>
-      </pc:sldChg>
-      <pc:sldChg chg="addSp delSp modSp new mod modClrScheme chgLayout modNotesTx">
-        <pc:chgData name="Weifeng Xu" userId="e7aed605-a3dd-4d5a-a692-a87037af107b" providerId="ADAL" clId="{3EF660C2-5E00-497A-8141-0937EA7FF5A5}" dt="2025-02-10T04:07:23.194" v="1233" actId="14100"/>
-        <pc:sldMkLst>
-          <pc:docMk/>
-          <pc:sldMk cId="1360313626" sldId="347"/>
-        </pc:sldMkLst>
-      </pc:sldChg>
-      <pc:sldChg chg="addSp modSp new mod">
-        <pc:chgData name="Weifeng Xu" userId="e7aed605-a3dd-4d5a-a692-a87037af107b" providerId="ADAL" clId="{3EF660C2-5E00-497A-8141-0937EA7FF5A5}" dt="2025-02-10T04:19:04.914" v="1245" actId="14100"/>
-        <pc:sldMkLst>
-          <pc:docMk/>
-          <pc:sldMk cId="1277684933" sldId="348"/>
-        </pc:sldMkLst>
-      </pc:sldChg>
-      <pc:sldChg chg="addSp modSp new mod modClrScheme chgLayout">
-        <pc:chgData name="Weifeng Xu" userId="e7aed605-a3dd-4d5a-a692-a87037af107b" providerId="ADAL" clId="{3EF660C2-5E00-497A-8141-0937EA7FF5A5}" dt="2025-02-10T04:29:08.852" v="1254" actId="1076"/>
-        <pc:sldMkLst>
-          <pc:docMk/>
-          <pc:sldMk cId="36990060" sldId="349"/>
-        </pc:sldMkLst>
-      </pc:sldChg>
-      <pc:sldChg chg="addSp modSp new mod modNotesTx">
-        <pc:chgData name="Weifeng Xu" userId="e7aed605-a3dd-4d5a-a692-a87037af107b" providerId="ADAL" clId="{3EF660C2-5E00-497A-8141-0937EA7FF5A5}" dt="2025-02-10T16:05:06.906" v="1461" actId="404"/>
-        <pc:sldMkLst>
-          <pc:docMk/>
-          <pc:sldMk cId="3507407688" sldId="350"/>
-        </pc:sldMkLst>
-      </pc:sldChg>
-      <pc:sldChg chg="addSp modSp new mod modClrScheme chgLayout">
-        <pc:chgData name="Weifeng Xu" userId="e7aed605-a3dd-4d5a-a692-a87037af107b" providerId="ADAL" clId="{3EF660C2-5E00-497A-8141-0937EA7FF5A5}" dt="2025-02-14T15:50:49" v="1892" actId="20577"/>
-        <pc:sldMkLst>
-          <pc:docMk/>
-          <pc:sldMk cId="1881697046" sldId="351"/>
-        </pc:sldMkLst>
-      </pc:sldChg>
-      <pc:sldChg chg="addSp modSp new mod modNotesTx">
-        <pc:chgData name="Weifeng Xu" userId="e7aed605-a3dd-4d5a-a692-a87037af107b" providerId="ADAL" clId="{3EF660C2-5E00-497A-8141-0937EA7FF5A5}" dt="2025-02-17T15:26:16.736" v="1912" actId="20577"/>
-        <pc:sldMkLst>
-          <pc:docMk/>
-          <pc:sldMk cId="3226992021" sldId="352"/>
-        </pc:sldMkLst>
-      </pc:sldChg>
-    </pc:docChg>
-  </pc:docChgLst>
-  <pc:docChgLst>
-    <pc:chgData name="Richard Wheeless" userId="S::id63la41@ubalt.edu::edf7d7f9-5d95-4eec-886d-0f745236a21b" providerId="AD" clId="Web-{EFDB7389-BEFA-A459-AC04-7036D2800BAB}"/>
-    <pc:docChg chg="sldOrd">
-      <pc:chgData name="Richard Wheeless" userId="S::id63la41@ubalt.edu::edf7d7f9-5d95-4eec-886d-0f745236a21b" providerId="AD" clId="Web-{EFDB7389-BEFA-A459-AC04-7036D2800BAB}" dt="2021-02-05T04:30:08.248" v="0"/>
-      <pc:docMkLst>
-        <pc:docMk/>
-      </pc:docMkLst>
-      <pc:sldChg chg="ord">
-        <pc:chgData name="Richard Wheeless" userId="S::id63la41@ubalt.edu::edf7d7f9-5d95-4eec-886d-0f745236a21b" providerId="AD" clId="Web-{EFDB7389-BEFA-A459-AC04-7036D2800BAB}" dt="2021-02-05T04:30:08.248" v="0"/>
-        <pc:sldMkLst>
-          <pc:docMk/>
-          <pc:sldMk cId="2219828795" sldId="263"/>
-        </pc:sldMkLst>
-      </pc:sldChg>
-    </pc:docChg>
-  </pc:docChgLst>
-  <pc:docChgLst>
-    <pc:chgData name="Richard Wheeless" userId="edf7d7f9-5d95-4eec-886d-0f745236a21b" providerId="ADAL" clId="{B9126330-C9DF-4823-B699-68C5989AAE60}"/>
-    <pc:docChg chg="undo custSel modSld">
-      <pc:chgData name="Richard Wheeless" userId="edf7d7f9-5d95-4eec-886d-0f745236a21b" providerId="ADAL" clId="{B9126330-C9DF-4823-B699-68C5989AAE60}" dt="2021-03-20T23:47:55.885" v="1" actId="313"/>
-      <pc:docMkLst>
-        <pc:docMk/>
-      </pc:docMkLst>
-      <pc:sldChg chg="modNotesTx">
-        <pc:chgData name="Richard Wheeless" userId="edf7d7f9-5d95-4eec-886d-0f745236a21b" providerId="ADAL" clId="{B9126330-C9DF-4823-B699-68C5989AAE60}" dt="2021-03-20T23:47:55.885" v="1" actId="313"/>
-        <pc:sldMkLst>
-          <pc:docMk/>
-          <pc:sldMk cId="594714798" sldId="257"/>
-        </pc:sldMkLst>
-      </pc:sldChg>
-    </pc:docChg>
-  </pc:docChgLst>
-  <pc:docChgLst>
-    <pc:chgData name="Weifeng Xu" userId="e7aed605-a3dd-4d5a-a692-a87037af107b" providerId="ADAL" clId="{4DC338DC-19C7-41EB-B9B2-C1FF8A2AEED8}"/>
-    <pc:docChg chg="undo custSel addSld delSld modSld">
-      <pc:chgData name="Weifeng Xu" userId="e7aed605-a3dd-4d5a-a692-a87037af107b" providerId="ADAL" clId="{4DC338DC-19C7-41EB-B9B2-C1FF8A2AEED8}" dt="2021-03-19T19:02:11.523" v="829" actId="108"/>
-      <pc:docMkLst>
-        <pc:docMk/>
-      </pc:docMkLst>
-      <pc:sldChg chg="del">
-        <pc:chgData name="Weifeng Xu" userId="e7aed605-a3dd-4d5a-a692-a87037af107b" providerId="ADAL" clId="{4DC338DC-19C7-41EB-B9B2-C1FF8A2AEED8}" dt="2021-03-16T13:51:20.310" v="141" actId="47"/>
-        <pc:sldMkLst>
-          <pc:docMk/>
-          <pc:sldMk cId="1483570226" sldId="264"/>
-        </pc:sldMkLst>
-      </pc:sldChg>
-      <pc:sldChg chg="del">
-        <pc:chgData name="Weifeng Xu" userId="e7aed605-a3dd-4d5a-a692-a87037af107b" providerId="ADAL" clId="{4DC338DC-19C7-41EB-B9B2-C1FF8A2AEED8}" dt="2021-03-16T13:51:39.529" v="142" actId="47"/>
-        <pc:sldMkLst>
-          <pc:docMk/>
-          <pc:sldMk cId="4260313878" sldId="273"/>
-        </pc:sldMkLst>
-      </pc:sldChg>
-      <pc:sldChg chg="modSp mod">
-        <pc:chgData name="Weifeng Xu" userId="e7aed605-a3dd-4d5a-a692-a87037af107b" providerId="ADAL" clId="{4DC338DC-19C7-41EB-B9B2-C1FF8A2AEED8}" dt="2021-03-19T15:30:07.079" v="417" actId="20577"/>
-        <pc:sldMkLst>
-          <pc:docMk/>
-          <pc:sldMk cId="2351248153" sldId="279"/>
-        </pc:sldMkLst>
-      </pc:sldChg>
-      <pc:sldChg chg="addSp modSp mod">
-        <pc:chgData name="Weifeng Xu" userId="e7aed605-a3dd-4d5a-a692-a87037af107b" providerId="ADAL" clId="{4DC338DC-19C7-41EB-B9B2-C1FF8A2AEED8}" dt="2021-03-19T18:30:24.018" v="737" actId="20577"/>
-        <pc:sldMkLst>
-          <pc:docMk/>
-          <pc:sldMk cId="1345239187" sldId="283"/>
-        </pc:sldMkLst>
-      </pc:sldChg>
-      <pc:sldChg chg="addSp delSp modSp mod">
-        <pc:chgData name="Weifeng Xu" userId="e7aed605-a3dd-4d5a-a692-a87037af107b" providerId="ADAL" clId="{4DC338DC-19C7-41EB-B9B2-C1FF8A2AEED8}" dt="2021-03-19T18:48:20.923" v="783" actId="20577"/>
-        <pc:sldMkLst>
-          <pc:docMk/>
-          <pc:sldMk cId="988206790" sldId="284"/>
-        </pc:sldMkLst>
-      </pc:sldChg>
-      <pc:sldChg chg="modSp mod">
-        <pc:chgData name="Weifeng Xu" userId="e7aed605-a3dd-4d5a-a692-a87037af107b" providerId="ADAL" clId="{4DC338DC-19C7-41EB-B9B2-C1FF8A2AEED8}" dt="2021-03-19T15:35:44.750" v="550" actId="20577"/>
-        <pc:sldMkLst>
-          <pc:docMk/>
-          <pc:sldMk cId="848153081" sldId="285"/>
-        </pc:sldMkLst>
-      </pc:sldChg>
-      <pc:sldChg chg="modSp mod">
-        <pc:chgData name="Weifeng Xu" userId="e7aed605-a3dd-4d5a-a692-a87037af107b" providerId="ADAL" clId="{4DC338DC-19C7-41EB-B9B2-C1FF8A2AEED8}" dt="2021-03-19T18:59:07.222" v="826" actId="6549"/>
-        <pc:sldMkLst>
-          <pc:docMk/>
-          <pc:sldMk cId="319929686" sldId="286"/>
-        </pc:sldMkLst>
-      </pc:sldChg>
-      <pc:sldChg chg="del">
-        <pc:chgData name="Weifeng Xu" userId="e7aed605-a3dd-4d5a-a692-a87037af107b" providerId="ADAL" clId="{4DC338DC-19C7-41EB-B9B2-C1FF8A2AEED8}" dt="2021-03-06T01:15:55.818" v="0" actId="47"/>
-        <pc:sldMkLst>
-          <pc:docMk/>
-          <pc:sldMk cId="2783025053" sldId="287"/>
-        </pc:sldMkLst>
-      </pc:sldChg>
-      <pc:sldChg chg="del">
-        <pc:chgData name="Weifeng Xu" userId="e7aed605-a3dd-4d5a-a692-a87037af107b" providerId="ADAL" clId="{4DC338DC-19C7-41EB-B9B2-C1FF8A2AEED8}" dt="2021-03-06T01:15:58.325" v="6" actId="47"/>
-        <pc:sldMkLst>
-          <pc:docMk/>
-          <pc:sldMk cId="114776636" sldId="288"/>
-        </pc:sldMkLst>
-      </pc:sldChg>
-      <pc:sldChg chg="del">
-        <pc:chgData name="Weifeng Xu" userId="e7aed605-a3dd-4d5a-a692-a87037af107b" providerId="ADAL" clId="{4DC338DC-19C7-41EB-B9B2-C1FF8A2AEED8}" dt="2021-03-06T01:15:56.509" v="1" actId="47"/>
-        <pc:sldMkLst>
-          <pc:docMk/>
-          <pc:sldMk cId="1757879576" sldId="293"/>
-        </pc:sldMkLst>
-      </pc:sldChg>
-      <pc:sldChg chg="del">
-        <pc:chgData name="Weifeng Xu" userId="e7aed605-a3dd-4d5a-a692-a87037af107b" providerId="ADAL" clId="{4DC338DC-19C7-41EB-B9B2-C1FF8A2AEED8}" dt="2021-03-06T01:15:56.918" v="2" actId="47"/>
-        <pc:sldMkLst>
-          <pc:docMk/>
-          <pc:sldMk cId="2207446241" sldId="294"/>
-        </pc:sldMkLst>
-      </pc:sldChg>
-      <pc:sldChg chg="del">
-        <pc:chgData name="Weifeng Xu" userId="e7aed605-a3dd-4d5a-a692-a87037af107b" providerId="ADAL" clId="{4DC338DC-19C7-41EB-B9B2-C1FF8A2AEED8}" dt="2021-03-06T01:15:57.141" v="3" actId="47"/>
-        <pc:sldMkLst>
-          <pc:docMk/>
-          <pc:sldMk cId="2224677796" sldId="297"/>
-        </pc:sldMkLst>
-      </pc:sldChg>
-      <pc:sldChg chg="del">
-        <pc:chgData name="Weifeng Xu" userId="e7aed605-a3dd-4d5a-a692-a87037af107b" providerId="ADAL" clId="{4DC338DC-19C7-41EB-B9B2-C1FF8A2AEED8}" dt="2021-03-06T01:15:57.352" v="4" actId="47"/>
-        <pc:sldMkLst>
-          <pc:docMk/>
-          <pc:sldMk cId="1105583169" sldId="298"/>
-        </pc:sldMkLst>
-      </pc:sldChg>
-      <pc:sldChg chg="del">
-        <pc:chgData name="Weifeng Xu" userId="e7aed605-a3dd-4d5a-a692-a87037af107b" providerId="ADAL" clId="{4DC338DC-19C7-41EB-B9B2-C1FF8A2AEED8}" dt="2021-03-06T01:15:57.773" v="5" actId="47"/>
-        <pc:sldMkLst>
-          <pc:docMk/>
-          <pc:sldMk cId="3471057309" sldId="299"/>
-        </pc:sldMkLst>
-      </pc:sldChg>
-      <pc:sldChg chg="del">
-        <pc:chgData name="Weifeng Xu" userId="e7aed605-a3dd-4d5a-a692-a87037af107b" providerId="ADAL" clId="{4DC338DC-19C7-41EB-B9B2-C1FF8A2AEED8}" dt="2021-03-06T01:15:58.558" v="7" actId="47"/>
-        <pc:sldMkLst>
-          <pc:docMk/>
-          <pc:sldMk cId="877061006" sldId="300"/>
-        </pc:sldMkLst>
-      </pc:sldChg>
-      <pc:sldChg chg="del">
-        <pc:chgData name="Weifeng Xu" userId="e7aed605-a3dd-4d5a-a692-a87037af107b" providerId="ADAL" clId="{4DC338DC-19C7-41EB-B9B2-C1FF8A2AEED8}" dt="2021-03-06T01:15:58.739" v="8" actId="47"/>
-        <pc:sldMkLst>
-          <pc:docMk/>
-          <pc:sldMk cId="2343196982" sldId="301"/>
-        </pc:sldMkLst>
-      </pc:sldChg>
-      <pc:sldChg chg="del">
-        <pc:chgData name="Weifeng Xu" userId="e7aed605-a3dd-4d5a-a692-a87037af107b" providerId="ADAL" clId="{4DC338DC-19C7-41EB-B9B2-C1FF8A2AEED8}" dt="2021-03-06T01:16:00.971" v="17" actId="47"/>
-        <pc:sldMkLst>
-          <pc:docMk/>
-          <pc:sldMk cId="493733997" sldId="302"/>
-        </pc:sldMkLst>
-      </pc:sldChg>
-      <pc:sldChg chg="del">
-        <pc:chgData name="Weifeng Xu" userId="e7aed605-a3dd-4d5a-a692-a87037af107b" providerId="ADAL" clId="{4DC338DC-19C7-41EB-B9B2-C1FF8A2AEED8}" dt="2021-03-06T01:15:58.930" v="9" actId="47"/>
-        <pc:sldMkLst>
-          <pc:docMk/>
-          <pc:sldMk cId="3476121000" sldId="303"/>
-        </pc:sldMkLst>
-      </pc:sldChg>
-      <pc:sldChg chg="modSp mod">
-        <pc:chgData name="Weifeng Xu" userId="e7aed605-a3dd-4d5a-a692-a87037af107b" providerId="ADAL" clId="{4DC338DC-19C7-41EB-B9B2-C1FF8A2AEED8}" dt="2021-03-19T19:02:11.523" v="829" actId="108"/>
-        <pc:sldMkLst>
-          <pc:docMk/>
-          <pc:sldMk cId="53763807" sldId="304"/>
-        </pc:sldMkLst>
-      </pc:sldChg>
-      <pc:sldChg chg="del">
-        <pc:chgData name="Weifeng Xu" userId="e7aed605-a3dd-4d5a-a692-a87037af107b" providerId="ADAL" clId="{4DC338DC-19C7-41EB-B9B2-C1FF8A2AEED8}" dt="2021-03-06T01:15:59.145" v="10" actId="47"/>
-        <pc:sldMkLst>
-          <pc:docMk/>
-          <pc:sldMk cId="1618462415" sldId="305"/>
-        </pc:sldMkLst>
-      </pc:sldChg>
-      <pc:sldChg chg="del">
-        <pc:chgData name="Weifeng Xu" userId="e7aed605-a3dd-4d5a-a692-a87037af107b" providerId="ADAL" clId="{4DC338DC-19C7-41EB-B9B2-C1FF8A2AEED8}" dt="2021-03-06T01:15:59.352" v="11" actId="47"/>
-        <pc:sldMkLst>
-          <pc:docMk/>
-          <pc:sldMk cId="180323046" sldId="306"/>
-        </pc:sldMkLst>
-      </pc:sldChg>
-      <pc:sldChg chg="del">
-        <pc:chgData name="Weifeng Xu" userId="e7aed605-a3dd-4d5a-a692-a87037af107b" providerId="ADAL" clId="{4DC338DC-19C7-41EB-B9B2-C1FF8A2AEED8}" dt="2021-03-06T01:16:00.758" v="16" actId="47"/>
-        <pc:sldMkLst>
-          <pc:docMk/>
-          <pc:sldMk cId="3237227748" sldId="307"/>
-        </pc:sldMkLst>
-      </pc:sldChg>
-      <pc:sldChg chg="del">
-        <pc:chgData name="Weifeng Xu" userId="e7aed605-a3dd-4d5a-a692-a87037af107b" providerId="ADAL" clId="{4DC338DC-19C7-41EB-B9B2-C1FF8A2AEED8}" dt="2021-03-06T01:16:01.189" v="18" actId="47"/>
-        <pc:sldMkLst>
-          <pc:docMk/>
-          <pc:sldMk cId="1577270902" sldId="308"/>
-        </pc:sldMkLst>
-      </pc:sldChg>
-      <pc:sldChg chg="del">
-        <pc:chgData name="Weifeng Xu" userId="e7aed605-a3dd-4d5a-a692-a87037af107b" providerId="ADAL" clId="{4DC338DC-19C7-41EB-B9B2-C1FF8A2AEED8}" dt="2021-03-06T01:16:02.209" v="21" actId="47"/>
-        <pc:sldMkLst>
-          <pc:docMk/>
-          <pc:sldMk cId="181172030" sldId="309"/>
-        </pc:sldMkLst>
-      </pc:sldChg>
-      <pc:sldChg chg="del">
-        <pc:chgData name="Weifeng Xu" userId="e7aed605-a3dd-4d5a-a692-a87037af107b" providerId="ADAL" clId="{4DC338DC-19C7-41EB-B9B2-C1FF8A2AEED8}" dt="2021-03-06T01:16:01.572" v="19" actId="47"/>
-        <pc:sldMkLst>
-          <pc:docMk/>
-          <pc:sldMk cId="1809058598" sldId="310"/>
-        </pc:sldMkLst>
-      </pc:sldChg>
-      <pc:sldChg chg="del">
-        <pc:chgData name="Weifeng Xu" userId="e7aed605-a3dd-4d5a-a692-a87037af107b" providerId="ADAL" clId="{4DC338DC-19C7-41EB-B9B2-C1FF8A2AEED8}" dt="2021-03-06T01:16:01.968" v="20" actId="47"/>
-        <pc:sldMkLst>
-          <pc:docMk/>
-          <pc:sldMk cId="4192303" sldId="311"/>
-        </pc:sldMkLst>
-      </pc:sldChg>
-      <pc:sldChg chg="del">
-        <pc:chgData name="Weifeng Xu" userId="e7aed605-a3dd-4d5a-a692-a87037af107b" providerId="ADAL" clId="{4DC338DC-19C7-41EB-B9B2-C1FF8A2AEED8}" dt="2021-03-06T01:15:59.634" v="12" actId="47"/>
-        <pc:sldMkLst>
-          <pc:docMk/>
-          <pc:sldMk cId="591621681" sldId="312"/>
-        </pc:sldMkLst>
-      </pc:sldChg>
-      <pc:sldChg chg="del">
-        <pc:chgData name="Weifeng Xu" userId="e7aed605-a3dd-4d5a-a692-a87037af107b" providerId="ADAL" clId="{4DC338DC-19C7-41EB-B9B2-C1FF8A2AEED8}" dt="2021-03-06T01:15:59.941" v="13" actId="47"/>
-        <pc:sldMkLst>
-          <pc:docMk/>
-          <pc:sldMk cId="214490323" sldId="313"/>
-        </pc:sldMkLst>
-      </pc:sldChg>
-      <pc:sldChg chg="del">
-        <pc:chgData name="Weifeng Xu" userId="e7aed605-a3dd-4d5a-a692-a87037af107b" providerId="ADAL" clId="{4DC338DC-19C7-41EB-B9B2-C1FF8A2AEED8}" dt="2021-03-06T01:16:00.176" v="14" actId="47"/>
-        <pc:sldMkLst>
-          <pc:docMk/>
-          <pc:sldMk cId="3337387503" sldId="318"/>
-        </pc:sldMkLst>
-      </pc:sldChg>
-      <pc:sldChg chg="del">
-        <pc:chgData name="Weifeng Xu" userId="e7aed605-a3dd-4d5a-a692-a87037af107b" providerId="ADAL" clId="{4DC338DC-19C7-41EB-B9B2-C1FF8A2AEED8}" dt="2021-03-06T01:16:00.511" v="15" actId="47"/>
-        <pc:sldMkLst>
-          <pc:docMk/>
-          <pc:sldMk cId="2446382234" sldId="319"/>
-        </pc:sldMkLst>
-      </pc:sldChg>
-      <pc:sldChg chg="del">
-        <pc:chgData name="Weifeng Xu" userId="e7aed605-a3dd-4d5a-a692-a87037af107b" providerId="ADAL" clId="{4DC338DC-19C7-41EB-B9B2-C1FF8A2AEED8}" dt="2021-03-06T01:16:02.572" v="22" actId="47"/>
-        <pc:sldMkLst>
-          <pc:docMk/>
-          <pc:sldMk cId="3877897741" sldId="320"/>
-        </pc:sldMkLst>
-      </pc:sldChg>
-      <pc:sldChg chg="del">
-        <pc:chgData name="Weifeng Xu" userId="e7aed605-a3dd-4d5a-a692-a87037af107b" providerId="ADAL" clId="{4DC338DC-19C7-41EB-B9B2-C1FF8A2AEED8}" dt="2021-03-06T01:16:02.772" v="23" actId="47"/>
-        <pc:sldMkLst>
-          <pc:docMk/>
-          <pc:sldMk cId="926804527" sldId="321"/>
-        </pc:sldMkLst>
-      </pc:sldChg>
-      <pc:sldChg chg="add del">
-        <pc:chgData name="Weifeng Xu" userId="e7aed605-a3dd-4d5a-a692-a87037af107b" providerId="ADAL" clId="{4DC338DC-19C7-41EB-B9B2-C1FF8A2AEED8}" dt="2021-03-06T01:16:10.808" v="26" actId="47"/>
-        <pc:sldMkLst>
-          <pc:docMk/>
-          <pc:sldMk cId="3506800452" sldId="322"/>
-        </pc:sldMkLst>
-      </pc:sldChg>
-      <pc:sldChg chg="addSp modSp new mod modClrScheme chgLayout modNotesTx">
-        <pc:chgData name="Weifeng Xu" userId="e7aed605-a3dd-4d5a-a692-a87037af107b" providerId="ADAL" clId="{4DC338DC-19C7-41EB-B9B2-C1FF8A2AEED8}" dt="2021-03-19T18:57:28.919" v="823" actId="207"/>
-        <pc:sldMkLst>
-          <pc:docMk/>
-          <pc:sldMk cId="3192494774" sldId="330"/>
-        </pc:sldMkLst>
-      </pc:sldChg>
-      <pc:sldChg chg="new del">
-        <pc:chgData name="Weifeng Xu" userId="e7aed605-a3dd-4d5a-a692-a87037af107b" providerId="ADAL" clId="{4DC338DC-19C7-41EB-B9B2-C1FF8A2AEED8}" dt="2021-03-06T15:07:54.310" v="28" actId="680"/>
-        <pc:sldMkLst>
-          <pc:docMk/>
-          <pc:sldMk cId="3204093995" sldId="330"/>
-        </pc:sldMkLst>
-      </pc:sldChg>
-      <pc:sldChg chg="addSp delSp modSp new mod modClrScheme chgLayout modNotesTx">
-        <pc:chgData name="Weifeng Xu" userId="e7aed605-a3dd-4d5a-a692-a87037af107b" providerId="ADAL" clId="{4DC338DC-19C7-41EB-B9B2-C1FF8A2AEED8}" dt="2021-03-12T15:54:15.022" v="80"/>
-        <pc:sldMkLst>
-          <pc:docMk/>
-          <pc:sldMk cId="2786836983" sldId="331"/>
-        </pc:sldMkLst>
-      </pc:sldChg>
-      <pc:sldChg chg="new del">
-        <pc:chgData name="Weifeng Xu" userId="e7aed605-a3dd-4d5a-a692-a87037af107b" providerId="ADAL" clId="{4DC338DC-19C7-41EB-B9B2-C1FF8A2AEED8}" dt="2021-03-06T15:39:53.920" v="76" actId="47"/>
-        <pc:sldMkLst>
-          <pc:docMk/>
-          <pc:sldMk cId="4264100167" sldId="332"/>
-        </pc:sldMkLst>
-      </pc:sldChg>
-      <pc:sldChg chg="addSp modSp new mod">
-        <pc:chgData name="Weifeng Xu" userId="e7aed605-a3dd-4d5a-a692-a87037af107b" providerId="ADAL" clId="{4DC338DC-19C7-41EB-B9B2-C1FF8A2AEED8}" dt="2021-03-06T15:24:59.767" v="75" actId="14100"/>
-        <pc:sldMkLst>
-          <pc:docMk/>
-          <pc:sldMk cId="3230497500" sldId="333"/>
-        </pc:sldMkLst>
-      </pc:sldChg>
-      <pc:sldChg chg="addSp delSp modSp new mod modClrScheme chgLayout modNotesTx">
-        <pc:chgData name="Weifeng Xu" userId="e7aed605-a3dd-4d5a-a692-a87037af107b" providerId="ADAL" clId="{4DC338DC-19C7-41EB-B9B2-C1FF8A2AEED8}" dt="2021-03-16T13:51:04.019" v="140"/>
-        <pc:sldMkLst>
-          <pc:docMk/>
-          <pc:sldMk cId="3494595657" sldId="334"/>
-        </pc:sldMkLst>
-      </pc:sldChg>
-      <pc:sldChg chg="addSp delSp modSp new mod modNotesTx">
-        <pc:chgData name="Weifeng Xu" userId="e7aed605-a3dd-4d5a-a692-a87037af107b" providerId="ADAL" clId="{4DC338DC-19C7-41EB-B9B2-C1FF8A2AEED8}" dt="2021-03-16T14:34:41.439" v="306" actId="14100"/>
-        <pc:sldMkLst>
-          <pc:docMk/>
-          <pc:sldMk cId="3364671392" sldId="335"/>
-        </pc:sldMkLst>
-      </pc:sldChg>
-    </pc:docChg>
-  </pc:docChgLst>
-  <pc:docChgLst>
-    <pc:chgData name="Weifeng Xu" userId="e7aed605-a3dd-4d5a-a692-a87037af107b" providerId="ADAL" clId="{C54D13FE-74BA-4901-A6A3-DD765F0EF80E}"/>
-    <pc:docChg chg="undo redo custSel mod addSld modSld sldOrd">
-      <pc:chgData name="Weifeng Xu" userId="e7aed605-a3dd-4d5a-a692-a87037af107b" providerId="ADAL" clId="{C54D13FE-74BA-4901-A6A3-DD765F0EF80E}" dt="2021-01-18T02:17:26.309" v="733" actId="6549"/>
-      <pc:docMkLst>
-        <pc:docMk/>
-      </pc:docMkLst>
-      <pc:sldChg chg="modSp mod">
-        <pc:chgData name="Weifeng Xu" userId="e7aed605-a3dd-4d5a-a692-a87037af107b" providerId="ADAL" clId="{C54D13FE-74BA-4901-A6A3-DD765F0EF80E}" dt="2021-01-18T00:12:35.723" v="6" actId="20577"/>
-        <pc:sldMkLst>
-          <pc:docMk/>
-          <pc:sldMk cId="1392771324" sldId="258"/>
-        </pc:sldMkLst>
-      </pc:sldChg>
-      <pc:sldChg chg="modSp new mod">
-        <pc:chgData name="Weifeng Xu" userId="e7aed605-a3dd-4d5a-a692-a87037af107b" providerId="ADAL" clId="{C54D13FE-74BA-4901-A6A3-DD765F0EF80E}" dt="2021-01-18T01:05:02.364" v="374" actId="20577"/>
-        <pc:sldMkLst>
-          <pc:docMk/>
-          <pc:sldMk cId="1449920218" sldId="261"/>
-        </pc:sldMkLst>
-      </pc:sldChg>
-      <pc:sldChg chg="addSp delSp modSp new mod setBg modClrScheme chgLayout modNotesTx">
-        <pc:chgData name="Weifeng Xu" userId="e7aed605-a3dd-4d5a-a692-a87037af107b" providerId="ADAL" clId="{C54D13FE-74BA-4901-A6A3-DD765F0EF80E}" dt="2021-01-18T01:45:32.650" v="485" actId="1076"/>
-        <pc:sldMkLst>
-          <pc:docMk/>
-          <pc:sldMk cId="3028204050" sldId="262"/>
-        </pc:sldMkLst>
-      </pc:sldChg>
-      <pc:sldChg chg="addSp delSp modSp new mod setBg setClrOvrMap">
-        <pc:chgData name="Weifeng Xu" userId="e7aed605-a3dd-4d5a-a692-a87037af107b" providerId="ADAL" clId="{C54D13FE-74BA-4901-A6A3-DD765F0EF80E}" dt="2021-01-18T02:17:20.454" v="732" actId="20577"/>
-        <pc:sldMkLst>
-          <pc:docMk/>
-          <pc:sldMk cId="2219828795" sldId="263"/>
-        </pc:sldMkLst>
-      </pc:sldChg>
-      <pc:sldChg chg="addSp delSp modSp new mod modClrScheme chgLayout">
-        <pc:chgData name="Weifeng Xu" userId="e7aed605-a3dd-4d5a-a692-a87037af107b" providerId="ADAL" clId="{C54D13FE-74BA-4901-A6A3-DD765F0EF80E}" dt="2021-01-18T02:15:18.970" v="684" actId="14100"/>
-        <pc:sldMkLst>
-          <pc:docMk/>
-          <pc:sldMk cId="266696141" sldId="264"/>
-        </pc:sldMkLst>
-      </pc:sldChg>
-      <pc:sldChg chg="addSp delSp modSp add mod ord modClrScheme chgLayout">
-        <pc:chgData name="Weifeng Xu" userId="e7aed605-a3dd-4d5a-a692-a87037af107b" providerId="ADAL" clId="{C54D13FE-74BA-4901-A6A3-DD765F0EF80E}" dt="2021-01-18T02:17:26.309" v="733" actId="6549"/>
-        <pc:sldMkLst>
-          <pc:docMk/>
-          <pc:sldMk cId="3192448814" sldId="265"/>
-        </pc:sldMkLst>
-      </pc:sldChg>
-    </pc:docChg>
-  </pc:docChgLst>
-  <pc:docChgLst>
-    <pc:chgData name="Weifeng Xu" userId="e7aed605-a3dd-4d5a-a692-a87037af107b" providerId="ADAL" clId="{AA256C9C-DD0A-4A24-AECC-DADA2E819996}"/>
-    <pc:docChg chg="undo redo custSel addSld delSld modSld sldOrd">
-      <pc:chgData name="Weifeng Xu" userId="e7aed605-a3dd-4d5a-a692-a87037af107b" providerId="ADAL" clId="{AA256C9C-DD0A-4A24-AECC-DADA2E819996}" dt="2021-03-06T01:10:00.999" v="10634" actId="47"/>
-      <pc:docMkLst>
-        <pc:docMk/>
-      </pc:docMkLst>
-      <pc:sldChg chg="modSp new mod modNotesTx">
-        <pc:chgData name="Weifeng Xu" userId="e7aed605-a3dd-4d5a-a692-a87037af107b" providerId="ADAL" clId="{AA256C9C-DD0A-4A24-AECC-DADA2E819996}" dt="2021-03-05T19:45:20.383" v="9957" actId="6549"/>
-        <pc:sldMkLst>
-          <pc:docMk/>
-          <pc:sldMk cId="1323245308" sldId="256"/>
-        </pc:sldMkLst>
-      </pc:sldChg>
-      <pc:sldChg chg="addSp delSp modSp new mod modClrScheme chgLayout modNotesTx">
-        <pc:chgData name="Weifeng Xu" userId="e7aed605-a3dd-4d5a-a692-a87037af107b" providerId="ADAL" clId="{AA256C9C-DD0A-4A24-AECC-DADA2E819996}" dt="2021-02-26T22:11:14.469" v="900" actId="33524"/>
-        <pc:sldMkLst>
-          <pc:docMk/>
-          <pc:sldMk cId="594714798" sldId="257"/>
-        </pc:sldMkLst>
-      </pc:sldChg>
-      <pc:sldChg chg="addSp modSp new mod modNotesTx">
-        <pc:chgData name="Weifeng Xu" userId="e7aed605-a3dd-4d5a-a692-a87037af107b" providerId="ADAL" clId="{AA256C9C-DD0A-4A24-AECC-DADA2E819996}" dt="2021-02-26T15:41:14.219" v="142" actId="1076"/>
-        <pc:sldMkLst>
-          <pc:docMk/>
-          <pc:sldMk cId="824954207" sldId="258"/>
-        </pc:sldMkLst>
-      </pc:sldChg>
-      <pc:sldChg chg="del">
-        <pc:chgData name="Weifeng Xu" userId="e7aed605-a3dd-4d5a-a692-a87037af107b" providerId="ADAL" clId="{AA256C9C-DD0A-4A24-AECC-DADA2E819996}" dt="2021-02-26T14:47:33.980" v="0" actId="47"/>
-        <pc:sldMkLst>
-          <pc:docMk/>
-          <pc:sldMk cId="1392771324" sldId="258"/>
-        </pc:sldMkLst>
-      </pc:sldChg>
-      <pc:sldChg chg="addSp delSp modSp new mod setBg addAnim delAnim modNotesTx">
-        <pc:chgData name="Weifeng Xu" userId="e7aed605-a3dd-4d5a-a692-a87037af107b" providerId="ADAL" clId="{AA256C9C-DD0A-4A24-AECC-DADA2E819996}" dt="2021-02-26T15:55:53.438" v="211" actId="26606"/>
-        <pc:sldMkLst>
-          <pc:docMk/>
-          <pc:sldMk cId="357665137" sldId="259"/>
-        </pc:sldMkLst>
-      </pc:sldChg>
-      <pc:sldChg chg="del">
-        <pc:chgData name="Weifeng Xu" userId="e7aed605-a3dd-4d5a-a692-a87037af107b" providerId="ADAL" clId="{AA256C9C-DD0A-4A24-AECC-DADA2E819996}" dt="2021-02-26T14:47:34.111" v="1" actId="47"/>
-        <pc:sldMkLst>
-          <pc:docMk/>
-          <pc:sldMk cId="2206727044" sldId="259"/>
-        </pc:sldMkLst>
-      </pc:sldChg>
-      <pc:sldChg chg="addSp delSp modSp new mod ord modClrScheme chgLayout modNotesTx">
-        <pc:chgData name="Weifeng Xu" userId="e7aed605-a3dd-4d5a-a692-a87037af107b" providerId="ADAL" clId="{AA256C9C-DD0A-4A24-AECC-DADA2E819996}" dt="2021-02-28T19:42:06.059" v="3496" actId="1076"/>
-        <pc:sldMkLst>
-          <pc:docMk/>
-          <pc:sldMk cId="838394385" sldId="260"/>
-        </pc:sldMkLst>
-      </pc:sldChg>
-      <pc:sldChg chg="del">
-        <pc:chgData name="Weifeng Xu" userId="e7aed605-a3dd-4d5a-a692-a87037af107b" providerId="ADAL" clId="{AA256C9C-DD0A-4A24-AECC-DADA2E819996}" dt="2021-02-26T14:47:34.265" v="2" actId="47"/>
-        <pc:sldMkLst>
-          <pc:docMk/>
-          <pc:sldMk cId="3022601266" sldId="260"/>
-        </pc:sldMkLst>
-      </pc:sldChg>
-      <pc:sldChg chg="del">
-        <pc:chgData name="Weifeng Xu" userId="e7aed605-a3dd-4d5a-a692-a87037af107b" providerId="ADAL" clId="{AA256C9C-DD0A-4A24-AECC-DADA2E819996}" dt="2021-02-26T14:47:34.460" v="3" actId="47"/>
-        <pc:sldMkLst>
-          <pc:docMk/>
-          <pc:sldMk cId="1449920218" sldId="261"/>
-        </pc:sldMkLst>
-      </pc:sldChg>
-      <pc:sldChg chg="addSp delSp modSp new mod setBg setClrOvrMap modNotesTx">
-        <pc:chgData name="Weifeng Xu" userId="e7aed605-a3dd-4d5a-a692-a87037af107b" providerId="ADAL" clId="{AA256C9C-DD0A-4A24-AECC-DADA2E819996}" dt="2021-02-26T23:24:42.894" v="922" actId="20577"/>
-        <pc:sldMkLst>
-          <pc:docMk/>
-          <pc:sldMk cId="1539245675" sldId="261"/>
-        </pc:sldMkLst>
-      </pc:sldChg>
-      <pc:sldChg chg="del">
-        <pc:chgData name="Weifeng Xu" userId="e7aed605-a3dd-4d5a-a692-a87037af107b" providerId="ADAL" clId="{AA256C9C-DD0A-4A24-AECC-DADA2E819996}" dt="2021-02-26T14:47:34.558" v="4" actId="47"/>
-        <pc:sldMkLst>
-          <pc:docMk/>
-          <pc:sldMk cId="3028204050" sldId="262"/>
-        </pc:sldMkLst>
-      </pc:sldChg>
-      <pc:sldChg chg="addSp delSp modSp new mod setBg">
-        <pc:chgData name="Weifeng Xu" userId="e7aed605-a3dd-4d5a-a692-a87037af107b" providerId="ADAL" clId="{AA256C9C-DD0A-4A24-AECC-DADA2E819996}" dt="2021-02-26T23:24:33.191" v="921" actId="6549"/>
-        <pc:sldMkLst>
-          <pc:docMk/>
-          <pc:sldMk cId="3347624405" sldId="262"/>
-        </pc:sldMkLst>
-      </pc:sldChg>
-      <pc:sldChg chg="modSp new mod">
-        <pc:chgData name="Weifeng Xu" userId="e7aed605-a3dd-4d5a-a692-a87037af107b" providerId="ADAL" clId="{AA256C9C-DD0A-4A24-AECC-DADA2E819996}" dt="2021-02-26T22:07:44.144" v="887" actId="313"/>
-        <pc:sldMkLst>
-          <pc:docMk/>
-          <pc:sldMk cId="523254660" sldId="263"/>
-        </pc:sldMkLst>
-      </pc:sldChg>
-      <pc:sldChg chg="del">
-        <pc:chgData name="Weifeng Xu" userId="e7aed605-a3dd-4d5a-a692-a87037af107b" providerId="ADAL" clId="{AA256C9C-DD0A-4A24-AECC-DADA2E819996}" dt="2021-02-26T14:47:34.851" v="6" actId="47"/>
-        <pc:sldMkLst>
-          <pc:docMk/>
-          <pc:sldMk cId="2219828795" sldId="263"/>
-        </pc:sldMkLst>
-      </pc:sldChg>
-      <pc:sldChg chg="del">
-        <pc:chgData name="Weifeng Xu" userId="e7aed605-a3dd-4d5a-a692-a87037af107b" providerId="ADAL" clId="{AA256C9C-DD0A-4A24-AECC-DADA2E819996}" dt="2021-02-26T14:47:35.014" v="7" actId="47"/>
-        <pc:sldMkLst>
-          <pc:docMk/>
-          <pc:sldMk cId="266696141" sldId="264"/>
-        </pc:sldMkLst>
-      </pc:sldChg>
-      <pc:sldChg chg="addSp delSp modSp new mod setBg modClrScheme chgLayout modNotesTx">
-        <pc:chgData name="Weifeng Xu" userId="e7aed605-a3dd-4d5a-a692-a87037af107b" providerId="ADAL" clId="{AA256C9C-DD0A-4A24-AECC-DADA2E819996}" dt="2021-02-28T14:40:33.310" v="2566" actId="1076"/>
-        <pc:sldMkLst>
-          <pc:docMk/>
-          <pc:sldMk cId="1483570226" sldId="264"/>
-        </pc:sldMkLst>
-      </pc:sldChg>
-      <pc:sldChg chg="addSp delSp modSp new mod modClrScheme chgLayout modNotesTx">
-        <pc:chgData name="Weifeng Xu" userId="e7aed605-a3dd-4d5a-a692-a87037af107b" providerId="ADAL" clId="{AA256C9C-DD0A-4A24-AECC-DADA2E819996}" dt="2021-03-06T00:11:56.294" v="10594" actId="20577"/>
-        <pc:sldMkLst>
-          <pc:docMk/>
-          <pc:sldMk cId="1005714408" sldId="265"/>
-        </pc:sldMkLst>
-      </pc:sldChg>
-      <pc:sldChg chg="del">
-        <pc:chgData name="Weifeng Xu" userId="e7aed605-a3dd-4d5a-a692-a87037af107b" providerId="ADAL" clId="{AA256C9C-DD0A-4A24-AECC-DADA2E819996}" dt="2021-02-26T14:47:34.700" v="5" actId="47"/>
-        <pc:sldMkLst>
-          <pc:docMk/>
-          <pc:sldMk cId="3192448814" sldId="265"/>
-        </pc:sldMkLst>
-      </pc:sldChg>
-      <pc:sldChg chg="addSp delSp modSp new mod modNotesTx">
-        <pc:chgData name="Weifeng Xu" userId="e7aed605-a3dd-4d5a-a692-a87037af107b" providerId="ADAL" clId="{AA256C9C-DD0A-4A24-AECC-DADA2E819996}" dt="2021-03-05T21:40:51.971" v="10420" actId="108"/>
-        <pc:sldMkLst>
-          <pc:docMk/>
-          <pc:sldMk cId="2103126633" sldId="266"/>
-        </pc:sldMkLst>
-      </pc:sldChg>
-      <pc:sldChg chg="addSp delSp modSp add mod">
-        <pc:chgData name="Weifeng Xu" userId="e7aed605-a3dd-4d5a-a692-a87037af107b" providerId="ADAL" clId="{AA256C9C-DD0A-4A24-AECC-DADA2E819996}" dt="2021-03-05T22:13:51.978" v="10530" actId="1076"/>
-        <pc:sldMkLst>
-          <pc:docMk/>
-          <pc:sldMk cId="2454898931" sldId="267"/>
-        </pc:sldMkLst>
-      </pc:sldChg>
-      <pc:sldChg chg="addSp delSp modSp new mod modClrScheme chgLayout">
-        <pc:chgData name="Weifeng Xu" userId="e7aed605-a3dd-4d5a-a692-a87037af107b" providerId="ADAL" clId="{AA256C9C-DD0A-4A24-AECC-DADA2E819996}" dt="2021-02-28T14:00:27.335" v="2028" actId="20577"/>
-        <pc:sldMkLst>
-          <pc:docMk/>
-          <pc:sldMk cId="927007670" sldId="268"/>
-        </pc:sldMkLst>
-      </pc:sldChg>
-      <pc:sldChg chg="addSp delSp modSp new mod modClrScheme chgLayout">
-        <pc:chgData name="Weifeng Xu" userId="e7aed605-a3dd-4d5a-a692-a87037af107b" providerId="ADAL" clId="{AA256C9C-DD0A-4A24-AECC-DADA2E819996}" dt="2021-02-28T14:01:21.829" v="2041" actId="20577"/>
-        <pc:sldMkLst>
-          <pc:docMk/>
-          <pc:sldMk cId="1151958853" sldId="269"/>
-        </pc:sldMkLst>
-      </pc:sldChg>
-      <pc:sldChg chg="addSp delSp modSp new mod modClrScheme chgLayout">
-        <pc:chgData name="Weifeng Xu" userId="e7aed605-a3dd-4d5a-a692-a87037af107b" providerId="ADAL" clId="{AA256C9C-DD0A-4A24-AECC-DADA2E819996}" dt="2021-02-28T14:04:18.155" v="2106" actId="108"/>
-        <pc:sldMkLst>
-          <pc:docMk/>
-          <pc:sldMk cId="2256375109" sldId="270"/>
-        </pc:sldMkLst>
-      </pc:sldChg>
-      <pc:sldChg chg="modSp new mod">
-        <pc:chgData name="Weifeng Xu" userId="e7aed605-a3dd-4d5a-a692-a87037af107b" providerId="ADAL" clId="{AA256C9C-DD0A-4A24-AECC-DADA2E819996}" dt="2021-02-28T14:21:39.487" v="2435" actId="20577"/>
-        <pc:sldMkLst>
-          <pc:docMk/>
-          <pc:sldMk cId="1000008397" sldId="271"/>
-        </pc:sldMkLst>
-      </pc:sldChg>
-      <pc:sldChg chg="addSp delSp modSp new mod setBg modClrScheme chgLayout modNotesTx">
-        <pc:chgData name="Weifeng Xu" userId="e7aed605-a3dd-4d5a-a692-a87037af107b" providerId="ADAL" clId="{AA256C9C-DD0A-4A24-AECC-DADA2E819996}" dt="2021-02-28T14:31:55.580" v="2490" actId="20577"/>
-        <pc:sldMkLst>
-          <pc:docMk/>
-          <pc:sldMk cId="3702491373" sldId="272"/>
-        </pc:sldMkLst>
-      </pc:sldChg>
-      <pc:sldChg chg="addSp delSp modSp new mod setBg modNotesTx">
-        <pc:chgData name="Weifeng Xu" userId="e7aed605-a3dd-4d5a-a692-a87037af107b" providerId="ADAL" clId="{AA256C9C-DD0A-4A24-AECC-DADA2E819996}" dt="2021-03-02T22:18:23.789" v="6246" actId="1076"/>
-        <pc:sldMkLst>
-          <pc:docMk/>
-          <pc:sldMk cId="4260313878" sldId="273"/>
-        </pc:sldMkLst>
-      </pc:sldChg>
-      <pc:sldChg chg="addSp delSp modSp new mod modClrScheme chgLayout">
-        <pc:chgData name="Weifeng Xu" userId="e7aed605-a3dd-4d5a-a692-a87037af107b" providerId="ADAL" clId="{AA256C9C-DD0A-4A24-AECC-DADA2E819996}" dt="2021-02-28T15:06:57.285" v="2657" actId="20577"/>
-        <pc:sldMkLst>
-          <pc:docMk/>
-          <pc:sldMk cId="3090718351" sldId="274"/>
-        </pc:sldMkLst>
-      </pc:sldChg>
-      <pc:sldChg chg="addSp delSp modSp new mod setBg modClrScheme chgLayout">
-        <pc:chgData name="Weifeng Xu" userId="e7aed605-a3dd-4d5a-a692-a87037af107b" providerId="ADAL" clId="{AA256C9C-DD0A-4A24-AECC-DADA2E819996}" dt="2021-02-28T15:13:37.857" v="2729" actId="14100"/>
-        <pc:sldMkLst>
-          <pc:docMk/>
-          <pc:sldMk cId="3821000861" sldId="275"/>
-        </pc:sldMkLst>
-      </pc:sldChg>
-      <pc:sldChg chg="addSp delSp modSp new mod modClrScheme chgLayout">
-        <pc:chgData name="Weifeng Xu" userId="e7aed605-a3dd-4d5a-a692-a87037af107b" providerId="ADAL" clId="{AA256C9C-DD0A-4A24-AECC-DADA2E819996}" dt="2021-02-28T15:20:40.196" v="2732"/>
-        <pc:sldMkLst>
-          <pc:docMk/>
-          <pc:sldMk cId="1773513139" sldId="276"/>
-        </pc:sldMkLst>
-      </pc:sldChg>
-      <pc:sldChg chg="addSp delSp modSp new mod modClrScheme chgLayout">
-        <pc:chgData name="Weifeng Xu" userId="e7aed605-a3dd-4d5a-a692-a87037af107b" providerId="ADAL" clId="{AA256C9C-DD0A-4A24-AECC-DADA2E819996}" dt="2021-02-28T15:56:44.237" v="2943" actId="20577"/>
-        <pc:sldMkLst>
-          <pc:docMk/>
-          <pc:sldMk cId="4164042851" sldId="277"/>
-        </pc:sldMkLst>
-      </pc:sldChg>
-      <pc:sldChg chg="addSp delSp modSp new mod modClrScheme chgLayout">
-        <pc:chgData name="Weifeng Xu" userId="e7aed605-a3dd-4d5a-a692-a87037af107b" providerId="ADAL" clId="{AA256C9C-DD0A-4A24-AECC-DADA2E819996}" dt="2021-02-28T15:22:22.343" v="2738"/>
-        <pc:sldMkLst>
-          <pc:docMk/>
-          <pc:sldMk cId="110160891" sldId="278"/>
-        </pc:sldMkLst>
-      </pc:sldChg>
-      <pc:sldChg chg="addSp delSp modSp new mod setBg modClrScheme chgLayout modNotesTx">
-        <pc:chgData name="Weifeng Xu" userId="e7aed605-a3dd-4d5a-a692-a87037af107b" providerId="ADAL" clId="{AA256C9C-DD0A-4A24-AECC-DADA2E819996}" dt="2021-03-02T22:11:27.734" v="6170" actId="6549"/>
-        <pc:sldMkLst>
-          <pc:docMk/>
-          <pc:sldMk cId="2351248153" sldId="279"/>
-        </pc:sldMkLst>
-      </pc:sldChg>
-      <pc:sldChg chg="modSp new mod">
-        <pc:chgData name="Weifeng Xu" userId="e7aed605-a3dd-4d5a-a692-a87037af107b" providerId="ADAL" clId="{AA256C9C-DD0A-4A24-AECC-DADA2E819996}" dt="2021-02-28T20:10:50.835" v="3559" actId="108"/>
-        <pc:sldMkLst>
-          <pc:docMk/>
-          <pc:sldMk cId="3156258806" sldId="280"/>
-        </pc:sldMkLst>
-      </pc:sldChg>
-      <pc:sldChg chg="modSp add mod modNotesTx">
-        <pc:chgData name="Weifeng Xu" userId="e7aed605-a3dd-4d5a-a692-a87037af107b" providerId="ADAL" clId="{AA256C9C-DD0A-4A24-AECC-DADA2E819996}" dt="2021-03-02T21:19:08.375" v="6004" actId="6549"/>
-        <pc:sldMkLst>
-          <pc:docMk/>
-          <pc:sldMk cId="3873850888" sldId="281"/>
-        </pc:sldMkLst>
-      </pc:sldChg>
-      <pc:sldChg chg="addSp delSp modSp new mod modClrScheme chgLayout">
-        <pc:chgData name="Weifeng Xu" userId="e7aed605-a3dd-4d5a-a692-a87037af107b" providerId="ADAL" clId="{AA256C9C-DD0A-4A24-AECC-DADA2E819996}" dt="2021-02-28T19:36:40.354" v="3477" actId="20577"/>
-        <pc:sldMkLst>
-          <pc:docMk/>
-          <pc:sldMk cId="4291129217" sldId="282"/>
-        </pc:sldMkLst>
-      </pc:sldChg>
-      <pc:sldChg chg="addSp delSp modSp new mod modClrScheme chgLayout modNotesTx">
-        <pc:chgData name="Weifeng Xu" userId="e7aed605-a3dd-4d5a-a692-a87037af107b" providerId="ADAL" clId="{AA256C9C-DD0A-4A24-AECC-DADA2E819996}" dt="2021-03-02T00:21:41.524" v="5407" actId="20577"/>
-        <pc:sldMkLst>
-          <pc:docMk/>
-          <pc:sldMk cId="1345239187" sldId="283"/>
-        </pc:sldMkLst>
-      </pc:sldChg>
-      <pc:sldChg chg="addSp delSp modSp new mod ord modClrScheme chgLayout modNotesTx">
-        <pc:chgData name="Weifeng Xu" userId="e7aed605-a3dd-4d5a-a692-a87037af107b" providerId="ADAL" clId="{AA256C9C-DD0A-4A24-AECC-DADA2E819996}" dt="2021-03-03T01:20:43.061" v="6949" actId="207"/>
-        <pc:sldMkLst>
-          <pc:docMk/>
-          <pc:sldMk cId="988206790" sldId="284"/>
-        </pc:sldMkLst>
-      </pc:sldChg>
-      <pc:sldChg chg="addSp delSp modSp new mod setBg">
-        <pc:chgData name="Weifeng Xu" userId="e7aed605-a3dd-4d5a-a692-a87037af107b" providerId="ADAL" clId="{AA256C9C-DD0A-4A24-AECC-DADA2E819996}" dt="2021-03-03T01:20:47.873" v="6950" actId="207"/>
-        <pc:sldMkLst>
-          <pc:docMk/>
-          <pc:sldMk cId="848153081" sldId="285"/>
-        </pc:sldMkLst>
-      </pc:sldChg>
-      <pc:sldChg chg="addSp modSp new mod modClrScheme chgLayout modNotesTx">
-        <pc:chgData name="Weifeng Xu" userId="e7aed605-a3dd-4d5a-a692-a87037af107b" providerId="ADAL" clId="{AA256C9C-DD0A-4A24-AECC-DADA2E819996}" dt="2021-03-03T01:06:48.381" v="6773" actId="27636"/>
-        <pc:sldMkLst>
-          <pc:docMk/>
-          <pc:sldMk cId="319929686" sldId="286"/>
-        </pc:sldMkLst>
-      </pc:sldChg>
-      <pc:sldChg chg="addSp delSp modSp new mod modClrScheme chgLayout">
-        <pc:chgData name="Weifeng Xu" userId="e7aed605-a3dd-4d5a-a692-a87037af107b" providerId="ADAL" clId="{AA256C9C-DD0A-4A24-AECC-DADA2E819996}" dt="2021-03-01T02:11:54.831" v="4792" actId="313"/>
-        <pc:sldMkLst>
-          <pc:docMk/>
-          <pc:sldMk cId="2783025053" sldId="287"/>
-        </pc:sldMkLst>
-      </pc:sldChg>
-      <pc:sldChg chg="addSp delSp modSp new mod modClrScheme chgLayout modNotesTx">
-        <pc:chgData name="Weifeng Xu" userId="e7aed605-a3dd-4d5a-a692-a87037af107b" providerId="ADAL" clId="{AA256C9C-DD0A-4A24-AECC-DADA2E819996}" dt="2021-03-02T20:12:05.995" v="5975" actId="114"/>
-        <pc:sldMkLst>
-          <pc:docMk/>
-          <pc:sldMk cId="114776636" sldId="288"/>
-        </pc:sldMkLst>
-      </pc:sldChg>
-      <pc:sldChg chg="addSp delSp modSp new mod setBg modClrScheme chgLayout modNotesTx">
-        <pc:chgData name="Weifeng Xu" userId="e7aed605-a3dd-4d5a-a692-a87037af107b" providerId="ADAL" clId="{AA256C9C-DD0A-4A24-AECC-DADA2E819996}" dt="2021-03-01T20:15:14.639" v="5131" actId="14100"/>
-        <pc:sldMkLst>
-          <pc:docMk/>
-          <pc:sldMk cId="3622009093" sldId="289"/>
-        </pc:sldMkLst>
-      </pc:sldChg>
-      <pc:sldChg chg="addSp delSp modSp new mod setBg modNotesTx">
-        <pc:chgData name="Weifeng Xu" userId="e7aed605-a3dd-4d5a-a692-a87037af107b" providerId="ADAL" clId="{AA256C9C-DD0A-4A24-AECC-DADA2E819996}" dt="2021-03-01T15:40:09.662" v="4901" actId="11529"/>
-        <pc:sldMkLst>
-          <pc:docMk/>
-          <pc:sldMk cId="1554022807" sldId="290"/>
-        </pc:sldMkLst>
-      </pc:sldChg>
-      <pc:sldChg chg="addSp delSp modSp new del mod modClrScheme chgLayout">
-        <pc:chgData name="Weifeng Xu" userId="e7aed605-a3dd-4d5a-a692-a87037af107b" providerId="ADAL" clId="{AA256C9C-DD0A-4A24-AECC-DADA2E819996}" dt="2021-03-01T20:29:24.171" v="5132" actId="47"/>
-        <pc:sldMkLst>
-          <pc:docMk/>
-          <pc:sldMk cId="827751928" sldId="291"/>
-        </pc:sldMkLst>
-      </pc:sldChg>
-      <pc:sldChg chg="addSp delSp modSp new del mod ord setBg">
-        <pc:chgData name="Weifeng Xu" userId="e7aed605-a3dd-4d5a-a692-a87037af107b" providerId="ADAL" clId="{AA256C9C-DD0A-4A24-AECC-DADA2E819996}" dt="2021-03-01T19:58:03.679" v="5073" actId="47"/>
-        <pc:sldMkLst>
-          <pc:docMk/>
-          <pc:sldMk cId="3822761523" sldId="292"/>
-        </pc:sldMkLst>
-      </pc:sldChg>
-      <pc:sldChg chg="addSp delSp modSp new mod ord modNotesTx">
-        <pc:chgData name="Weifeng Xu" userId="e7aed605-a3dd-4d5a-a692-a87037af107b" providerId="ADAL" clId="{AA256C9C-DD0A-4A24-AECC-DADA2E819996}" dt="2021-03-01T20:08:39.822" v="5122" actId="1076"/>
-        <pc:sldMkLst>
-          <pc:docMk/>
-          <pc:sldMk cId="1757879576" sldId="293"/>
-        </pc:sldMkLst>
-      </pc:sldChg>
-      <pc:sldChg chg="addSp modSp new mod">
-        <pc:chgData name="Weifeng Xu" userId="e7aed605-a3dd-4d5a-a692-a87037af107b" providerId="ADAL" clId="{AA256C9C-DD0A-4A24-AECC-DADA2E819996}" dt="2021-03-01T20:44:25.886" v="5190" actId="14100"/>
-        <pc:sldMkLst>
-          <pc:docMk/>
-          <pc:sldMk cId="2207446241" sldId="294"/>
-        </pc:sldMkLst>
-      </pc:sldChg>
-      <pc:sldChg chg="addSp delSp modSp new del mod setBg chgLayout">
-        <pc:chgData name="Weifeng Xu" userId="e7aed605-a3dd-4d5a-a692-a87037af107b" providerId="ADAL" clId="{AA256C9C-DD0A-4A24-AECC-DADA2E819996}" dt="2021-03-03T15:27:12.431" v="7115" actId="47"/>
-        <pc:sldMkLst>
-          <pc:docMk/>
-          <pc:sldMk cId="4055577986" sldId="295"/>
-        </pc:sldMkLst>
-      </pc:sldChg>
-      <pc:sldChg chg="addSp delSp modSp new mod modClrScheme chgLayout">
-        <pc:chgData name="Weifeng Xu" userId="e7aed605-a3dd-4d5a-a692-a87037af107b" providerId="ADAL" clId="{AA256C9C-DD0A-4A24-AECC-DADA2E819996}" dt="2021-03-02T00:19:02.511" v="5333"/>
-        <pc:sldMkLst>
-          <pc:docMk/>
-          <pc:sldMk cId="2323005149" sldId="296"/>
-        </pc:sldMkLst>
-      </pc:sldChg>
-      <pc:sldChg chg="addSp delSp modSp new mod ord modClrScheme chgLayout modNotesTx">
-        <pc:chgData name="Weifeng Xu" userId="e7aed605-a3dd-4d5a-a692-a87037af107b" providerId="ADAL" clId="{AA256C9C-DD0A-4A24-AECC-DADA2E819996}" dt="2021-03-02T20:23:07.964" v="5989" actId="13822"/>
-        <pc:sldMkLst>
-          <pc:docMk/>
-          <pc:sldMk cId="2224677796" sldId="297"/>
-        </pc:sldMkLst>
-      </pc:sldChg>
-      <pc:sldChg chg="addSp delSp modSp new mod modClrScheme chgLayout modNotesTx">
-        <pc:chgData name="Weifeng Xu" userId="e7aed605-a3dd-4d5a-a692-a87037af107b" providerId="ADAL" clId="{AA256C9C-DD0A-4A24-AECC-DADA2E819996}" dt="2021-03-02T02:38:46.566" v="5710" actId="1076"/>
-        <pc:sldMkLst>
-          <pc:docMk/>
-          <pc:sldMk cId="1105583169" sldId="298"/>
-        </pc:sldMkLst>
-      </pc:sldChg>
-      <pc:sldChg chg="addSp delSp modSp new mod modNotesTx">
-        <pc:chgData name="Weifeng Xu" userId="e7aed605-a3dd-4d5a-a692-a87037af107b" providerId="ADAL" clId="{AA256C9C-DD0A-4A24-AECC-DADA2E819996}" dt="2021-03-03T15:30:40.779" v="7131" actId="14100"/>
-        <pc:sldMkLst>
-          <pc:docMk/>
-          <pc:sldMk cId="3471057309" sldId="299"/>
-        </pc:sldMkLst>
-      </pc:sldChg>
-      <pc:sldChg chg="addSp delSp modSp new mod setBg modNotesTx">
-        <pc:chgData name="Weifeng Xu" userId="e7aed605-a3dd-4d5a-a692-a87037af107b" providerId="ADAL" clId="{AA256C9C-DD0A-4A24-AECC-DADA2E819996}" dt="2021-03-02T03:37:31.474" v="5973"/>
-        <pc:sldMkLst>
-          <pc:docMk/>
-          <pc:sldMk cId="877061006" sldId="300"/>
-        </pc:sldMkLst>
-      </pc:sldChg>
-      <pc:sldChg chg="addSp delSp modSp new mod setBg modClrScheme delDesignElem chgLayout">
-        <pc:chgData name="Weifeng Xu" userId="e7aed605-a3dd-4d5a-a692-a87037af107b" providerId="ADAL" clId="{AA256C9C-DD0A-4A24-AECC-DADA2E819996}" dt="2021-03-03T00:22:42.415" v="6552" actId="700"/>
-        <pc:sldMkLst>
-          <pc:docMk/>
-          <pc:sldMk cId="2343196982" sldId="301"/>
-        </pc:sldMkLst>
-      </pc:sldChg>
-      <pc:sldChg chg="addSp delSp modSp new mod setBg setClrOvrMap modNotesTx">
-        <pc:chgData name="Weifeng Xu" userId="e7aed605-a3dd-4d5a-a692-a87037af107b" providerId="ADAL" clId="{AA256C9C-DD0A-4A24-AECC-DADA2E819996}" dt="2021-03-04T01:33:36.099" v="7893" actId="20577"/>
-        <pc:sldMkLst>
-          <pc:docMk/>
-          <pc:sldMk cId="493733997" sldId="302"/>
-        </pc:sldMkLst>
-      </pc:sldChg>
-      <pc:sldChg chg="addSp delSp modSp new mod modClrScheme chgLayout">
-        <pc:chgData name="Weifeng Xu" userId="e7aed605-a3dd-4d5a-a692-a87037af107b" providerId="ADAL" clId="{AA256C9C-DD0A-4A24-AECC-DADA2E819996}" dt="2021-03-03T00:26:19.695" v="6619" actId="114"/>
-        <pc:sldMkLst>
-          <pc:docMk/>
-          <pc:sldMk cId="3476121000" sldId="303"/>
-        </pc:sldMkLst>
-      </pc:sldChg>
-      <pc:sldChg chg="addSp modSp new mod">
-        <pc:chgData name="Weifeng Xu" userId="e7aed605-a3dd-4d5a-a692-a87037af107b" providerId="ADAL" clId="{AA256C9C-DD0A-4A24-AECC-DADA2E819996}" dt="2021-03-03T15:26:49.354" v="7114" actId="1076"/>
-        <pc:sldMkLst>
-          <pc:docMk/>
-          <pc:sldMk cId="53763807" sldId="304"/>
-        </pc:sldMkLst>
-      </pc:sldChg>
-      <pc:sldChg chg="addSp modSp new mod modClrScheme chgLayout modNotesTx">
-        <pc:chgData name="Weifeng Xu" userId="e7aed605-a3dd-4d5a-a692-a87037af107b" providerId="ADAL" clId="{AA256C9C-DD0A-4A24-AECC-DADA2E819996}" dt="2021-03-03T16:13:57.251" v="7181" actId="313"/>
-        <pc:sldMkLst>
-          <pc:docMk/>
-          <pc:sldMk cId="1618462415" sldId="305"/>
-        </pc:sldMkLst>
-      </pc:sldChg>
-      <pc:sldChg chg="addSp delSp modSp new mod setBg modNotesTx">
-        <pc:chgData name="Weifeng Xu" userId="e7aed605-a3dd-4d5a-a692-a87037af107b" providerId="ADAL" clId="{AA256C9C-DD0A-4A24-AECC-DADA2E819996}" dt="2021-03-03T20:13:27.354" v="7393" actId="13822"/>
-        <pc:sldMkLst>
-          <pc:docMk/>
-          <pc:sldMk cId="180323046" sldId="306"/>
-        </pc:sldMkLst>
-      </pc:sldChg>
-      <pc:sldChg chg="addSp modSp new mod modNotesTx">
-        <pc:chgData name="Weifeng Xu" userId="e7aed605-a3dd-4d5a-a692-a87037af107b" providerId="ADAL" clId="{AA256C9C-DD0A-4A24-AECC-DADA2E819996}" dt="2021-03-04T01:01:21.648" v="7429" actId="20577"/>
-        <pc:sldMkLst>
-          <pc:docMk/>
-          <pc:sldMk cId="3237227748" sldId="307"/>
-        </pc:sldMkLst>
-      </pc:sldChg>
-      <pc:sldChg chg="addSp delSp modSp new mod setBg modClrScheme chgLayout">
-        <pc:chgData name="Weifeng Xu" userId="e7aed605-a3dd-4d5a-a692-a87037af107b" providerId="ADAL" clId="{AA256C9C-DD0A-4A24-AECC-DADA2E819996}" dt="2021-03-04T01:40:04.424" v="7941" actId="313"/>
-        <pc:sldMkLst>
-          <pc:docMk/>
-          <pc:sldMk cId="1577270902" sldId="308"/>
-        </pc:sldMkLst>
-      </pc:sldChg>
-      <pc:sldChg chg="addSp modSp new mod modClrScheme chgLayout modNotesTx">
-        <pc:chgData name="Weifeng Xu" userId="e7aed605-a3dd-4d5a-a692-a87037af107b" providerId="ADAL" clId="{AA256C9C-DD0A-4A24-AECC-DADA2E819996}" dt="2021-03-06T00:53:17.866" v="10632" actId="20577"/>
-        <pc:sldMkLst>
-          <pc:docMk/>
-          <pc:sldMk cId="181172030" sldId="309"/>
-        </pc:sldMkLst>
-      </pc:sldChg>
-      <pc:sldChg chg="addSp modSp new mod modNotesTx">
-        <pc:chgData name="Weifeng Xu" userId="e7aed605-a3dd-4d5a-a692-a87037af107b" providerId="ADAL" clId="{AA256C9C-DD0A-4A24-AECC-DADA2E819996}" dt="2021-03-04T01:45:11.674" v="8115"/>
-        <pc:sldMkLst>
-          <pc:docMk/>
-          <pc:sldMk cId="1809058598" sldId="310"/>
-        </pc:sldMkLst>
-      </pc:sldChg>
-      <pc:sldChg chg="addSp modSp new mod ord setBg modNotesTx">
-        <pc:chgData name="Weifeng Xu" userId="e7aed605-a3dd-4d5a-a692-a87037af107b" providerId="ADAL" clId="{AA256C9C-DD0A-4A24-AECC-DADA2E819996}" dt="2021-03-04T01:52:43.974" v="8121"/>
-        <pc:sldMkLst>
-          <pc:docMk/>
-          <pc:sldMk cId="4192303" sldId="311"/>
-        </pc:sldMkLst>
-      </pc:sldChg>
-      <pc:sldChg chg="addSp delSp modSp new mod modClrScheme chgLayout modNotesTx">
-        <pc:chgData name="Weifeng Xu" userId="e7aed605-a3dd-4d5a-a692-a87037af107b" providerId="ADAL" clId="{AA256C9C-DD0A-4A24-AECC-DADA2E819996}" dt="2021-03-04T14:19:28.906" v="8326" actId="20577"/>
-        <pc:sldMkLst>
-          <pc:docMk/>
-          <pc:sldMk cId="591621681" sldId="312"/>
-        </pc:sldMkLst>
-      </pc:sldChg>
-      <pc:sldChg chg="delSp modSp add mod setBg modClrScheme chgLayout">
-        <pc:chgData name="Weifeng Xu" userId="e7aed605-a3dd-4d5a-a692-a87037af107b" providerId="ADAL" clId="{AA256C9C-DD0A-4A24-AECC-DADA2E819996}" dt="2021-03-04T14:14:00.727" v="8193" actId="26606"/>
-        <pc:sldMkLst>
-          <pc:docMk/>
-          <pc:sldMk cId="214490323" sldId="313"/>
-        </pc:sldMkLst>
-      </pc:sldChg>
-      <pc:sldChg chg="modSp new del mod ord">
-        <pc:chgData name="Weifeng Xu" userId="e7aed605-a3dd-4d5a-a692-a87037af107b" providerId="ADAL" clId="{AA256C9C-DD0A-4A24-AECC-DADA2E819996}" dt="2021-03-06T01:10:00.999" v="10634" actId="47"/>
-        <pc:sldMkLst>
-          <pc:docMk/>
-          <pc:sldMk cId="3728242763" sldId="314"/>
-        </pc:sldMkLst>
-      </pc:sldChg>
-      <pc:sldChg chg="addSp delSp modSp new del mod setBg modClrScheme chgLayout">
-        <pc:chgData name="Weifeng Xu" userId="e7aed605-a3dd-4d5a-a692-a87037af107b" providerId="ADAL" clId="{AA256C9C-DD0A-4A24-AECC-DADA2E819996}" dt="2021-03-06T01:07:43.610" v="10633" actId="47"/>
-        <pc:sldMkLst>
-          <pc:docMk/>
-          <pc:sldMk cId="3108349625" sldId="315"/>
-        </pc:sldMkLst>
-      </pc:sldChg>
-      <pc:sldChg chg="addSp modSp new mod modClrScheme chgLayout modNotesTx">
-        <pc:chgData name="Weifeng Xu" userId="e7aed605-a3dd-4d5a-a692-a87037af107b" providerId="ADAL" clId="{AA256C9C-DD0A-4A24-AECC-DADA2E819996}" dt="2021-03-04T16:45:39.384" v="9017" actId="6549"/>
-        <pc:sldMkLst>
-          <pc:docMk/>
-          <pc:sldMk cId="4015681537" sldId="316"/>
-        </pc:sldMkLst>
-      </pc:sldChg>
-      <pc:sldChg chg="addSp delSp modSp new mod modClrScheme chgLayout modNotesTx">
-        <pc:chgData name="Weifeng Xu" userId="e7aed605-a3dd-4d5a-a692-a87037af107b" providerId="ADAL" clId="{AA256C9C-DD0A-4A24-AECC-DADA2E819996}" dt="2021-03-04T16:34:13.476" v="8898" actId="1076"/>
-        <pc:sldMkLst>
-          <pc:docMk/>
-          <pc:sldMk cId="3632309167" sldId="317"/>
-        </pc:sldMkLst>
-      </pc:sldChg>
-      <pc:sldChg chg="addSp delSp modSp new mod ord setBg modClrScheme chgLayout">
-        <pc:chgData name="Weifeng Xu" userId="e7aed605-a3dd-4d5a-a692-a87037af107b" providerId="ADAL" clId="{AA256C9C-DD0A-4A24-AECC-DADA2E819996}" dt="2021-03-04T20:09:51.053" v="9244" actId="1076"/>
-        <pc:sldMkLst>
-          <pc:docMk/>
-          <pc:sldMk cId="3337387503" sldId="318"/>
-        </pc:sldMkLst>
-      </pc:sldChg>
-      <pc:sldChg chg="addSp delSp modSp new mod modClrScheme chgLayout modNotesTx">
-        <pc:chgData name="Weifeng Xu" userId="e7aed605-a3dd-4d5a-a692-a87037af107b" providerId="ADAL" clId="{AA256C9C-DD0A-4A24-AECC-DADA2E819996}" dt="2021-03-04T20:02:26.656" v="9210" actId="5793"/>
-        <pc:sldMkLst>
-          <pc:docMk/>
-          <pc:sldMk cId="2446382234" sldId="319"/>
-        </pc:sldMkLst>
-      </pc:sldChg>
-      <pc:sldChg chg="addSp modSp new mod modNotesTx">
-        <pc:chgData name="Weifeng Xu" userId="e7aed605-a3dd-4d5a-a692-a87037af107b" providerId="ADAL" clId="{AA256C9C-DD0A-4A24-AECC-DADA2E819996}" dt="2021-03-06T00:50:45.150" v="10627" actId="20577"/>
-        <pc:sldMkLst>
-          <pc:docMk/>
-          <pc:sldMk cId="3877897741" sldId="320"/>
-        </pc:sldMkLst>
-      </pc:sldChg>
-      <pc:sldChg chg="addSp delSp modSp new mod modClrScheme chgLayout modNotesTx">
-        <pc:chgData name="Weifeng Xu" userId="e7aed605-a3dd-4d5a-a692-a87037af107b" providerId="ADAL" clId="{AA256C9C-DD0A-4A24-AECC-DADA2E819996}" dt="2021-03-06T00:50:35.757" v="10621" actId="207"/>
-        <pc:sldMkLst>
-          <pc:docMk/>
-          <pc:sldMk cId="926804527" sldId="321"/>
-        </pc:sldMkLst>
-      </pc:sldChg>
-      <pc:sldChg chg="addSp modSp new mod modNotesTx">
-        <pc:chgData name="Weifeng Xu" userId="e7aed605-a3dd-4d5a-a692-a87037af107b" providerId="ADAL" clId="{AA256C9C-DD0A-4A24-AECC-DADA2E819996}" dt="2021-03-05T19:56:00.535" v="10087" actId="1076"/>
-        <pc:sldMkLst>
-          <pc:docMk/>
-          <pc:sldMk cId="3506800452" sldId="322"/>
-        </pc:sldMkLst>
-      </pc:sldChg>
-      <pc:sldChg chg="addSp delSp modSp new mod setBg modClrScheme setClrOvrMap chgLayout">
-        <pc:chgData name="Weifeng Xu" userId="e7aed605-a3dd-4d5a-a692-a87037af107b" providerId="ADAL" clId="{AA256C9C-DD0A-4A24-AECC-DADA2E819996}" dt="2021-03-05T20:35:18.409" v="10151" actId="20577"/>
-        <pc:sldMkLst>
-          <pc:docMk/>
-          <pc:sldMk cId="1212472519" sldId="323"/>
-        </pc:sldMkLst>
-      </pc:sldChg>
-      <pc:sldChg chg="addSp delSp modSp add mod">
-        <pc:chgData name="Weifeng Xu" userId="e7aed605-a3dd-4d5a-a692-a87037af107b" providerId="ADAL" clId="{AA256C9C-DD0A-4A24-AECC-DADA2E819996}" dt="2021-03-05T21:11:48.534" v="10307" actId="1076"/>
-        <pc:sldMkLst>
-          <pc:docMk/>
-          <pc:sldMk cId="1474958626" sldId="324"/>
-        </pc:sldMkLst>
-      </pc:sldChg>
-      <pc:sldChg chg="addSp delSp modSp new mod modClrScheme chgLayout">
-        <pc:chgData name="Weifeng Xu" userId="e7aed605-a3dd-4d5a-a692-a87037af107b" providerId="ADAL" clId="{AA256C9C-DD0A-4A24-AECC-DADA2E819996}" dt="2021-03-05T21:18:43.715" v="10341" actId="20577"/>
-        <pc:sldMkLst>
-          <pc:docMk/>
-          <pc:sldMk cId="953707264" sldId="325"/>
-        </pc:sldMkLst>
-      </pc:sldChg>
-      <pc:sldChg chg="addSp modSp add mod">
-        <pc:chgData name="Weifeng Xu" userId="e7aed605-a3dd-4d5a-a692-a87037af107b" providerId="ADAL" clId="{AA256C9C-DD0A-4A24-AECC-DADA2E819996}" dt="2021-03-05T21:21:44.231" v="10357" actId="6549"/>
-        <pc:sldMkLst>
-          <pc:docMk/>
-          <pc:sldMk cId="4066713324" sldId="326"/>
-        </pc:sldMkLst>
-      </pc:sldChg>
-      <pc:sldChg chg="addSp modSp add mod">
-        <pc:chgData name="Weifeng Xu" userId="e7aed605-a3dd-4d5a-a692-a87037af107b" providerId="ADAL" clId="{AA256C9C-DD0A-4A24-AECC-DADA2E819996}" dt="2021-03-05T21:46:05.551" v="10469" actId="1076"/>
-        <pc:sldMkLst>
-          <pc:docMk/>
-          <pc:sldMk cId="1895418146" sldId="327"/>
-        </pc:sldMkLst>
-      </pc:sldChg>
-      <pc:sldChg chg="add del">
-        <pc:chgData name="Weifeng Xu" userId="e7aed605-a3dd-4d5a-a692-a87037af107b" providerId="ADAL" clId="{AA256C9C-DD0A-4A24-AECC-DADA2E819996}" dt="2021-03-05T21:14:24.595" v="10320"/>
-        <pc:sldMkLst>
-          <pc:docMk/>
-          <pc:sldMk cId="3544567058" sldId="327"/>
-        </pc:sldMkLst>
-      </pc:sldChg>
-      <pc:sldChg chg="delSp modSp add mod">
-        <pc:chgData name="Weifeng Xu" userId="e7aed605-a3dd-4d5a-a692-a87037af107b" providerId="ADAL" clId="{AA256C9C-DD0A-4A24-AECC-DADA2E819996}" dt="2021-03-05T22:17:35.143" v="10563" actId="20577"/>
-        <pc:sldMkLst>
-          <pc:docMk/>
-          <pc:sldMk cId="1077324671" sldId="328"/>
-        </pc:sldMkLst>
-      </pc:sldChg>
-      <pc:sldChg chg="addSp modSp new mod ord">
-        <pc:chgData name="Weifeng Xu" userId="e7aed605-a3dd-4d5a-a692-a87037af107b" providerId="ADAL" clId="{AA256C9C-DD0A-4A24-AECC-DADA2E819996}" dt="2021-03-06T00:07:30.807" v="10565" actId="114"/>
-        <pc:sldMkLst>
-          <pc:docMk/>
-          <pc:sldMk cId="4060086368" sldId="329"/>
-        </pc:sldMkLst>
-      </pc:sldChg>
-      <pc:sldChg chg="new del">
-        <pc:chgData name="Weifeng Xu" userId="e7aed605-a3dd-4d5a-a692-a87037af107b" providerId="ADAL" clId="{AA256C9C-DD0A-4A24-AECC-DADA2E819996}" dt="2021-03-06T00:49:17.049" v="10596" actId="680"/>
-        <pc:sldMkLst>
-          <pc:docMk/>
-          <pc:sldMk cId="1125489474" sldId="330"/>
-        </pc:sldMkLst>
-      </pc:sldChg>
-    </pc:docChg>
-  </pc:docChgLst>
-  <pc:docChgLst>
-    <pc:chgData name="Richard Wheeless" userId="edf7d7f9-5d95-4eec-886d-0f745236a21b" providerId="ADAL" clId="{FB577241-4425-4C64-9080-05519391FB98}"/>
-    <pc:docChg chg="modSld sldOrd">
-      <pc:chgData name="Richard Wheeless" userId="edf7d7f9-5d95-4eec-886d-0f745236a21b" providerId="ADAL" clId="{FB577241-4425-4C64-9080-05519391FB98}" dt="2021-04-23T20:02:52.547" v="1"/>
-      <pc:docMkLst>
-        <pc:docMk/>
-      </pc:docMkLst>
-      <pc:sldChg chg="ord">
-        <pc:chgData name="Richard Wheeless" userId="edf7d7f9-5d95-4eec-886d-0f745236a21b" providerId="ADAL" clId="{FB577241-4425-4C64-9080-05519391FB98}" dt="2021-04-23T20:02:52.547" v="1"/>
-        <pc:sldMkLst>
-          <pc:docMk/>
-          <pc:sldMk cId="594714798" sldId="257"/>
-        </pc:sldMkLst>
-      </pc:sldChg>
-    </pc:docChg>
-  </pc:docChgLst>
-  <pc:docChgLst>
-    <pc:chgData name="Weifeng Xu" userId="e7aed605-a3dd-4d5a-a692-a87037af107b" providerId="ADAL" clId="{E0A36AE6-DAEB-4086-8CDB-3902B8401090}"/>
-    <pc:docChg chg="undo custSel mod addSld delSld modSld">
-      <pc:chgData name="Weifeng Xu" userId="e7aed605-a3dd-4d5a-a692-a87037af107b" providerId="ADAL" clId="{E0A36AE6-DAEB-4086-8CDB-3902B8401090}" dt="2021-01-18T00:01:06.800" v="260" actId="6549"/>
-      <pc:docMkLst>
-        <pc:docMk/>
-      </pc:docMkLst>
-      <pc:sldChg chg="addSp delSp modSp mod setBg">
-        <pc:chgData name="Weifeng Xu" userId="e7aed605-a3dd-4d5a-a692-a87037af107b" providerId="ADAL" clId="{E0A36AE6-DAEB-4086-8CDB-3902B8401090}" dt="2021-01-17T23:59:46.284" v="256" actId="26606"/>
-        <pc:sldMkLst>
-          <pc:docMk/>
-          <pc:sldMk cId="1392771324" sldId="258"/>
-        </pc:sldMkLst>
-      </pc:sldChg>
-      <pc:sldChg chg="del">
-        <pc:chgData name="Weifeng Xu" userId="e7aed605-a3dd-4d5a-a692-a87037af107b" providerId="ADAL" clId="{E0A36AE6-DAEB-4086-8CDB-3902B8401090}" dt="2021-01-17T23:45:25.843" v="81" actId="47"/>
-        <pc:sldMkLst>
-          <pc:docMk/>
-          <pc:sldMk cId="627889270" sldId="259"/>
-        </pc:sldMkLst>
-      </pc:sldChg>
-      <pc:sldChg chg="modSp new mod">
-        <pc:chgData name="Weifeng Xu" userId="e7aed605-a3dd-4d5a-a692-a87037af107b" providerId="ADAL" clId="{E0A36AE6-DAEB-4086-8CDB-3902B8401090}" dt="2021-01-17T23:53:10.893" v="178" actId="20577"/>
-        <pc:sldMkLst>
-          <pc:docMk/>
-          <pc:sldMk cId="2206727044" sldId="259"/>
-        </pc:sldMkLst>
-      </pc:sldChg>
-      <pc:sldChg chg="del">
-        <pc:chgData name="Weifeng Xu" userId="e7aed605-a3dd-4d5a-a692-a87037af107b" providerId="ADAL" clId="{E0A36AE6-DAEB-4086-8CDB-3902B8401090}" dt="2021-01-17T23:45:25.974" v="82" actId="47"/>
-        <pc:sldMkLst>
-          <pc:docMk/>
-          <pc:sldMk cId="1241162418" sldId="260"/>
-        </pc:sldMkLst>
-      </pc:sldChg>
-      <pc:sldChg chg="addSp modSp new mod setBg">
-        <pc:chgData name="Weifeng Xu" userId="e7aed605-a3dd-4d5a-a692-a87037af107b" providerId="ADAL" clId="{E0A36AE6-DAEB-4086-8CDB-3902B8401090}" dt="2021-01-18T00:01:06.800" v="260" actId="6549"/>
-        <pc:sldMkLst>
-          <pc:docMk/>
-          <pc:sldMk cId="3022601266" sldId="260"/>
-        </pc:sldMkLst>
-      </pc:sldChg>
-      <pc:sldChg chg="del">
-        <pc:chgData name="Weifeng Xu" userId="e7aed605-a3dd-4d5a-a692-a87037af107b" providerId="ADAL" clId="{E0A36AE6-DAEB-4086-8CDB-3902B8401090}" dt="2021-01-17T23:45:26.140" v="83" actId="47"/>
-        <pc:sldMkLst>
-          <pc:docMk/>
-          <pc:sldMk cId="2722048472" sldId="261"/>
-        </pc:sldMkLst>
-      </pc:sldChg>
-      <pc:sldChg chg="del">
-        <pc:chgData name="Weifeng Xu" userId="e7aed605-a3dd-4d5a-a692-a87037af107b" providerId="ADAL" clId="{E0A36AE6-DAEB-4086-8CDB-3902B8401090}" dt="2021-01-17T23:45:26.285" v="84" actId="47"/>
-        <pc:sldMkLst>
-          <pc:docMk/>
-          <pc:sldMk cId="988553735" sldId="262"/>
-        </pc:sldMkLst>
-      </pc:sldChg>
-      <pc:sldChg chg="del">
-        <pc:chgData name="Weifeng Xu" userId="e7aed605-a3dd-4d5a-a692-a87037af107b" providerId="ADAL" clId="{E0A36AE6-DAEB-4086-8CDB-3902B8401090}" dt="2021-01-17T23:45:26.428" v="85" actId="47"/>
-        <pc:sldMkLst>
-          <pc:docMk/>
-          <pc:sldMk cId="1237432803" sldId="263"/>
-        </pc:sldMkLst>
-      </pc:sldChg>
-      <pc:sldChg chg="del">
-        <pc:chgData name="Weifeng Xu" userId="e7aed605-a3dd-4d5a-a692-a87037af107b" providerId="ADAL" clId="{E0A36AE6-DAEB-4086-8CDB-3902B8401090}" dt="2021-01-17T23:45:26.580" v="86" actId="47"/>
-        <pc:sldMkLst>
-          <pc:docMk/>
-          <pc:sldMk cId="2602603962" sldId="264"/>
-        </pc:sldMkLst>
-      </pc:sldChg>
-      <pc:sldChg chg="del">
-        <pc:chgData name="Weifeng Xu" userId="e7aed605-a3dd-4d5a-a692-a87037af107b" providerId="ADAL" clId="{E0A36AE6-DAEB-4086-8CDB-3902B8401090}" dt="2021-01-17T23:45:26.781" v="87" actId="47"/>
-        <pc:sldMkLst>
-          <pc:docMk/>
-          <pc:sldMk cId="3419174452" sldId="265"/>
-        </pc:sldMkLst>
-      </pc:sldChg>
-      <pc:sldChg chg="del">
-        <pc:chgData name="Weifeng Xu" userId="e7aed605-a3dd-4d5a-a692-a87037af107b" providerId="ADAL" clId="{E0A36AE6-DAEB-4086-8CDB-3902B8401090}" dt="2021-01-17T23:45:26.965" v="88" actId="47"/>
-        <pc:sldMkLst>
-          <pc:docMk/>
-          <pc:sldMk cId="1160958258" sldId="266"/>
-        </pc:sldMkLst>
-      </pc:sldChg>
-    </pc:docChg>
-  </pc:docChgLst>
-  <pc:docChgLst>
-    <pc:chgData name="Richard Wheeless" userId="S::id63la41@ubalt.edu::edf7d7f9-5d95-4eec-886d-0f745236a21b" providerId="AD" clId="Web-{2ACA0F3B-E709-B512-5AE0-ACC83FBA8A01}"/>
-    <pc:docChg chg="addSld">
-      <pc:chgData name="Richard Wheeless" userId="S::id63la41@ubalt.edu::edf7d7f9-5d95-4eec-886d-0f745236a21b" providerId="AD" clId="Web-{2ACA0F3B-E709-B512-5AE0-ACC83FBA8A01}" dt="2021-03-25T03:36:59.565" v="0"/>
-      <pc:docMkLst>
-        <pc:docMk/>
-      </pc:docMkLst>
-      <pc:sldChg chg="add replId">
-        <pc:chgData name="Richard Wheeless" userId="S::id63la41@ubalt.edu::edf7d7f9-5d95-4eec-886d-0f745236a21b" providerId="AD" clId="Web-{2ACA0F3B-E709-B512-5AE0-ACC83FBA8A01}" dt="2021-03-25T03:36:59.565" v="0"/>
-        <pc:sldMkLst>
-          <pc:docMk/>
-          <pc:sldMk cId="1954433441" sldId="346"/>
-        </pc:sldMkLst>
-      </pc:sldChg>
-    </pc:docChg>
-  </pc:docChgLst>
-  <pc:docChgLst>
-    <pc:chgData name="Weifeng Xu" userId="e7aed605-a3dd-4d5a-a692-a87037af107b" providerId="ADAL" clId="{F99F8FFF-BA20-43EA-924B-4DF5D2A785F3}"/>
-    <pc:docChg chg="undo custSel addSld modSld">
-      <pc:chgData name="Weifeng Xu" userId="e7aed605-a3dd-4d5a-a692-a87037af107b" providerId="ADAL" clId="{F99F8FFF-BA20-43EA-924B-4DF5D2A785F3}" dt="2025-09-11T15:31:35.827" v="432" actId="478"/>
-      <pc:docMkLst>
-        <pc:docMk/>
-      </pc:docMkLst>
-      <pc:sldChg chg="modSp mod">
-        <pc:chgData name="Weifeng Xu" userId="e7aed605-a3dd-4d5a-a692-a87037af107b" providerId="ADAL" clId="{F99F8FFF-BA20-43EA-924B-4DF5D2A785F3}" dt="2025-09-09T13:46:01.105" v="253" actId="20577"/>
-        <pc:sldMkLst>
-          <pc:docMk/>
-          <pc:sldMk cId="2323005149" sldId="296"/>
-        </pc:sldMkLst>
         <pc:spChg chg="mod">
-          <ac:chgData name="Weifeng Xu" userId="e7aed605-a3dd-4d5a-a692-a87037af107b" providerId="ADAL" clId="{F99F8FFF-BA20-43EA-924B-4DF5D2A785F3}" dt="2025-09-09T13:46:01.105" v="253" actId="20577"/>
+          <ac:chgData name="Weifeng Xu" userId="e7aed605-a3dd-4d5a-a692-a87037af107b" providerId="ADAL" clId="{F99F8FFF-BA20-43EA-924B-4DF5D2A785F3}" dt="2026-01-30T16:57:14.029" v="747"/>
           <ac:spMkLst>
             <pc:docMk/>
-            <pc:sldMk cId="2323005149" sldId="296"/>
-            <ac:spMk id="3" creationId="{B8758BF5-58C3-4201-BA87-7F229D24CDC8}"/>
+            <pc:sldMk cId="3192494774" sldId="330"/>
+            <ac:spMk id="3" creationId="{4929837B-3CC1-4F40-BFDA-890D8F6D680B}"/>
           </ac:spMkLst>
         </pc:spChg>
       </pc:sldChg>
-      <pc:sldChg chg="delSp modSp mod">
-        <pc:chgData name="Weifeng Xu" userId="e7aed605-a3dd-4d5a-a692-a87037af107b" providerId="ADAL" clId="{F99F8FFF-BA20-43EA-924B-4DF5D2A785F3}" dt="2025-09-11T15:31:35.827" v="432" actId="478"/>
-        <pc:sldMkLst>
-          <pc:docMk/>
-          <pc:sldMk cId="2786836983" sldId="331"/>
-        </pc:sldMkLst>
-        <pc:spChg chg="del">
-          <ac:chgData name="Weifeng Xu" userId="e7aed605-a3dd-4d5a-a692-a87037af107b" providerId="ADAL" clId="{F99F8FFF-BA20-43EA-924B-4DF5D2A785F3}" dt="2025-09-11T15:31:35.827" v="432" actId="478"/>
-          <ac:spMkLst>
-            <pc:docMk/>
-            <pc:sldMk cId="2786836983" sldId="331"/>
-            <ac:spMk id="5" creationId="{238B2818-0C2A-4945-8FA7-025F23B99D45}"/>
-          </ac:spMkLst>
-        </pc:spChg>
-        <pc:spChg chg="mod">
-          <ac:chgData name="Weifeng Xu" userId="e7aed605-a3dd-4d5a-a692-a87037af107b" providerId="ADAL" clId="{F99F8FFF-BA20-43EA-924B-4DF5D2A785F3}" dt="2025-09-11T15:30:02.418" v="429" actId="6549"/>
-          <ac:spMkLst>
-            <pc:docMk/>
-            <pc:sldMk cId="2786836983" sldId="331"/>
-            <ac:spMk id="7" creationId="{D2EC9C14-40A0-47ED-866E-3120E1FFB527}"/>
-          </ac:spMkLst>
-        </pc:spChg>
-        <pc:spChg chg="del mod">
-          <ac:chgData name="Weifeng Xu" userId="e7aed605-a3dd-4d5a-a692-a87037af107b" providerId="ADAL" clId="{F99F8FFF-BA20-43EA-924B-4DF5D2A785F3}" dt="2025-09-11T15:30:11.511" v="431" actId="478"/>
-          <ac:spMkLst>
-            <pc:docMk/>
-            <pc:sldMk cId="2786836983" sldId="331"/>
-            <ac:spMk id="9" creationId="{0FAC32FE-7A05-44A4-BE9F-03BCE7E7029A}"/>
-          </ac:spMkLst>
-        </pc:spChg>
-      </pc:sldChg>
-      <pc:sldChg chg="modSp mod">
-        <pc:chgData name="Weifeng Xu" userId="e7aed605-a3dd-4d5a-a692-a87037af107b" providerId="ADAL" clId="{F99F8FFF-BA20-43EA-924B-4DF5D2A785F3}" dt="2025-09-11T14:52:21.126" v="406" actId="6549"/>
-        <pc:sldMkLst>
-          <pc:docMk/>
-          <pc:sldMk cId="1881697046" sldId="351"/>
-        </pc:sldMkLst>
-        <pc:spChg chg="mod">
-          <ac:chgData name="Weifeng Xu" userId="e7aed605-a3dd-4d5a-a692-a87037af107b" providerId="ADAL" clId="{F99F8FFF-BA20-43EA-924B-4DF5D2A785F3}" dt="2025-09-11T14:52:21.126" v="406" actId="6549"/>
-          <ac:spMkLst>
-            <pc:docMk/>
-            <pc:sldMk cId="1881697046" sldId="351"/>
-            <ac:spMk id="3" creationId="{E6CA5CEB-EB55-5C0D-4669-76EF3BEA4513}"/>
-          </ac:spMkLst>
-        </pc:spChg>
-      </pc:sldChg>
-      <pc:sldChg chg="addSp delSp modSp new mod modClrScheme chgLayout">
-        <pc:chgData name="Weifeng Xu" userId="e7aed605-a3dd-4d5a-a692-a87037af107b" providerId="ADAL" clId="{F99F8FFF-BA20-43EA-924B-4DF5D2A785F3}" dt="2025-09-09T13:46:05.196" v="254" actId="20577"/>
+      <pc:sldChg chg="addSp delSp modSp mod">
+        <pc:chgData name="Weifeng Xu" userId="e7aed605-a3dd-4d5a-a692-a87037af107b" providerId="ADAL" clId="{F99F8FFF-BA20-43EA-924B-4DF5D2A785F3}" dt="2026-01-30T15:42:29.815" v="632" actId="1076"/>
         <pc:sldMkLst>
           <pc:docMk/>
           <pc:sldMk cId="615912425" sldId="353"/>
         </pc:sldMkLst>
-        <pc:spChg chg="add mod ord">
-          <ac:chgData name="Weifeng Xu" userId="e7aed605-a3dd-4d5a-a692-a87037af107b" providerId="ADAL" clId="{F99F8FFF-BA20-43EA-924B-4DF5D2A785F3}" dt="2025-09-09T13:46:05.196" v="254" actId="20577"/>
+        <pc:spChg chg="add mod">
+          <ac:chgData name="Weifeng Xu" userId="e7aed605-a3dd-4d5a-a692-a87037af107b" providerId="ADAL" clId="{F99F8FFF-BA20-43EA-924B-4DF5D2A785F3}" dt="2026-01-30T15:42:28.718" v="626" actId="1076"/>
           <ac:spMkLst>
             <pc:docMk/>
             <pc:sldMk cId="615912425" sldId="353"/>
-            <ac:spMk id="4" creationId="{05463EA0-C3B6-28F2-52CC-90BEC6531325}"/>
+            <ac:spMk id="5" creationId="{D4B36F04-39CB-732F-A2AE-FFF907C97F76}"/>
           </ac:spMkLst>
         </pc:spChg>
-        <pc:picChg chg="add mod">
-          <ac:chgData name="Weifeng Xu" userId="e7aed605-a3dd-4d5a-a692-a87037af107b" providerId="ADAL" clId="{F99F8FFF-BA20-43EA-924B-4DF5D2A785F3}" dt="2025-09-09T13:18:19.069" v="106" actId="1076"/>
+        <pc:spChg chg="add mod">
+          <ac:chgData name="Weifeng Xu" userId="e7aed605-a3dd-4d5a-a692-a87037af107b" providerId="ADAL" clId="{F99F8FFF-BA20-43EA-924B-4DF5D2A785F3}" dt="2026-01-30T15:42:28.544" v="625" actId="1076"/>
+          <ac:spMkLst>
+            <pc:docMk/>
+            <pc:sldMk cId="615912425" sldId="353"/>
+            <ac:spMk id="7" creationId="{850ADE09-2449-B332-D2EE-C4C91FAFC792}"/>
+          </ac:spMkLst>
+        </pc:spChg>
+        <pc:spChg chg="add mod">
+          <ac:chgData name="Weifeng Xu" userId="e7aed605-a3dd-4d5a-a692-a87037af107b" providerId="ADAL" clId="{F99F8FFF-BA20-43EA-924B-4DF5D2A785F3}" dt="2026-01-30T15:42:29.815" v="632" actId="1076"/>
+          <ac:spMkLst>
+            <pc:docMk/>
+            <pc:sldMk cId="615912425" sldId="353"/>
+            <ac:spMk id="8" creationId="{97EBF625-429F-603A-14F2-ABA08EC457CD}"/>
+          </ac:spMkLst>
+        </pc:spChg>
+        <pc:spChg chg="add mod">
+          <ac:chgData name="Weifeng Xu" userId="e7aed605-a3dd-4d5a-a692-a87037af107b" providerId="ADAL" clId="{F99F8FFF-BA20-43EA-924B-4DF5D2A785F3}" dt="2026-01-30T15:42:29.815" v="632" actId="1076"/>
+          <ac:spMkLst>
+            <pc:docMk/>
+            <pc:sldMk cId="615912425" sldId="353"/>
+            <ac:spMk id="9" creationId="{AE2627C1-747D-D288-563B-438F5D2BBB74}"/>
+          </ac:spMkLst>
+        </pc:spChg>
+        <pc:picChg chg="mod">
+          <ac:chgData name="Weifeng Xu" userId="e7aed605-a3dd-4d5a-a692-a87037af107b" providerId="ADAL" clId="{F99F8FFF-BA20-43EA-924B-4DF5D2A785F3}" dt="2026-01-30T15:41:29.089" v="613" actId="1076"/>
           <ac:picMkLst>
             <pc:docMk/>
             <pc:sldMk cId="615912425" sldId="353"/>
             <ac:picMk id="6" creationId="{F5D89FC1-1D22-3027-AB46-218AAFC9F178}"/>
           </ac:picMkLst>
         </pc:picChg>
-        <pc:picChg chg="add mod">
-          <ac:chgData name="Weifeng Xu" userId="e7aed605-a3dd-4d5a-a692-a87037af107b" providerId="ADAL" clId="{F99F8FFF-BA20-43EA-924B-4DF5D2A785F3}" dt="2025-09-09T13:18:20.602" v="107" actId="1076"/>
+        <pc:picChg chg="mod">
+          <ac:chgData name="Weifeng Xu" userId="e7aed605-a3dd-4d5a-a692-a87037af107b" providerId="ADAL" clId="{F99F8FFF-BA20-43EA-924B-4DF5D2A785F3}" dt="2026-01-30T15:41:29.089" v="613" actId="1076"/>
           <ac:picMkLst>
             <pc:docMk/>
             <pc:sldMk cId="615912425" sldId="353"/>
             <ac:picMk id="1028" creationId="{3A9CB9D1-1DBC-F7AD-7E42-805629A6BCF1}"/>
           </ac:picMkLst>
         </pc:picChg>
+        <pc:cxnChg chg="add del">
+          <ac:chgData name="Weifeng Xu" userId="e7aed605-a3dd-4d5a-a692-a87037af107b" providerId="ADAL" clId="{F99F8FFF-BA20-43EA-924B-4DF5D2A785F3}" dt="2026-01-30T15:38:39.994" v="471" actId="11529"/>
+          <ac:cxnSpMkLst>
+            <pc:docMk/>
+            <pc:sldMk cId="615912425" sldId="353"/>
+            <ac:cxnSpMk id="3" creationId="{04BB49CB-7D41-AC3D-F992-6DD0E9A6CF08}"/>
+          </ac:cxnSpMkLst>
+        </pc:cxnChg>
       </pc:sldChg>
-      <pc:sldChg chg="addSp delSp modSp new mod modClrScheme chgLayout">
-        <pc:chgData name="Weifeng Xu" userId="e7aed605-a3dd-4d5a-a692-a87037af107b" providerId="ADAL" clId="{F99F8FFF-BA20-43EA-924B-4DF5D2A785F3}" dt="2025-09-09T13:11:57.408" v="38" actId="1076"/>
-        <pc:sldMkLst>
-          <pc:docMk/>
-          <pc:sldMk cId="3130248869" sldId="354"/>
-        </pc:sldMkLst>
-        <pc:graphicFrameChg chg="add mod modGraphic">
-          <ac:chgData name="Weifeng Xu" userId="e7aed605-a3dd-4d5a-a692-a87037af107b" providerId="ADAL" clId="{F99F8FFF-BA20-43EA-924B-4DF5D2A785F3}" dt="2025-09-09T13:11:57.408" v="38" actId="1076"/>
-          <ac:graphicFrameMkLst>
-            <pc:docMk/>
-            <pc:sldMk cId="3130248869" sldId="354"/>
-            <ac:graphicFrameMk id="3" creationId="{1D84D431-648F-D7F3-8D40-FF31DC5A8AD0}"/>
-          </ac:graphicFrameMkLst>
-        </pc:graphicFrameChg>
-      </pc:sldChg>
-      <pc:sldChg chg="modSp add mod">
-        <pc:chgData name="Weifeng Xu" userId="e7aed605-a3dd-4d5a-a692-a87037af107b" providerId="ADAL" clId="{F99F8FFF-BA20-43EA-924B-4DF5D2A785F3}" dt="2025-09-09T13:18:54.986" v="109" actId="732"/>
-        <pc:sldMkLst>
-          <pc:docMk/>
-          <pc:sldMk cId="3194598636" sldId="355"/>
-        </pc:sldMkLst>
-        <pc:picChg chg="mod modCrop">
-          <ac:chgData name="Weifeng Xu" userId="e7aed605-a3dd-4d5a-a692-a87037af107b" providerId="ADAL" clId="{F99F8FFF-BA20-43EA-924B-4DF5D2A785F3}" dt="2025-09-09T13:18:54.986" v="109" actId="732"/>
-          <ac:picMkLst>
-            <pc:docMk/>
-            <pc:sldMk cId="3194598636" sldId="355"/>
-            <ac:picMk id="6" creationId="{10C5BFFC-8057-F5F2-CD37-73B8AEE4E303}"/>
-          </ac:picMkLst>
-        </pc:picChg>
-      </pc:sldChg>
-      <pc:sldChg chg="addSp modSp new mod modClrScheme chgLayout">
-        <pc:chgData name="Weifeng Xu" userId="e7aed605-a3dd-4d5a-a692-a87037af107b" providerId="ADAL" clId="{F99F8FFF-BA20-43EA-924B-4DF5D2A785F3}" dt="2025-09-09T13:27:58.937" v="134" actId="20577"/>
+      <pc:sldChg chg="addSp delSp modSp mod">
+        <pc:chgData name="Weifeng Xu" userId="e7aed605-a3dd-4d5a-a692-a87037af107b" providerId="ADAL" clId="{F99F8FFF-BA20-43EA-924B-4DF5D2A785F3}" dt="2026-01-30T16:05:48.508" v="664" actId="1076"/>
         <pc:sldMkLst>
           <pc:docMk/>
           <pc:sldMk cId="2629702934" sldId="356"/>
         </pc:sldMkLst>
-        <pc:spChg chg="add mod">
-          <ac:chgData name="Weifeng Xu" userId="e7aed605-a3dd-4d5a-a692-a87037af107b" providerId="ADAL" clId="{F99F8FFF-BA20-43EA-924B-4DF5D2A785F3}" dt="2025-09-09T13:26:04.149" v="115" actId="20577"/>
+        <pc:spChg chg="mod">
+          <ac:chgData name="Weifeng Xu" userId="e7aed605-a3dd-4d5a-a692-a87037af107b" providerId="ADAL" clId="{F99F8FFF-BA20-43EA-924B-4DF5D2A785F3}" dt="2026-01-30T15:48:18.946" v="634" actId="1076"/>
           <ac:spMkLst>
             <pc:docMk/>
             <pc:sldMk cId="2629702934" sldId="356"/>
             <ac:spMk id="2" creationId="{A511E3D5-12AC-8435-08ED-7A6520FB4C65}"/>
           </ac:spMkLst>
         </pc:spChg>
-        <pc:spChg chg="add mod">
-          <ac:chgData name="Weifeng Xu" userId="e7aed605-a3dd-4d5a-a692-a87037af107b" providerId="ADAL" clId="{F99F8FFF-BA20-43EA-924B-4DF5D2A785F3}" dt="2025-09-09T13:27:58.937" v="134" actId="20577"/>
+        <pc:spChg chg="mod">
+          <ac:chgData name="Weifeng Xu" userId="e7aed605-a3dd-4d5a-a692-a87037af107b" providerId="ADAL" clId="{F99F8FFF-BA20-43EA-924B-4DF5D2A785F3}" dt="2026-01-30T15:51:18.644" v="652" actId="27636"/>
           <ac:spMkLst>
             <pc:docMk/>
             <pc:sldMk cId="2629702934" sldId="356"/>
             <ac:spMk id="3" creationId="{5F755F6C-0F2F-BB30-02F5-D06AA65EA74F}"/>
           </ac:spMkLst>
         </pc:spChg>
+        <pc:picChg chg="add del mod">
+          <ac:chgData name="Weifeng Xu" userId="e7aed605-a3dd-4d5a-a692-a87037af107b" providerId="ADAL" clId="{F99F8FFF-BA20-43EA-924B-4DF5D2A785F3}" dt="2026-01-30T15:51:00.325" v="644" actId="478"/>
+          <ac:picMkLst>
+            <pc:docMk/>
+            <pc:sldMk cId="2629702934" sldId="356"/>
+            <ac:picMk id="5" creationId="{11141C1B-F877-AA00-BEE4-10F5BA5141AC}"/>
+          </ac:picMkLst>
+        </pc:picChg>
+        <pc:picChg chg="add del mod">
+          <ac:chgData name="Weifeng Xu" userId="e7aed605-a3dd-4d5a-a692-a87037af107b" providerId="ADAL" clId="{F99F8FFF-BA20-43EA-924B-4DF5D2A785F3}" dt="2026-01-30T16:05:33.978" v="657" actId="478"/>
+          <ac:picMkLst>
+            <pc:docMk/>
+            <pc:sldMk cId="2629702934" sldId="356"/>
+            <ac:picMk id="7" creationId="{90F33F0B-F754-0ED8-9FED-D8D37B9EAB60}"/>
+          </ac:picMkLst>
+        </pc:picChg>
+        <pc:picChg chg="add mod">
+          <ac:chgData name="Weifeng Xu" userId="e7aed605-a3dd-4d5a-a692-a87037af107b" providerId="ADAL" clId="{F99F8FFF-BA20-43EA-924B-4DF5D2A785F3}" dt="2026-01-30T16:05:48.508" v="664" actId="1076"/>
+          <ac:picMkLst>
+            <pc:docMk/>
+            <pc:sldMk cId="2629702934" sldId="356"/>
+            <ac:picMk id="9" creationId="{DB55396E-BAB6-8863-FC6E-8EBF9173304E}"/>
+          </ac:picMkLst>
+        </pc:picChg>
       </pc:sldChg>
-      <pc:sldChg chg="addSp delSp modSp new mod">
-        <pc:chgData name="Weifeng Xu" userId="e7aed605-a3dd-4d5a-a692-a87037af107b" providerId="ADAL" clId="{F99F8FFF-BA20-43EA-924B-4DF5D2A785F3}" dt="2025-09-09T13:32:30.262" v="182" actId="207"/>
-        <pc:sldMkLst>
-          <pc:docMk/>
-          <pc:sldMk cId="3325037933" sldId="357"/>
-        </pc:sldMkLst>
-        <pc:spChg chg="mod">
-          <ac:chgData name="Weifeng Xu" userId="e7aed605-a3dd-4d5a-a692-a87037af107b" providerId="ADAL" clId="{F99F8FFF-BA20-43EA-924B-4DF5D2A785F3}" dt="2025-09-09T13:29:17.223" v="136"/>
-          <ac:spMkLst>
-            <pc:docMk/>
-            <pc:sldMk cId="3325037933" sldId="357"/>
-            <ac:spMk id="2" creationId="{A0B605E8-98F8-06F0-5951-6C1ACC412FFB}"/>
-          </ac:spMkLst>
-        </pc:spChg>
-        <pc:spChg chg="add del mod">
-          <ac:chgData name="Weifeng Xu" userId="e7aed605-a3dd-4d5a-a692-a87037af107b" providerId="ADAL" clId="{F99F8FFF-BA20-43EA-924B-4DF5D2A785F3}" dt="2025-09-09T13:32:30.262" v="182" actId="207"/>
-          <ac:spMkLst>
-            <pc:docMk/>
-            <pc:sldMk cId="3325037933" sldId="357"/>
-            <ac:spMk id="3" creationId="{408A2939-842B-8D7D-A54E-6E67C7AA8277}"/>
-          </ac:spMkLst>
-        </pc:spChg>
-      </pc:sldChg>
-      <pc:sldChg chg="modSp new mod">
-        <pc:chgData name="Weifeng Xu" userId="e7aed605-a3dd-4d5a-a692-a87037af107b" providerId="ADAL" clId="{F99F8FFF-BA20-43EA-924B-4DF5D2A785F3}" dt="2025-09-09T13:35:52.487" v="223" actId="207"/>
+      <pc:sldChg chg="modSp mod">
+        <pc:chgData name="Weifeng Xu" userId="e7aed605-a3dd-4d5a-a692-a87037af107b" providerId="ADAL" clId="{F99F8FFF-BA20-43EA-924B-4DF5D2A785F3}" dt="2026-01-30T16:10:52.948" v="735" actId="27636"/>
         <pc:sldMkLst>
           <pc:docMk/>
           <pc:sldMk cId="3121721553" sldId="358"/>
         </pc:sldMkLst>
         <pc:spChg chg="mod">
-          <ac:chgData name="Weifeng Xu" userId="e7aed605-a3dd-4d5a-a692-a87037af107b" providerId="ADAL" clId="{F99F8FFF-BA20-43EA-924B-4DF5D2A785F3}" dt="2025-09-09T13:33:26.528" v="184"/>
-          <ac:spMkLst>
-            <pc:docMk/>
-            <pc:sldMk cId="3121721553" sldId="358"/>
-            <ac:spMk id="2" creationId="{250C9B48-FC4D-8CE4-4BC4-B590E7C2810F}"/>
-          </ac:spMkLst>
-        </pc:spChg>
-        <pc:spChg chg="mod">
-          <ac:chgData name="Weifeng Xu" userId="e7aed605-a3dd-4d5a-a692-a87037af107b" providerId="ADAL" clId="{F99F8FFF-BA20-43EA-924B-4DF5D2A785F3}" dt="2025-09-09T13:35:52.487" v="223" actId="207"/>
+          <ac:chgData name="Weifeng Xu" userId="e7aed605-a3dd-4d5a-a692-a87037af107b" providerId="ADAL" clId="{F99F8FFF-BA20-43EA-924B-4DF5D2A785F3}" dt="2026-01-30T16:10:52.948" v="735" actId="27636"/>
           <ac:spMkLst>
             <pc:docMk/>
             <pc:sldMk cId="3121721553" sldId="358"/>
@@ -1999,117 +317,25 @@
         </pc:spChg>
       </pc:sldChg>
       <pc:sldChg chg="modSp new mod">
-        <pc:chgData name="Weifeng Xu" userId="e7aed605-a3dd-4d5a-a692-a87037af107b" providerId="ADAL" clId="{F99F8FFF-BA20-43EA-924B-4DF5D2A785F3}" dt="2025-09-09T13:38:37.621" v="236" actId="113"/>
+        <pc:chgData name="Weifeng Xu" userId="e7aed605-a3dd-4d5a-a692-a87037af107b" providerId="ADAL" clId="{F99F8FFF-BA20-43EA-924B-4DF5D2A785F3}" dt="2026-01-30T15:36:27.433" v="469" actId="20577"/>
         <pc:sldMkLst>
           <pc:docMk/>
-          <pc:sldMk cId="1160420985" sldId="359"/>
+          <pc:sldMk cId="1422574401" sldId="364"/>
         </pc:sldMkLst>
         <pc:spChg chg="mod">
-          <ac:chgData name="Weifeng Xu" userId="e7aed605-a3dd-4d5a-a692-a87037af107b" providerId="ADAL" clId="{F99F8FFF-BA20-43EA-924B-4DF5D2A785F3}" dt="2025-09-09T13:38:04.715" v="227"/>
+          <ac:chgData name="Weifeng Xu" userId="e7aed605-a3dd-4d5a-a692-a87037af107b" providerId="ADAL" clId="{F99F8FFF-BA20-43EA-924B-4DF5D2A785F3}" dt="2026-01-30T15:34:45.762" v="435" actId="20577"/>
           <ac:spMkLst>
             <pc:docMk/>
-            <pc:sldMk cId="1160420985" sldId="359"/>
-            <ac:spMk id="2" creationId="{53E438E4-AE26-F36B-4C8B-9C60CBEC6F97}"/>
+            <pc:sldMk cId="1422574401" sldId="364"/>
+            <ac:spMk id="2" creationId="{0C456A4E-8E48-F01A-2154-75A3DF8374B5}"/>
           </ac:spMkLst>
         </pc:spChg>
         <pc:spChg chg="mod">
-          <ac:chgData name="Weifeng Xu" userId="e7aed605-a3dd-4d5a-a692-a87037af107b" providerId="ADAL" clId="{F99F8FFF-BA20-43EA-924B-4DF5D2A785F3}" dt="2025-09-09T13:38:37.621" v="236" actId="113"/>
+          <ac:chgData name="Weifeng Xu" userId="e7aed605-a3dd-4d5a-a692-a87037af107b" providerId="ADAL" clId="{F99F8FFF-BA20-43EA-924B-4DF5D2A785F3}" dt="2026-01-30T15:36:27.433" v="469" actId="20577"/>
           <ac:spMkLst>
             <pc:docMk/>
-            <pc:sldMk cId="1160420985" sldId="359"/>
-            <ac:spMk id="3" creationId="{6AFC8609-BD0B-E0EE-A79C-70A4081EF2E2}"/>
-          </ac:spMkLst>
-        </pc:spChg>
-      </pc:sldChg>
-      <pc:sldChg chg="addSp delSp modSp new mod modClrScheme chgLayout">
-        <pc:chgData name="Weifeng Xu" userId="e7aed605-a3dd-4d5a-a692-a87037af107b" providerId="ADAL" clId="{F99F8FFF-BA20-43EA-924B-4DF5D2A785F3}" dt="2025-09-09T13:40:27.885" v="249" actId="14734"/>
-        <pc:sldMkLst>
-          <pc:docMk/>
-          <pc:sldMk cId="1825281144" sldId="360"/>
-        </pc:sldMkLst>
-        <pc:spChg chg="add mod ord">
-          <ac:chgData name="Weifeng Xu" userId="e7aed605-a3dd-4d5a-a692-a87037af107b" providerId="ADAL" clId="{F99F8FFF-BA20-43EA-924B-4DF5D2A785F3}" dt="2025-09-09T13:39:44.355" v="243"/>
-          <ac:spMkLst>
-            <pc:docMk/>
-            <pc:sldMk cId="1825281144" sldId="360"/>
-            <ac:spMk id="5" creationId="{1C28F72A-9AFC-609E-901A-C60C89FFD89B}"/>
-          </ac:spMkLst>
-        </pc:spChg>
-        <pc:graphicFrameChg chg="add mod modGraphic">
-          <ac:chgData name="Weifeng Xu" userId="e7aed605-a3dd-4d5a-a692-a87037af107b" providerId="ADAL" clId="{F99F8FFF-BA20-43EA-924B-4DF5D2A785F3}" dt="2025-09-09T13:40:27.885" v="249" actId="14734"/>
-          <ac:graphicFrameMkLst>
-            <pc:docMk/>
-            <pc:sldMk cId="1825281144" sldId="360"/>
-            <ac:graphicFrameMk id="4" creationId="{89F31F21-407D-51C1-64DA-3728C58AEFAD}"/>
-          </ac:graphicFrameMkLst>
-        </pc:graphicFrameChg>
-      </pc:sldChg>
-      <pc:sldChg chg="addSp delSp modSp new mod modClrScheme chgLayout">
-        <pc:chgData name="Weifeng Xu" userId="e7aed605-a3dd-4d5a-a692-a87037af107b" providerId="ADAL" clId="{F99F8FFF-BA20-43EA-924B-4DF5D2A785F3}" dt="2025-09-09T13:46:28.779" v="260" actId="20577"/>
-        <pc:sldMkLst>
-          <pc:docMk/>
-          <pc:sldMk cId="139985094" sldId="361"/>
-        </pc:sldMkLst>
-        <pc:spChg chg="add mod ord">
-          <ac:chgData name="Weifeng Xu" userId="e7aed605-a3dd-4d5a-a692-a87037af107b" providerId="ADAL" clId="{F99F8FFF-BA20-43EA-924B-4DF5D2A785F3}" dt="2025-09-09T13:46:28.779" v="260" actId="20577"/>
-          <ac:spMkLst>
-            <pc:docMk/>
-            <pc:sldMk cId="139985094" sldId="361"/>
-            <ac:spMk id="3" creationId="{A54BA0C7-A7F3-79E1-6BBF-5488BE0C5301}"/>
-          </ac:spMkLst>
-        </pc:spChg>
-        <pc:spChg chg="add mod ord">
-          <ac:chgData name="Weifeng Xu" userId="e7aed605-a3dd-4d5a-a692-a87037af107b" providerId="ADAL" clId="{F99F8FFF-BA20-43EA-924B-4DF5D2A785F3}" dt="2025-09-09T13:46:23.117" v="256" actId="700"/>
-          <ac:spMkLst>
-            <pc:docMk/>
-            <pc:sldMk cId="139985094" sldId="361"/>
-            <ac:spMk id="4" creationId="{B2A34183-3C0A-CBF9-5113-AC8DFC14807B}"/>
-          </ac:spMkLst>
-        </pc:spChg>
-      </pc:sldChg>
-      <pc:sldChg chg="addSp delSp modSp new mod modClrScheme chgLayout">
-        <pc:chgData name="Weifeng Xu" userId="e7aed605-a3dd-4d5a-a692-a87037af107b" providerId="ADAL" clId="{F99F8FFF-BA20-43EA-924B-4DF5D2A785F3}" dt="2025-09-09T13:48:20.760" v="287" actId="1076"/>
-        <pc:sldMkLst>
-          <pc:docMk/>
-          <pc:sldMk cId="2229704913" sldId="362"/>
-        </pc:sldMkLst>
-        <pc:spChg chg="add mod">
-          <ac:chgData name="Weifeng Xu" userId="e7aed605-a3dd-4d5a-a692-a87037af107b" providerId="ADAL" clId="{F99F8FFF-BA20-43EA-924B-4DF5D2A785F3}" dt="2025-09-09T13:48:20.760" v="287" actId="1076"/>
-          <ac:spMkLst>
-            <pc:docMk/>
-            <pc:sldMk cId="2229704913" sldId="362"/>
-            <ac:spMk id="5" creationId="{32001913-C617-58E2-6412-74026FB9A22E}"/>
-          </ac:spMkLst>
-        </pc:spChg>
-        <pc:graphicFrameChg chg="add mod modGraphic">
-          <ac:chgData name="Weifeng Xu" userId="e7aed605-a3dd-4d5a-a692-a87037af107b" providerId="ADAL" clId="{F99F8FFF-BA20-43EA-924B-4DF5D2A785F3}" dt="2025-09-09T13:48:13.530" v="283" actId="1076"/>
-          <ac:graphicFrameMkLst>
-            <pc:docMk/>
-            <pc:sldMk cId="2229704913" sldId="362"/>
-            <ac:graphicFrameMk id="3" creationId="{DAD054CF-9C3E-657F-58FA-033E616A83A3}"/>
-          </ac:graphicFrameMkLst>
-        </pc:graphicFrameChg>
-      </pc:sldChg>
-      <pc:sldChg chg="addSp delSp modSp new mod modClrScheme chgLayout">
-        <pc:chgData name="Weifeng Xu" userId="e7aed605-a3dd-4d5a-a692-a87037af107b" providerId="ADAL" clId="{F99F8FFF-BA20-43EA-924B-4DF5D2A785F3}" dt="2025-09-11T15:27:36.244" v="407" actId="6549"/>
-        <pc:sldMkLst>
-          <pc:docMk/>
-          <pc:sldMk cId="4121565291" sldId="363"/>
-        </pc:sldMkLst>
-        <pc:spChg chg="add mod">
-          <ac:chgData name="Weifeng Xu" userId="e7aed605-a3dd-4d5a-a692-a87037af107b" providerId="ADAL" clId="{F99F8FFF-BA20-43EA-924B-4DF5D2A785F3}" dt="2025-09-09T13:56:56.194" v="298" actId="20577"/>
-          <ac:spMkLst>
-            <pc:docMk/>
-            <pc:sldMk cId="4121565291" sldId="363"/>
-            <ac:spMk id="4" creationId="{4C19632F-FC45-CB39-5F33-39803D3BAB6E}"/>
-          </ac:spMkLst>
-        </pc:spChg>
-        <pc:spChg chg="add mod">
-          <ac:chgData name="Weifeng Xu" userId="e7aed605-a3dd-4d5a-a692-a87037af107b" providerId="ADAL" clId="{F99F8FFF-BA20-43EA-924B-4DF5D2A785F3}" dt="2025-09-11T15:27:36.244" v="407" actId="6549"/>
-          <ac:spMkLst>
-            <pc:docMk/>
-            <pc:sldMk cId="4121565291" sldId="363"/>
-            <ac:spMk id="5" creationId="{ADE5F4C5-847D-75D3-2C1B-DC85840FE5A8}"/>
+            <pc:sldMk cId="1422574401" sldId="364"/>
+            <ac:spMk id="3" creationId="{0E8A0B75-1192-BA65-E8A7-BB2C36E613CB}"/>
           </ac:spMkLst>
         </pc:spChg>
       </pc:sldChg>
@@ -4525,7 +2751,7 @@
           <a:p>
             <a:fld id="{EE41F6E3-57F9-402E-BDBA-5B2DE11C8530}" type="datetimeFigureOut">
               <a:rPr lang="en-US" smtClean="0"/>
-              <a:t>9/11/2025</a:t>
+              <a:t>1/30/2026</a:t>
             </a:fld>
             <a:endParaRPr lang="en-US"/>
           </a:p>
@@ -4965,7 +3191,7 @@
           <a:p>
             <a:fld id="{DDBF98C7-164A-4723-84F0-B1E4B080DDEC}" type="slidenum">
               <a:rPr lang="en-US" smtClean="0"/>
-              <a:t>22</a:t>
+              <a:t>23</a:t>
             </a:fld>
             <a:endParaRPr lang="en-US"/>
           </a:p>
@@ -5052,7 +3278,7 @@
           <a:p>
             <a:fld id="{DDBF98C7-164A-4723-84F0-B1E4B080DDEC}" type="slidenum">
               <a:rPr lang="en-US" smtClean="0"/>
-              <a:t>24</a:t>
+              <a:t>25</a:t>
             </a:fld>
             <a:endParaRPr lang="en-US"/>
           </a:p>
@@ -5151,7 +3377,7 @@
           <a:p>
             <a:fld id="{DDBF98C7-164A-4723-84F0-B1E4B080DDEC}" type="slidenum">
               <a:rPr lang="en-US" smtClean="0"/>
-              <a:t>26</a:t>
+              <a:t>27</a:t>
             </a:fld>
             <a:endParaRPr lang="en-US"/>
           </a:p>
@@ -5373,7 +3599,7 @@
           <a:p>
             <a:fld id="{DDBF98C7-164A-4723-84F0-B1E4B080DDEC}" type="slidenum">
               <a:rPr lang="en-US" smtClean="0"/>
-              <a:t>29</a:t>
+              <a:t>30</a:t>
             </a:fld>
             <a:endParaRPr lang="en-US"/>
           </a:p>
@@ -5460,7 +3686,7 @@
           <a:p>
             <a:fld id="{DDBF98C7-164A-4723-84F0-B1E4B080DDEC}" type="slidenum">
               <a:rPr lang="en-US" smtClean="0"/>
-              <a:t>31</a:t>
+              <a:t>32</a:t>
             </a:fld>
             <a:endParaRPr lang="en-US"/>
           </a:p>
@@ -5544,7 +3770,7 @@
           <a:p>
             <a:fld id="{DDBF98C7-164A-4723-84F0-B1E4B080DDEC}" type="slidenum">
               <a:rPr lang="en-US" smtClean="0"/>
-              <a:t>32</a:t>
+              <a:t>33</a:t>
             </a:fld>
             <a:endParaRPr lang="en-US"/>
           </a:p>
@@ -5632,7 +3858,7 @@
           <a:p>
             <a:fld id="{DDBF98C7-164A-4723-84F0-B1E4B080DDEC}" type="slidenum">
               <a:rPr lang="en-US" smtClean="0"/>
-              <a:t>33</a:t>
+              <a:t>34</a:t>
             </a:fld>
             <a:endParaRPr lang="en-US"/>
           </a:p>
@@ -5716,7 +3942,7 @@
           <a:p>
             <a:fld id="{DDBF98C7-164A-4723-84F0-B1E4B080DDEC}" type="slidenum">
               <a:rPr lang="en-US" smtClean="0"/>
-              <a:t>35</a:t>
+              <a:t>36</a:t>
             </a:fld>
             <a:endParaRPr lang="en-US"/>
           </a:p>
@@ -5858,7 +4084,7 @@
           <a:p>
             <a:fld id="{DDBF98C7-164A-4723-84F0-B1E4B080DDEC}" type="slidenum">
               <a:rPr lang="en-US" smtClean="0"/>
-              <a:t>37</a:t>
+              <a:t>38</a:t>
             </a:fld>
             <a:endParaRPr lang="en-US"/>
           </a:p>
@@ -6031,7 +4257,7 @@
           <a:p>
             <a:fld id="{DDBF98C7-164A-4723-84F0-B1E4B080DDEC}" type="slidenum">
               <a:rPr lang="en-US" smtClean="0"/>
-              <a:t>38</a:t>
+              <a:t>39</a:t>
             </a:fld>
             <a:endParaRPr lang="en-US"/>
           </a:p>
@@ -6172,7 +4398,7 @@
           <a:p>
             <a:fld id="{DDBF98C7-164A-4723-84F0-B1E4B080DDEC}" type="slidenum">
               <a:rPr lang="en-US" smtClean="0"/>
-              <a:t>5</a:t>
+              <a:t>6</a:t>
             </a:fld>
             <a:endParaRPr lang="en-US"/>
           </a:p>
@@ -7189,7 +5415,7 @@
           <a:p>
             <a:fld id="{DDBF98C7-164A-4723-84F0-B1E4B080DDEC}" type="slidenum">
               <a:rPr lang="en-US" smtClean="0"/>
-              <a:t>41</a:t>
+              <a:t>42</a:t>
             </a:fld>
             <a:endParaRPr lang="en-US"/>
           </a:p>
@@ -7455,7 +5681,7 @@
           <a:p>
             <a:fld id="{DDBF98C7-164A-4723-84F0-B1E4B080DDEC}" type="slidenum">
               <a:rPr lang="en-US" smtClean="0"/>
-              <a:t>42</a:t>
+              <a:t>43</a:t>
             </a:fld>
             <a:endParaRPr lang="en-US"/>
           </a:p>
@@ -10002,7 +8228,7 @@
           <a:p>
             <a:fld id="{DDBF98C7-164A-4723-84F0-B1E4B080DDEC}" type="slidenum">
               <a:rPr lang="en-US" smtClean="0"/>
-              <a:t>43</a:t>
+              <a:t>44</a:t>
             </a:fld>
             <a:endParaRPr lang="en-US"/>
           </a:p>
@@ -10102,7 +8328,7 @@
           <a:p>
             <a:fld id="{DDBF98C7-164A-4723-84F0-B1E4B080DDEC}" type="slidenum">
               <a:rPr lang="en-US" smtClean="0"/>
-              <a:t>6</a:t>
+              <a:t>7</a:t>
             </a:fld>
             <a:endParaRPr lang="en-US"/>
           </a:p>
@@ -10192,7 +8418,7 @@
           <a:p>
             <a:fld id="{DDBF98C7-164A-4723-84F0-B1E4B080DDEC}" type="slidenum">
               <a:rPr lang="en-US" smtClean="0"/>
-              <a:t>7</a:t>
+              <a:t>8</a:t>
             </a:fld>
             <a:endParaRPr lang="en-US"/>
           </a:p>
@@ -10282,7 +8508,7 @@
           <a:p>
             <a:fld id="{DDBF98C7-164A-4723-84F0-B1E4B080DDEC}" type="slidenum">
               <a:rPr lang="en-US" smtClean="0"/>
-              <a:t>8</a:t>
+              <a:t>9</a:t>
             </a:fld>
             <a:endParaRPr lang="en-US"/>
           </a:p>
@@ -10369,7 +8595,7 @@
           <a:p>
             <a:fld id="{DDBF98C7-164A-4723-84F0-B1E4B080DDEC}" type="slidenum">
               <a:rPr lang="en-US" smtClean="0"/>
-              <a:t>10</a:t>
+              <a:t>11</a:t>
             </a:fld>
             <a:endParaRPr lang="en-US"/>
           </a:p>
@@ -10480,7 +8706,7 @@
           <a:p>
             <a:fld id="{DDBF98C7-164A-4723-84F0-B1E4B080DDEC}" type="slidenum">
               <a:rPr lang="en-US" smtClean="0"/>
-              <a:t>11</a:t>
+              <a:t>12</a:t>
             </a:fld>
             <a:endParaRPr lang="en-US"/>
           </a:p>
@@ -10573,7 +8799,7 @@
           <a:p>
             <a:fld id="{DDBF98C7-164A-4723-84F0-B1E4B080DDEC}" type="slidenum">
               <a:rPr lang="en-US" smtClean="0"/>
-              <a:t>20</a:t>
+              <a:t>21</a:t>
             </a:fld>
             <a:endParaRPr lang="en-US"/>
           </a:p>
@@ -10657,7 +8883,7 @@
           <a:p>
             <a:fld id="{DDBF98C7-164A-4723-84F0-B1E4B080DDEC}" type="slidenum">
               <a:rPr lang="en-US" smtClean="0"/>
-              <a:t>21</a:t>
+              <a:t>22</a:t>
             </a:fld>
             <a:endParaRPr lang="en-US"/>
           </a:p>
@@ -10805,7 +9031,7 @@
           <a:p>
             <a:fld id="{4263717A-E3C1-4BED-ABE0-B7069385E023}" type="datetimeFigureOut">
               <a:rPr lang="en-US" smtClean="0"/>
-              <a:t>9/11/2025</a:t>
+              <a:t>1/30/2026</a:t>
             </a:fld>
             <a:endParaRPr lang="en-US"/>
           </a:p>
@@ -10978,7 +9204,7 @@
           <a:p>
             <a:fld id="{4263717A-E3C1-4BED-ABE0-B7069385E023}" type="datetimeFigureOut">
               <a:rPr lang="en-US" smtClean="0"/>
-              <a:t>9/11/2025</a:t>
+              <a:t>1/30/2026</a:t>
             </a:fld>
             <a:endParaRPr lang="en-US"/>
           </a:p>
@@ -11156,7 +9382,7 @@
           <a:p>
             <a:fld id="{4263717A-E3C1-4BED-ABE0-B7069385E023}" type="datetimeFigureOut">
               <a:rPr lang="en-US" smtClean="0"/>
-              <a:t>9/11/2025</a:t>
+              <a:t>1/30/2026</a:t>
             </a:fld>
             <a:endParaRPr lang="en-US"/>
           </a:p>
@@ -11324,7 +9550,7 @@
           <a:p>
             <a:fld id="{4263717A-E3C1-4BED-ABE0-B7069385E023}" type="datetimeFigureOut">
               <a:rPr lang="en-US" smtClean="0"/>
-              <a:t>9/11/2025</a:t>
+              <a:t>1/30/2026</a:t>
             </a:fld>
             <a:endParaRPr lang="en-US"/>
           </a:p>
@@ -11569,7 +9795,7 @@
           <a:p>
             <a:fld id="{4263717A-E3C1-4BED-ABE0-B7069385E023}" type="datetimeFigureOut">
               <a:rPr lang="en-US" smtClean="0"/>
-              <a:t>9/11/2025</a:t>
+              <a:t>1/30/2026</a:t>
             </a:fld>
             <a:endParaRPr lang="en-US"/>
           </a:p>
@@ -11798,7 +10024,7 @@
           <a:p>
             <a:fld id="{4263717A-E3C1-4BED-ABE0-B7069385E023}" type="datetimeFigureOut">
               <a:rPr lang="en-US" smtClean="0"/>
-              <a:t>9/11/2025</a:t>
+              <a:t>1/30/2026</a:t>
             </a:fld>
             <a:endParaRPr lang="en-US"/>
           </a:p>
@@ -12162,7 +10388,7 @@
           <a:p>
             <a:fld id="{4263717A-E3C1-4BED-ABE0-B7069385E023}" type="datetimeFigureOut">
               <a:rPr lang="en-US" smtClean="0"/>
-              <a:t>9/11/2025</a:t>
+              <a:t>1/30/2026</a:t>
             </a:fld>
             <a:endParaRPr lang="en-US"/>
           </a:p>
@@ -12279,7 +10505,7 @@
           <a:p>
             <a:fld id="{4263717A-E3C1-4BED-ABE0-B7069385E023}" type="datetimeFigureOut">
               <a:rPr lang="en-US" smtClean="0"/>
-              <a:t>9/11/2025</a:t>
+              <a:t>1/30/2026</a:t>
             </a:fld>
             <a:endParaRPr lang="en-US"/>
           </a:p>
@@ -12374,7 +10600,7 @@
           <a:p>
             <a:fld id="{4263717A-E3C1-4BED-ABE0-B7069385E023}" type="datetimeFigureOut">
               <a:rPr lang="en-US" smtClean="0"/>
-              <a:t>9/11/2025</a:t>
+              <a:t>1/30/2026</a:t>
             </a:fld>
             <a:endParaRPr lang="en-US"/>
           </a:p>
@@ -12649,7 +10875,7 @@
           <a:p>
             <a:fld id="{4263717A-E3C1-4BED-ABE0-B7069385E023}" type="datetimeFigureOut">
               <a:rPr lang="en-US" smtClean="0"/>
-              <a:t>9/11/2025</a:t>
+              <a:t>1/30/2026</a:t>
             </a:fld>
             <a:endParaRPr lang="en-US"/>
           </a:p>
@@ -12901,7 +11127,7 @@
           <a:p>
             <a:fld id="{4263717A-E3C1-4BED-ABE0-B7069385E023}" type="datetimeFigureOut">
               <a:rPr lang="en-US" smtClean="0"/>
-              <a:t>9/11/2025</a:t>
+              <a:t>1/30/2026</a:t>
             </a:fld>
             <a:endParaRPr lang="en-US"/>
           </a:p>
@@ -13112,7 +11338,7 @@
           <a:p>
             <a:fld id="{4263717A-E3C1-4BED-ABE0-B7069385E023}" type="datetimeFigureOut">
               <a:rPr lang="en-US" smtClean="0"/>
-              <a:t>9/11/2025</a:t>
+              <a:t>1/30/2026</a:t>
             </a:fld>
             <a:endParaRPr lang="en-US"/>
           </a:p>
@@ -13773,6 +11999,97 @@
       </p:grpSpPr>
       <p:sp>
         <p:nvSpPr>
+          <p:cNvPr id="3" name="Title 2">
+            <a:extLst>
+              <a:ext uri="{FF2B5EF4-FFF2-40B4-BE49-F238E27FC236}">
+                <a16:creationId xmlns:a16="http://schemas.microsoft.com/office/drawing/2014/main" id="{B8758BF5-58C3-4201-BA87-7F229D24CDC8}"/>
+              </a:ext>
+            </a:extLst>
+          </p:cNvPr>
+          <p:cNvSpPr>
+            <a:spLocks noGrp="1"/>
+          </p:cNvSpPr>
+          <p:nvPr>
+            <p:ph type="title"/>
+          </p:nvPr>
+        </p:nvSpPr>
+        <p:spPr/>
+        <p:txBody>
+          <a:bodyPr/>
+          <a:lstStyle/>
+          <a:p>
+            <a:r>
+              <a:rPr lang="en-US" dirty="0"/>
+              <a:t>System Software, Application Software</a:t>
+            </a:r>
+            <a:r>
+              <a:rPr lang="en-GB" dirty="0"/>
+              <a:t> and Users</a:t>
+            </a:r>
+            <a:endParaRPr lang="en-US" dirty="0"/>
+          </a:p>
+        </p:txBody>
+      </p:sp>
+      <p:sp>
+        <p:nvSpPr>
+          <p:cNvPr id="4" name="Text Placeholder 3">
+            <a:extLst>
+              <a:ext uri="{FF2B5EF4-FFF2-40B4-BE49-F238E27FC236}">
+                <a16:creationId xmlns:a16="http://schemas.microsoft.com/office/drawing/2014/main" id="{D3445232-4E9E-4FA0-AA73-D932A67D061C}"/>
+              </a:ext>
+            </a:extLst>
+          </p:cNvPr>
+          <p:cNvSpPr>
+            <a:spLocks noGrp="1"/>
+          </p:cNvSpPr>
+          <p:nvPr>
+            <p:ph type="body" idx="1"/>
+          </p:nvPr>
+        </p:nvSpPr>
+        <p:spPr/>
+        <p:txBody>
+          <a:bodyPr/>
+          <a:lstStyle/>
+          <a:p>
+            <a:r>
+              <a:rPr lang="en-US" dirty="0"/>
+              <a:t>Understand the locations may contain forensics data</a:t>
+            </a:r>
+          </a:p>
+        </p:txBody>
+      </p:sp>
+    </p:spTree>
+    <p:extLst>
+      <p:ext uri="{BB962C8B-B14F-4D97-AF65-F5344CB8AC3E}">
+        <p14:creationId xmlns:p14="http://schemas.microsoft.com/office/powerpoint/2010/main" val="2323005149"/>
+      </p:ext>
+    </p:extLst>
+  </p:cSld>
+  <p:clrMapOvr>
+    <a:masterClrMapping/>
+  </p:clrMapOvr>
+</p:sld>
+</file>
+
+<file path=ppt/slides/slide11.xml><?xml version="1.0" encoding="utf-8"?>
+<p:sld xmlns:a="http://schemas.openxmlformats.org/drawingml/2006/main" xmlns:r="http://schemas.openxmlformats.org/officeDocument/2006/relationships" xmlns:p="http://schemas.openxmlformats.org/presentationml/2006/main">
+  <p:cSld>
+    <p:spTree>
+      <p:nvGrpSpPr>
+        <p:cNvPr id="1" name=""/>
+        <p:cNvGrpSpPr/>
+        <p:nvPr/>
+      </p:nvGrpSpPr>
+      <p:grpSpPr>
+        <a:xfrm>
+          <a:off x="0" y="0"/>
+          <a:ext cx="0" cy="0"/>
+          <a:chOff x="0" y="0"/>
+          <a:chExt cx="0" cy="0"/>
+        </a:xfrm>
+      </p:grpSpPr>
+      <p:sp>
+        <p:nvSpPr>
           <p:cNvPr id="4" name="Title 3">
             <a:extLst>
               <a:ext uri="{FF2B5EF4-FFF2-40B4-BE49-F238E27FC236}">
@@ -13822,7 +12139,7 @@
         </p:blipFill>
         <p:spPr>
           <a:xfrm>
-            <a:off x="2350889" y="3408941"/>
+            <a:off x="2295059" y="3408941"/>
             <a:ext cx="6167867" cy="3083934"/>
           </a:xfrm>
           <a:prstGeom prst="rect">
@@ -13859,7 +12176,7 @@
         </p:blipFill>
         <p:spPr bwMode="auto">
           <a:xfrm>
-            <a:off x="3963772" y="1690688"/>
+            <a:off x="3907942" y="1690688"/>
             <a:ext cx="3086100" cy="1476375"/>
           </a:xfrm>
           <a:prstGeom prst="rect">
@@ -13877,6 +12194,119 @@
           </a:extLst>
         </p:spPr>
       </p:pic>
+      <p:sp>
+        <p:nvSpPr>
+          <p:cNvPr id="5" name="Arrow: Down 4">
+            <a:extLst>
+              <a:ext uri="{FF2B5EF4-FFF2-40B4-BE49-F238E27FC236}">
+                <a16:creationId xmlns:a16="http://schemas.microsoft.com/office/drawing/2014/main" id="{D4B36F04-39CB-732F-A2AE-FFF907C97F76}"/>
+              </a:ext>
+            </a:extLst>
+          </p:cNvPr>
+          <p:cNvSpPr/>
+          <p:nvPr/>
+        </p:nvSpPr>
+        <p:spPr>
+          <a:xfrm>
+            <a:off x="8218126" y="3859025"/>
+            <a:ext cx="489600" cy="2023200"/>
+          </a:xfrm>
+          <a:prstGeom prst="downArrow">
+            <a:avLst/>
+          </a:prstGeom>
+          <a:solidFill>
+            <a:srgbClr val="FF0000"/>
+          </a:solidFill>
+          <a:ln>
+            <a:solidFill>
+              <a:srgbClr val="FF0000"/>
+            </a:solidFill>
+          </a:ln>
+        </p:spPr>
+        <p:style>
+          <a:lnRef idx="2">
+            <a:schemeClr val="accent1">
+              <a:shade val="15000"/>
+            </a:schemeClr>
+          </a:lnRef>
+          <a:fillRef idx="1">
+            <a:schemeClr val="accent1"/>
+          </a:fillRef>
+          <a:effectRef idx="0">
+            <a:schemeClr val="accent1"/>
+          </a:effectRef>
+          <a:fontRef idx="minor">
+            <a:schemeClr val="lt1"/>
+          </a:fontRef>
+        </p:style>
+        <p:txBody>
+          <a:bodyPr rtlCol="0" anchor="ctr"/>
+          <a:lstStyle/>
+          <a:p>
+            <a:pPr algn="ctr"/>
+            <a:endParaRPr lang="en-US"/>
+          </a:p>
+        </p:txBody>
+      </p:sp>
+      <p:sp>
+        <p:nvSpPr>
+          <p:cNvPr id="7" name="TextBox 6">
+            <a:extLst>
+              <a:ext uri="{FF2B5EF4-FFF2-40B4-BE49-F238E27FC236}">
+                <a16:creationId xmlns:a16="http://schemas.microsoft.com/office/drawing/2014/main" id="{850ADE09-2449-B332-D2EE-C4C91FAFC792}"/>
+              </a:ext>
+            </a:extLst>
+          </p:cNvPr>
+          <p:cNvSpPr txBox="1"/>
+          <p:nvPr/>
+        </p:nvSpPr>
+        <p:spPr>
+          <a:xfrm>
+            <a:off x="8707726" y="3947295"/>
+            <a:ext cx="3146527" cy="1477328"/>
+          </a:xfrm>
+          <a:prstGeom prst="rect">
+            <a:avLst/>
+          </a:prstGeom>
+          <a:noFill/>
+        </p:spPr>
+        <p:txBody>
+          <a:bodyPr wrap="square" rtlCol="0">
+            <a:spAutoFit/>
+          </a:bodyPr>
+          <a:lstStyle/>
+          <a:p>
+            <a:pPr marL="285750" indent="-285750">
+              <a:buFont typeface="Arial" panose="020B0604020202020204" pitchFamily="34" charset="0"/>
+              <a:buChar char="•"/>
+            </a:pPr>
+            <a:r>
+              <a:rPr lang="en-US" dirty="0"/>
+              <a:t>Forensics value decreases</a:t>
+            </a:r>
+          </a:p>
+          <a:p>
+            <a:pPr marL="285750" indent="-285750">
+              <a:buFont typeface="Arial" panose="020B0604020202020204" pitchFamily="34" charset="0"/>
+              <a:buChar char="•"/>
+            </a:pPr>
+            <a:r>
+              <a:rPr lang="en-US" dirty="0"/>
+              <a:t>A mount of evidence decreases</a:t>
+            </a:r>
+          </a:p>
+          <a:p>
+            <a:pPr marL="285750" indent="-285750">
+              <a:buFont typeface="Arial" panose="020B0604020202020204" pitchFamily="34" charset="0"/>
+              <a:buChar char="•"/>
+            </a:pPr>
+            <a:r>
+              <a:rPr lang="en-US" dirty="0"/>
+              <a:t>Evidence extraction difficulty increases</a:t>
+            </a:r>
+          </a:p>
+        </p:txBody>
+      </p:sp>
     </p:spTree>
     <p:extLst>
       <p:ext uri="{BB962C8B-B14F-4D97-AF65-F5344CB8AC3E}">
@@ -13890,7 +12320,7 @@
 </p:sld>
 </file>
 
-<file path=ppt/slides/slide11.xml><?xml version="1.0" encoding="utf-8"?>
+<file path=ppt/slides/slide12.xml><?xml version="1.0" encoding="utf-8"?>
 <p:sld xmlns:a="http://schemas.openxmlformats.org/drawingml/2006/main" xmlns:r="http://schemas.openxmlformats.org/officeDocument/2006/relationships" xmlns:p="http://schemas.openxmlformats.org/presentationml/2006/main">
   <p:cSld>
     <p:spTree>
@@ -14030,7 +12460,7 @@
 </p:sld>
 </file>
 
-<file path=ppt/slides/slide12.xml><?xml version="1.0" encoding="utf-8"?>
+<file path=ppt/slides/slide13.xml><?xml version="1.0" encoding="utf-8"?>
 <p:sld xmlns:a="http://schemas.openxmlformats.org/drawingml/2006/main" xmlns:r="http://schemas.openxmlformats.org/officeDocument/2006/relationships" xmlns:p="http://schemas.openxmlformats.org/presentationml/2006/main">
   <p:cSld>
     <p:spTree>
@@ -14511,7 +12941,7 @@
 </p:sld>
 </file>
 
-<file path=ppt/slides/slide13.xml><?xml version="1.0" encoding="utf-8"?>
+<file path=ppt/slides/slide14.xml><?xml version="1.0" encoding="utf-8"?>
 <p:sld xmlns:a="http://schemas.openxmlformats.org/drawingml/2006/main" xmlns:r="http://schemas.openxmlformats.org/officeDocument/2006/relationships" xmlns:p="http://schemas.openxmlformats.org/presentationml/2006/main">
   <p:cSld>
     <p:spTree>
@@ -14572,9 +13002,16 @@
             <p:ph idx="1"/>
           </p:nvPr>
         </p:nvSpPr>
-        <p:spPr/>
+        <p:spPr>
+          <a:xfrm>
+            <a:off x="838201" y="1825625"/>
+            <a:ext cx="4191000" cy="4351338"/>
+          </a:xfrm>
+        </p:spPr>
         <p:txBody>
-          <a:bodyPr/>
+          <a:bodyPr>
+            <a:normAutofit fontScale="85000" lnSpcReduction="20000"/>
+          </a:bodyPr>
           <a:lstStyle/>
           <a:p>
             <a:r>
@@ -14607,6 +13044,36 @@
           </a:p>
         </p:txBody>
       </p:sp>
+      <p:pic>
+        <p:nvPicPr>
+          <p:cNvPr id="9" name="Picture 8">
+            <a:extLst>
+              <a:ext uri="{FF2B5EF4-FFF2-40B4-BE49-F238E27FC236}">
+                <a16:creationId xmlns:a16="http://schemas.microsoft.com/office/drawing/2014/main" id="{DB55396E-BAB6-8863-FC6E-8EBF9173304E}"/>
+              </a:ext>
+            </a:extLst>
+          </p:cNvPr>
+          <p:cNvPicPr>
+            <a:picLocks noChangeAspect="1"/>
+          </p:cNvPicPr>
+          <p:nvPr/>
+        </p:nvPicPr>
+        <p:blipFill>
+          <a:blip r:embed="rId2"/>
+          <a:stretch>
+            <a:fillRect/>
+          </a:stretch>
+        </p:blipFill>
+        <p:spPr>
+          <a:xfrm>
+            <a:off x="5206793" y="1563028"/>
+            <a:ext cx="6557706" cy="4500592"/>
+          </a:xfrm>
+          <a:prstGeom prst="rect">
+            <a:avLst/>
+          </a:prstGeom>
+        </p:spPr>
+      </p:pic>
     </p:spTree>
     <p:extLst>
       <p:ext uri="{BB962C8B-B14F-4D97-AF65-F5344CB8AC3E}">
@@ -14620,7 +13087,7 @@
 </p:sld>
 </file>
 
-<file path=ppt/slides/slide14.xml><?xml version="1.0" encoding="utf-8"?>
+<file path=ppt/slides/slide15.xml><?xml version="1.0" encoding="utf-8"?>
 <p:sld xmlns:a="http://schemas.openxmlformats.org/drawingml/2006/main" xmlns:r="http://schemas.openxmlformats.org/officeDocument/2006/relationships" xmlns:p="http://schemas.openxmlformats.org/presentationml/2006/main">
   <p:cSld>
     <p:spTree>
@@ -14741,7 +13208,7 @@
 </p:sld>
 </file>
 
-<file path=ppt/slides/slide15.xml><?xml version="1.0" encoding="utf-8"?>
+<file path=ppt/slides/slide16.xml><?xml version="1.0" encoding="utf-8"?>
 <p:sld xmlns:a="http://schemas.openxmlformats.org/drawingml/2006/main" xmlns:r="http://schemas.openxmlformats.org/officeDocument/2006/relationships" xmlns:p="http://schemas.openxmlformats.org/presentationml/2006/main">
   <p:cSld>
     <p:spTree>
@@ -15103,7 +13570,7 @@
 </p:sld>
 </file>
 
-<file path=ppt/slides/slide16.xml><?xml version="1.0" encoding="utf-8"?>
+<file path=ppt/slides/slide17.xml><?xml version="1.0" encoding="utf-8"?>
 <p:sld xmlns:a="http://schemas.openxmlformats.org/drawingml/2006/main" xmlns:r="http://schemas.openxmlformats.org/officeDocument/2006/relationships" xmlns:p="http://schemas.openxmlformats.org/presentationml/2006/main">
   <p:cSld>
     <p:spTree>
@@ -15167,7 +13634,7 @@
         <p:spPr/>
         <p:txBody>
           <a:bodyPr>
-            <a:normAutofit fontScale="85000" lnSpcReduction="20000"/>
+            <a:normAutofit fontScale="85000" lnSpcReduction="10000"/>
           </a:bodyPr>
           <a:lstStyle/>
           <a:p>
@@ -15213,7 +13680,7 @@
           <a:p>
             <a:r>
               <a:rPr lang="en-US" dirty="0"/>
-              <a:t>Examples:</a:t>
+              <a:t>Location: </a:t>
             </a:r>
           </a:p>
           <a:p>
@@ -15224,11 +13691,15 @@
                   <a:schemeClr val="accent2"/>
                 </a:solidFill>
               </a:rPr>
-              <a:t>AndroidManifest.xml </a:t>
-            </a:r>
-            <a:r>
-              <a:rPr lang="en-US" dirty="0"/>
-              <a:t>in </a:t>
+              <a:t>/system/app/&lt;</a:t>
+            </a:r>
+            <a:r>
+              <a:rPr lang="en-US" dirty="0" err="1">
+                <a:solidFill>
+                  <a:schemeClr val="accent2"/>
+                </a:solidFill>
+              </a:rPr>
+              <a:t>app_name</a:t>
             </a:r>
             <a:r>
               <a:rPr lang="en-US" dirty="0">
@@ -15236,23 +13707,7 @@
                   <a:schemeClr val="accent2"/>
                 </a:solidFill>
               </a:rPr>
-              <a:t>/system/app/&lt;</a:t>
-            </a:r>
-            <a:r>
-              <a:rPr lang="en-US" dirty="0" err="1">
-                <a:solidFill>
-                  <a:schemeClr val="accent2"/>
-                </a:solidFill>
-              </a:rPr>
-              <a:t>app_name</a:t>
-            </a:r>
-            <a:r>
-              <a:rPr lang="en-US" dirty="0">
-                <a:solidFill>
-                  <a:schemeClr val="accent2"/>
-                </a:solidFill>
-              </a:rPr>
-              <a:t>&gt;/: </a:t>
+              <a:t>&gt;/AndroidManifest.xml : </a:t>
             </a:r>
             <a:r>
               <a:rPr lang="en-US" dirty="0"/>
@@ -15262,28 +13717,32 @@
           <a:p>
             <a:pPr lvl="1"/>
             <a:r>
+              <a:rPr lang="en-US" dirty="0">
+                <a:solidFill>
+                  <a:schemeClr val="accent2"/>
+                </a:solidFill>
+              </a:rPr>
+              <a:t>/data/data/</a:t>
+            </a:r>
+            <a:r>
+              <a:rPr lang="en-US" dirty="0" err="1">
+                <a:solidFill>
+                  <a:schemeClr val="accent2"/>
+                </a:solidFill>
+              </a:rPr>
+              <a:t>com.android.settings</a:t>
+            </a:r>
+            <a:r>
+              <a:rPr lang="en-US" dirty="0">
+                <a:solidFill>
+                  <a:schemeClr val="accent2"/>
+                </a:solidFill>
+              </a:rPr>
+              <a:t>/...xml</a:t>
+            </a:r>
+            <a:r>
               <a:rPr lang="en-US" dirty="0"/>
-              <a:t>XML files in </a:t>
-            </a:r>
-            <a:r>
-              <a:rPr lang="en-US" dirty="0">
-                <a:solidFill>
-                  <a:schemeClr val="accent2"/>
-                </a:solidFill>
-              </a:rPr>
-              <a:t>/data/data/</a:t>
-            </a:r>
-            <a:r>
-              <a:rPr lang="en-US" dirty="0" err="1">
-                <a:solidFill>
-                  <a:schemeClr val="accent2"/>
-                </a:solidFill>
-              </a:rPr>
-              <a:t>com.android.settings</a:t>
-            </a:r>
-            <a:r>
-              <a:rPr lang="en-US" dirty="0"/>
-              <a:t>/: Store Settings app preferences (e.g., display brightness).</a:t>
+              <a:t>: Store Settings app preferences (e.g., display brightness).</a:t>
             </a:r>
           </a:p>
           <a:p>
@@ -15323,80 +13782,6 @@
             <a:r>
               <a:rPr lang="en-US" dirty="0"/>
               <a:t>: Configures location settings for apps like Maps.</a:t>
-            </a:r>
-          </a:p>
-          <a:p>
-            <a:r>
-              <a:rPr lang="en-US" dirty="0"/>
-              <a:t>Location: </a:t>
-            </a:r>
-            <a:r>
-              <a:rPr lang="en-US" dirty="0">
-                <a:solidFill>
-                  <a:schemeClr val="accent2"/>
-                </a:solidFill>
-              </a:rPr>
-              <a:t>/system/app/</a:t>
-            </a:r>
-            <a:r>
-              <a:rPr lang="en-US" dirty="0"/>
-              <a:t>, </a:t>
-            </a:r>
-            <a:r>
-              <a:rPr lang="en-US" dirty="0">
-                <a:solidFill>
-                  <a:schemeClr val="accent2"/>
-                </a:solidFill>
-              </a:rPr>
-              <a:t>/system/</a:t>
-            </a:r>
-            <a:r>
-              <a:rPr lang="en-US" dirty="0" err="1">
-                <a:solidFill>
-                  <a:schemeClr val="accent2"/>
-                </a:solidFill>
-              </a:rPr>
-              <a:t>priv</a:t>
-            </a:r>
-            <a:r>
-              <a:rPr lang="en-US" dirty="0">
-                <a:solidFill>
-                  <a:schemeClr val="accent2"/>
-                </a:solidFill>
-              </a:rPr>
-              <a:t>-app/</a:t>
-            </a:r>
-            <a:r>
-              <a:rPr lang="en-US" dirty="0"/>
-              <a:t>, or </a:t>
-            </a:r>
-            <a:r>
-              <a:rPr lang="en-US" dirty="0">
-                <a:solidFill>
-                  <a:schemeClr val="accent2"/>
-                </a:solidFill>
-              </a:rPr>
-              <a:t>/data/data/&lt;</a:t>
-            </a:r>
-            <a:r>
-              <a:rPr lang="en-US" dirty="0" err="1">
-                <a:solidFill>
-                  <a:schemeClr val="accent2"/>
-                </a:solidFill>
-              </a:rPr>
-              <a:t>package_name</a:t>
-            </a:r>
-            <a:r>
-              <a:rPr lang="en-US" dirty="0">
-                <a:solidFill>
-                  <a:schemeClr val="accent2"/>
-                </a:solidFill>
-              </a:rPr>
-              <a:t>&gt;/</a:t>
-            </a:r>
-            <a:r>
-              <a:rPr lang="en-US" dirty="0"/>
-              <a:t>.</a:t>
             </a:r>
           </a:p>
           <a:p>
@@ -15420,7 +13805,7 @@
 </p:sld>
 </file>
 
-<file path=ppt/slides/slide17.xml><?xml version="1.0" encoding="utf-8"?>
+<file path=ppt/slides/slide18.xml><?xml version="1.0" encoding="utf-8"?>
 <p:sld xmlns:a="http://schemas.openxmlformats.org/drawingml/2006/main" xmlns:r="http://schemas.openxmlformats.org/officeDocument/2006/relationships" xmlns:p="http://schemas.openxmlformats.org/presentationml/2006/main">
   <p:cSld>
     <p:spTree>
@@ -15873,7 +14258,7 @@
 </p:sld>
 </file>
 
-<file path=ppt/slides/slide18.xml><?xml version="1.0" encoding="utf-8"?>
+<file path=ppt/slides/slide19.xml><?xml version="1.0" encoding="utf-8"?>
 <p:sld xmlns:a="http://schemas.openxmlformats.org/drawingml/2006/main" xmlns:r="http://schemas.openxmlformats.org/officeDocument/2006/relationships" xmlns:p="http://schemas.openxmlformats.org/presentationml/2006/main">
   <p:cSld>
     <p:spTree>
@@ -16586,89 +14971,6 @@
 </p:sld>
 </file>
 
-<file path=ppt/slides/slide19.xml><?xml version="1.0" encoding="utf-8"?>
-<p:sld xmlns:a="http://schemas.openxmlformats.org/drawingml/2006/main" xmlns:r="http://schemas.openxmlformats.org/officeDocument/2006/relationships" xmlns:p="http://schemas.openxmlformats.org/presentationml/2006/main">
-  <p:cSld>
-    <p:spTree>
-      <p:nvGrpSpPr>
-        <p:cNvPr id="1" name=""/>
-        <p:cNvGrpSpPr/>
-        <p:nvPr/>
-      </p:nvGrpSpPr>
-      <p:grpSpPr>
-        <a:xfrm>
-          <a:off x="0" y="0"/>
-          <a:ext cx="0" cy="0"/>
-          <a:chOff x="0" y="0"/>
-          <a:chExt cx="0" cy="0"/>
-        </a:xfrm>
-      </p:grpSpPr>
-      <p:sp>
-        <p:nvSpPr>
-          <p:cNvPr id="3" name="Title 2">
-            <a:extLst>
-              <a:ext uri="{FF2B5EF4-FFF2-40B4-BE49-F238E27FC236}">
-                <a16:creationId xmlns:a16="http://schemas.microsoft.com/office/drawing/2014/main" id="{A54BA0C7-A7F3-79E1-6BBF-5488BE0C5301}"/>
-              </a:ext>
-            </a:extLst>
-          </p:cNvPr>
-          <p:cNvSpPr>
-            <a:spLocks noGrp="1"/>
-          </p:cNvSpPr>
-          <p:nvPr>
-            <p:ph type="title"/>
-          </p:nvPr>
-        </p:nvSpPr>
-        <p:spPr/>
-        <p:txBody>
-          <a:bodyPr/>
-          <a:lstStyle/>
-          <a:p>
-            <a:r>
-              <a:rPr lang="en-US" dirty="0"/>
-              <a:t>Labs</a:t>
-            </a:r>
-          </a:p>
-        </p:txBody>
-      </p:sp>
-      <p:sp>
-        <p:nvSpPr>
-          <p:cNvPr id="4" name="Text Placeholder 3">
-            <a:extLst>
-              <a:ext uri="{FF2B5EF4-FFF2-40B4-BE49-F238E27FC236}">
-                <a16:creationId xmlns:a16="http://schemas.microsoft.com/office/drawing/2014/main" id="{B2A34183-3C0A-CBF9-5113-AC8DFC14807B}"/>
-              </a:ext>
-            </a:extLst>
-          </p:cNvPr>
-          <p:cNvSpPr>
-            <a:spLocks noGrp="1"/>
-          </p:cNvSpPr>
-          <p:nvPr>
-            <p:ph type="body" idx="1"/>
-          </p:nvPr>
-        </p:nvSpPr>
-        <p:spPr/>
-        <p:txBody>
-          <a:bodyPr/>
-          <a:lstStyle/>
-          <a:p>
-            <a:endParaRPr lang="en-US"/>
-          </a:p>
-        </p:txBody>
-      </p:sp>
-    </p:spTree>
-    <p:extLst>
-      <p:ext uri="{BB962C8B-B14F-4D97-AF65-F5344CB8AC3E}">
-        <p14:creationId xmlns:p14="http://schemas.microsoft.com/office/powerpoint/2010/main" val="139985094"/>
-      </p:ext>
-    </p:extLst>
-  </p:cSld>
-  <p:clrMapOvr>
-    <a:masterClrMapping/>
-  </p:clrMapOvr>
-</p:sld>
-</file>
-
 <file path=ppt/slides/slide2.xml><?xml version="1.0" encoding="utf-8"?>
 <p:sld xmlns:a="http://schemas.openxmlformats.org/drawingml/2006/main" xmlns:r="http://schemas.openxmlformats.org/officeDocument/2006/relationships" xmlns:p="http://schemas.openxmlformats.org/presentationml/2006/main">
   <p:cSld>
@@ -16768,6 +15070,89 @@
 </file>
 
 <file path=ppt/slides/slide20.xml><?xml version="1.0" encoding="utf-8"?>
+<p:sld xmlns:a="http://schemas.openxmlformats.org/drawingml/2006/main" xmlns:r="http://schemas.openxmlformats.org/officeDocument/2006/relationships" xmlns:p="http://schemas.openxmlformats.org/presentationml/2006/main">
+  <p:cSld>
+    <p:spTree>
+      <p:nvGrpSpPr>
+        <p:cNvPr id="1" name=""/>
+        <p:cNvGrpSpPr/>
+        <p:nvPr/>
+      </p:nvGrpSpPr>
+      <p:grpSpPr>
+        <a:xfrm>
+          <a:off x="0" y="0"/>
+          <a:ext cx="0" cy="0"/>
+          <a:chOff x="0" y="0"/>
+          <a:chExt cx="0" cy="0"/>
+        </a:xfrm>
+      </p:grpSpPr>
+      <p:sp>
+        <p:nvSpPr>
+          <p:cNvPr id="3" name="Title 2">
+            <a:extLst>
+              <a:ext uri="{FF2B5EF4-FFF2-40B4-BE49-F238E27FC236}">
+                <a16:creationId xmlns:a16="http://schemas.microsoft.com/office/drawing/2014/main" id="{A54BA0C7-A7F3-79E1-6BBF-5488BE0C5301}"/>
+              </a:ext>
+            </a:extLst>
+          </p:cNvPr>
+          <p:cNvSpPr>
+            <a:spLocks noGrp="1"/>
+          </p:cNvSpPr>
+          <p:nvPr>
+            <p:ph type="title"/>
+          </p:nvPr>
+        </p:nvSpPr>
+        <p:spPr/>
+        <p:txBody>
+          <a:bodyPr/>
+          <a:lstStyle/>
+          <a:p>
+            <a:r>
+              <a:rPr lang="en-US" dirty="0"/>
+              <a:t>Labs</a:t>
+            </a:r>
+          </a:p>
+        </p:txBody>
+      </p:sp>
+      <p:sp>
+        <p:nvSpPr>
+          <p:cNvPr id="4" name="Text Placeholder 3">
+            <a:extLst>
+              <a:ext uri="{FF2B5EF4-FFF2-40B4-BE49-F238E27FC236}">
+                <a16:creationId xmlns:a16="http://schemas.microsoft.com/office/drawing/2014/main" id="{B2A34183-3C0A-CBF9-5113-AC8DFC14807B}"/>
+              </a:ext>
+            </a:extLst>
+          </p:cNvPr>
+          <p:cNvSpPr>
+            <a:spLocks noGrp="1"/>
+          </p:cNvSpPr>
+          <p:nvPr>
+            <p:ph type="body" idx="1"/>
+          </p:nvPr>
+        </p:nvSpPr>
+        <p:spPr/>
+        <p:txBody>
+          <a:bodyPr/>
+          <a:lstStyle/>
+          <a:p>
+            <a:endParaRPr lang="en-US"/>
+          </a:p>
+        </p:txBody>
+      </p:sp>
+    </p:spTree>
+    <p:extLst>
+      <p:ext uri="{BB962C8B-B14F-4D97-AF65-F5344CB8AC3E}">
+        <p14:creationId xmlns:p14="http://schemas.microsoft.com/office/powerpoint/2010/main" val="139985094"/>
+      </p:ext>
+    </p:extLst>
+  </p:cSld>
+  <p:clrMapOvr>
+    <a:masterClrMapping/>
+  </p:clrMapOvr>
+</p:sld>
+</file>
+
+<file path=ppt/slides/slide21.xml><?xml version="1.0" encoding="utf-8"?>
 <p:sld xmlns:a="http://schemas.openxmlformats.org/drawingml/2006/main" xmlns:r="http://schemas.openxmlformats.org/officeDocument/2006/relationships" xmlns:p="http://schemas.openxmlformats.org/presentationml/2006/main">
   <p:cSld>
     <p:spTree>
@@ -17521,7 +15906,7 @@
 </p:sld>
 </file>
 
-<file path=ppt/slides/slide21.xml><?xml version="1.0" encoding="utf-8"?>
+<file path=ppt/slides/slide22.xml><?xml version="1.0" encoding="utf-8"?>
 <p:sld xmlns:a="http://schemas.openxmlformats.org/drawingml/2006/main" xmlns:r="http://schemas.openxmlformats.org/officeDocument/2006/relationships" xmlns:p="http://schemas.openxmlformats.org/presentationml/2006/main">
   <p:cSld>
     <p:spTree>
@@ -18285,7 +16670,7 @@
 </p:sld>
 </file>
 
-<file path=ppt/slides/slide22.xml><?xml version="1.0" encoding="utf-8"?>
+<file path=ppt/slides/slide23.xml><?xml version="1.0" encoding="utf-8"?>
 <p:sld xmlns:a="http://schemas.openxmlformats.org/drawingml/2006/main" xmlns:r="http://schemas.openxmlformats.org/officeDocument/2006/relationships" xmlns:p="http://schemas.openxmlformats.org/presentationml/2006/main">
   <p:cSld>
     <p:spTree>
@@ -18727,7 +17112,7 @@
 </p:sld>
 </file>
 
-<file path=ppt/slides/slide23.xml><?xml version="1.0" encoding="utf-8"?>
+<file path=ppt/slides/slide24.xml><?xml version="1.0" encoding="utf-8"?>
 <p:sld xmlns:a="http://schemas.openxmlformats.org/drawingml/2006/main" xmlns:r="http://schemas.openxmlformats.org/officeDocument/2006/relationships" xmlns:p="http://schemas.openxmlformats.org/presentationml/2006/main">
   <p:cSld>
     <p:bg>
@@ -19283,7 +17668,7 @@
 </p:sld>
 </file>
 
-<file path=ppt/slides/slide24.xml><?xml version="1.0" encoding="utf-8"?>
+<file path=ppt/slides/slide25.xml><?xml version="1.0" encoding="utf-8"?>
 <p:sld xmlns:a="http://schemas.openxmlformats.org/drawingml/2006/main" xmlns:r="http://schemas.openxmlformats.org/officeDocument/2006/relationships" xmlns:p="http://schemas.openxmlformats.org/presentationml/2006/main">
   <p:cSld>
     <p:spTree>
@@ -19443,7 +17828,7 @@
           <a:p>
             <a:r>
               <a:rPr lang="en-GB" dirty="0"/>
-              <a:t>Access to the directory is restricted by the system apps only, so if the device is not rooted the folder content can't be seen.</a:t>
+              <a:t>Access to the directory is restricted by the system (utility) apps only, so if the device is not rooted the folder content can't be seen.</a:t>
             </a:r>
           </a:p>
           <a:p>
@@ -19548,7 +17933,7 @@
 </p:sld>
 </file>
 
-<file path=ppt/slides/slide25.xml><?xml version="1.0" encoding="utf-8"?>
+<file path=ppt/slides/slide26.xml><?xml version="1.0" encoding="utf-8"?>
 <p:sld xmlns:a="http://schemas.openxmlformats.org/drawingml/2006/main" xmlns:r="http://schemas.openxmlformats.org/officeDocument/2006/relationships" xmlns:p="http://schemas.openxmlformats.org/presentationml/2006/main">
   <p:cSld>
     <p:spTree>
@@ -19773,7 +18158,7 @@
 </p:sld>
 </file>
 
-<file path=ppt/slides/slide26.xml><?xml version="1.0" encoding="utf-8"?>
+<file path=ppt/slides/slide27.xml><?xml version="1.0" encoding="utf-8"?>
 <p:sld xmlns:a="http://schemas.openxmlformats.org/drawingml/2006/main" xmlns:r="http://schemas.openxmlformats.org/officeDocument/2006/relationships" xmlns:p="http://schemas.openxmlformats.org/presentationml/2006/main">
   <p:cSld>
     <p:spTree>
@@ -20452,7 +18837,7 @@
 </p:sld>
 </file>
 
-<file path=ppt/slides/slide27.xml><?xml version="1.0" encoding="utf-8"?>
+<file path=ppt/slides/slide28.xml><?xml version="1.0" encoding="utf-8"?>
 <p:sld xmlns:a="http://schemas.openxmlformats.org/drawingml/2006/main" xmlns:r="http://schemas.openxmlformats.org/officeDocument/2006/relationships" xmlns:p="http://schemas.openxmlformats.org/presentationml/2006/main">
   <p:cSld>
     <p:spTree>
@@ -21378,7 +19763,7 @@
 </p:sld>
 </file>
 
-<file path=ppt/slides/slide28.xml><?xml version="1.0" encoding="utf-8"?>
+<file path=ppt/slides/slide29.xml><?xml version="1.0" encoding="utf-8"?>
 <p:sld xmlns:a="http://schemas.openxmlformats.org/drawingml/2006/main" xmlns:r="http://schemas.openxmlformats.org/officeDocument/2006/relationships" xmlns:p="http://schemas.openxmlformats.org/presentationml/2006/main">
   <p:cSld>
     <p:spTree>
@@ -21736,7 +20121,93 @@
 </p:sld>
 </file>
 
-<file path=ppt/slides/slide29.xml><?xml version="1.0" encoding="utf-8"?>
+<file path=ppt/slides/slide3.xml><?xml version="1.0" encoding="utf-8"?>
+<p:sld xmlns:a="http://schemas.openxmlformats.org/drawingml/2006/main" xmlns:r="http://schemas.openxmlformats.org/officeDocument/2006/relationships" xmlns:p="http://schemas.openxmlformats.org/presentationml/2006/main">
+  <p:cSld>
+    <p:spTree>
+      <p:nvGrpSpPr>
+        <p:cNvPr id="1" name=""/>
+        <p:cNvGrpSpPr/>
+        <p:nvPr/>
+      </p:nvGrpSpPr>
+      <p:grpSpPr>
+        <a:xfrm>
+          <a:off x="0" y="0"/>
+          <a:ext cx="0" cy="0"/>
+          <a:chOff x="0" y="0"/>
+          <a:chExt cx="0" cy="0"/>
+        </a:xfrm>
+      </p:grpSpPr>
+      <p:sp>
+        <p:nvSpPr>
+          <p:cNvPr id="4" name="Title 3">
+            <a:extLst>
+              <a:ext uri="{FF2B5EF4-FFF2-40B4-BE49-F238E27FC236}">
+                <a16:creationId xmlns:a16="http://schemas.microsoft.com/office/drawing/2014/main" id="{25205220-C69B-4DFE-A920-E9B89A00D9D1}"/>
+              </a:ext>
+            </a:extLst>
+          </p:cNvPr>
+          <p:cNvSpPr>
+            <a:spLocks noGrp="1"/>
+          </p:cNvSpPr>
+          <p:nvPr>
+            <p:ph type="title"/>
+          </p:nvPr>
+        </p:nvSpPr>
+        <p:spPr/>
+        <p:txBody>
+          <a:bodyPr/>
+          <a:lstStyle/>
+          <a:p>
+            <a:r>
+              <a:rPr lang="en-US"/>
+              <a:t>Pixel 3 Image Description</a:t>
+            </a:r>
+          </a:p>
+        </p:txBody>
+      </p:sp>
+      <p:sp>
+        <p:nvSpPr>
+          <p:cNvPr id="5" name="Text Placeholder 4">
+            <a:extLst>
+              <a:ext uri="{FF2B5EF4-FFF2-40B4-BE49-F238E27FC236}">
+                <a16:creationId xmlns:a16="http://schemas.microsoft.com/office/drawing/2014/main" id="{4D6B719E-B028-46A2-AE73-42106240212C}"/>
+              </a:ext>
+            </a:extLst>
+          </p:cNvPr>
+          <p:cNvSpPr>
+            <a:spLocks noGrp="1"/>
+          </p:cNvSpPr>
+          <p:nvPr>
+            <p:ph type="body" idx="1"/>
+          </p:nvPr>
+        </p:nvSpPr>
+        <p:spPr/>
+        <p:txBody>
+          <a:bodyPr/>
+          <a:lstStyle/>
+          <a:p>
+            <a:r>
+              <a:rPr lang="en-US" dirty="0"/>
+              <a:t>How was the device image acquired?</a:t>
+            </a:r>
+          </a:p>
+        </p:txBody>
+      </p:sp>
+    </p:spTree>
+    <p:extLst>
+      <p:ext uri="{BB962C8B-B14F-4D97-AF65-F5344CB8AC3E}">
+        <p14:creationId xmlns:p14="http://schemas.microsoft.com/office/powerpoint/2010/main" val="566423159"/>
+      </p:ext>
+    </p:extLst>
+  </p:cSld>
+  <p:clrMapOvr>
+    <a:masterClrMapping/>
+  </p:clrMapOvr>
+</p:sld>
+</file>
+
+<file path=ppt/slides/slide30.xml><?xml version="1.0" encoding="utf-8"?>
 <p:sld xmlns:a="http://schemas.openxmlformats.org/drawingml/2006/main" xmlns:r="http://schemas.openxmlformats.org/officeDocument/2006/relationships" xmlns:p="http://schemas.openxmlformats.org/presentationml/2006/main">
   <p:cSld>
     <p:spTree>
@@ -21796,93 +20267,7 @@
 </p:sld>
 </file>
 
-<file path=ppt/slides/slide3.xml><?xml version="1.0" encoding="utf-8"?>
-<p:sld xmlns:a="http://schemas.openxmlformats.org/drawingml/2006/main" xmlns:r="http://schemas.openxmlformats.org/officeDocument/2006/relationships" xmlns:p="http://schemas.openxmlformats.org/presentationml/2006/main">
-  <p:cSld>
-    <p:spTree>
-      <p:nvGrpSpPr>
-        <p:cNvPr id="1" name=""/>
-        <p:cNvGrpSpPr/>
-        <p:nvPr/>
-      </p:nvGrpSpPr>
-      <p:grpSpPr>
-        <a:xfrm>
-          <a:off x="0" y="0"/>
-          <a:ext cx="0" cy="0"/>
-          <a:chOff x="0" y="0"/>
-          <a:chExt cx="0" cy="0"/>
-        </a:xfrm>
-      </p:grpSpPr>
-      <p:sp>
-        <p:nvSpPr>
-          <p:cNvPr id="4" name="Title 3">
-            <a:extLst>
-              <a:ext uri="{FF2B5EF4-FFF2-40B4-BE49-F238E27FC236}">
-                <a16:creationId xmlns:a16="http://schemas.microsoft.com/office/drawing/2014/main" id="{25205220-C69B-4DFE-A920-E9B89A00D9D1}"/>
-              </a:ext>
-            </a:extLst>
-          </p:cNvPr>
-          <p:cNvSpPr>
-            <a:spLocks noGrp="1"/>
-          </p:cNvSpPr>
-          <p:nvPr>
-            <p:ph type="title"/>
-          </p:nvPr>
-        </p:nvSpPr>
-        <p:spPr/>
-        <p:txBody>
-          <a:bodyPr/>
-          <a:lstStyle/>
-          <a:p>
-            <a:r>
-              <a:rPr lang="en-US"/>
-              <a:t>Pixel 3 Image Description</a:t>
-            </a:r>
-          </a:p>
-        </p:txBody>
-      </p:sp>
-      <p:sp>
-        <p:nvSpPr>
-          <p:cNvPr id="5" name="Text Placeholder 4">
-            <a:extLst>
-              <a:ext uri="{FF2B5EF4-FFF2-40B4-BE49-F238E27FC236}">
-                <a16:creationId xmlns:a16="http://schemas.microsoft.com/office/drawing/2014/main" id="{4D6B719E-B028-46A2-AE73-42106240212C}"/>
-              </a:ext>
-            </a:extLst>
-          </p:cNvPr>
-          <p:cNvSpPr>
-            <a:spLocks noGrp="1"/>
-          </p:cNvSpPr>
-          <p:nvPr>
-            <p:ph type="body" idx="1"/>
-          </p:nvPr>
-        </p:nvSpPr>
-        <p:spPr/>
-        <p:txBody>
-          <a:bodyPr/>
-          <a:lstStyle/>
-          <a:p>
-            <a:r>
-              <a:rPr lang="en-US" dirty="0"/>
-              <a:t>How was the device image acquired?</a:t>
-            </a:r>
-          </a:p>
-        </p:txBody>
-      </p:sp>
-    </p:spTree>
-    <p:extLst>
-      <p:ext uri="{BB962C8B-B14F-4D97-AF65-F5344CB8AC3E}">
-        <p14:creationId xmlns:p14="http://schemas.microsoft.com/office/powerpoint/2010/main" val="566423159"/>
-      </p:ext>
-    </p:extLst>
-  </p:cSld>
-  <p:clrMapOvr>
-    <a:masterClrMapping/>
-  </p:clrMapOvr>
-</p:sld>
-</file>
-
-<file path=ppt/slides/slide30.xml><?xml version="1.0" encoding="utf-8"?>
+<file path=ppt/slides/slide31.xml><?xml version="1.0" encoding="utf-8"?>
 <p:sld xmlns:a="http://schemas.openxmlformats.org/drawingml/2006/main" xmlns:r="http://schemas.openxmlformats.org/officeDocument/2006/relationships" xmlns:p="http://schemas.openxmlformats.org/presentationml/2006/main">
   <p:cSld>
     <p:spTree>
@@ -21968,7 +20353,7 @@
 </p:sld>
 </file>
 
-<file path=ppt/slides/slide31.xml><?xml version="1.0" encoding="utf-8"?>
+<file path=ppt/slides/slide32.xml><?xml version="1.0" encoding="utf-8"?>
 <p:sld xmlns:a="http://schemas.openxmlformats.org/drawingml/2006/main" xmlns:r="http://schemas.openxmlformats.org/officeDocument/2006/relationships" xmlns:p="http://schemas.openxmlformats.org/presentationml/2006/main">
   <p:cSld>
     <p:bg>
@@ -22552,7 +20937,7 @@
 </p:sld>
 </file>
 
-<file path=ppt/slides/slide32.xml><?xml version="1.0" encoding="utf-8"?>
+<file path=ppt/slides/slide33.xml><?xml version="1.0" encoding="utf-8"?>
 <p:sld xmlns:a="http://schemas.openxmlformats.org/drawingml/2006/main" xmlns:r="http://schemas.openxmlformats.org/officeDocument/2006/relationships" xmlns:p="http://schemas.openxmlformats.org/presentationml/2006/main">
   <p:cSld>
     <p:bg>
@@ -23261,7 +21646,7 @@
 </p:sld>
 </file>
 
-<file path=ppt/slides/slide33.xml><?xml version="1.0" encoding="utf-8"?>
+<file path=ppt/slides/slide34.xml><?xml version="1.0" encoding="utf-8"?>
 <p:sld xmlns:a="http://schemas.openxmlformats.org/drawingml/2006/main" xmlns:r="http://schemas.openxmlformats.org/officeDocument/2006/relationships" xmlns:p="http://schemas.openxmlformats.org/presentationml/2006/main">
   <p:cSld>
     <p:spTree>
@@ -23370,7 +21755,7 @@
 </p:sld>
 </file>
 
-<file path=ppt/slides/slide34.xml><?xml version="1.0" encoding="utf-8"?>
+<file path=ppt/slides/slide35.xml><?xml version="1.0" encoding="utf-8"?>
 <p:sld xmlns:a="http://schemas.openxmlformats.org/drawingml/2006/main" xmlns:r="http://schemas.openxmlformats.org/officeDocument/2006/relationships" xmlns:p="http://schemas.openxmlformats.org/presentationml/2006/main">
   <p:cSld>
     <p:spTree>
@@ -23535,7 +21920,7 @@
 </p:sld>
 </file>
 
-<file path=ppt/slides/slide35.xml><?xml version="1.0" encoding="utf-8"?>
+<file path=ppt/slides/slide36.xml><?xml version="1.0" encoding="utf-8"?>
 <p:sld xmlns:a="http://schemas.openxmlformats.org/drawingml/2006/main" xmlns:r="http://schemas.openxmlformats.org/officeDocument/2006/relationships" xmlns:p="http://schemas.openxmlformats.org/presentationml/2006/main">
   <p:cSld>
     <p:spTree>
@@ -23823,7 +22208,7 @@
 </p:sld>
 </file>
 
-<file path=ppt/slides/slide36.xml><?xml version="1.0" encoding="utf-8"?>
+<file path=ppt/slides/slide37.xml><?xml version="1.0" encoding="utf-8"?>
 <p:sld xmlns:a="http://schemas.openxmlformats.org/drawingml/2006/main" xmlns:r="http://schemas.openxmlformats.org/officeDocument/2006/relationships" xmlns:p="http://schemas.openxmlformats.org/presentationml/2006/main">
   <p:cSld>
     <p:spTree>
@@ -24128,7 +22513,7 @@
 </p:sld>
 </file>
 
-<file path=ppt/slides/slide37.xml><?xml version="1.0" encoding="utf-8"?>
+<file path=ppt/slides/slide38.xml><?xml version="1.0" encoding="utf-8"?>
 <p:sld xmlns:a="http://schemas.openxmlformats.org/drawingml/2006/main" xmlns:r="http://schemas.openxmlformats.org/officeDocument/2006/relationships" xmlns:p="http://schemas.openxmlformats.org/presentationml/2006/main">
   <p:cSld>
     <p:spTree>
@@ -24235,7 +22620,7 @@
 </p:sld>
 </file>
 
-<file path=ppt/slides/slide38.xml><?xml version="1.0" encoding="utf-8"?>
+<file path=ppt/slides/slide39.xml><?xml version="1.0" encoding="utf-8"?>
 <p:sld xmlns:a="http://schemas.openxmlformats.org/drawingml/2006/main" xmlns:r="http://schemas.openxmlformats.org/officeDocument/2006/relationships" xmlns:p="http://schemas.openxmlformats.org/presentationml/2006/main">
   <p:cSld>
     <p:spTree>
@@ -24660,96 +23045,6 @@
     <p:extLst>
       <p:ext uri="{BB962C8B-B14F-4D97-AF65-F5344CB8AC3E}">
         <p14:creationId xmlns:p14="http://schemas.microsoft.com/office/powerpoint/2010/main" val="3664990277"/>
-      </p:ext>
-    </p:extLst>
-  </p:cSld>
-  <p:clrMapOvr>
-    <a:masterClrMapping/>
-  </p:clrMapOvr>
-</p:sld>
-</file>
-
-<file path=ppt/slides/slide39.xml><?xml version="1.0" encoding="utf-8"?>
-<p:sld xmlns:a="http://schemas.openxmlformats.org/drawingml/2006/main" xmlns:r="http://schemas.openxmlformats.org/officeDocument/2006/relationships" xmlns:p="http://schemas.openxmlformats.org/presentationml/2006/main">
-  <p:cSld>
-    <p:spTree>
-      <p:nvGrpSpPr>
-        <p:cNvPr id="1" name=""/>
-        <p:cNvGrpSpPr/>
-        <p:nvPr/>
-      </p:nvGrpSpPr>
-      <p:grpSpPr>
-        <a:xfrm>
-          <a:off x="0" y="0"/>
-          <a:ext cx="0" cy="0"/>
-          <a:chOff x="0" y="0"/>
-          <a:chExt cx="0" cy="0"/>
-        </a:xfrm>
-      </p:grpSpPr>
-      <p:pic>
-        <p:nvPicPr>
-          <p:cNvPr id="3" name="Picture 2">
-            <a:extLst>
-              <a:ext uri="{FF2B5EF4-FFF2-40B4-BE49-F238E27FC236}">
-                <a16:creationId xmlns:a16="http://schemas.microsoft.com/office/drawing/2014/main" id="{E40D9E0D-0D0A-028A-C39F-35BA5306B8D7}"/>
-              </a:ext>
-            </a:extLst>
-          </p:cNvPr>
-          <p:cNvPicPr>
-            <a:picLocks noChangeAspect="1"/>
-          </p:cNvPicPr>
-          <p:nvPr/>
-        </p:nvPicPr>
-        <p:blipFill>
-          <a:blip r:embed="rId2"/>
-          <a:stretch>
-            <a:fillRect/>
-          </a:stretch>
-        </p:blipFill>
-        <p:spPr>
-          <a:xfrm>
-            <a:off x="1322101" y="831273"/>
-            <a:ext cx="8967531" cy="2180783"/>
-          </a:xfrm>
-          <a:prstGeom prst="rect">
-            <a:avLst/>
-          </a:prstGeom>
-        </p:spPr>
-      </p:pic>
-      <p:pic>
-        <p:nvPicPr>
-          <p:cNvPr id="5" name="Picture 4">
-            <a:extLst>
-              <a:ext uri="{FF2B5EF4-FFF2-40B4-BE49-F238E27FC236}">
-                <a16:creationId xmlns:a16="http://schemas.microsoft.com/office/drawing/2014/main" id="{DA02A7F9-61AB-4EE3-3E80-C8F8C83CD7D3}"/>
-              </a:ext>
-            </a:extLst>
-          </p:cNvPr>
-          <p:cNvPicPr>
-            <a:picLocks noChangeAspect="1"/>
-          </p:cNvPicPr>
-          <p:nvPr/>
-        </p:nvPicPr>
-        <p:blipFill>
-          <a:blip r:embed="rId3"/>
-          <a:stretch>
-            <a:fillRect/>
-          </a:stretch>
-        </p:blipFill>
-        <p:spPr>
-          <a:xfrm>
-            <a:off x="1366435" y="3428999"/>
-            <a:ext cx="8703151" cy="2506287"/>
-          </a:xfrm>
-          <a:prstGeom prst="rect">
-            <a:avLst/>
-          </a:prstGeom>
-        </p:spPr>
-      </p:pic>
-    </p:spTree>
-    <p:extLst>
-      <p:ext uri="{BB962C8B-B14F-4D97-AF65-F5344CB8AC3E}">
-        <p14:creationId xmlns:p14="http://schemas.microsoft.com/office/powerpoint/2010/main" val="1277684933"/>
       </p:ext>
     </p:extLst>
   </p:cSld>
@@ -25113,6 +23408,96 @@
           <p:cNvPr id="3" name="Picture 2">
             <a:extLst>
               <a:ext uri="{FF2B5EF4-FFF2-40B4-BE49-F238E27FC236}">
+                <a16:creationId xmlns:a16="http://schemas.microsoft.com/office/drawing/2014/main" id="{E40D9E0D-0D0A-028A-C39F-35BA5306B8D7}"/>
+              </a:ext>
+            </a:extLst>
+          </p:cNvPr>
+          <p:cNvPicPr>
+            <a:picLocks noChangeAspect="1"/>
+          </p:cNvPicPr>
+          <p:nvPr/>
+        </p:nvPicPr>
+        <p:blipFill>
+          <a:blip r:embed="rId2"/>
+          <a:stretch>
+            <a:fillRect/>
+          </a:stretch>
+        </p:blipFill>
+        <p:spPr>
+          <a:xfrm>
+            <a:off x="1322101" y="831273"/>
+            <a:ext cx="8967531" cy="2180783"/>
+          </a:xfrm>
+          <a:prstGeom prst="rect">
+            <a:avLst/>
+          </a:prstGeom>
+        </p:spPr>
+      </p:pic>
+      <p:pic>
+        <p:nvPicPr>
+          <p:cNvPr id="5" name="Picture 4">
+            <a:extLst>
+              <a:ext uri="{FF2B5EF4-FFF2-40B4-BE49-F238E27FC236}">
+                <a16:creationId xmlns:a16="http://schemas.microsoft.com/office/drawing/2014/main" id="{DA02A7F9-61AB-4EE3-3E80-C8F8C83CD7D3}"/>
+              </a:ext>
+            </a:extLst>
+          </p:cNvPr>
+          <p:cNvPicPr>
+            <a:picLocks noChangeAspect="1"/>
+          </p:cNvPicPr>
+          <p:nvPr/>
+        </p:nvPicPr>
+        <p:blipFill>
+          <a:blip r:embed="rId3"/>
+          <a:stretch>
+            <a:fillRect/>
+          </a:stretch>
+        </p:blipFill>
+        <p:spPr>
+          <a:xfrm>
+            <a:off x="1366435" y="3428999"/>
+            <a:ext cx="8703151" cy="2506287"/>
+          </a:xfrm>
+          <a:prstGeom prst="rect">
+            <a:avLst/>
+          </a:prstGeom>
+        </p:spPr>
+      </p:pic>
+    </p:spTree>
+    <p:extLst>
+      <p:ext uri="{BB962C8B-B14F-4D97-AF65-F5344CB8AC3E}">
+        <p14:creationId xmlns:p14="http://schemas.microsoft.com/office/powerpoint/2010/main" val="1277684933"/>
+      </p:ext>
+    </p:extLst>
+  </p:cSld>
+  <p:clrMapOvr>
+    <a:masterClrMapping/>
+  </p:clrMapOvr>
+</p:sld>
+</file>
+
+<file path=ppt/slides/slide41.xml><?xml version="1.0" encoding="utf-8"?>
+<p:sld xmlns:a="http://schemas.openxmlformats.org/drawingml/2006/main" xmlns:r="http://schemas.openxmlformats.org/officeDocument/2006/relationships" xmlns:p="http://schemas.openxmlformats.org/presentationml/2006/main">
+  <p:cSld>
+    <p:spTree>
+      <p:nvGrpSpPr>
+        <p:cNvPr id="1" name=""/>
+        <p:cNvGrpSpPr/>
+        <p:nvPr/>
+      </p:nvGrpSpPr>
+      <p:grpSpPr>
+        <a:xfrm>
+          <a:off x="0" y="0"/>
+          <a:ext cx="0" cy="0"/>
+          <a:chOff x="0" y="0"/>
+          <a:chExt cx="0" cy="0"/>
+        </a:xfrm>
+      </p:grpSpPr>
+      <p:pic>
+        <p:nvPicPr>
+          <p:cNvPr id="3" name="Picture 2">
+            <a:extLst>
+              <a:ext uri="{FF2B5EF4-FFF2-40B4-BE49-F238E27FC236}">
                 <a16:creationId xmlns:a16="http://schemas.microsoft.com/office/drawing/2014/main" id="{2BC71316-A55A-8CAC-AA24-12A9236A7E4E}"/>
               </a:ext>
             </a:extLst>
@@ -25179,7 +23564,7 @@
 </p:sld>
 </file>
 
-<file path=ppt/slides/slide41.xml><?xml version="1.0" encoding="utf-8"?>
+<file path=ppt/slides/slide42.xml><?xml version="1.0" encoding="utf-8"?>
 <p:sld xmlns:a="http://schemas.openxmlformats.org/drawingml/2006/main" xmlns:r="http://schemas.openxmlformats.org/officeDocument/2006/relationships" xmlns:p="http://schemas.openxmlformats.org/presentationml/2006/main">
   <p:cSld>
     <p:spTree>
@@ -25352,7 +23737,7 @@
 </p:sld>
 </file>
 
-<file path=ppt/slides/slide42.xml><?xml version="1.0" encoding="utf-8"?>
+<file path=ppt/slides/slide43.xml><?xml version="1.0" encoding="utf-8"?>
 <p:sld xmlns:a="http://schemas.openxmlformats.org/drawingml/2006/main" xmlns:r="http://schemas.openxmlformats.org/officeDocument/2006/relationships" xmlns:p="http://schemas.openxmlformats.org/presentationml/2006/main">
   <p:cSld>
     <p:spTree>
@@ -25492,7 +23877,7 @@
 </p:sld>
 </file>
 
-<file path=ppt/slides/slide43.xml><?xml version="1.0" encoding="utf-8"?>
+<file path=ppt/slides/slide44.xml><?xml version="1.0" encoding="utf-8"?>
 <p:sld xmlns:a="http://schemas.openxmlformats.org/drawingml/2006/main" xmlns:r="http://schemas.openxmlformats.org/officeDocument/2006/relationships" xmlns:p="http://schemas.openxmlformats.org/presentationml/2006/main">
   <p:cSld>
     <p:spTree>
@@ -27985,7 +26370,7 @@
 </p:sld>
 </file>
 
-<file path=ppt/slides/slide44.xml><?xml version="1.0" encoding="utf-8"?>
+<file path=ppt/slides/slide45.xml><?xml version="1.0" encoding="utf-8"?>
 <p:sld xmlns:a="http://schemas.openxmlformats.org/drawingml/2006/main" xmlns:r="http://schemas.openxmlformats.org/officeDocument/2006/relationships" xmlns:p="http://schemas.openxmlformats.org/presentationml/2006/main">
   <p:cSld>
     <p:spTree>
@@ -28105,6 +26490,195 @@
 </file>
 
 <file path=ppt/slides/slide5.xml><?xml version="1.0" encoding="utf-8"?>
+<p:sld xmlns:a="http://schemas.openxmlformats.org/drawingml/2006/main" xmlns:r="http://schemas.openxmlformats.org/officeDocument/2006/relationships" xmlns:p="http://schemas.openxmlformats.org/presentationml/2006/main">
+  <p:cSld>
+    <p:spTree>
+      <p:nvGrpSpPr>
+        <p:cNvPr id="1" name=""/>
+        <p:cNvGrpSpPr/>
+        <p:nvPr/>
+      </p:nvGrpSpPr>
+      <p:grpSpPr>
+        <a:xfrm>
+          <a:off x="0" y="0"/>
+          <a:ext cx="0" cy="0"/>
+          <a:chOff x="0" y="0"/>
+          <a:chExt cx="0" cy="0"/>
+        </a:xfrm>
+      </p:grpSpPr>
+      <p:sp>
+        <p:nvSpPr>
+          <p:cNvPr id="2" name="Title 1">
+            <a:extLst>
+              <a:ext uri="{FF2B5EF4-FFF2-40B4-BE49-F238E27FC236}">
+                <a16:creationId xmlns:a16="http://schemas.microsoft.com/office/drawing/2014/main" id="{0C456A4E-8E48-F01A-2154-75A3DF8374B5}"/>
+              </a:ext>
+            </a:extLst>
+          </p:cNvPr>
+          <p:cNvSpPr>
+            <a:spLocks noGrp="1"/>
+          </p:cNvSpPr>
+          <p:nvPr>
+            <p:ph type="title"/>
+          </p:nvPr>
+        </p:nvSpPr>
+        <p:spPr/>
+        <p:txBody>
+          <a:bodyPr/>
+          <a:lstStyle/>
+          <a:p>
+            <a:r>
+              <a:rPr lang="en-US" dirty="0"/>
+              <a:t>How TWRP Works</a:t>
+            </a:r>
+          </a:p>
+        </p:txBody>
+      </p:sp>
+      <p:sp>
+        <p:nvSpPr>
+          <p:cNvPr id="3" name="Content Placeholder 2">
+            <a:extLst>
+              <a:ext uri="{FF2B5EF4-FFF2-40B4-BE49-F238E27FC236}">
+                <a16:creationId xmlns:a16="http://schemas.microsoft.com/office/drawing/2014/main" id="{0E8A0B75-1192-BA65-E8A7-BB2C36E613CB}"/>
+              </a:ext>
+            </a:extLst>
+          </p:cNvPr>
+          <p:cNvSpPr>
+            <a:spLocks noGrp="1"/>
+          </p:cNvSpPr>
+          <p:nvPr>
+            <p:ph idx="1"/>
+          </p:nvPr>
+        </p:nvSpPr>
+        <p:spPr/>
+        <p:txBody>
+          <a:bodyPr>
+            <a:normAutofit fontScale="85000" lnSpcReduction="20000"/>
+          </a:bodyPr>
+          <a:lstStyle/>
+          <a:p>
+            <a:r>
+              <a:rPr lang="en-US" dirty="0"/>
+              <a:t>Recall: </a:t>
+            </a:r>
+            <a:r>
+              <a:rPr lang="en-GB" dirty="0"/>
+              <a:t>Android devices have separate partitions for different parts of the system:</a:t>
+            </a:r>
+          </a:p>
+          <a:p>
+            <a:pPr lvl="1"/>
+            <a:r>
+              <a:rPr lang="en-GB" b="1" dirty="0"/>
+              <a:t>Boot</a:t>
+            </a:r>
+            <a:r>
+              <a:rPr lang="en-GB" dirty="0"/>
+              <a:t> partition: Contains the kernel and </a:t>
+            </a:r>
+            <a:r>
+              <a:rPr lang="en-GB" dirty="0" err="1"/>
+              <a:t>ramdisk</a:t>
+            </a:r>
+            <a:r>
+              <a:rPr lang="en-GB" dirty="0"/>
+              <a:t> for normal booting.</a:t>
+            </a:r>
+          </a:p>
+          <a:p>
+            <a:pPr lvl="1"/>
+            <a:r>
+              <a:rPr lang="en-GB" b="1" dirty="0"/>
+              <a:t>System</a:t>
+            </a:r>
+            <a:r>
+              <a:rPr lang="en-GB" dirty="0"/>
+              <a:t> partition: Holds the main OS files.</a:t>
+            </a:r>
+          </a:p>
+          <a:p>
+            <a:pPr lvl="1"/>
+            <a:r>
+              <a:rPr lang="en-GB" b="1" dirty="0"/>
+              <a:t>Recovery</a:t>
+            </a:r>
+            <a:r>
+              <a:rPr lang="en-GB" dirty="0"/>
+              <a:t> partition: A small, independent mini-OS that loads when you boot into recovery mode (usually via button combos like Volume Up + Power).</a:t>
+            </a:r>
+          </a:p>
+          <a:p>
+            <a:pPr lvl="1"/>
+            <a:r>
+              <a:rPr lang="it-IT" dirty="0"/>
+              <a:t>Data partition: User data, apps, settings.</a:t>
+            </a:r>
+          </a:p>
+          <a:p>
+            <a:r>
+              <a:rPr lang="en-GB" dirty="0"/>
+              <a:t>TWRP is essentially a standalone, lightweight operating environment (based on a minimal Linux system) that gets flashed (installed) into the recovery partition.  When you boot into recovery:</a:t>
+            </a:r>
+          </a:p>
+          <a:p>
+            <a:pPr lvl="1"/>
+            <a:r>
+              <a:rPr lang="en-GB" dirty="0"/>
+              <a:t>The device loads TWRP instead of the stock recovery.</a:t>
+            </a:r>
+          </a:p>
+          <a:p>
+            <a:pPr lvl="1"/>
+            <a:r>
+              <a:rPr lang="en-GB" dirty="0"/>
+              <a:t>It runs completely separate from your main Android OS — it doesn't touch or depend on your installed ROM unless you tell it to.</a:t>
+            </a:r>
+          </a:p>
+          <a:p>
+            <a:pPr lvl="1"/>
+            <a:r>
+              <a:rPr lang="en-GB" dirty="0"/>
+              <a:t>It mounts (makes accessible) partitions like /system, /data, /cache, and often /</a:t>
+            </a:r>
+            <a:r>
+              <a:rPr lang="en-GB" dirty="0" err="1"/>
+              <a:t>sdcard</a:t>
+            </a:r>
+            <a:r>
+              <a:rPr lang="en-GB" dirty="0"/>
+              <a:t> (internal storage or external SD).</a:t>
+            </a:r>
+          </a:p>
+          <a:p>
+            <a:pPr lvl="1"/>
+            <a:r>
+              <a:rPr lang="en-GB" dirty="0"/>
+              <a:t>On many devices, it can even decrypt the /data partition if it's encrypted (with your PIN/pattern), allowing full backups/restores.</a:t>
+            </a:r>
+            <a:endParaRPr lang="it-IT" dirty="0"/>
+          </a:p>
+          <a:p>
+            <a:endParaRPr lang="en-GB" dirty="0"/>
+          </a:p>
+          <a:p>
+            <a:endParaRPr lang="en-US" dirty="0"/>
+          </a:p>
+        </p:txBody>
+      </p:sp>
+    </p:spTree>
+    <p:extLst>
+      <p:ext uri="{BB962C8B-B14F-4D97-AF65-F5344CB8AC3E}">
+        <p14:creationId xmlns:p14="http://schemas.microsoft.com/office/powerpoint/2010/main" val="1422574401"/>
+      </p:ext>
+    </p:extLst>
+  </p:cSld>
+  <p:clrMapOvr>
+    <a:masterClrMapping/>
+  </p:clrMapOvr>
+</p:sld>
+</file>
+
+<file path=ppt/slides/slide6.xml><?xml version="1.0" encoding="utf-8"?>
 <p:sld xmlns:a="http://schemas.openxmlformats.org/drawingml/2006/main" xmlns:r="http://schemas.openxmlformats.org/officeDocument/2006/relationships" xmlns:p="http://schemas.openxmlformats.org/presentationml/2006/main">
   <p:cSld>
     <p:spTree>
@@ -28390,7 +26964,7 @@
 </p:sld>
 </file>
 
-<file path=ppt/slides/slide6.xml><?xml version="1.0" encoding="utf-8"?>
+<file path=ppt/slides/slide7.xml><?xml version="1.0" encoding="utf-8"?>
 <p:sld xmlns:a="http://schemas.openxmlformats.org/drawingml/2006/main" xmlns:r="http://schemas.openxmlformats.org/officeDocument/2006/relationships" xmlns:p="http://schemas.openxmlformats.org/presentationml/2006/main">
   <p:cSld>
     <p:spTree>
@@ -28523,95 +27097,6 @@
     <p:extLst>
       <p:ext uri="{BB962C8B-B14F-4D97-AF65-F5344CB8AC3E}">
         <p14:creationId xmlns:p14="http://schemas.microsoft.com/office/powerpoint/2010/main" val="824954207"/>
-      </p:ext>
-    </p:extLst>
-  </p:cSld>
-  <p:clrMapOvr>
-    <a:masterClrMapping/>
-  </p:clrMapOvr>
-</p:sld>
-</file>
-
-<file path=ppt/slides/slide7.xml><?xml version="1.0" encoding="utf-8"?>
-<p:sld xmlns:a="http://schemas.openxmlformats.org/drawingml/2006/main" xmlns:r="http://schemas.openxmlformats.org/officeDocument/2006/relationships" xmlns:p="http://schemas.openxmlformats.org/presentationml/2006/main">
-  <p:cSld>
-    <p:spTree>
-      <p:nvGrpSpPr>
-        <p:cNvPr id="1" name=""/>
-        <p:cNvGrpSpPr/>
-        <p:nvPr/>
-      </p:nvGrpSpPr>
-      <p:grpSpPr>
-        <a:xfrm>
-          <a:off x="0" y="0"/>
-          <a:ext cx="0" cy="0"/>
-          <a:chOff x="0" y="0"/>
-          <a:chExt cx="0" cy="0"/>
-        </a:xfrm>
-      </p:grpSpPr>
-      <p:sp>
-        <p:nvSpPr>
-          <p:cNvPr id="2" name="Title 1">
-            <a:extLst>
-              <a:ext uri="{FF2B5EF4-FFF2-40B4-BE49-F238E27FC236}">
-                <a16:creationId xmlns:a16="http://schemas.microsoft.com/office/drawing/2014/main" id="{065B7B7A-1381-47E9-AC8D-1E8AEEC24B45}"/>
-              </a:ext>
-            </a:extLst>
-          </p:cNvPr>
-          <p:cNvSpPr>
-            <a:spLocks noGrp="1"/>
-          </p:cNvSpPr>
-          <p:nvPr>
-            <p:ph type="title"/>
-          </p:nvPr>
-        </p:nvSpPr>
-        <p:spPr/>
-        <p:txBody>
-          <a:bodyPr/>
-          <a:lstStyle/>
-          <a:p>
-            <a:r>
-              <a:rPr lang="en-GB"/>
-              <a:t>unzip to get Pixel 3 image</a:t>
-            </a:r>
-            <a:endParaRPr lang="en-US"/>
-          </a:p>
-        </p:txBody>
-      </p:sp>
-      <p:pic>
-        <p:nvPicPr>
-          <p:cNvPr id="4" name="Picture 3">
-            <a:extLst>
-              <a:ext uri="{FF2B5EF4-FFF2-40B4-BE49-F238E27FC236}">
-                <a16:creationId xmlns:a16="http://schemas.microsoft.com/office/drawing/2014/main" id="{D4BA947F-A186-4B53-B5EE-2DA910CBF571}"/>
-              </a:ext>
-            </a:extLst>
-          </p:cNvPr>
-          <p:cNvPicPr>
-            <a:picLocks noChangeAspect="1"/>
-          </p:cNvPicPr>
-          <p:nvPr/>
-        </p:nvPicPr>
-        <p:blipFill>
-          <a:blip r:embed="rId3"/>
-          <a:stretch>
-            <a:fillRect/>
-          </a:stretch>
-        </p:blipFill>
-        <p:spPr>
-          <a:xfrm>
-            <a:off x="838200" y="2177372"/>
-            <a:ext cx="6546147" cy="2042337"/>
-          </a:xfrm>
-          <a:prstGeom prst="rect">
-            <a:avLst/>
-          </a:prstGeom>
-        </p:spPr>
-      </p:pic>
-    </p:spTree>
-    <p:extLst>
-      <p:ext uri="{BB962C8B-B14F-4D97-AF65-F5344CB8AC3E}">
-        <p14:creationId xmlns:p14="http://schemas.microsoft.com/office/powerpoint/2010/main" val="357665137"/>
       </p:ext>
     </p:extLst>
   </p:cSld>
@@ -28700,7 +27185,7 @@
     </p:spTree>
     <p:extLst>
       <p:ext uri="{BB962C8B-B14F-4D97-AF65-F5344CB8AC3E}">
-        <p14:creationId xmlns:p14="http://schemas.microsoft.com/office/powerpoint/2010/main" val="1954433441"/>
+        <p14:creationId xmlns:p14="http://schemas.microsoft.com/office/powerpoint/2010/main" val="357665137"/>
       </p:ext>
     </p:extLst>
   </p:cSld>
@@ -28729,10 +27214,10 @@
       </p:grpSpPr>
       <p:sp>
         <p:nvSpPr>
-          <p:cNvPr id="3" name="Title 2">
+          <p:cNvPr id="2" name="Title 1">
             <a:extLst>
               <a:ext uri="{FF2B5EF4-FFF2-40B4-BE49-F238E27FC236}">
-                <a16:creationId xmlns:a16="http://schemas.microsoft.com/office/drawing/2014/main" id="{B8758BF5-58C3-4201-BA87-7F229D24CDC8}"/>
+                <a16:creationId xmlns:a16="http://schemas.microsoft.com/office/drawing/2014/main" id="{065B7B7A-1381-47E9-AC8D-1E8AEEC24B45}"/>
               </a:ext>
             </a:extLst>
           </p:cNvPr>
@@ -28749,49 +27234,47 @@
           <a:lstStyle/>
           <a:p>
             <a:r>
-              <a:rPr lang="en-US" dirty="0"/>
-              <a:t>System Software, Application Software</a:t>
-            </a:r>
-            <a:r>
-              <a:rPr lang="en-GB" dirty="0"/>
-              <a:t> and Users</a:t>
-            </a:r>
-            <a:endParaRPr lang="en-US" dirty="0"/>
+              <a:rPr lang="en-GB"/>
+              <a:t>unzip to get Pixel 3 image</a:t>
+            </a:r>
+            <a:endParaRPr lang="en-US"/>
           </a:p>
         </p:txBody>
       </p:sp>
-      <p:sp>
-        <p:nvSpPr>
-          <p:cNvPr id="4" name="Text Placeholder 3">
+      <p:pic>
+        <p:nvPicPr>
+          <p:cNvPr id="4" name="Picture 3">
             <a:extLst>
               <a:ext uri="{FF2B5EF4-FFF2-40B4-BE49-F238E27FC236}">
-                <a16:creationId xmlns:a16="http://schemas.microsoft.com/office/drawing/2014/main" id="{D3445232-4E9E-4FA0-AA73-D932A67D061C}"/>
+                <a16:creationId xmlns:a16="http://schemas.microsoft.com/office/drawing/2014/main" id="{D4BA947F-A186-4B53-B5EE-2DA910CBF571}"/>
               </a:ext>
             </a:extLst>
           </p:cNvPr>
-          <p:cNvSpPr>
-            <a:spLocks noGrp="1"/>
-          </p:cNvSpPr>
-          <p:nvPr>
-            <p:ph type="body" idx="1"/>
-          </p:nvPr>
-        </p:nvSpPr>
-        <p:spPr/>
-        <p:txBody>
-          <a:bodyPr/>
-          <a:lstStyle/>
-          <a:p>
-            <a:r>
-              <a:rPr lang="en-US" dirty="0"/>
-              <a:t>Understand the locations may contain forensics data</a:t>
-            </a:r>
-          </a:p>
-        </p:txBody>
-      </p:sp>
+          <p:cNvPicPr>
+            <a:picLocks noChangeAspect="1"/>
+          </p:cNvPicPr>
+          <p:nvPr/>
+        </p:nvPicPr>
+        <p:blipFill>
+          <a:blip r:embed="rId3"/>
+          <a:stretch>
+            <a:fillRect/>
+          </a:stretch>
+        </p:blipFill>
+        <p:spPr>
+          <a:xfrm>
+            <a:off x="838200" y="2177372"/>
+            <a:ext cx="6546147" cy="2042337"/>
+          </a:xfrm>
+          <a:prstGeom prst="rect">
+            <a:avLst/>
+          </a:prstGeom>
+        </p:spPr>
+      </p:pic>
     </p:spTree>
     <p:extLst>
       <p:ext uri="{BB962C8B-B14F-4D97-AF65-F5344CB8AC3E}">
-        <p14:creationId xmlns:p14="http://schemas.microsoft.com/office/powerpoint/2010/main" val="2323005149"/>
+        <p14:creationId xmlns:p14="http://schemas.microsoft.com/office/powerpoint/2010/main" val="1954433441"/>
       </p:ext>
     </p:extLst>
   </p:cSld>

--- a/Android10/1_Pixel3_Image.pptx
+++ b/Android10/1_Pixel3_Image.pptx
@@ -162,7 +162,7 @@
 <file path=ppt/revisionInfo.xml><?xml version="1.0" encoding="utf-8"?>
 <p1510:revInfo xmlns:a="http://schemas.openxmlformats.org/drawingml/2006/main" xmlns:r="http://schemas.openxmlformats.org/officeDocument/2006/relationships" xmlns:p1510="http://schemas.microsoft.com/office/powerpoint/2015/10/main">
   <p1510:revLst>
-    <p1510:client id="{11A8E7DC-CF8B-456A-B401-0E5410D9D327}" v="13" dt="2026-01-30T16:57:14.029"/>
+    <p1510:client id="{11A8E7DC-CF8B-456A-B401-0E5410D9D327}" v="6" dt="2026-02-04T22:40:06.649"/>
   </p1510:revLst>
 </p1510:revInfo>
 </file>
@@ -172,7 +172,7 @@
   <pc:docChgLst>
     <pc:chgData name="Weifeng Xu" userId="e7aed605-a3dd-4d5a-a692-a87037af107b" providerId="ADAL" clId="{F99F8FFF-BA20-43EA-924B-4DF5D2A785F3}"/>
     <pc:docChg chg="undo custSel addSld modSld">
-      <pc:chgData name="Weifeng Xu" userId="e7aed605-a3dd-4d5a-a692-a87037af107b" providerId="ADAL" clId="{F99F8FFF-BA20-43EA-924B-4DF5D2A785F3}" dt="2026-01-30T16:57:14.029" v="747"/>
+      <pc:chgData name="Weifeng Xu" userId="e7aed605-a3dd-4d5a-a692-a87037af107b" providerId="ADAL" clId="{F99F8FFF-BA20-43EA-924B-4DF5D2A785F3}" dt="2026-02-04T22:41:37.704" v="887" actId="20577"/>
       <pc:docMkLst>
         <pc:docMk/>
       </pc:docMkLst>
@@ -188,6 +188,68 @@
             <pc:docMk/>
             <pc:sldMk cId="3192494774" sldId="330"/>
             <ac:spMk id="3" creationId="{4929837B-3CC1-4F40-BFDA-890D8F6D680B}"/>
+          </ac:spMkLst>
+        </pc:spChg>
+      </pc:sldChg>
+      <pc:sldChg chg="addSp delSp modSp mod modClrScheme chgLayout">
+        <pc:chgData name="Weifeng Xu" userId="e7aed605-a3dd-4d5a-a692-a87037af107b" providerId="ADAL" clId="{F99F8FFF-BA20-43EA-924B-4DF5D2A785F3}" dt="2026-02-04T22:41:37.704" v="887" actId="20577"/>
+        <pc:sldMkLst>
+          <pc:docMk/>
+          <pc:sldMk cId="2786836983" sldId="331"/>
+        </pc:sldMkLst>
+        <pc:spChg chg="add del mod ord">
+          <ac:chgData name="Weifeng Xu" userId="e7aed605-a3dd-4d5a-a692-a87037af107b" providerId="ADAL" clId="{F99F8FFF-BA20-43EA-924B-4DF5D2A785F3}" dt="2026-02-04T22:39:56.739" v="806" actId="700"/>
+          <ac:spMkLst>
+            <pc:docMk/>
+            <pc:sldMk cId="2786836983" sldId="331"/>
+            <ac:spMk id="2" creationId="{596AB60F-A525-8624-354C-DF98DF5DA70E}"/>
+          </ac:spMkLst>
+        </pc:spChg>
+        <pc:spChg chg="add del mod ord">
+          <ac:chgData name="Weifeng Xu" userId="e7aed605-a3dd-4d5a-a692-a87037af107b" providerId="ADAL" clId="{F99F8FFF-BA20-43EA-924B-4DF5D2A785F3}" dt="2026-02-04T22:39:56.739" v="806" actId="700"/>
+          <ac:spMkLst>
+            <pc:docMk/>
+            <pc:sldMk cId="2786836983" sldId="331"/>
+            <ac:spMk id="3" creationId="{B606A628-CAA0-B921-C0C7-9686B780D9D3}"/>
+          </ac:spMkLst>
+        </pc:spChg>
+        <pc:spChg chg="add mod">
+          <ac:chgData name="Weifeng Xu" userId="e7aed605-a3dd-4d5a-a692-a87037af107b" providerId="ADAL" clId="{F99F8FFF-BA20-43EA-924B-4DF5D2A785F3}" dt="2026-02-04T22:41:37.704" v="887" actId="20577"/>
+          <ac:spMkLst>
+            <pc:docMk/>
+            <pc:sldMk cId="2786836983" sldId="331"/>
+            <ac:spMk id="4" creationId="{5067225B-F6E7-0A43-74DE-45821CEBD8CC}"/>
+          </ac:spMkLst>
+        </pc:spChg>
+        <pc:spChg chg="add mod">
+          <ac:chgData name="Weifeng Xu" userId="e7aed605-a3dd-4d5a-a692-a87037af107b" providerId="ADAL" clId="{F99F8FFF-BA20-43EA-924B-4DF5D2A785F3}" dt="2026-02-04T22:40:06.780" v="810" actId="27636"/>
+          <ac:spMkLst>
+            <pc:docMk/>
+            <pc:sldMk cId="2786836983" sldId="331"/>
+            <ac:spMk id="5" creationId="{DDFA59A4-5C08-B19A-3E86-2B6C2E5F7E8C}"/>
+          </ac:spMkLst>
+        </pc:spChg>
+        <pc:spChg chg="del mod">
+          <ac:chgData name="Weifeng Xu" userId="e7aed605-a3dd-4d5a-a692-a87037af107b" providerId="ADAL" clId="{F99F8FFF-BA20-43EA-924B-4DF5D2A785F3}" dt="2026-02-04T22:40:01.571" v="807" actId="478"/>
+          <ac:spMkLst>
+            <pc:docMk/>
+            <pc:sldMk cId="2786836983" sldId="331"/>
+            <ac:spMk id="7" creationId="{D2EC9C14-40A0-47ED-866E-3120E1FFB527}"/>
+          </ac:spMkLst>
+        </pc:spChg>
+      </pc:sldChg>
+      <pc:sldChg chg="modSp mod">
+        <pc:chgData name="Weifeng Xu" userId="e7aed605-a3dd-4d5a-a692-a87037af107b" providerId="ADAL" clId="{F99F8FFF-BA20-43EA-924B-4DF5D2A785F3}" dt="2026-02-04T22:38:09.168" v="797" actId="207"/>
+        <pc:sldMkLst>
+          <pc:docMk/>
+          <pc:sldMk cId="3230497500" sldId="333"/>
+        </pc:sldMkLst>
+        <pc:spChg chg="mod">
+          <ac:chgData name="Weifeng Xu" userId="e7aed605-a3dd-4d5a-a692-a87037af107b" providerId="ADAL" clId="{F99F8FFF-BA20-43EA-924B-4DF5D2A785F3}" dt="2026-02-04T22:38:09.168" v="797" actId="207"/>
+          <ac:spMkLst>
+            <pc:docMk/>
+            <pc:sldMk cId="3230497500" sldId="333"/>
+            <ac:spMk id="2" creationId="{9E88BBDB-151B-473C-98C4-05BAB679CCAC}"/>
           </ac:spMkLst>
         </pc:spChg>
       </pc:sldChg>
@@ -213,22 +275,6 @@
             <ac:spMk id="7" creationId="{850ADE09-2449-B332-D2EE-C4C91FAFC792}"/>
           </ac:spMkLst>
         </pc:spChg>
-        <pc:spChg chg="add mod">
-          <ac:chgData name="Weifeng Xu" userId="e7aed605-a3dd-4d5a-a692-a87037af107b" providerId="ADAL" clId="{F99F8FFF-BA20-43EA-924B-4DF5D2A785F3}" dt="2026-01-30T15:42:29.815" v="632" actId="1076"/>
-          <ac:spMkLst>
-            <pc:docMk/>
-            <pc:sldMk cId="615912425" sldId="353"/>
-            <ac:spMk id="8" creationId="{97EBF625-429F-603A-14F2-ABA08EC457CD}"/>
-          </ac:spMkLst>
-        </pc:spChg>
-        <pc:spChg chg="add mod">
-          <ac:chgData name="Weifeng Xu" userId="e7aed605-a3dd-4d5a-a692-a87037af107b" providerId="ADAL" clId="{F99F8FFF-BA20-43EA-924B-4DF5D2A785F3}" dt="2026-01-30T15:42:29.815" v="632" actId="1076"/>
-          <ac:spMkLst>
-            <pc:docMk/>
-            <pc:sldMk cId="615912425" sldId="353"/>
-            <ac:spMk id="9" creationId="{AE2627C1-747D-D288-563B-438F5D2BBB74}"/>
-          </ac:spMkLst>
-        </pc:spChg>
         <pc:picChg chg="mod">
           <ac:chgData name="Weifeng Xu" userId="e7aed605-a3dd-4d5a-a692-a87037af107b" providerId="ADAL" clId="{F99F8FFF-BA20-43EA-924B-4DF5D2A785F3}" dt="2026-01-30T15:41:29.089" v="613" actId="1076"/>
           <ac:picMkLst>
@@ -245,14 +291,6 @@
             <ac:picMk id="1028" creationId="{3A9CB9D1-1DBC-F7AD-7E42-805629A6BCF1}"/>
           </ac:picMkLst>
         </pc:picChg>
-        <pc:cxnChg chg="add del">
-          <ac:chgData name="Weifeng Xu" userId="e7aed605-a3dd-4d5a-a692-a87037af107b" providerId="ADAL" clId="{F99F8FFF-BA20-43EA-924B-4DF5D2A785F3}" dt="2026-01-30T15:38:39.994" v="471" actId="11529"/>
-          <ac:cxnSpMkLst>
-            <pc:docMk/>
-            <pc:sldMk cId="615912425" sldId="353"/>
-            <ac:cxnSpMk id="3" creationId="{04BB49CB-7D41-AC3D-F992-6DD0E9A6CF08}"/>
-          </ac:cxnSpMkLst>
-        </pc:cxnChg>
       </pc:sldChg>
       <pc:sldChg chg="addSp delSp modSp mod">
         <pc:chgData name="Weifeng Xu" userId="e7aed605-a3dd-4d5a-a692-a87037af107b" providerId="ADAL" clId="{F99F8FFF-BA20-43EA-924B-4DF5D2A785F3}" dt="2026-01-30T16:05:48.508" v="664" actId="1076"/>
@@ -276,22 +314,6 @@
             <ac:spMk id="3" creationId="{5F755F6C-0F2F-BB30-02F5-D06AA65EA74F}"/>
           </ac:spMkLst>
         </pc:spChg>
-        <pc:picChg chg="add del mod">
-          <ac:chgData name="Weifeng Xu" userId="e7aed605-a3dd-4d5a-a692-a87037af107b" providerId="ADAL" clId="{F99F8FFF-BA20-43EA-924B-4DF5D2A785F3}" dt="2026-01-30T15:51:00.325" v="644" actId="478"/>
-          <ac:picMkLst>
-            <pc:docMk/>
-            <pc:sldMk cId="2629702934" sldId="356"/>
-            <ac:picMk id="5" creationId="{11141C1B-F877-AA00-BEE4-10F5BA5141AC}"/>
-          </ac:picMkLst>
-        </pc:picChg>
-        <pc:picChg chg="add del mod">
-          <ac:chgData name="Weifeng Xu" userId="e7aed605-a3dd-4d5a-a692-a87037af107b" providerId="ADAL" clId="{F99F8FFF-BA20-43EA-924B-4DF5D2A785F3}" dt="2026-01-30T16:05:33.978" v="657" actId="478"/>
-          <ac:picMkLst>
-            <pc:docMk/>
-            <pc:sldMk cId="2629702934" sldId="356"/>
-            <ac:picMk id="7" creationId="{90F33F0B-F754-0ED8-9FED-D8D37B9EAB60}"/>
-          </ac:picMkLst>
-        </pc:picChg>
         <pc:picChg chg="add mod">
           <ac:chgData name="Weifeng Xu" userId="e7aed605-a3dd-4d5a-a692-a87037af107b" providerId="ADAL" clId="{F99F8FFF-BA20-43EA-924B-4DF5D2A785F3}" dt="2026-01-30T16:05:48.508" v="664" actId="1076"/>
           <ac:picMkLst>
@@ -316,28 +338,76 @@
           </ac:spMkLst>
         </pc:spChg>
       </pc:sldChg>
-      <pc:sldChg chg="modSp new mod">
-        <pc:chgData name="Weifeng Xu" userId="e7aed605-a3dd-4d5a-a692-a87037af107b" providerId="ADAL" clId="{F99F8FFF-BA20-43EA-924B-4DF5D2A785F3}" dt="2026-01-30T15:36:27.433" v="469" actId="20577"/>
+      <pc:sldChg chg="addSp delSp modSp new mod modClrScheme chgLayout">
+        <pc:chgData name="Weifeng Xu" userId="e7aed605-a3dd-4d5a-a692-a87037af107b" providerId="ADAL" clId="{F99F8FFF-BA20-43EA-924B-4DF5D2A785F3}" dt="2026-02-04T22:23:11.364" v="776" actId="732"/>
         <pc:sldMkLst>
           <pc:docMk/>
           <pc:sldMk cId="1422574401" sldId="364"/>
         </pc:sldMkLst>
-        <pc:spChg chg="mod">
-          <ac:chgData name="Weifeng Xu" userId="e7aed605-a3dd-4d5a-a692-a87037af107b" providerId="ADAL" clId="{F99F8FFF-BA20-43EA-924B-4DF5D2A785F3}" dt="2026-01-30T15:34:45.762" v="435" actId="20577"/>
+        <pc:spChg chg="del mod ord">
+          <ac:chgData name="Weifeng Xu" userId="e7aed605-a3dd-4d5a-a692-a87037af107b" providerId="ADAL" clId="{F99F8FFF-BA20-43EA-924B-4DF5D2A785F3}" dt="2026-02-04T22:22:32.891" v="772" actId="478"/>
           <ac:spMkLst>
             <pc:docMk/>
             <pc:sldMk cId="1422574401" sldId="364"/>
             <ac:spMk id="2" creationId="{0C456A4E-8E48-F01A-2154-75A3DF8374B5}"/>
           </ac:spMkLst>
         </pc:spChg>
-        <pc:spChg chg="mod">
-          <ac:chgData name="Weifeng Xu" userId="e7aed605-a3dd-4d5a-a692-a87037af107b" providerId="ADAL" clId="{F99F8FFF-BA20-43EA-924B-4DF5D2A785F3}" dt="2026-01-30T15:36:27.433" v="469" actId="20577"/>
+        <pc:spChg chg="del mod">
+          <ac:chgData name="Weifeng Xu" userId="e7aed605-a3dd-4d5a-a692-a87037af107b" providerId="ADAL" clId="{F99F8FFF-BA20-43EA-924B-4DF5D2A785F3}" dt="2026-02-04T22:22:23.695" v="770" actId="478"/>
           <ac:spMkLst>
             <pc:docMk/>
             <pc:sldMk cId="1422574401" sldId="364"/>
             <ac:spMk id="3" creationId="{0E8A0B75-1192-BA65-E8A7-BB2C36E613CB}"/>
           </ac:spMkLst>
         </pc:spChg>
+        <pc:spChg chg="add">
+          <ac:chgData name="Weifeng Xu" userId="e7aed605-a3dd-4d5a-a692-a87037af107b" providerId="ADAL" clId="{F99F8FFF-BA20-43EA-924B-4DF5D2A785F3}" dt="2026-02-04T21:02:46.685" v="751"/>
+          <ac:spMkLst>
+            <pc:docMk/>
+            <pc:sldMk cId="1422574401" sldId="364"/>
+            <ac:spMk id="4" creationId="{740B8898-FDEF-D8EF-5740-C1ACA17E3F27}"/>
+          </ac:spMkLst>
+        </pc:spChg>
+        <pc:spChg chg="add mod">
+          <ac:chgData name="Weifeng Xu" userId="e7aed605-a3dd-4d5a-a692-a87037af107b" providerId="ADAL" clId="{F99F8FFF-BA20-43EA-924B-4DF5D2A785F3}" dt="2026-02-04T22:10:44.930" v="761"/>
+          <ac:spMkLst>
+            <pc:docMk/>
+            <pc:sldMk cId="1422574401" sldId="364"/>
+            <ac:spMk id="6" creationId="{E76C1581-DF80-2AC1-C486-C69FE1B048E4}"/>
+          </ac:spMkLst>
+        </pc:spChg>
+        <pc:spChg chg="add del mod">
+          <ac:chgData name="Weifeng Xu" userId="e7aed605-a3dd-4d5a-a692-a87037af107b" providerId="ADAL" clId="{F99F8FFF-BA20-43EA-924B-4DF5D2A785F3}" dt="2026-02-04T22:22:30.339" v="771" actId="700"/>
+          <ac:spMkLst>
+            <pc:docMk/>
+            <pc:sldMk cId="1422574401" sldId="364"/>
+            <ac:spMk id="11" creationId="{E256D722-D73B-6AA1-5C3B-8D6D04F9A4CD}"/>
+          </ac:spMkLst>
+        </pc:spChg>
+        <pc:picChg chg="add del mod">
+          <ac:chgData name="Weifeng Xu" userId="e7aed605-a3dd-4d5a-a692-a87037af107b" providerId="ADAL" clId="{F99F8FFF-BA20-43EA-924B-4DF5D2A785F3}" dt="2026-02-04T22:10:43.888" v="760" actId="478"/>
+          <ac:picMkLst>
+            <pc:docMk/>
+            <pc:sldMk cId="1422574401" sldId="364"/>
+            <ac:picMk id="5" creationId="{2A20B67D-158C-AE6C-34F2-9413DE9F56B1}"/>
+          </ac:picMkLst>
+        </pc:picChg>
+        <pc:picChg chg="add del mod">
+          <ac:chgData name="Weifeng Xu" userId="e7aed605-a3dd-4d5a-a692-a87037af107b" providerId="ADAL" clId="{F99F8FFF-BA20-43EA-924B-4DF5D2A785F3}" dt="2026-02-04T22:22:12.996" v="767" actId="478"/>
+          <ac:picMkLst>
+            <pc:docMk/>
+            <pc:sldMk cId="1422574401" sldId="364"/>
+            <ac:picMk id="7" creationId="{45C63384-E212-09E1-3C22-95FB9D9D58F5}"/>
+          </ac:picMkLst>
+        </pc:picChg>
+        <pc:picChg chg="add mod modCrop">
+          <ac:chgData name="Weifeng Xu" userId="e7aed605-a3dd-4d5a-a692-a87037af107b" providerId="ADAL" clId="{F99F8FFF-BA20-43EA-924B-4DF5D2A785F3}" dt="2026-02-04T22:23:11.364" v="776" actId="732"/>
+          <ac:picMkLst>
+            <pc:docMk/>
+            <pc:sldMk cId="1422574401" sldId="364"/>
+            <ac:picMk id="9" creationId="{8B4AE000-E5E1-E008-1F5B-3A7C3A386BE4}"/>
+          </ac:picMkLst>
+        </pc:picChg>
       </pc:sldChg>
     </pc:docChg>
   </pc:docChgLst>
@@ -2751,7 +2821,7 @@
           <a:p>
             <a:fld id="{EE41F6E3-57F9-402E-BDBA-5B2DE11C8530}" type="datetimeFigureOut">
               <a:rPr lang="en-US" smtClean="0"/>
-              <a:t>1/30/2026</a:t>
+              <a:t>2/4/2026</a:t>
             </a:fld>
             <a:endParaRPr lang="en-US"/>
           </a:p>
@@ -3167,10 +3237,7 @@
           <a:bodyPr/>
           <a:lstStyle/>
           <a:p>
-            <a:r>
-              <a:rPr lang="en-US"/>
-              <a:t>https://android.stackexchange.com/questions/3002/where-in-the-file-system-are-applications-installed</a:t>
-            </a:r>
+            <a:endParaRPr lang="en-US"/>
           </a:p>
         </p:txBody>
       </p:sp>
@@ -3191,7 +3258,7 @@
           <a:p>
             <a:fld id="{DDBF98C7-164A-4723-84F0-B1E4B080DDEC}" type="slidenum">
               <a:rPr lang="en-US" smtClean="0"/>
-              <a:t>23</a:t>
+              <a:t>22</a:t>
             </a:fld>
             <a:endParaRPr lang="en-US"/>
           </a:p>
@@ -3200,7 +3267,7 @@
     </p:spTree>
     <p:extLst>
       <p:ext uri="{BB962C8B-B14F-4D97-AF65-F5344CB8AC3E}">
-        <p14:creationId xmlns:p14="http://schemas.microsoft.com/office/powerpoint/2010/main" val="346459794"/>
+        <p14:creationId xmlns:p14="http://schemas.microsoft.com/office/powerpoint/2010/main" val="4129088881"/>
       </p:ext>
     </p:extLst>
   </p:cSld>
@@ -3256,7 +3323,7 @@
           <a:p>
             <a:r>
               <a:rPr lang="en-US"/>
-              <a:t>https://android.stackexchange.com/questions/157691/what-does-the-data-system-folder-store-and-its-significance/157862</a:t>
+              <a:t>https://android.stackexchange.com/questions/3002/where-in-the-file-system-are-applications-installed</a:t>
             </a:r>
           </a:p>
         </p:txBody>
@@ -3278,7 +3345,7 @@
           <a:p>
             <a:fld id="{DDBF98C7-164A-4723-84F0-B1E4B080DDEC}" type="slidenum">
               <a:rPr lang="en-US" smtClean="0"/>
-              <a:t>25</a:t>
+              <a:t>23</a:t>
             </a:fld>
             <a:endParaRPr lang="en-US"/>
           </a:p>
@@ -3287,7 +3354,7 @@
     </p:spTree>
     <p:extLst>
       <p:ext uri="{BB962C8B-B14F-4D97-AF65-F5344CB8AC3E}">
-        <p14:creationId xmlns:p14="http://schemas.microsoft.com/office/powerpoint/2010/main" val="3220400837"/>
+        <p14:creationId xmlns:p14="http://schemas.microsoft.com/office/powerpoint/2010/main" val="346459794"/>
       </p:ext>
     </p:extLst>
   </p:cSld>
@@ -3343,19 +3410,7 @@
           <a:p>
             <a:r>
               <a:rPr lang="en-US"/>
-              <a:t>http://newandroidbook.com/</a:t>
-            </a:r>
-          </a:p>
-          <a:p>
-            <a:r>
-              <a:rPr lang="en-US"/>
               <a:t>https://android.stackexchange.com/questions/157691/what-does-the-data-system-folder-store-and-its-significance/157862</a:t>
-            </a:r>
-          </a:p>
-          <a:p>
-            <a:r>
-              <a:rPr lang="en-US"/>
-              <a:t>https://github.com/lywschxd/Understanding-Android-Internals-Volume-One</a:t>
             </a:r>
           </a:p>
         </p:txBody>
@@ -3377,7 +3432,7 @@
           <a:p>
             <a:fld id="{DDBF98C7-164A-4723-84F0-B1E4B080DDEC}" type="slidenum">
               <a:rPr lang="en-US" smtClean="0"/>
-              <a:t>27</a:t>
+              <a:t>25</a:t>
             </a:fld>
             <a:endParaRPr lang="en-US"/>
           </a:p>
@@ -3386,7 +3441,7 @@
     </p:spTree>
     <p:extLst>
       <p:ext uri="{BB962C8B-B14F-4D97-AF65-F5344CB8AC3E}">
-        <p14:creationId xmlns:p14="http://schemas.microsoft.com/office/powerpoint/2010/main" val="1398037638"/>
+        <p14:creationId xmlns:p14="http://schemas.microsoft.com/office/powerpoint/2010/main" val="3220400837"/>
       </p:ext>
     </p:extLst>
   </p:cSld>
@@ -3441,144 +3496,21 @@
           <a:lstStyle/>
           <a:p>
             <a:r>
-              <a:rPr lang="en-US" b="1" dirty="0"/>
-              <a:t>Breakdown of Android App Storage Locations:</a:t>
-            </a:r>
-          </a:p>
-          <a:p>
-            <a:r>
-              <a:rPr lang="en-US" b="1" dirty="0" err="1"/>
-              <a:t>FolderPurposeContainsAccess</a:t>
-            </a:r>
-            <a:r>
-              <a:rPr lang="en-US" b="1" dirty="0"/>
-              <a:t>/data/app/</a:t>
-            </a:r>
-            <a:r>
-              <a:rPr lang="en-US" dirty="0"/>
-              <a:t>Stores installed </a:t>
-            </a:r>
-            <a:r>
-              <a:rPr lang="en-US" dirty="0" err="1"/>
-              <a:t>appsbase.apk</a:t>
-            </a:r>
-            <a:r>
-              <a:rPr lang="en-US" dirty="0"/>
-              <a:t>, split APKs, oat/ (optimized code), lib/ (native libraries)Root required</a:t>
-            </a:r>
-            <a:r>
-              <a:rPr lang="en-US" b="1" dirty="0"/>
-              <a:t>/data/data/</a:t>
-            </a:r>
-            <a:r>
-              <a:rPr lang="en-US" b="1" dirty="0" err="1"/>
-              <a:t>com.example.app</a:t>
-            </a:r>
-            <a:r>
-              <a:rPr lang="en-US" b="1" dirty="0"/>
-              <a:t>/</a:t>
-            </a:r>
-            <a:r>
-              <a:rPr lang="en-US" dirty="0"/>
-              <a:t>Stores app-specific </a:t>
-            </a:r>
-            <a:r>
-              <a:rPr lang="en-US" dirty="0" err="1"/>
-              <a:t>dataDatabases</a:t>
-            </a:r>
-            <a:r>
-              <a:rPr lang="en-US" dirty="0"/>
-              <a:t>, shared preferences, cache, internal storage </a:t>
-            </a:r>
-            <a:r>
-              <a:rPr lang="en-US" dirty="0" err="1"/>
-              <a:t>filesRoot</a:t>
-            </a:r>
-            <a:r>
-              <a:rPr lang="en-US" dirty="0"/>
-              <a:t> required</a:t>
-            </a:r>
-            <a:r>
-              <a:rPr lang="en-US" b="1" dirty="0"/>
-              <a:t>/</a:t>
-            </a:r>
-            <a:r>
-              <a:rPr lang="en-US" b="1" dirty="0" err="1"/>
-              <a:t>sdcard</a:t>
-            </a:r>
-            <a:r>
-              <a:rPr lang="en-US" b="1" dirty="0"/>
-              <a:t>/Android/data/</a:t>
-            </a:r>
-            <a:r>
-              <a:rPr lang="en-US" b="1" dirty="0" err="1"/>
-              <a:t>com.example.app</a:t>
-            </a:r>
-            <a:r>
-              <a:rPr lang="en-US" b="1" dirty="0"/>
-              <a:t>/</a:t>
-            </a:r>
-            <a:r>
-              <a:rPr lang="en-US" dirty="0"/>
-              <a:t>Stores user-accessible app </a:t>
-            </a:r>
-            <a:r>
-              <a:rPr lang="en-US" dirty="0" err="1"/>
-              <a:t>filesDownloads</a:t>
-            </a:r>
-            <a:r>
-              <a:rPr lang="en-US" dirty="0"/>
-              <a:t>, media files, documents, game </a:t>
-            </a:r>
-            <a:r>
-              <a:rPr lang="en-US" dirty="0" err="1"/>
-              <a:t>dataUser</a:t>
-            </a:r>
-            <a:r>
-              <a:rPr lang="en-US" dirty="0"/>
-              <a:t> </a:t>
-            </a:r>
-            <a:r>
-              <a:rPr lang="en-US" dirty="0" err="1"/>
-              <a:t>accessibleSo</a:t>
-            </a:r>
-            <a:r>
-              <a:rPr lang="en-US" dirty="0"/>
-              <a:t>, </a:t>
-            </a:r>
-            <a:r>
-              <a:rPr lang="en-US" b="1" dirty="0"/>
-              <a:t>/data/app/ is for applications, not user data</a:t>
-            </a:r>
-            <a:r>
-              <a:rPr lang="en-US" dirty="0"/>
-              <a:t>. If you want to access </a:t>
-            </a:r>
-            <a:r>
-              <a:rPr lang="en-US" b="1" dirty="0"/>
-              <a:t>user-generated files</a:t>
-            </a:r>
-            <a:r>
-              <a:rPr lang="en-US" dirty="0"/>
-              <a:t>, you'd need to look in /data/data/ (for internal storage) or /</a:t>
-            </a:r>
-            <a:r>
-              <a:rPr lang="en-US" dirty="0" err="1"/>
-              <a:t>sdcard</a:t>
-            </a:r>
-            <a:r>
-              <a:rPr lang="en-US" dirty="0"/>
-              <a:t>/Android/data/ (for external storage).</a:t>
-            </a:r>
-          </a:p>
-          <a:p>
-            <a:r>
-              <a:rPr lang="en-US" dirty="0"/>
-              <a:t>Would you like help navigating these directories?</a:t>
-            </a:r>
-          </a:p>
-          <a:p>
-            <a:endParaRPr lang="en-US" dirty="0"/>
+              <a:rPr lang="en-US"/>
+              <a:t>http://newandroidbook.com/</a:t>
+            </a:r>
+          </a:p>
+          <a:p>
+            <a:r>
+              <a:rPr lang="en-US"/>
+              <a:t>https://android.stackexchange.com/questions/157691/what-does-the-data-system-folder-store-and-its-significance/157862</a:t>
+            </a:r>
+          </a:p>
+          <a:p>
+            <a:r>
+              <a:rPr lang="en-US"/>
+              <a:t>https://github.com/lywschxd/Understanding-Android-Internals-Volume-One</a:t>
+            </a:r>
           </a:p>
         </p:txBody>
       </p:sp>
@@ -3599,7 +3531,7 @@
           <a:p>
             <a:fld id="{DDBF98C7-164A-4723-84F0-B1E4B080DDEC}" type="slidenum">
               <a:rPr lang="en-US" smtClean="0"/>
-              <a:t>30</a:t>
+              <a:t>27</a:t>
             </a:fld>
             <a:endParaRPr lang="en-US"/>
           </a:p>
@@ -3608,7 +3540,7 @@
     </p:spTree>
     <p:extLst>
       <p:ext uri="{BB962C8B-B14F-4D97-AF65-F5344CB8AC3E}">
-        <p14:creationId xmlns:p14="http://schemas.microsoft.com/office/powerpoint/2010/main" val="3079712078"/>
+        <p14:creationId xmlns:p14="http://schemas.microsoft.com/office/powerpoint/2010/main" val="1398037638"/>
       </p:ext>
     </p:extLst>
   </p:cSld>
@@ -3663,9 +3595,144 @@
           <a:lstStyle/>
           <a:p>
             <a:r>
-              <a:rPr lang="en-US"/>
-              <a:t>https://docs.appeon.com/pb2019r2/appeon_mobile_tutorials/ch04s03s02.html</a:t>
-            </a:r>
+              <a:rPr lang="en-US" b="1" dirty="0"/>
+              <a:t>Breakdown of Android App Storage Locations:</a:t>
+            </a:r>
+          </a:p>
+          <a:p>
+            <a:r>
+              <a:rPr lang="en-US" b="1" dirty="0" err="1"/>
+              <a:t>FolderPurposeContainsAccess</a:t>
+            </a:r>
+            <a:r>
+              <a:rPr lang="en-US" b="1" dirty="0"/>
+              <a:t>/data/app/</a:t>
+            </a:r>
+            <a:r>
+              <a:rPr lang="en-US" dirty="0"/>
+              <a:t>Stores installed </a:t>
+            </a:r>
+            <a:r>
+              <a:rPr lang="en-US" dirty="0" err="1"/>
+              <a:t>appsbase.apk</a:t>
+            </a:r>
+            <a:r>
+              <a:rPr lang="en-US" dirty="0"/>
+              <a:t>, split APKs, oat/ (optimized code), lib/ (native libraries)Root required</a:t>
+            </a:r>
+            <a:r>
+              <a:rPr lang="en-US" b="1" dirty="0"/>
+              <a:t>/data/data/</a:t>
+            </a:r>
+            <a:r>
+              <a:rPr lang="en-US" b="1" dirty="0" err="1"/>
+              <a:t>com.example.app</a:t>
+            </a:r>
+            <a:r>
+              <a:rPr lang="en-US" b="1" dirty="0"/>
+              <a:t>/</a:t>
+            </a:r>
+            <a:r>
+              <a:rPr lang="en-US" dirty="0"/>
+              <a:t>Stores app-specific </a:t>
+            </a:r>
+            <a:r>
+              <a:rPr lang="en-US" dirty="0" err="1"/>
+              <a:t>dataDatabases</a:t>
+            </a:r>
+            <a:r>
+              <a:rPr lang="en-US" dirty="0"/>
+              <a:t>, shared preferences, cache, internal storage </a:t>
+            </a:r>
+            <a:r>
+              <a:rPr lang="en-US" dirty="0" err="1"/>
+              <a:t>filesRoot</a:t>
+            </a:r>
+            <a:r>
+              <a:rPr lang="en-US" dirty="0"/>
+              <a:t> required</a:t>
+            </a:r>
+            <a:r>
+              <a:rPr lang="en-US" b="1" dirty="0"/>
+              <a:t>/</a:t>
+            </a:r>
+            <a:r>
+              <a:rPr lang="en-US" b="1" dirty="0" err="1"/>
+              <a:t>sdcard</a:t>
+            </a:r>
+            <a:r>
+              <a:rPr lang="en-US" b="1" dirty="0"/>
+              <a:t>/Android/data/</a:t>
+            </a:r>
+            <a:r>
+              <a:rPr lang="en-US" b="1" dirty="0" err="1"/>
+              <a:t>com.example.app</a:t>
+            </a:r>
+            <a:r>
+              <a:rPr lang="en-US" b="1" dirty="0"/>
+              <a:t>/</a:t>
+            </a:r>
+            <a:r>
+              <a:rPr lang="en-US" dirty="0"/>
+              <a:t>Stores user-accessible app </a:t>
+            </a:r>
+            <a:r>
+              <a:rPr lang="en-US" dirty="0" err="1"/>
+              <a:t>filesDownloads</a:t>
+            </a:r>
+            <a:r>
+              <a:rPr lang="en-US" dirty="0"/>
+              <a:t>, media files, documents, game </a:t>
+            </a:r>
+            <a:r>
+              <a:rPr lang="en-US" dirty="0" err="1"/>
+              <a:t>dataUser</a:t>
+            </a:r>
+            <a:r>
+              <a:rPr lang="en-US" dirty="0"/>
+              <a:t> </a:t>
+            </a:r>
+            <a:r>
+              <a:rPr lang="en-US" dirty="0" err="1"/>
+              <a:t>accessibleSo</a:t>
+            </a:r>
+            <a:r>
+              <a:rPr lang="en-US" dirty="0"/>
+              <a:t>, </a:t>
+            </a:r>
+            <a:r>
+              <a:rPr lang="en-US" b="1" dirty="0"/>
+              <a:t>/data/app/ is for applications, not user data</a:t>
+            </a:r>
+            <a:r>
+              <a:rPr lang="en-US" dirty="0"/>
+              <a:t>. If you want to access </a:t>
+            </a:r>
+            <a:r>
+              <a:rPr lang="en-US" b="1" dirty="0"/>
+              <a:t>user-generated files</a:t>
+            </a:r>
+            <a:r>
+              <a:rPr lang="en-US" dirty="0"/>
+              <a:t>, you'd need to look in /data/data/ (for internal storage) or /</a:t>
+            </a:r>
+            <a:r>
+              <a:rPr lang="en-US" dirty="0" err="1"/>
+              <a:t>sdcard</a:t>
+            </a:r>
+            <a:r>
+              <a:rPr lang="en-US" dirty="0"/>
+              <a:t>/Android/data/ (for external storage).</a:t>
+            </a:r>
+          </a:p>
+          <a:p>
+            <a:r>
+              <a:rPr lang="en-US" dirty="0"/>
+              <a:t>Would you like help navigating these directories?</a:t>
+            </a:r>
+          </a:p>
+          <a:p>
+            <a:endParaRPr lang="en-US" dirty="0"/>
           </a:p>
         </p:txBody>
       </p:sp>
@@ -3686,7 +3753,7 @@
           <a:p>
             <a:fld id="{DDBF98C7-164A-4723-84F0-B1E4B080DDEC}" type="slidenum">
               <a:rPr lang="en-US" smtClean="0"/>
-              <a:t>32</a:t>
+              <a:t>30</a:t>
             </a:fld>
             <a:endParaRPr lang="en-US"/>
           </a:p>
@@ -3695,7 +3762,7 @@
     </p:spTree>
     <p:extLst>
       <p:ext uri="{BB962C8B-B14F-4D97-AF65-F5344CB8AC3E}">
-        <p14:creationId xmlns:p14="http://schemas.microsoft.com/office/powerpoint/2010/main" val="3625158448"/>
+        <p14:creationId xmlns:p14="http://schemas.microsoft.com/office/powerpoint/2010/main" val="3079712078"/>
       </p:ext>
     </p:extLst>
   </p:cSld>
@@ -3749,7 +3816,10 @@
           <a:bodyPr/>
           <a:lstStyle/>
           <a:p>
-            <a:endParaRPr lang="en-US"/>
+            <a:r>
+              <a:rPr lang="en-US"/>
+              <a:t>https://docs.appeon.com/pb2019r2/appeon_mobile_tutorials/ch04s03s02.html</a:t>
+            </a:r>
           </a:p>
         </p:txBody>
       </p:sp>
@@ -3770,7 +3840,7 @@
           <a:p>
             <a:fld id="{DDBF98C7-164A-4723-84F0-B1E4B080DDEC}" type="slidenum">
               <a:rPr lang="en-US" smtClean="0"/>
-              <a:t>33</a:t>
+              <a:t>32</a:t>
             </a:fld>
             <a:endParaRPr lang="en-US"/>
           </a:p>
@@ -3779,7 +3849,7 @@
     </p:spTree>
     <p:extLst>
       <p:ext uri="{BB962C8B-B14F-4D97-AF65-F5344CB8AC3E}">
-        <p14:creationId xmlns:p14="http://schemas.microsoft.com/office/powerpoint/2010/main" val="1259112389"/>
+        <p14:creationId xmlns:p14="http://schemas.microsoft.com/office/powerpoint/2010/main" val="3625158448"/>
       </p:ext>
     </p:extLst>
   </p:cSld>
@@ -3833,10 +3903,6 @@
           <a:bodyPr/>
           <a:lstStyle/>
           <a:p>
-            <a:r>
-              <a:rPr lang="pt-BR"/>
-              <a:t>ls 'Pixel 3/data/data/'</a:t>
-            </a:r>
             <a:endParaRPr lang="en-US"/>
           </a:p>
         </p:txBody>
@@ -3858,7 +3924,7 @@
           <a:p>
             <a:fld id="{DDBF98C7-164A-4723-84F0-B1E4B080DDEC}" type="slidenum">
               <a:rPr lang="en-US" smtClean="0"/>
-              <a:t>34</a:t>
+              <a:t>33</a:t>
             </a:fld>
             <a:endParaRPr lang="en-US"/>
           </a:p>
@@ -3867,7 +3933,7 @@
     </p:spTree>
     <p:extLst>
       <p:ext uri="{BB962C8B-B14F-4D97-AF65-F5344CB8AC3E}">
-        <p14:creationId xmlns:p14="http://schemas.microsoft.com/office/powerpoint/2010/main" val="262425634"/>
+        <p14:creationId xmlns:p14="http://schemas.microsoft.com/office/powerpoint/2010/main" val="1259112389"/>
       </p:ext>
     </p:extLst>
   </p:cSld>
@@ -3921,6 +3987,10 @@
           <a:bodyPr/>
           <a:lstStyle/>
           <a:p>
+            <a:r>
+              <a:rPr lang="pt-BR"/>
+              <a:t>ls 'Pixel 3/data/data/'</a:t>
+            </a:r>
             <a:endParaRPr lang="en-US"/>
           </a:p>
         </p:txBody>
@@ -3942,7 +4012,7 @@
           <a:p>
             <a:fld id="{DDBF98C7-164A-4723-84F0-B1E4B080DDEC}" type="slidenum">
               <a:rPr lang="en-US" smtClean="0"/>
-              <a:t>36</a:t>
+              <a:t>34</a:t>
             </a:fld>
             <a:endParaRPr lang="en-US"/>
           </a:p>
@@ -3951,7 +4021,7 @@
     </p:spTree>
     <p:extLst>
       <p:ext uri="{BB962C8B-B14F-4D97-AF65-F5344CB8AC3E}">
-        <p14:creationId xmlns:p14="http://schemas.microsoft.com/office/powerpoint/2010/main" val="1195501473"/>
+        <p14:creationId xmlns:p14="http://schemas.microsoft.com/office/powerpoint/2010/main" val="262425634"/>
       </p:ext>
     </p:extLst>
   </p:cSld>
@@ -4005,65 +4075,7 @@
           <a:bodyPr/>
           <a:lstStyle/>
           <a:p>
-            <a:r>
-              <a:rPr lang="en-US" dirty="0"/>
-              <a:t>echo "START </a:t>
-            </a:r>
-            <a:r>
-              <a:rPr lang="en-US" dirty="0" err="1"/>
-              <a:t>aaa</a:t>
-            </a:r>
-            <a:r>
-              <a:rPr lang="en-US" dirty="0"/>
-              <a:t> END </a:t>
-            </a:r>
-            <a:r>
-              <a:rPr lang="en-US" dirty="0" err="1"/>
-              <a:t>bbb</a:t>
-            </a:r>
-            <a:r>
-              <a:rPr lang="en-US" dirty="0"/>
-              <a:t> END" | grep -</a:t>
-            </a:r>
-            <a:r>
-              <a:rPr lang="en-US" dirty="0" err="1"/>
-              <a:t>oP</a:t>
-            </a:r>
-            <a:r>
-              <a:rPr lang="en-US" dirty="0"/>
-              <a:t> "START(.*)END“</a:t>
-            </a:r>
-          </a:p>
-          <a:p>
-            <a:r>
-              <a:rPr lang="en-US" dirty="0"/>
-              <a:t>echo "START </a:t>
-            </a:r>
-            <a:r>
-              <a:rPr lang="en-US" dirty="0" err="1"/>
-              <a:t>aaa</a:t>
-            </a:r>
-            <a:r>
-              <a:rPr lang="en-US" dirty="0"/>
-              <a:t> END </a:t>
-            </a:r>
-            <a:r>
-              <a:rPr lang="en-US" dirty="0" err="1"/>
-              <a:t>bbb</a:t>
-            </a:r>
-            <a:r>
-              <a:rPr lang="en-US" dirty="0"/>
-              <a:t> END" | grep -</a:t>
-            </a:r>
-            <a:r>
-              <a:rPr lang="en-US" dirty="0" err="1"/>
-              <a:t>oP</a:t>
-            </a:r>
-            <a:r>
-              <a:rPr lang="en-US"/>
-              <a:t> "START(.*?)END"</a:t>
-            </a:r>
-            <a:endParaRPr lang="en-US" dirty="0"/>
+            <a:endParaRPr lang="en-US"/>
           </a:p>
         </p:txBody>
       </p:sp>
@@ -4084,7 +4096,7 @@
           <a:p>
             <a:fld id="{DDBF98C7-164A-4723-84F0-B1E4B080DDEC}" type="slidenum">
               <a:rPr lang="en-US" smtClean="0"/>
-              <a:t>38</a:t>
+              <a:t>36</a:t>
             </a:fld>
             <a:endParaRPr lang="en-US"/>
           </a:p>
@@ -4093,7 +4105,7 @@
     </p:spTree>
     <p:extLst>
       <p:ext uri="{BB962C8B-B14F-4D97-AF65-F5344CB8AC3E}">
-        <p14:creationId xmlns:p14="http://schemas.microsoft.com/office/powerpoint/2010/main" val="1709516424"/>
+        <p14:creationId xmlns:p14="http://schemas.microsoft.com/office/powerpoint/2010/main" val="1195501473"/>
       </p:ext>
     </p:extLst>
   </p:cSld>
@@ -4148,18 +4160,6 @@
           <a:lstStyle/>
           <a:p>
             <a:r>
-              <a:rPr lang="en-GB" dirty="0"/>
-              <a:t>curl --no-progress-meter https://play.google.com/store/apps/details?id=com.twitter.android | grep -Pio 'itemprop="name"&gt;&lt;span&gt;Twitter&lt;/span&gt;’</a:t>
-            </a:r>
-          </a:p>
-          <a:p>
-            <a:r>
-              <a:rPr lang="en-US" dirty="0"/>
-              <a:t>curl --no-progress-meter https://play.google.com/store/apps/details?id=com.twitter.android | grep -Pio 'itemprop="name"&gt;&lt;span&gt;\K.*?(?=&lt;/span&gt;)’</a:t>
-            </a:r>
-          </a:p>
-          <a:p>
-            <a:r>
               <a:rPr lang="en-US" dirty="0"/>
               <a:t>echo "START </a:t>
             </a:r>
@@ -4169,7 +4169,7 @@
             </a:r>
             <a:r>
               <a:rPr lang="en-US" dirty="0"/>
-              <a:t> END START </a:t>
+              <a:t> END </a:t>
             </a:r>
             <a:r>
               <a:rPr lang="en-US" dirty="0" err="1"/>
@@ -4185,27 +4185,10 @@
             </a:r>
             <a:r>
               <a:rPr lang="en-US" dirty="0"/>
-              <a:t> 'START(.*)END’</a:t>
-            </a:r>
-          </a:p>
-          <a:p>
-            <a:pPr marL="0" marR="0" lvl="0" indent="0" algn="l" defTabSz="914400" rtl="0" eaLnBrk="1" fontAlgn="auto" latinLnBrk="0" hangingPunct="1">
-              <a:lnSpc>
-                <a:spcPct val="100000"/>
-              </a:lnSpc>
-              <a:spcBef>
-                <a:spcPts val="0"/>
-              </a:spcBef>
-              <a:spcAft>
-                <a:spcPts val="0"/>
-              </a:spcAft>
-              <a:buClrTx/>
-              <a:buSzTx/>
-              <a:buFontTx/>
-              <a:buNone/>
-              <a:tabLst/>
-              <a:defRPr/>
-            </a:pPr>
+              <a:t> "START(.*)END“</a:t>
+            </a:r>
+          </a:p>
+          <a:p>
             <a:r>
               <a:rPr lang="en-US" dirty="0"/>
               <a:t>echo "START </a:t>
@@ -4216,7 +4199,7 @@
             </a:r>
             <a:r>
               <a:rPr lang="en-US" dirty="0"/>
-              <a:t> END START </a:t>
+              <a:t> END </a:t>
             </a:r>
             <a:r>
               <a:rPr lang="en-US" dirty="0" err="1"/>
@@ -4231,11 +4214,9 @@
               <a:t>oP</a:t>
             </a:r>
             <a:r>
-              <a:rPr lang="en-US" dirty="0"/>
-              <a:t> 'START(.*?)END'</a:t>
-            </a:r>
-          </a:p>
-          <a:p>
+              <a:rPr lang="en-US"/>
+              <a:t> "START(.*?)END"</a:t>
+            </a:r>
             <a:endParaRPr lang="en-US" dirty="0"/>
           </a:p>
         </p:txBody>
@@ -4257,7 +4238,7 @@
           <a:p>
             <a:fld id="{DDBF98C7-164A-4723-84F0-B1E4B080DDEC}" type="slidenum">
               <a:rPr lang="en-US" smtClean="0"/>
-              <a:t>39</a:t>
+              <a:t>38</a:t>
             </a:fld>
             <a:endParaRPr lang="en-US"/>
           </a:p>
@@ -4266,7 +4247,7 @@
     </p:spTree>
     <p:extLst>
       <p:ext uri="{BB962C8B-B14F-4D97-AF65-F5344CB8AC3E}">
-        <p14:creationId xmlns:p14="http://schemas.microsoft.com/office/powerpoint/2010/main" val="40849243"/>
+        <p14:creationId xmlns:p14="http://schemas.microsoft.com/office/powerpoint/2010/main" val="1709516424"/>
       </p:ext>
     </p:extLst>
   </p:cSld>
@@ -4321,60 +4302,108 @@
           <a:lstStyle/>
           <a:p>
             <a:r>
-              <a:rPr lang="en-US" dirty="0" err="1"/>
-              <a:t>mkdir</a:t>
-            </a:r>
-            <a:r>
               <a:rPr lang="en-US" dirty="0"/>
-              <a:t> pixel3</a:t>
-            </a:r>
-          </a:p>
-          <a:p>
-            <a:r>
-              <a:rPr lang="en-US" dirty="0"/>
-              <a:t>cd pixel3</a:t>
-            </a:r>
-          </a:p>
-          <a:p>
-            <a:r>
-              <a:rPr lang="fr-FR" dirty="0"/>
-              <a:t>wget -q https://digitalcorpora.s3.amazonaws.com/corpora/mobile/android_10/Non-Cellebrite%20Extraction/Pixel%203.zip</a:t>
-            </a:r>
-          </a:p>
-          <a:p>
-            <a:r>
-              <a:rPr lang="de-DE" dirty="0" err="1"/>
-              <a:t>ls</a:t>
-            </a:r>
-            <a:r>
-              <a:rPr lang="de-DE" dirty="0"/>
-              <a:t> Pixel\ 3.zip -l</a:t>
-            </a:r>
-            <a:endParaRPr lang="fr-FR" dirty="0"/>
-          </a:p>
-          <a:p>
-            <a:endParaRPr lang="fr-FR" dirty="0"/>
-          </a:p>
-          <a:p>
-            <a:endParaRPr lang="fr-FR" dirty="0"/>
-          </a:p>
-          <a:p>
-            <a:r>
-              <a:rPr lang="fr-FR" dirty="0"/>
-              <a:t>https://linuxhint.com/kali_linux_top_forensic_tools/#:~:text=The%20hashdeep%20tool%20is%20a,are%20generated%20with%20every%20output.</a:t>
-            </a:r>
-          </a:p>
-          <a:p>
-            <a:r>
-              <a:rPr lang="fr-FR" dirty="0"/>
-              <a:t>https://digitalcorpora.org/corpora/cell-phones/</a:t>
-            </a:r>
-          </a:p>
-          <a:p>
-            <a:endParaRPr lang="fr-FR" dirty="0"/>
-          </a:p>
-          <a:p>
-            <a:endParaRPr lang="en-US" dirty="0"/>
+              <a:t>Recall: </a:t>
+            </a:r>
+            <a:r>
+              <a:rPr lang="en-GB" dirty="0"/>
+              <a:t>Android devices have separate partitions for different parts of the system:</a:t>
+            </a:r>
+          </a:p>
+          <a:p>
+            <a:pPr lvl="1"/>
+            <a:r>
+              <a:rPr lang="en-GB" b="1" dirty="0"/>
+              <a:t>Boot</a:t>
+            </a:r>
+            <a:r>
+              <a:rPr lang="en-GB" dirty="0"/>
+              <a:t> partition: Contains the kernel and </a:t>
+            </a:r>
+            <a:r>
+              <a:rPr lang="en-GB" dirty="0" err="1"/>
+              <a:t>ramdisk</a:t>
+            </a:r>
+            <a:r>
+              <a:rPr lang="en-GB" dirty="0"/>
+              <a:t> for normal booting.</a:t>
+            </a:r>
+          </a:p>
+          <a:p>
+            <a:pPr lvl="1"/>
+            <a:r>
+              <a:rPr lang="en-GB" b="1" dirty="0"/>
+              <a:t>System</a:t>
+            </a:r>
+            <a:r>
+              <a:rPr lang="en-GB" dirty="0"/>
+              <a:t> partition: Holds the main OS files.</a:t>
+            </a:r>
+          </a:p>
+          <a:p>
+            <a:pPr lvl="1"/>
+            <a:r>
+              <a:rPr lang="en-GB" b="1" dirty="0"/>
+              <a:t>Recovery</a:t>
+            </a:r>
+            <a:r>
+              <a:rPr lang="en-GB" dirty="0"/>
+              <a:t> partition: A small, independent mini-OS that loads when you boot into recovery mode (usually via button combos like Volume Up + Power).</a:t>
+            </a:r>
+          </a:p>
+          <a:p>
+            <a:pPr lvl="1"/>
+            <a:r>
+              <a:rPr lang="it-IT" b="1" dirty="0"/>
+              <a:t>Data partition</a:t>
+            </a:r>
+            <a:r>
+              <a:rPr lang="it-IT" dirty="0"/>
+              <a:t>: User data, apps, settings.</a:t>
+            </a:r>
+          </a:p>
+          <a:p>
+            <a:r>
+              <a:rPr lang="en-GB" dirty="0"/>
+              <a:t>TWRP is essentially a standalone, lightweight operating environment (based on a minimal Linux system) that gets flashed (installed) into the recovery partition.  When you boot into recovery:</a:t>
+            </a:r>
+          </a:p>
+          <a:p>
+            <a:pPr lvl="1"/>
+            <a:r>
+              <a:rPr lang="en-GB" dirty="0"/>
+              <a:t>The device loads TWRP instead of the stock recovery.</a:t>
+            </a:r>
+          </a:p>
+          <a:p>
+            <a:pPr lvl="1"/>
+            <a:r>
+              <a:rPr lang="en-GB" dirty="0"/>
+              <a:t>It runs completely separate from your main Android OS — it doesn't touch or depend on your installed ROM unless you tell it to.</a:t>
+            </a:r>
+          </a:p>
+          <a:p>
+            <a:pPr lvl="1"/>
+            <a:r>
+              <a:rPr lang="en-GB" dirty="0"/>
+              <a:t>It mounts (makes accessible) partitions like /system, /data, /cache, and often /</a:t>
+            </a:r>
+            <a:r>
+              <a:rPr lang="en-GB" dirty="0" err="1"/>
+              <a:t>sdcard</a:t>
+            </a:r>
+            <a:r>
+              <a:rPr lang="en-GB" dirty="0"/>
+              <a:t> (internal storage or external SD).</a:t>
+            </a:r>
+          </a:p>
+          <a:p>
+            <a:pPr lvl="1"/>
+            <a:r>
+              <a:rPr lang="en-GB" dirty="0"/>
+              <a:t>On many devices, it can even decrypt the /data partition if it's encrypted (with your PIN/pattern), allowing full backups/restores.</a:t>
+            </a:r>
+            <a:endParaRPr lang="it-IT" dirty="0"/>
           </a:p>
           <a:p>
             <a:endParaRPr lang="en-US" dirty="0"/>
@@ -4398,7 +4427,7 @@
           <a:p>
             <a:fld id="{DDBF98C7-164A-4723-84F0-B1E4B080DDEC}" type="slidenum">
               <a:rPr lang="en-US" smtClean="0"/>
-              <a:t>6</a:t>
+              <a:t>5</a:t>
             </a:fld>
             <a:endParaRPr lang="en-US"/>
           </a:p>
@@ -4407,7 +4436,7 @@
     </p:spTree>
     <p:extLst>
       <p:ext uri="{BB962C8B-B14F-4D97-AF65-F5344CB8AC3E}">
-        <p14:creationId xmlns:p14="http://schemas.microsoft.com/office/powerpoint/2010/main" val="1668012879"/>
+        <p14:creationId xmlns:p14="http://schemas.microsoft.com/office/powerpoint/2010/main" val="551654837"/>
       </p:ext>
     </p:extLst>
   </p:cSld>
@@ -4462,939 +4491,95 @@
           <a:lstStyle/>
           <a:p>
             <a:r>
-              <a:rPr lang="en-US"/>
-              <a:t>ls 'Pixel 3/data/data' \</a:t>
-            </a:r>
-          </a:p>
-          <a:p>
-            <a:r>
-              <a:rPr lang="en-US"/>
-              <a:t>| while read package; do \</a:t>
-            </a:r>
-          </a:p>
-          <a:p>
-            <a:r>
-              <a:rPr lang="en-US"/>
-              <a:t>curl --no-progress-meter https://play.google.com/store/apps/details?id=$package \</a:t>
-            </a:r>
-          </a:p>
-          <a:p>
-            <a:r>
-              <a:rPr lang="en-US"/>
-              <a:t>| grep -Pio 'itemprop="name"&gt;&lt;span&gt;\K.*?(?=&lt;/span&gt;)' \</a:t>
-            </a:r>
-          </a:p>
-          <a:p>
-            <a:r>
-              <a:rPr lang="en-US"/>
-              <a:t>&amp;&amp; echo $package; \</a:t>
-            </a:r>
-          </a:p>
-          <a:p>
-            <a:r>
-              <a:rPr lang="en-US"/>
-              <a:t>done</a:t>
-            </a:r>
-          </a:p>
-          <a:p>
-            <a:endParaRPr lang="en-US"/>
-          </a:p>
-          <a:p>
-            <a:endParaRPr lang="en-US"/>
-          </a:p>
-          <a:p>
-            <a:r>
-              <a:rPr lang="en-US"/>
-              <a:t>Google Chrome: Fast &amp;amp; Secure</a:t>
-            </a:r>
-          </a:p>
-          <a:p>
-            <a:r>
-              <a:rPr lang="en-US" err="1"/>
-              <a:t>com.android.chrome</a:t>
-            </a:r>
-            <a:endParaRPr lang="en-US"/>
-          </a:p>
-          <a:p>
-            <a:r>
-              <a:rPr lang="en-US"/>
-              <a:t>Discord - Talk, Video Chat &amp;amp; Hang Out with Friends</a:t>
-            </a:r>
-          </a:p>
-          <a:p>
-            <a:r>
-              <a:rPr lang="en-US" err="1"/>
-              <a:t>com.discord</a:t>
-            </a:r>
-            <a:endParaRPr lang="en-US"/>
-          </a:p>
-          <a:p>
-            <a:r>
-              <a:rPr lang="en-US" err="1"/>
-              <a:t>TextNow</a:t>
-            </a:r>
-            <a:r>
-              <a:rPr lang="en-US"/>
-              <a:t>: Free Texting &amp;amp; Calling App</a:t>
-            </a:r>
-          </a:p>
-          <a:p>
-            <a:r>
-              <a:rPr lang="en-US" err="1"/>
-              <a:t>com.enflick.android.TextNow</a:t>
-            </a:r>
-            <a:endParaRPr lang="en-US"/>
-          </a:p>
-          <a:p>
-            <a:r>
-              <a:rPr lang="en-US"/>
-              <a:t>Messenger – Text and Video Chat for Free</a:t>
-            </a:r>
-          </a:p>
-          <a:p>
-            <a:r>
-              <a:rPr lang="en-US" err="1"/>
-              <a:t>com.facebook.orca</a:t>
-            </a:r>
-            <a:endParaRPr lang="en-US"/>
-          </a:p>
-          <a:p>
-            <a:r>
-              <a:rPr lang="en-US"/>
-              <a:t>Google Home</a:t>
-            </a:r>
-          </a:p>
-          <a:p>
-            <a:r>
-              <a:rPr lang="en-US" err="1"/>
-              <a:t>com.google.android.apps.chromecast.app</a:t>
-            </a:r>
-            <a:endParaRPr lang="en-US"/>
-          </a:p>
-          <a:p>
-            <a:r>
-              <a:rPr lang="en-US"/>
-              <a:t>Google Drive</a:t>
-            </a:r>
-          </a:p>
-          <a:p>
-            <a:r>
-              <a:rPr lang="en-US" err="1"/>
-              <a:t>com.google.android.apps.docs</a:t>
-            </a:r>
-            <a:endParaRPr lang="en-US"/>
-          </a:p>
-          <a:p>
-            <a:r>
-              <a:rPr lang="en-US"/>
-              <a:t>Google Docs</a:t>
-            </a:r>
-          </a:p>
-          <a:p>
-            <a:r>
-              <a:rPr lang="en-US" err="1"/>
-              <a:t>com.google.android.apps.docs.editors.docs</a:t>
-            </a:r>
-            <a:endParaRPr lang="en-US"/>
-          </a:p>
-          <a:p>
-            <a:r>
-              <a:rPr lang="en-US"/>
-              <a:t>Google Apps Device Policy</a:t>
-            </a:r>
-          </a:p>
-          <a:p>
-            <a:r>
-              <a:rPr lang="en-US" err="1"/>
-              <a:t>com.google.android.apps.enterprise.dmagent</a:t>
-            </a:r>
-            <a:endParaRPr lang="en-US"/>
-          </a:p>
-          <a:p>
-            <a:r>
-              <a:rPr lang="en-US"/>
-              <a:t>Google Support Services</a:t>
-            </a:r>
-          </a:p>
-          <a:p>
-            <a:r>
-              <a:rPr lang="en-US" err="1"/>
-              <a:t>com.google.android.apps.helprtc</a:t>
-            </a:r>
-            <a:endParaRPr lang="en-US"/>
-          </a:p>
-          <a:p>
-            <a:r>
-              <a:rPr lang="en-US"/>
-              <a:t>Google News - Top world &amp;amp; local news headlines</a:t>
-            </a:r>
-          </a:p>
-          <a:p>
-            <a:r>
-              <a:rPr lang="en-US" err="1"/>
-              <a:t>com.google.android.apps.magazines</a:t>
-            </a:r>
-            <a:endParaRPr lang="en-US"/>
-          </a:p>
-          <a:p>
-            <a:r>
-              <a:rPr lang="en-US"/>
-              <a:t>Google Maps - Navigate &amp;amp; Explore</a:t>
-            </a:r>
-          </a:p>
-          <a:p>
-            <a:r>
-              <a:rPr lang="en-US" err="1"/>
-              <a:t>com.google.android.apps.maps</a:t>
-            </a:r>
-            <a:endParaRPr lang="en-US"/>
-          </a:p>
-          <a:p>
-            <a:r>
-              <a:rPr lang="en-US"/>
-              <a:t>Messages</a:t>
-            </a:r>
-          </a:p>
-          <a:p>
-            <a:r>
-              <a:rPr lang="en-US" err="1"/>
-              <a:t>com.google.android.apps.messaging</a:t>
-            </a:r>
-            <a:endParaRPr lang="en-US"/>
-          </a:p>
-          <a:p>
-            <a:r>
-              <a:rPr lang="en-US"/>
-              <a:t>Pixel Launcher</a:t>
-            </a:r>
-          </a:p>
-          <a:p>
-            <a:r>
-              <a:rPr lang="en-US" err="1"/>
-              <a:t>com.google.android.apps.nexuslauncher</a:t>
-            </a:r>
-            <a:endParaRPr lang="en-US"/>
-          </a:p>
-          <a:p>
-            <a:r>
-              <a:rPr lang="en-US"/>
-              <a:t>Google Photos</a:t>
-            </a:r>
-          </a:p>
-          <a:p>
-            <a:r>
-              <a:rPr lang="en-US" err="1"/>
-              <a:t>com.google.android.apps.photos</a:t>
-            </a:r>
-            <a:endParaRPr lang="en-US"/>
-          </a:p>
-          <a:p>
-            <a:r>
-              <a:rPr lang="en-US"/>
-              <a:t>Data Transfer Tool</a:t>
-            </a:r>
-          </a:p>
-          <a:p>
-            <a:r>
-              <a:rPr lang="en-US" err="1"/>
-              <a:t>com.google.android.apps.pixelmigrate</a:t>
-            </a:r>
-            <a:endParaRPr lang="en-US"/>
-          </a:p>
-          <a:p>
-            <a:r>
-              <a:rPr lang="en-US"/>
-              <a:t>Personal Safety</a:t>
-            </a:r>
-          </a:p>
-          <a:p>
-            <a:r>
-              <a:rPr lang="en-US" err="1"/>
-              <a:t>com.google.android.apps.safetyhub</a:t>
-            </a:r>
-            <a:endParaRPr lang="en-US"/>
-          </a:p>
-          <a:p>
-            <a:r>
-              <a:rPr lang="en-US"/>
-              <a:t>Google Duo - High Quality Video Calls</a:t>
-            </a:r>
-          </a:p>
-          <a:p>
-            <a:r>
-              <a:rPr lang="en-US" err="1"/>
-              <a:t>com.google.android.apps.tachyon</a:t>
-            </a:r>
-            <a:endParaRPr lang="en-US"/>
-          </a:p>
-          <a:p>
-            <a:r>
-              <a:rPr lang="en-US"/>
-              <a:t>Google Fi</a:t>
-            </a:r>
-          </a:p>
-          <a:p>
-            <a:r>
-              <a:rPr lang="en-US" err="1"/>
-              <a:t>com.google.android.apps.tycho</a:t>
-            </a:r>
-            <a:endParaRPr lang="en-US"/>
-          </a:p>
-          <a:p>
-            <a:r>
-              <a:rPr lang="en-US"/>
-              <a:t>Google Pay (old app)</a:t>
-            </a:r>
-          </a:p>
-          <a:p>
-            <a:r>
-              <a:rPr lang="en-US" err="1"/>
-              <a:t>com.google.android.apps.walletnfcrel</a:t>
-            </a:r>
-            <a:endParaRPr lang="en-US"/>
-          </a:p>
-          <a:p>
-            <a:r>
-              <a:rPr lang="en-US"/>
-              <a:t>Wallpapers</a:t>
-            </a:r>
-          </a:p>
-          <a:p>
-            <a:r>
-              <a:rPr lang="en-US" err="1"/>
-              <a:t>com.google.android.apps.wallpaper</a:t>
-            </a:r>
-            <a:endParaRPr lang="en-US"/>
-          </a:p>
-          <a:p>
-            <a:r>
-              <a:rPr lang="en-US"/>
-              <a:t>Digital Wellbeing</a:t>
-            </a:r>
-          </a:p>
-          <a:p>
-            <a:r>
-              <a:rPr lang="en-US" err="1"/>
-              <a:t>com.google.android.apps.wellbeing</a:t>
-            </a:r>
-            <a:endParaRPr lang="en-US"/>
-          </a:p>
-          <a:p>
-            <a:r>
-              <a:rPr lang="en-US"/>
-              <a:t>YouTube Music - Stream Songs &amp;amp; Music Videos</a:t>
-            </a:r>
-          </a:p>
-          <a:p>
-            <a:r>
-              <a:rPr lang="en-US" err="1"/>
-              <a:t>com.google.android.apps.youtube.music</a:t>
-            </a:r>
-            <a:endParaRPr lang="en-US"/>
-          </a:p>
-          <a:p>
-            <a:r>
-              <a:rPr lang="en-US"/>
-              <a:t>Google Calendar</a:t>
-            </a:r>
-          </a:p>
-          <a:p>
-            <a:r>
-              <a:rPr lang="en-US" err="1"/>
-              <a:t>com.google.android.calendar</a:t>
-            </a:r>
-            <a:endParaRPr lang="en-US"/>
-          </a:p>
-          <a:p>
-            <a:r>
-              <a:rPr lang="en-US"/>
-              <a:t>Contacts</a:t>
-            </a:r>
-          </a:p>
-          <a:p>
-            <a:r>
-              <a:rPr lang="en-US" err="1"/>
-              <a:t>com.google.android.contacts</a:t>
-            </a:r>
-            <a:endParaRPr lang="en-US"/>
-          </a:p>
-          <a:p>
-            <a:r>
-              <a:rPr lang="en-US"/>
-              <a:t>Clock</a:t>
-            </a:r>
-          </a:p>
-          <a:p>
-            <a:r>
-              <a:rPr lang="en-US" err="1"/>
-              <a:t>com.google.android.deskclock</a:t>
-            </a:r>
-            <a:endParaRPr lang="en-US"/>
-          </a:p>
-          <a:p>
-            <a:r>
-              <a:rPr lang="en-US"/>
-              <a:t>Phone by Google - Caller ID &amp;amp; Spam Protection</a:t>
-            </a:r>
-          </a:p>
-          <a:p>
-            <a:r>
-              <a:rPr lang="en-US" err="1"/>
-              <a:t>com.google.android.dialer</a:t>
-            </a:r>
-            <a:endParaRPr lang="en-US"/>
-          </a:p>
-          <a:p>
-            <a:r>
-              <a:rPr lang="en-US"/>
-              <a:t>Gmail</a:t>
-            </a:r>
-          </a:p>
-          <a:p>
-            <a:r>
-              <a:rPr lang="en-US"/>
-              <a:t>com.google.android.gm</a:t>
-            </a:r>
-          </a:p>
-          <a:p>
-            <a:r>
-              <a:rPr lang="en-US"/>
-              <a:t>Google Play services</a:t>
-            </a:r>
-          </a:p>
-          <a:p>
-            <a:r>
-              <a:rPr lang="en-US" err="1"/>
-              <a:t>com.google.android.gms</a:t>
-            </a:r>
-            <a:endParaRPr lang="en-US"/>
-          </a:p>
-          <a:p>
-            <a:r>
-              <a:rPr lang="en-US"/>
-              <a:t>Google Camera</a:t>
-            </a:r>
-          </a:p>
-          <a:p>
-            <a:r>
-              <a:rPr lang="en-US" err="1"/>
-              <a:t>com.google.android.GoogleCamera</a:t>
-            </a:r>
-            <a:endParaRPr lang="en-US"/>
-          </a:p>
-          <a:p>
-            <a:r>
-              <a:rPr lang="en-US"/>
-              <a:t>Google</a:t>
-            </a:r>
-          </a:p>
-          <a:p>
-            <a:r>
-              <a:rPr lang="en-US" err="1"/>
-              <a:t>com.google.android.googlequicksearchbox</a:t>
-            </a:r>
-            <a:endParaRPr lang="en-US"/>
-          </a:p>
-          <a:p>
-            <a:r>
-              <a:rPr lang="en-US"/>
-              <a:t>Carrier Services</a:t>
-            </a:r>
-          </a:p>
-          <a:p>
-            <a:r>
-              <a:rPr lang="en-US" err="1"/>
-              <a:t>com.google.android.ims</a:t>
-            </a:r>
-            <a:endParaRPr lang="en-US"/>
-          </a:p>
-          <a:p>
-            <a:r>
-              <a:rPr lang="en-US" err="1"/>
-              <a:t>Gboard</a:t>
-            </a:r>
-            <a:r>
-              <a:rPr lang="en-US"/>
-              <a:t> - the Google Keyboard</a:t>
-            </a:r>
-          </a:p>
-          <a:p>
-            <a:r>
-              <a:rPr lang="en-US" err="1"/>
-              <a:t>com.google.android.inputmethod.latin</a:t>
-            </a:r>
-            <a:endParaRPr lang="en-US"/>
-          </a:p>
-          <a:p>
-            <a:r>
-              <a:rPr lang="en-US"/>
-              <a:t>Google Keep - Notes and Lists</a:t>
-            </a:r>
-          </a:p>
-          <a:p>
-            <a:r>
-              <a:rPr lang="en-US" err="1"/>
-              <a:t>com.google.android.keep</a:t>
-            </a:r>
-            <a:endParaRPr lang="en-US"/>
-          </a:p>
-          <a:p>
-            <a:r>
-              <a:rPr lang="en-US"/>
-              <a:t>Google Play Music</a:t>
-            </a:r>
-          </a:p>
-          <a:p>
-            <a:r>
-              <a:rPr lang="en-US" err="1"/>
-              <a:t>com.google.android.music</a:t>
-            </a:r>
-            <a:endParaRPr lang="en-US"/>
-          </a:p>
-          <a:p>
-            <a:r>
-              <a:rPr lang="en-US"/>
-              <a:t>Android Auto - Google Maps, Media &amp;amp; Messaging</a:t>
-            </a:r>
-          </a:p>
-          <a:p>
-            <a:r>
-              <a:rPr lang="en-US" err="1"/>
-              <a:t>com.google.android.projection.gearhead</a:t>
-            </a:r>
-            <a:endParaRPr lang="en-US"/>
-          </a:p>
-          <a:p>
-            <a:r>
-              <a:rPr lang="en-US"/>
-              <a:t>Google Text-to-Speech</a:t>
-            </a:r>
-          </a:p>
-          <a:p>
-            <a:r>
-              <a:rPr lang="en-US" err="1"/>
-              <a:t>com.google.android.tts</a:t>
-            </a:r>
-            <a:endParaRPr lang="en-US"/>
-          </a:p>
-          <a:p>
-            <a:r>
-              <a:rPr lang="en-US"/>
-              <a:t>Google TV (previously Play Movies &amp;amp; TV)</a:t>
-            </a:r>
-          </a:p>
-          <a:p>
-            <a:r>
-              <a:rPr lang="en-US" err="1"/>
-              <a:t>com.google.android.videos</a:t>
-            </a:r>
-            <a:endParaRPr lang="en-US"/>
-          </a:p>
-          <a:p>
-            <a:r>
-              <a:rPr lang="en-US"/>
-              <a:t>Android System WebView</a:t>
-            </a:r>
-          </a:p>
-          <a:p>
-            <a:r>
-              <a:rPr lang="en-US" err="1"/>
-              <a:t>com.google.android.webview</a:t>
-            </a:r>
-            <a:endParaRPr lang="en-US"/>
-          </a:p>
-          <a:p>
-            <a:r>
-              <a:rPr lang="en-US"/>
-              <a:t>YouTube</a:t>
-            </a:r>
-          </a:p>
-          <a:p>
-            <a:r>
-              <a:rPr lang="en-US" err="1"/>
-              <a:t>com.google.android.youtube</a:t>
-            </a:r>
-            <a:endParaRPr lang="en-US"/>
-          </a:p>
-          <a:p>
-            <a:r>
-              <a:rPr lang="en-US"/>
-              <a:t>Google Play Services for AR</a:t>
-            </a:r>
-          </a:p>
-          <a:p>
-            <a:r>
-              <a:rPr lang="en-US" err="1"/>
-              <a:t>com.google.ar.core</a:t>
-            </a:r>
-            <a:endParaRPr lang="en-US"/>
-          </a:p>
-          <a:p>
-            <a:r>
-              <a:rPr lang="en-US"/>
-              <a:t>Pixel Ambient Services</a:t>
-            </a:r>
-          </a:p>
-          <a:p>
-            <a:r>
-              <a:rPr lang="en-US" err="1"/>
-              <a:t>com.google.intelligence.sense</a:t>
-            </a:r>
-            <a:endParaRPr lang="en-US"/>
-          </a:p>
-          <a:p>
-            <a:r>
-              <a:rPr lang="en-US"/>
-              <a:t>Playground (was AR Stickers)</a:t>
-            </a:r>
-          </a:p>
-          <a:p>
-            <a:r>
-              <a:rPr lang="en-US" err="1"/>
-              <a:t>com.google.vr.apps.ornament</a:t>
-            </a:r>
-            <a:endParaRPr lang="en-US"/>
-          </a:p>
-          <a:p>
-            <a:r>
-              <a:rPr lang="en-US"/>
-              <a:t>Google VR Services</a:t>
-            </a:r>
-          </a:p>
-          <a:p>
-            <a:r>
-              <a:rPr lang="en-US" err="1"/>
-              <a:t>com.google.vr.vrcore</a:t>
-            </a:r>
-            <a:endParaRPr lang="en-US"/>
-          </a:p>
-          <a:p>
-            <a:r>
-              <a:rPr lang="en-US" err="1"/>
-              <a:t>Imgur</a:t>
-            </a:r>
-            <a:r>
-              <a:rPr lang="en-US"/>
-              <a:t>: Find funny GIFs, memes &amp;amp; watch viral videos</a:t>
-            </a:r>
-          </a:p>
-          <a:p>
-            <a:r>
-              <a:rPr lang="en-US" err="1"/>
-              <a:t>com.imgur.mobile</a:t>
-            </a:r>
-            <a:endParaRPr lang="en-US"/>
-          </a:p>
-          <a:p>
-            <a:r>
-              <a:rPr lang="en-US" err="1"/>
-              <a:t>imo</a:t>
-            </a:r>
-            <a:r>
-              <a:rPr lang="en-US"/>
-              <a:t> free HD video calls and chat</a:t>
-            </a:r>
-          </a:p>
-          <a:p>
-            <a:r>
-              <a:rPr lang="en-US" err="1"/>
-              <a:t>com.imo.android.imous</a:t>
-            </a:r>
-            <a:endParaRPr lang="en-US"/>
-          </a:p>
-          <a:p>
-            <a:r>
-              <a:rPr lang="en-US"/>
-              <a:t>Instagram</a:t>
-            </a:r>
-          </a:p>
-          <a:p>
-            <a:r>
-              <a:rPr lang="en-US" err="1"/>
-              <a:t>com.instagram.android</a:t>
-            </a:r>
-            <a:endParaRPr lang="en-US"/>
-          </a:p>
-          <a:p>
-            <a:r>
-              <a:rPr lang="en-US"/>
-              <a:t>Threads from Instagram</a:t>
-            </a:r>
-          </a:p>
-          <a:p>
-            <a:r>
-              <a:rPr lang="en-US" err="1"/>
-              <a:t>com.instagram.threadsapp</a:t>
-            </a:r>
-            <a:endParaRPr lang="en-US"/>
-          </a:p>
-          <a:p>
-            <a:r>
-              <a:rPr lang="en-US" err="1"/>
-              <a:t>MeWe</a:t>
-            </a:r>
-            <a:endParaRPr lang="en-US"/>
-          </a:p>
-          <a:p>
-            <a:r>
-              <a:rPr lang="en-US" err="1"/>
-              <a:t>com.mewe</a:t>
-            </a:r>
-            <a:endParaRPr lang="en-US"/>
-          </a:p>
-          <a:p>
-            <a:r>
-              <a:rPr lang="en-US" err="1"/>
-              <a:t>Wickr</a:t>
-            </a:r>
-            <a:r>
-              <a:rPr lang="en-US"/>
-              <a:t> Me – Private Messenger</a:t>
-            </a:r>
-          </a:p>
-          <a:p>
-            <a:r>
-              <a:rPr lang="en-US"/>
-              <a:t>com.mywickr.wickr2</a:t>
-            </a:r>
-          </a:p>
-          <a:p>
-            <a:r>
-              <a:rPr lang="en-US"/>
-              <a:t>Dust - a safer place to text</a:t>
-            </a:r>
-          </a:p>
-          <a:p>
-            <a:r>
-              <a:rPr lang="en-US" err="1"/>
-              <a:t>com.radicalapps.cyberdust</a:t>
-            </a:r>
-            <a:endParaRPr lang="en-US"/>
-          </a:p>
-          <a:p>
-            <a:r>
-              <a:rPr lang="en-US"/>
-              <a:t>Silent Phone - Secure Calling &amp;amp; Messaging</a:t>
-            </a:r>
-          </a:p>
-          <a:p>
-            <a:r>
-              <a:rPr lang="en-US" err="1"/>
-              <a:t>com.silentcircle.silentphone</a:t>
-            </a:r>
-            <a:endParaRPr lang="en-US"/>
-          </a:p>
-          <a:p>
-            <a:r>
-              <a:rPr lang="en-US"/>
-              <a:t>SKOUT - Meet, Chat, Go Live</a:t>
-            </a:r>
-          </a:p>
-          <a:p>
-            <a:r>
-              <a:rPr lang="en-US" err="1"/>
-              <a:t>com.skout.android</a:t>
-            </a:r>
-            <a:endParaRPr lang="en-US"/>
-          </a:p>
-          <a:p>
-            <a:r>
-              <a:rPr lang="en-US"/>
-              <a:t>Skype - free IM &amp;amp; video calls</a:t>
-            </a:r>
-          </a:p>
-          <a:p>
-            <a:r>
-              <a:rPr lang="en-US" err="1"/>
-              <a:t>com.skype.raider</a:t>
-            </a:r>
-            <a:endParaRPr lang="en-US"/>
-          </a:p>
-          <a:p>
-            <a:r>
-              <a:rPr lang="en-US"/>
-              <a:t>Snapchat</a:t>
-            </a:r>
-          </a:p>
-          <a:p>
-            <a:r>
-              <a:rPr lang="en-US" err="1"/>
-              <a:t>com.snapchat.android</a:t>
-            </a:r>
-            <a:endParaRPr lang="en-US"/>
-          </a:p>
-          <a:p>
-            <a:r>
-              <a:rPr lang="en-US"/>
-              <a:t>Spotify: Listen to podcasts &amp;amp; find music you love</a:t>
-            </a:r>
-          </a:p>
-          <a:p>
-            <a:r>
-              <a:rPr lang="en-US" err="1"/>
-              <a:t>com.spotify.music</a:t>
-            </a:r>
-            <a:endParaRPr lang="en-US"/>
-          </a:p>
-          <a:p>
-            <a:r>
-              <a:rPr lang="en-US"/>
-              <a:t>Gallery Vault - Hide Pictures And Videos</a:t>
-            </a:r>
-          </a:p>
-          <a:p>
-            <a:r>
-              <a:rPr lang="en-US" err="1"/>
-              <a:t>com.thinkyeah.galleryvault</a:t>
-            </a:r>
-            <a:endParaRPr lang="en-US"/>
-          </a:p>
-          <a:p>
-            <a:r>
-              <a:rPr lang="en-US"/>
-              <a:t>Twitter</a:t>
-            </a:r>
-          </a:p>
-          <a:p>
-            <a:r>
-              <a:rPr lang="en-US" err="1"/>
-              <a:t>com.twitter.android</a:t>
-            </a:r>
-            <a:endParaRPr lang="en-US"/>
-          </a:p>
-          <a:p>
-            <a:r>
-              <a:rPr lang="en-US"/>
-              <a:t>Venmo</a:t>
-            </a:r>
-          </a:p>
-          <a:p>
-            <a:r>
-              <a:rPr lang="en-US" err="1"/>
-              <a:t>com.venmo</a:t>
-            </a:r>
-            <a:endParaRPr lang="en-US"/>
-          </a:p>
-          <a:p>
-            <a:r>
-              <a:rPr lang="en-US"/>
-              <a:t>Viber Messenger - Free Video Calls &amp;amp; Group Chats</a:t>
-            </a:r>
-          </a:p>
-          <a:p>
-            <a:r>
-              <a:rPr lang="en-US" err="1"/>
-              <a:t>com.viber.voip</a:t>
-            </a:r>
-            <a:endParaRPr lang="en-US"/>
-          </a:p>
-          <a:p>
-            <a:r>
-              <a:rPr lang="en-US"/>
-              <a:t>WhatsApp Messenger</a:t>
-            </a:r>
-          </a:p>
-          <a:p>
-            <a:r>
-              <a:rPr lang="en-US" err="1"/>
-              <a:t>com.whatsapp</a:t>
-            </a:r>
-            <a:endParaRPr lang="en-US"/>
-          </a:p>
-          <a:p>
-            <a:r>
-              <a:rPr lang="en-US"/>
-              <a:t>Wire • Secure Messenger</a:t>
-            </a:r>
-          </a:p>
-          <a:p>
-            <a:r>
-              <a:rPr lang="en-US" err="1"/>
-              <a:t>com.wire</a:t>
-            </a:r>
-            <a:endParaRPr lang="en-US"/>
-          </a:p>
-          <a:p>
-            <a:r>
-              <a:rPr lang="en-US" err="1"/>
-              <a:t>TikTok</a:t>
-            </a:r>
-            <a:endParaRPr lang="en-US"/>
-          </a:p>
-          <a:p>
-            <a:r>
-              <a:rPr lang="en-US" err="1"/>
-              <a:t>com.zhiliaoapp.musically</a:t>
-            </a:r>
-            <a:endParaRPr lang="en-US"/>
-          </a:p>
-          <a:p>
-            <a:r>
-              <a:rPr lang="en-US"/>
-              <a:t>LINE: Free Calls &amp;amp; Messages</a:t>
-            </a:r>
-          </a:p>
-          <a:p>
-            <a:r>
-              <a:rPr lang="en-US" err="1"/>
-              <a:t>jp.naver.line.android</a:t>
-            </a:r>
-            <a:endParaRPr lang="en-US"/>
-          </a:p>
-          <a:p>
-            <a:r>
-              <a:rPr lang="en-US"/>
-              <a:t>Kik</a:t>
-            </a:r>
-          </a:p>
-          <a:p>
-            <a:r>
-              <a:rPr lang="en-US" err="1"/>
-              <a:t>kik.android</a:t>
-            </a:r>
-            <a:endParaRPr lang="en-US"/>
-          </a:p>
-          <a:p>
-            <a:r>
-              <a:rPr lang="en-US"/>
-              <a:t>Telegram</a:t>
-            </a:r>
-          </a:p>
-          <a:p>
-            <a:r>
-              <a:rPr lang="en-US" err="1"/>
-              <a:t>org.telegram.messenger</a:t>
-            </a:r>
-            <a:endParaRPr lang="en-US"/>
-          </a:p>
-          <a:p>
-            <a:r>
-              <a:rPr lang="en-US"/>
-              <a:t>Signal Private Messenger</a:t>
-            </a:r>
-          </a:p>
-          <a:p>
-            <a:r>
-              <a:rPr lang="en-US" err="1"/>
-              <a:t>org.thoughtcrime.securesms</a:t>
-            </a:r>
-            <a:endParaRPr lang="en-US"/>
-          </a:p>
-          <a:p>
-            <a:r>
-              <a:rPr lang="en-US"/>
-              <a:t>Tor Browser: Official, Private, &amp;amp; Secure</a:t>
-            </a:r>
-          </a:p>
-          <a:p>
-            <a:r>
-              <a:rPr lang="en-US" err="1"/>
-              <a:t>org.torproject.torbrowser</a:t>
-            </a:r>
-            <a:endParaRPr lang="en-US"/>
-          </a:p>
-          <a:p>
-            <a:endParaRPr lang="en-US"/>
+              <a:rPr lang="en-GB" dirty="0"/>
+              <a:t>curl --no-progress-meter https://play.google.com/store/apps/details?id=com.twitter.android | grep -Pio 'itemprop="name"&gt;&lt;span&gt;Twitter&lt;/span&gt;’</a:t>
+            </a:r>
+          </a:p>
+          <a:p>
+            <a:r>
+              <a:rPr lang="en-US" dirty="0"/>
+              <a:t>curl --no-progress-meter https://play.google.com/store/apps/details?id=com.twitter.android | grep -Pio 'itemprop="name"&gt;&lt;span&gt;\K.*?(?=&lt;/span&gt;)’</a:t>
+            </a:r>
+          </a:p>
+          <a:p>
+            <a:r>
+              <a:rPr lang="en-US" dirty="0"/>
+              <a:t>echo "START </a:t>
+            </a:r>
+            <a:r>
+              <a:rPr lang="en-US" dirty="0" err="1"/>
+              <a:t>aaa</a:t>
+            </a:r>
+            <a:r>
+              <a:rPr lang="en-US" dirty="0"/>
+              <a:t> END START </a:t>
+            </a:r>
+            <a:r>
+              <a:rPr lang="en-US" dirty="0" err="1"/>
+              <a:t>bbb</a:t>
+            </a:r>
+            <a:r>
+              <a:rPr lang="en-US" dirty="0"/>
+              <a:t> END" | grep -</a:t>
+            </a:r>
+            <a:r>
+              <a:rPr lang="en-US" dirty="0" err="1"/>
+              <a:t>oP</a:t>
+            </a:r>
+            <a:r>
+              <a:rPr lang="en-US" dirty="0"/>
+              <a:t> 'START(.*)END’</a:t>
+            </a:r>
+          </a:p>
+          <a:p>
+            <a:pPr marL="0" marR="0" lvl="0" indent="0" algn="l" defTabSz="914400" rtl="0" eaLnBrk="1" fontAlgn="auto" latinLnBrk="0" hangingPunct="1">
+              <a:lnSpc>
+                <a:spcPct val="100000"/>
+              </a:lnSpc>
+              <a:spcBef>
+                <a:spcPts val="0"/>
+              </a:spcBef>
+              <a:spcAft>
+                <a:spcPts val="0"/>
+              </a:spcAft>
+              <a:buClrTx/>
+              <a:buSzTx/>
+              <a:buFontTx/>
+              <a:buNone/>
+              <a:tabLst/>
+              <a:defRPr/>
+            </a:pPr>
+            <a:r>
+              <a:rPr lang="en-US" dirty="0"/>
+              <a:t>echo "START </a:t>
+            </a:r>
+            <a:r>
+              <a:rPr lang="en-US" dirty="0" err="1"/>
+              <a:t>aaa</a:t>
+            </a:r>
+            <a:r>
+              <a:rPr lang="en-US" dirty="0"/>
+              <a:t> END START </a:t>
+            </a:r>
+            <a:r>
+              <a:rPr lang="en-US" dirty="0" err="1"/>
+              <a:t>bbb</a:t>
+            </a:r>
+            <a:r>
+              <a:rPr lang="en-US" dirty="0"/>
+              <a:t> END" | grep -</a:t>
+            </a:r>
+            <a:r>
+              <a:rPr lang="en-US" dirty="0" err="1"/>
+              <a:t>oP</a:t>
+            </a:r>
+            <a:r>
+              <a:rPr lang="en-US" dirty="0"/>
+              <a:t> 'START(.*?)END'</a:t>
+            </a:r>
+          </a:p>
+          <a:p>
+            <a:endParaRPr lang="en-US" dirty="0"/>
           </a:p>
         </p:txBody>
       </p:sp>
@@ -5415,7 +4600,7 @@
           <a:p>
             <a:fld id="{DDBF98C7-164A-4723-84F0-B1E4B080DDEC}" type="slidenum">
               <a:rPr lang="en-US" smtClean="0"/>
-              <a:t>42</a:t>
+              <a:t>39</a:t>
             </a:fld>
             <a:endParaRPr lang="en-US"/>
           </a:p>
@@ -5424,7 +4609,7 @@
     </p:spTree>
     <p:extLst>
       <p:ext uri="{BB962C8B-B14F-4D97-AF65-F5344CB8AC3E}">
-        <p14:creationId xmlns:p14="http://schemas.microsoft.com/office/powerpoint/2010/main" val="2819531897"/>
+        <p14:creationId xmlns:p14="http://schemas.microsoft.com/office/powerpoint/2010/main" val="40849243"/>
       </p:ext>
     </p:extLst>
   </p:cSld>
@@ -5480,7 +4665,7 @@
           <a:p>
             <a:r>
               <a:rPr lang="en-US"/>
-              <a:t>ls 'Pixel 3/data/data' \                                                           </a:t>
+              <a:t>ls 'Pixel 3/data/data' \</a:t>
             </a:r>
           </a:p>
           <a:p>
@@ -5498,23 +4683,7 @@
           <a:p>
             <a:r>
               <a:rPr lang="en-US"/>
-              <a:t>| grep -Pio '&lt;div </a:t>
-            </a:r>
-            <a:r>
-              <a:rPr lang="en-US" err="1"/>
-              <a:t>jsname</a:t>
-            </a:r>
-            <a:r>
-              <a:rPr lang="en-US"/>
-              <a:t>="</a:t>
-            </a:r>
-            <a:r>
-              <a:rPr lang="en-US" err="1"/>
-              <a:t>sngebd</a:t>
-            </a:r>
-            <a:r>
-              <a:rPr lang="en-US"/>
-              <a:t>"&gt;\K.*?(?=&lt;/div&gt;)'  | grep  -io money\</a:t>
+              <a:t>| grep -Pio 'itemprop="name"&gt;&lt;span&gt;\K.*?(?=&lt;/span&gt;)' \</a:t>
             </a:r>
           </a:p>
           <a:p>
@@ -5524,6 +4693,12 @@
             </a:r>
           </a:p>
           <a:p>
+            <a:r>
+              <a:rPr lang="en-US"/>
+              <a:t>done</a:t>
+            </a:r>
+          </a:p>
+          <a:p>
             <a:endParaRPr lang="en-US"/>
           </a:p>
           <a:p>
@@ -5532,13 +4707,37 @@
           <a:p>
             <a:r>
               <a:rPr lang="en-US"/>
-              <a:t>money</a:t>
-            </a:r>
+              <a:t>Google Chrome: Fast &amp;amp; Secure</a:t>
+            </a:r>
+          </a:p>
+          <a:p>
+            <a:r>
+              <a:rPr lang="en-US" err="1"/>
+              <a:t>com.android.chrome</a:t>
+            </a:r>
+            <a:endParaRPr lang="en-US"/>
           </a:p>
           <a:p>
             <a:r>
               <a:rPr lang="en-US"/>
-              <a:t>money</a:t>
+              <a:t>Discord - Talk, Video Chat &amp;amp; Hang Out with Friends</a:t>
+            </a:r>
+          </a:p>
+          <a:p>
+            <a:r>
+              <a:rPr lang="en-US" err="1"/>
+              <a:t>com.discord</a:t>
+            </a:r>
+            <a:endParaRPr lang="en-US"/>
+          </a:p>
+          <a:p>
+            <a:r>
+              <a:rPr lang="en-US" err="1"/>
+              <a:t>TextNow</a:t>
+            </a:r>
+            <a:r>
+              <a:rPr lang="en-US"/>
+              <a:t>: Free Texting &amp;amp; Calling App</a:t>
             </a:r>
           </a:p>
           <a:p>
@@ -5551,19 +4750,7 @@
           <a:p>
             <a:r>
               <a:rPr lang="en-US"/>
-              <a:t>MONEY</a:t>
-            </a:r>
-          </a:p>
-          <a:p>
-            <a:r>
-              <a:rPr lang="en-US"/>
-              <a:t>money</a:t>
-            </a:r>
-          </a:p>
-          <a:p>
-            <a:r>
-              <a:rPr lang="en-US"/>
-              <a:t>money</a:t>
+              <a:t>Messenger – Text and Video Chat for Free</a:t>
             </a:r>
           </a:p>
           <a:p>
@@ -5576,7 +4763,189 @@
           <a:p>
             <a:r>
               <a:rPr lang="en-US"/>
-              <a:t>money</a:t>
+              <a:t>Google Home</a:t>
+            </a:r>
+          </a:p>
+          <a:p>
+            <a:r>
+              <a:rPr lang="en-US" err="1"/>
+              <a:t>com.google.android.apps.chromecast.app</a:t>
+            </a:r>
+            <a:endParaRPr lang="en-US"/>
+          </a:p>
+          <a:p>
+            <a:r>
+              <a:rPr lang="en-US"/>
+              <a:t>Google Drive</a:t>
+            </a:r>
+          </a:p>
+          <a:p>
+            <a:r>
+              <a:rPr lang="en-US" err="1"/>
+              <a:t>com.google.android.apps.docs</a:t>
+            </a:r>
+            <a:endParaRPr lang="en-US"/>
+          </a:p>
+          <a:p>
+            <a:r>
+              <a:rPr lang="en-US"/>
+              <a:t>Google Docs</a:t>
+            </a:r>
+          </a:p>
+          <a:p>
+            <a:r>
+              <a:rPr lang="en-US" err="1"/>
+              <a:t>com.google.android.apps.docs.editors.docs</a:t>
+            </a:r>
+            <a:endParaRPr lang="en-US"/>
+          </a:p>
+          <a:p>
+            <a:r>
+              <a:rPr lang="en-US"/>
+              <a:t>Google Apps Device Policy</a:t>
+            </a:r>
+          </a:p>
+          <a:p>
+            <a:r>
+              <a:rPr lang="en-US" err="1"/>
+              <a:t>com.google.android.apps.enterprise.dmagent</a:t>
+            </a:r>
+            <a:endParaRPr lang="en-US"/>
+          </a:p>
+          <a:p>
+            <a:r>
+              <a:rPr lang="en-US"/>
+              <a:t>Google Support Services</a:t>
+            </a:r>
+          </a:p>
+          <a:p>
+            <a:r>
+              <a:rPr lang="en-US" err="1"/>
+              <a:t>com.google.android.apps.helprtc</a:t>
+            </a:r>
+            <a:endParaRPr lang="en-US"/>
+          </a:p>
+          <a:p>
+            <a:r>
+              <a:rPr lang="en-US"/>
+              <a:t>Google News - Top world &amp;amp; local news headlines</a:t>
+            </a:r>
+          </a:p>
+          <a:p>
+            <a:r>
+              <a:rPr lang="en-US" err="1"/>
+              <a:t>com.google.android.apps.magazines</a:t>
+            </a:r>
+            <a:endParaRPr lang="en-US"/>
+          </a:p>
+          <a:p>
+            <a:r>
+              <a:rPr lang="en-US"/>
+              <a:t>Google Maps - Navigate &amp;amp; Explore</a:t>
+            </a:r>
+          </a:p>
+          <a:p>
+            <a:r>
+              <a:rPr lang="en-US" err="1"/>
+              <a:t>com.google.android.apps.maps</a:t>
+            </a:r>
+            <a:endParaRPr lang="en-US"/>
+          </a:p>
+          <a:p>
+            <a:r>
+              <a:rPr lang="en-US"/>
+              <a:t>Messages</a:t>
+            </a:r>
+          </a:p>
+          <a:p>
+            <a:r>
+              <a:rPr lang="en-US" err="1"/>
+              <a:t>com.google.android.apps.messaging</a:t>
+            </a:r>
+            <a:endParaRPr lang="en-US"/>
+          </a:p>
+          <a:p>
+            <a:r>
+              <a:rPr lang="en-US"/>
+              <a:t>Pixel Launcher</a:t>
+            </a:r>
+          </a:p>
+          <a:p>
+            <a:r>
+              <a:rPr lang="en-US" err="1"/>
+              <a:t>com.google.android.apps.nexuslauncher</a:t>
+            </a:r>
+            <a:endParaRPr lang="en-US"/>
+          </a:p>
+          <a:p>
+            <a:r>
+              <a:rPr lang="en-US"/>
+              <a:t>Google Photos</a:t>
+            </a:r>
+          </a:p>
+          <a:p>
+            <a:r>
+              <a:rPr lang="en-US" err="1"/>
+              <a:t>com.google.android.apps.photos</a:t>
+            </a:r>
+            <a:endParaRPr lang="en-US"/>
+          </a:p>
+          <a:p>
+            <a:r>
+              <a:rPr lang="en-US"/>
+              <a:t>Data Transfer Tool</a:t>
+            </a:r>
+          </a:p>
+          <a:p>
+            <a:r>
+              <a:rPr lang="en-US" err="1"/>
+              <a:t>com.google.android.apps.pixelmigrate</a:t>
+            </a:r>
+            <a:endParaRPr lang="en-US"/>
+          </a:p>
+          <a:p>
+            <a:r>
+              <a:rPr lang="en-US"/>
+              <a:t>Personal Safety</a:t>
+            </a:r>
+          </a:p>
+          <a:p>
+            <a:r>
+              <a:rPr lang="en-US" err="1"/>
+              <a:t>com.google.android.apps.safetyhub</a:t>
+            </a:r>
+            <a:endParaRPr lang="en-US"/>
+          </a:p>
+          <a:p>
+            <a:r>
+              <a:rPr lang="en-US"/>
+              <a:t>Google Duo - High Quality Video Calls</a:t>
+            </a:r>
+          </a:p>
+          <a:p>
+            <a:r>
+              <a:rPr lang="en-US" err="1"/>
+              <a:t>com.google.android.apps.tachyon</a:t>
+            </a:r>
+            <a:endParaRPr lang="en-US"/>
+          </a:p>
+          <a:p>
+            <a:r>
+              <a:rPr lang="en-US"/>
+              <a:t>Google Fi</a:t>
+            </a:r>
+          </a:p>
+          <a:p>
+            <a:r>
+              <a:rPr lang="en-US" err="1"/>
+              <a:t>com.google.android.apps.tycho</a:t>
+            </a:r>
+            <a:endParaRPr lang="en-US"/>
+          </a:p>
+          <a:p>
+            <a:r>
+              <a:rPr lang="en-US"/>
+              <a:t>Google Pay (old app)</a:t>
             </a:r>
           </a:p>
           <a:p>
@@ -5589,73 +4958,640 @@
           <a:p>
             <a:r>
               <a:rPr lang="en-US"/>
-              <a:t>money</a:t>
-            </a:r>
+              <a:t>Wallpapers</a:t>
+            </a:r>
+          </a:p>
+          <a:p>
+            <a:r>
+              <a:rPr lang="en-US" err="1"/>
+              <a:t>com.google.android.apps.wallpaper</a:t>
+            </a:r>
+            <a:endParaRPr lang="en-US"/>
           </a:p>
           <a:p>
             <a:r>
               <a:rPr lang="en-US"/>
-              <a:t>money</a:t>
-            </a:r>
+              <a:t>Digital Wellbeing</a:t>
+            </a:r>
+          </a:p>
+          <a:p>
+            <a:r>
+              <a:rPr lang="en-US" err="1"/>
+              <a:t>com.google.android.apps.wellbeing</a:t>
+            </a:r>
+            <a:endParaRPr lang="en-US"/>
           </a:p>
           <a:p>
             <a:r>
               <a:rPr lang="en-US"/>
-              <a:t>money</a:t>
-            </a:r>
+              <a:t>YouTube Music - Stream Songs &amp;amp; Music Videos</a:t>
+            </a:r>
+          </a:p>
+          <a:p>
+            <a:r>
+              <a:rPr lang="en-US" err="1"/>
+              <a:t>com.google.android.apps.youtube.music</a:t>
+            </a:r>
+            <a:endParaRPr lang="en-US"/>
           </a:p>
           <a:p>
             <a:r>
               <a:rPr lang="en-US"/>
-              <a:t>money</a:t>
-            </a:r>
+              <a:t>Google Calendar</a:t>
+            </a:r>
+          </a:p>
+          <a:p>
+            <a:r>
+              <a:rPr lang="en-US" err="1"/>
+              <a:t>com.google.android.calendar</a:t>
+            </a:r>
+            <a:endParaRPr lang="en-US"/>
           </a:p>
           <a:p>
             <a:r>
               <a:rPr lang="en-US"/>
-              <a:t>money</a:t>
-            </a:r>
+              <a:t>Contacts</a:t>
+            </a:r>
+          </a:p>
+          <a:p>
+            <a:r>
+              <a:rPr lang="en-US" err="1"/>
+              <a:t>com.google.android.contacts</a:t>
+            </a:r>
+            <a:endParaRPr lang="en-US"/>
           </a:p>
           <a:p>
             <a:r>
               <a:rPr lang="en-US"/>
-              <a:t>money</a:t>
-            </a:r>
+              <a:t>Clock</a:t>
+            </a:r>
+          </a:p>
+          <a:p>
+            <a:r>
+              <a:rPr lang="en-US" err="1"/>
+              <a:t>com.google.android.deskclock</a:t>
+            </a:r>
+            <a:endParaRPr lang="en-US"/>
           </a:p>
           <a:p>
             <a:r>
               <a:rPr lang="en-US"/>
-              <a:t>money</a:t>
-            </a:r>
+              <a:t>Phone by Google - Caller ID &amp;amp; Spam Protection</a:t>
+            </a:r>
+          </a:p>
+          <a:p>
+            <a:r>
+              <a:rPr lang="en-US" err="1"/>
+              <a:t>com.google.android.dialer</a:t>
+            </a:r>
+            <a:endParaRPr lang="en-US"/>
           </a:p>
           <a:p>
             <a:r>
               <a:rPr lang="en-US"/>
-              <a:t>money</a:t>
+              <a:t>Gmail</a:t>
             </a:r>
           </a:p>
           <a:p>
             <a:r>
               <a:rPr lang="en-US"/>
-              <a:t>Money</a:t>
+              <a:t>com.google.android.gm</a:t>
             </a:r>
           </a:p>
           <a:p>
             <a:r>
               <a:rPr lang="en-US"/>
-              <a:t>Money</a:t>
-            </a:r>
+              <a:t>Google Play services</a:t>
+            </a:r>
+          </a:p>
+          <a:p>
+            <a:r>
+              <a:rPr lang="en-US" err="1"/>
+              <a:t>com.google.android.gms</a:t>
+            </a:r>
+            <a:endParaRPr lang="en-US"/>
           </a:p>
           <a:p>
             <a:r>
               <a:rPr lang="en-US"/>
-              <a:t>money</a:t>
+              <a:t>Google Camera</a:t>
+            </a:r>
+          </a:p>
+          <a:p>
+            <a:r>
+              <a:rPr lang="en-US" err="1"/>
+              <a:t>com.google.android.GoogleCamera</a:t>
+            </a:r>
+            <a:endParaRPr lang="en-US"/>
+          </a:p>
+          <a:p>
+            <a:r>
+              <a:rPr lang="en-US"/>
+              <a:t>Google</a:t>
+            </a:r>
+          </a:p>
+          <a:p>
+            <a:r>
+              <a:rPr lang="en-US" err="1"/>
+              <a:t>com.google.android.googlequicksearchbox</a:t>
+            </a:r>
+            <a:endParaRPr lang="en-US"/>
+          </a:p>
+          <a:p>
+            <a:r>
+              <a:rPr lang="en-US"/>
+              <a:t>Carrier Services</a:t>
+            </a:r>
+          </a:p>
+          <a:p>
+            <a:r>
+              <a:rPr lang="en-US" err="1"/>
+              <a:t>com.google.android.ims</a:t>
+            </a:r>
+            <a:endParaRPr lang="en-US"/>
+          </a:p>
+          <a:p>
+            <a:r>
+              <a:rPr lang="en-US" err="1"/>
+              <a:t>Gboard</a:t>
+            </a:r>
+            <a:r>
+              <a:rPr lang="en-US"/>
+              <a:t> - the Google Keyboard</a:t>
+            </a:r>
+          </a:p>
+          <a:p>
+            <a:r>
+              <a:rPr lang="en-US" err="1"/>
+              <a:t>com.google.android.inputmethod.latin</a:t>
+            </a:r>
+            <a:endParaRPr lang="en-US"/>
+          </a:p>
+          <a:p>
+            <a:r>
+              <a:rPr lang="en-US"/>
+              <a:t>Google Keep - Notes and Lists</a:t>
+            </a:r>
+          </a:p>
+          <a:p>
+            <a:r>
+              <a:rPr lang="en-US" err="1"/>
+              <a:t>com.google.android.keep</a:t>
+            </a:r>
+            <a:endParaRPr lang="en-US"/>
+          </a:p>
+          <a:p>
+            <a:r>
+              <a:rPr lang="en-US"/>
+              <a:t>Google Play Music</a:t>
+            </a:r>
+          </a:p>
+          <a:p>
+            <a:r>
+              <a:rPr lang="en-US" err="1"/>
+              <a:t>com.google.android.music</a:t>
+            </a:r>
+            <a:endParaRPr lang="en-US"/>
+          </a:p>
+          <a:p>
+            <a:r>
+              <a:rPr lang="en-US"/>
+              <a:t>Android Auto - Google Maps, Media &amp;amp; Messaging</a:t>
+            </a:r>
+          </a:p>
+          <a:p>
+            <a:r>
+              <a:rPr lang="en-US" err="1"/>
+              <a:t>com.google.android.projection.gearhead</a:t>
+            </a:r>
+            <a:endParaRPr lang="en-US"/>
+          </a:p>
+          <a:p>
+            <a:r>
+              <a:rPr lang="en-US"/>
+              <a:t>Google Text-to-Speech</a:t>
+            </a:r>
+          </a:p>
+          <a:p>
+            <a:r>
+              <a:rPr lang="en-US" err="1"/>
+              <a:t>com.google.android.tts</a:t>
+            </a:r>
+            <a:endParaRPr lang="en-US"/>
+          </a:p>
+          <a:p>
+            <a:r>
+              <a:rPr lang="en-US"/>
+              <a:t>Google TV (previously Play Movies &amp;amp; TV)</a:t>
+            </a:r>
+          </a:p>
+          <a:p>
+            <a:r>
+              <a:rPr lang="en-US" err="1"/>
+              <a:t>com.google.android.videos</a:t>
+            </a:r>
+            <a:endParaRPr lang="en-US"/>
+          </a:p>
+          <a:p>
+            <a:r>
+              <a:rPr lang="en-US"/>
+              <a:t>Android System WebView</a:t>
+            </a:r>
+          </a:p>
+          <a:p>
+            <a:r>
+              <a:rPr lang="en-US" err="1"/>
+              <a:t>com.google.android.webview</a:t>
+            </a:r>
+            <a:endParaRPr lang="en-US"/>
+          </a:p>
+          <a:p>
+            <a:r>
+              <a:rPr lang="en-US"/>
+              <a:t>YouTube</a:t>
+            </a:r>
+          </a:p>
+          <a:p>
+            <a:r>
+              <a:rPr lang="en-US" err="1"/>
+              <a:t>com.google.android.youtube</a:t>
+            </a:r>
+            <a:endParaRPr lang="en-US"/>
+          </a:p>
+          <a:p>
+            <a:r>
+              <a:rPr lang="en-US"/>
+              <a:t>Google Play Services for AR</a:t>
+            </a:r>
+          </a:p>
+          <a:p>
+            <a:r>
+              <a:rPr lang="en-US" err="1"/>
+              <a:t>com.google.ar.core</a:t>
+            </a:r>
+            <a:endParaRPr lang="en-US"/>
+          </a:p>
+          <a:p>
+            <a:r>
+              <a:rPr lang="en-US"/>
+              <a:t>Pixel Ambient Services</a:t>
+            </a:r>
+          </a:p>
+          <a:p>
+            <a:r>
+              <a:rPr lang="en-US" err="1"/>
+              <a:t>com.google.intelligence.sense</a:t>
+            </a:r>
+            <a:endParaRPr lang="en-US"/>
+          </a:p>
+          <a:p>
+            <a:r>
+              <a:rPr lang="en-US"/>
+              <a:t>Playground (was AR Stickers)</a:t>
+            </a:r>
+          </a:p>
+          <a:p>
+            <a:r>
+              <a:rPr lang="en-US" err="1"/>
+              <a:t>com.google.vr.apps.ornament</a:t>
+            </a:r>
+            <a:endParaRPr lang="en-US"/>
+          </a:p>
+          <a:p>
+            <a:r>
+              <a:rPr lang="en-US"/>
+              <a:t>Google VR Services</a:t>
+            </a:r>
+          </a:p>
+          <a:p>
+            <a:r>
+              <a:rPr lang="en-US" err="1"/>
+              <a:t>com.google.vr.vrcore</a:t>
+            </a:r>
+            <a:endParaRPr lang="en-US"/>
+          </a:p>
+          <a:p>
+            <a:r>
+              <a:rPr lang="en-US" err="1"/>
+              <a:t>Imgur</a:t>
+            </a:r>
+            <a:r>
+              <a:rPr lang="en-US"/>
+              <a:t>: Find funny GIFs, memes &amp;amp; watch viral videos</a:t>
+            </a:r>
+          </a:p>
+          <a:p>
+            <a:r>
+              <a:rPr lang="en-US" err="1"/>
+              <a:t>com.imgur.mobile</a:t>
+            </a:r>
+            <a:endParaRPr lang="en-US"/>
+          </a:p>
+          <a:p>
+            <a:r>
+              <a:rPr lang="en-US" err="1"/>
+              <a:t>imo</a:t>
+            </a:r>
+            <a:r>
+              <a:rPr lang="en-US"/>
+              <a:t> free HD video calls and chat</a:t>
+            </a:r>
+          </a:p>
+          <a:p>
+            <a:r>
+              <a:rPr lang="en-US" err="1"/>
+              <a:t>com.imo.android.imous</a:t>
+            </a:r>
+            <a:endParaRPr lang="en-US"/>
+          </a:p>
+          <a:p>
+            <a:r>
+              <a:rPr lang="en-US"/>
+              <a:t>Instagram</a:t>
+            </a:r>
+          </a:p>
+          <a:p>
+            <a:r>
+              <a:rPr lang="en-US" err="1"/>
+              <a:t>com.instagram.android</a:t>
+            </a:r>
+            <a:endParaRPr lang="en-US"/>
+          </a:p>
+          <a:p>
+            <a:r>
+              <a:rPr lang="en-US"/>
+              <a:t>Threads from Instagram</a:t>
+            </a:r>
+          </a:p>
+          <a:p>
+            <a:r>
+              <a:rPr lang="en-US" err="1"/>
+              <a:t>com.instagram.threadsapp</a:t>
+            </a:r>
+            <a:endParaRPr lang="en-US"/>
+          </a:p>
+          <a:p>
+            <a:r>
+              <a:rPr lang="en-US" err="1"/>
+              <a:t>MeWe</a:t>
+            </a:r>
+            <a:endParaRPr lang="en-US"/>
+          </a:p>
+          <a:p>
+            <a:r>
+              <a:rPr lang="en-US" err="1"/>
+              <a:t>com.mewe</a:t>
+            </a:r>
+            <a:endParaRPr lang="en-US"/>
+          </a:p>
+          <a:p>
+            <a:r>
+              <a:rPr lang="en-US" err="1"/>
+              <a:t>Wickr</a:t>
+            </a:r>
+            <a:r>
+              <a:rPr lang="en-US"/>
+              <a:t> Me – Private Messenger</a:t>
+            </a:r>
+          </a:p>
+          <a:p>
+            <a:r>
+              <a:rPr lang="en-US"/>
+              <a:t>com.mywickr.wickr2</a:t>
+            </a:r>
+          </a:p>
+          <a:p>
+            <a:r>
+              <a:rPr lang="en-US"/>
+              <a:t>Dust - a safer place to text</a:t>
+            </a:r>
+          </a:p>
+          <a:p>
+            <a:r>
+              <a:rPr lang="en-US" err="1"/>
+              <a:t>com.radicalapps.cyberdust</a:t>
+            </a:r>
+            <a:endParaRPr lang="en-US"/>
+          </a:p>
+          <a:p>
+            <a:r>
+              <a:rPr lang="en-US"/>
+              <a:t>Silent Phone - Secure Calling &amp;amp; Messaging</a:t>
+            </a:r>
+          </a:p>
+          <a:p>
+            <a:r>
+              <a:rPr lang="en-US" err="1"/>
+              <a:t>com.silentcircle.silentphone</a:t>
+            </a:r>
+            <a:endParaRPr lang="en-US"/>
+          </a:p>
+          <a:p>
+            <a:r>
+              <a:rPr lang="en-US"/>
+              <a:t>SKOUT - Meet, Chat, Go Live</a:t>
+            </a:r>
+          </a:p>
+          <a:p>
+            <a:r>
+              <a:rPr lang="en-US" err="1"/>
+              <a:t>com.skout.android</a:t>
+            </a:r>
+            <a:endParaRPr lang="en-US"/>
+          </a:p>
+          <a:p>
+            <a:r>
+              <a:rPr lang="en-US"/>
+              <a:t>Skype - free IM &amp;amp; video calls</a:t>
+            </a:r>
+          </a:p>
+          <a:p>
+            <a:r>
+              <a:rPr lang="en-US" err="1"/>
+              <a:t>com.skype.raider</a:t>
+            </a:r>
+            <a:endParaRPr lang="en-US"/>
+          </a:p>
+          <a:p>
+            <a:r>
+              <a:rPr lang="en-US"/>
+              <a:t>Snapchat</a:t>
+            </a:r>
+          </a:p>
+          <a:p>
+            <a:r>
+              <a:rPr lang="en-US" err="1"/>
+              <a:t>com.snapchat.android</a:t>
+            </a:r>
+            <a:endParaRPr lang="en-US"/>
+          </a:p>
+          <a:p>
+            <a:r>
+              <a:rPr lang="en-US"/>
+              <a:t>Spotify: Listen to podcasts &amp;amp; find music you love</a:t>
+            </a:r>
+          </a:p>
+          <a:p>
+            <a:r>
+              <a:rPr lang="en-US" err="1"/>
+              <a:t>com.spotify.music</a:t>
+            </a:r>
+            <a:endParaRPr lang="en-US"/>
+          </a:p>
+          <a:p>
+            <a:r>
+              <a:rPr lang="en-US"/>
+              <a:t>Gallery Vault - Hide Pictures And Videos</a:t>
+            </a:r>
+          </a:p>
+          <a:p>
+            <a:r>
+              <a:rPr lang="en-US" err="1"/>
+              <a:t>com.thinkyeah.galleryvault</a:t>
+            </a:r>
+            <a:endParaRPr lang="en-US"/>
+          </a:p>
+          <a:p>
+            <a:r>
+              <a:rPr lang="en-US"/>
+              <a:t>Twitter</a:t>
+            </a:r>
+          </a:p>
+          <a:p>
+            <a:r>
+              <a:rPr lang="en-US" err="1"/>
+              <a:t>com.twitter.android</a:t>
+            </a:r>
+            <a:endParaRPr lang="en-US"/>
+          </a:p>
+          <a:p>
+            <a:r>
+              <a:rPr lang="en-US"/>
+              <a:t>Venmo</a:t>
             </a:r>
           </a:p>
           <a:p>
             <a:r>
               <a:rPr lang="en-US" err="1"/>
               <a:t>com.venmo</a:t>
+            </a:r>
+            <a:endParaRPr lang="en-US"/>
+          </a:p>
+          <a:p>
+            <a:r>
+              <a:rPr lang="en-US"/>
+              <a:t>Viber Messenger - Free Video Calls &amp;amp; Group Chats</a:t>
+            </a:r>
+          </a:p>
+          <a:p>
+            <a:r>
+              <a:rPr lang="en-US" err="1"/>
+              <a:t>com.viber.voip</a:t>
+            </a:r>
+            <a:endParaRPr lang="en-US"/>
+          </a:p>
+          <a:p>
+            <a:r>
+              <a:rPr lang="en-US"/>
+              <a:t>WhatsApp Messenger</a:t>
+            </a:r>
+          </a:p>
+          <a:p>
+            <a:r>
+              <a:rPr lang="en-US" err="1"/>
+              <a:t>com.whatsapp</a:t>
+            </a:r>
+            <a:endParaRPr lang="en-US"/>
+          </a:p>
+          <a:p>
+            <a:r>
+              <a:rPr lang="en-US"/>
+              <a:t>Wire • Secure Messenger</a:t>
+            </a:r>
+          </a:p>
+          <a:p>
+            <a:r>
+              <a:rPr lang="en-US" err="1"/>
+              <a:t>com.wire</a:t>
+            </a:r>
+            <a:endParaRPr lang="en-US"/>
+          </a:p>
+          <a:p>
+            <a:r>
+              <a:rPr lang="en-US" err="1"/>
+              <a:t>TikTok</a:t>
+            </a:r>
+            <a:endParaRPr lang="en-US"/>
+          </a:p>
+          <a:p>
+            <a:r>
+              <a:rPr lang="en-US" err="1"/>
+              <a:t>com.zhiliaoapp.musically</a:t>
+            </a:r>
+            <a:endParaRPr lang="en-US"/>
+          </a:p>
+          <a:p>
+            <a:r>
+              <a:rPr lang="en-US"/>
+              <a:t>LINE: Free Calls &amp;amp; Messages</a:t>
+            </a:r>
+          </a:p>
+          <a:p>
+            <a:r>
+              <a:rPr lang="en-US" err="1"/>
+              <a:t>jp.naver.line.android</a:t>
+            </a:r>
+            <a:endParaRPr lang="en-US"/>
+          </a:p>
+          <a:p>
+            <a:r>
+              <a:rPr lang="en-US"/>
+              <a:t>Kik</a:t>
+            </a:r>
+          </a:p>
+          <a:p>
+            <a:r>
+              <a:rPr lang="en-US" err="1"/>
+              <a:t>kik.android</a:t>
+            </a:r>
+            <a:endParaRPr lang="en-US"/>
+          </a:p>
+          <a:p>
+            <a:r>
+              <a:rPr lang="en-US"/>
+              <a:t>Telegram</a:t>
+            </a:r>
+          </a:p>
+          <a:p>
+            <a:r>
+              <a:rPr lang="en-US" err="1"/>
+              <a:t>org.telegram.messenger</a:t>
+            </a:r>
+            <a:endParaRPr lang="en-US"/>
+          </a:p>
+          <a:p>
+            <a:r>
+              <a:rPr lang="en-US"/>
+              <a:t>Signal Private Messenger</a:t>
+            </a:r>
+          </a:p>
+          <a:p>
+            <a:r>
+              <a:rPr lang="en-US" err="1"/>
+              <a:t>org.thoughtcrime.securesms</a:t>
+            </a:r>
+            <a:endParaRPr lang="en-US"/>
+          </a:p>
+          <a:p>
+            <a:r>
+              <a:rPr lang="en-US"/>
+              <a:t>Tor Browser: Official, Private, &amp;amp; Secure</a:t>
+            </a:r>
+          </a:p>
+          <a:p>
+            <a:r>
+              <a:rPr lang="en-US" err="1"/>
+              <a:t>org.torproject.torbrowser</a:t>
             </a:r>
             <a:endParaRPr lang="en-US"/>
           </a:p>
@@ -5681,6 +5617,272 @@
           <a:p>
             <a:fld id="{DDBF98C7-164A-4723-84F0-B1E4B080DDEC}" type="slidenum">
               <a:rPr lang="en-US" smtClean="0"/>
+              <a:t>42</a:t>
+            </a:fld>
+            <a:endParaRPr lang="en-US"/>
+          </a:p>
+        </p:txBody>
+      </p:sp>
+    </p:spTree>
+    <p:extLst>
+      <p:ext uri="{BB962C8B-B14F-4D97-AF65-F5344CB8AC3E}">
+        <p14:creationId xmlns:p14="http://schemas.microsoft.com/office/powerpoint/2010/main" val="2819531897"/>
+      </p:ext>
+    </p:extLst>
+  </p:cSld>
+  <p:clrMapOvr>
+    <a:masterClrMapping/>
+  </p:clrMapOvr>
+</p:notes>
+</file>
+
+<file path=ppt/notesSlides/notesSlide22.xml><?xml version="1.0" encoding="utf-8"?>
+<p:notes xmlns:a="http://schemas.openxmlformats.org/drawingml/2006/main" xmlns:r="http://schemas.openxmlformats.org/officeDocument/2006/relationships" xmlns:p="http://schemas.openxmlformats.org/presentationml/2006/main">
+  <p:cSld>
+    <p:spTree>
+      <p:nvGrpSpPr>
+        <p:cNvPr id="1" name=""/>
+        <p:cNvGrpSpPr/>
+        <p:nvPr/>
+      </p:nvGrpSpPr>
+      <p:grpSpPr>
+        <a:xfrm>
+          <a:off x="0" y="0"/>
+          <a:ext cx="0" cy="0"/>
+          <a:chOff x="0" y="0"/>
+          <a:chExt cx="0" cy="0"/>
+        </a:xfrm>
+      </p:grpSpPr>
+      <p:sp>
+        <p:nvSpPr>
+          <p:cNvPr id="2" name="Slide Image Placeholder 1"/>
+          <p:cNvSpPr>
+            <a:spLocks noGrp="1" noRot="1" noChangeAspect="1"/>
+          </p:cNvSpPr>
+          <p:nvPr>
+            <p:ph type="sldImg"/>
+          </p:nvPr>
+        </p:nvSpPr>
+        <p:spPr/>
+      </p:sp>
+      <p:sp>
+        <p:nvSpPr>
+          <p:cNvPr id="3" name="Notes Placeholder 2"/>
+          <p:cNvSpPr>
+            <a:spLocks noGrp="1"/>
+          </p:cNvSpPr>
+          <p:nvPr>
+            <p:ph type="body" idx="1"/>
+          </p:nvPr>
+        </p:nvSpPr>
+        <p:spPr/>
+        <p:txBody>
+          <a:bodyPr/>
+          <a:lstStyle/>
+          <a:p>
+            <a:r>
+              <a:rPr lang="en-US"/>
+              <a:t>ls 'Pixel 3/data/data' \                                                           </a:t>
+            </a:r>
+          </a:p>
+          <a:p>
+            <a:r>
+              <a:rPr lang="en-US"/>
+              <a:t>| while read package; do \</a:t>
+            </a:r>
+          </a:p>
+          <a:p>
+            <a:r>
+              <a:rPr lang="en-US"/>
+              <a:t>curl --no-progress-meter https://play.google.com/store/apps/details?id=$package \</a:t>
+            </a:r>
+          </a:p>
+          <a:p>
+            <a:r>
+              <a:rPr lang="en-US"/>
+              <a:t>| grep -Pio '&lt;div </a:t>
+            </a:r>
+            <a:r>
+              <a:rPr lang="en-US" err="1"/>
+              <a:t>jsname</a:t>
+            </a:r>
+            <a:r>
+              <a:rPr lang="en-US"/>
+              <a:t>="</a:t>
+            </a:r>
+            <a:r>
+              <a:rPr lang="en-US" err="1"/>
+              <a:t>sngebd</a:t>
+            </a:r>
+            <a:r>
+              <a:rPr lang="en-US"/>
+              <a:t>"&gt;\K.*?(?=&lt;/div&gt;)'  | grep  -io money\</a:t>
+            </a:r>
+          </a:p>
+          <a:p>
+            <a:r>
+              <a:rPr lang="en-US"/>
+              <a:t>&amp;&amp; echo $package; \</a:t>
+            </a:r>
+          </a:p>
+          <a:p>
+            <a:endParaRPr lang="en-US"/>
+          </a:p>
+          <a:p>
+            <a:endParaRPr lang="en-US"/>
+          </a:p>
+          <a:p>
+            <a:r>
+              <a:rPr lang="en-US"/>
+              <a:t>money</a:t>
+            </a:r>
+          </a:p>
+          <a:p>
+            <a:r>
+              <a:rPr lang="en-US"/>
+              <a:t>money</a:t>
+            </a:r>
+          </a:p>
+          <a:p>
+            <a:r>
+              <a:rPr lang="en-US" err="1"/>
+              <a:t>com.enflick.android.TextNow</a:t>
+            </a:r>
+            <a:endParaRPr lang="en-US"/>
+          </a:p>
+          <a:p>
+            <a:r>
+              <a:rPr lang="en-US"/>
+              <a:t>MONEY</a:t>
+            </a:r>
+          </a:p>
+          <a:p>
+            <a:r>
+              <a:rPr lang="en-US"/>
+              <a:t>money</a:t>
+            </a:r>
+          </a:p>
+          <a:p>
+            <a:r>
+              <a:rPr lang="en-US"/>
+              <a:t>money</a:t>
+            </a:r>
+          </a:p>
+          <a:p>
+            <a:r>
+              <a:rPr lang="en-US" err="1"/>
+              <a:t>com.facebook.orca</a:t>
+            </a:r>
+            <a:endParaRPr lang="en-US"/>
+          </a:p>
+          <a:p>
+            <a:r>
+              <a:rPr lang="en-US"/>
+              <a:t>money</a:t>
+            </a:r>
+          </a:p>
+          <a:p>
+            <a:r>
+              <a:rPr lang="en-US" err="1"/>
+              <a:t>com.google.android.apps.walletnfcrel</a:t>
+            </a:r>
+            <a:endParaRPr lang="en-US"/>
+          </a:p>
+          <a:p>
+            <a:r>
+              <a:rPr lang="en-US"/>
+              <a:t>money</a:t>
+            </a:r>
+          </a:p>
+          <a:p>
+            <a:r>
+              <a:rPr lang="en-US"/>
+              <a:t>money</a:t>
+            </a:r>
+          </a:p>
+          <a:p>
+            <a:r>
+              <a:rPr lang="en-US"/>
+              <a:t>money</a:t>
+            </a:r>
+          </a:p>
+          <a:p>
+            <a:r>
+              <a:rPr lang="en-US"/>
+              <a:t>money</a:t>
+            </a:r>
+          </a:p>
+          <a:p>
+            <a:r>
+              <a:rPr lang="en-US"/>
+              <a:t>money</a:t>
+            </a:r>
+          </a:p>
+          <a:p>
+            <a:r>
+              <a:rPr lang="en-US"/>
+              <a:t>money</a:t>
+            </a:r>
+          </a:p>
+          <a:p>
+            <a:r>
+              <a:rPr lang="en-US"/>
+              <a:t>money</a:t>
+            </a:r>
+          </a:p>
+          <a:p>
+            <a:r>
+              <a:rPr lang="en-US"/>
+              <a:t>money</a:t>
+            </a:r>
+          </a:p>
+          <a:p>
+            <a:r>
+              <a:rPr lang="en-US"/>
+              <a:t>Money</a:t>
+            </a:r>
+          </a:p>
+          <a:p>
+            <a:r>
+              <a:rPr lang="en-US"/>
+              <a:t>Money</a:t>
+            </a:r>
+          </a:p>
+          <a:p>
+            <a:r>
+              <a:rPr lang="en-US"/>
+              <a:t>money</a:t>
+            </a:r>
+          </a:p>
+          <a:p>
+            <a:r>
+              <a:rPr lang="en-US" err="1"/>
+              <a:t>com.venmo</a:t>
+            </a:r>
+            <a:endParaRPr lang="en-US"/>
+          </a:p>
+          <a:p>
+            <a:endParaRPr lang="en-US"/>
+          </a:p>
+        </p:txBody>
+      </p:sp>
+      <p:sp>
+        <p:nvSpPr>
+          <p:cNvPr id="4" name="Slide Number Placeholder 3"/>
+          <p:cNvSpPr>
+            <a:spLocks noGrp="1"/>
+          </p:cNvSpPr>
+          <p:nvPr>
+            <p:ph type="sldNum" sz="quarter" idx="5"/>
+          </p:nvPr>
+        </p:nvSpPr>
+        <p:spPr/>
+        <p:txBody>
+          <a:bodyPr/>
+          <a:lstStyle/>
+          <a:p>
+            <a:fld id="{DDBF98C7-164A-4723-84F0-B1E4B080DDEC}" type="slidenum">
+              <a:rPr lang="en-US" smtClean="0"/>
               <a:t>43</a:t>
             </a:fld>
             <a:endParaRPr lang="en-US"/>
@@ -5700,7 +5902,7 @@
 </p:notes>
 </file>
 
-<file path=ppt/notesSlides/notesSlide22.xml><?xml version="1.0" encoding="utf-8"?>
+<file path=ppt/notesSlides/notesSlide23.xml><?xml version="1.0" encoding="utf-8"?>
 <p:notes xmlns:a="http://schemas.openxmlformats.org/drawingml/2006/main" xmlns:r="http://schemas.openxmlformats.org/officeDocument/2006/relationships" xmlns:p="http://schemas.openxmlformats.org/presentationml/2006/main">
   <p:cSld>
     <p:spTree>
@@ -8293,18 +8495,59 @@
           <a:p>
             <a:r>
               <a:rPr lang="en-US" dirty="0" err="1"/>
-              <a:t>hashdeep</a:t>
+              <a:t>mkdir</a:t>
             </a:r>
             <a:r>
               <a:rPr lang="en-US" dirty="0"/>
-              <a:t> Pixel\ 3.zip </a:t>
+              <a:t> pixel3</a:t>
             </a:r>
           </a:p>
           <a:p>
             <a:r>
               <a:rPr lang="en-US" dirty="0"/>
-              <a:t>5247820897,9cc37ebbbc4e918ee5427de1fe1deecc,ca6918ef8b20486b6a5ded15609ac51318f377829480f93be3ba15364a8aa00a,/home/kali/pixel3/Pixel 3.zip</a:t>
-            </a:r>
+              <a:t>cd pixel3</a:t>
+            </a:r>
+          </a:p>
+          <a:p>
+            <a:r>
+              <a:rPr lang="fr-FR" dirty="0"/>
+              <a:t>wget -q https://digitalcorpora.s3.amazonaws.com/corpora/mobile/android_10/Non-Cellebrite%20Extraction/Pixel%203.zip</a:t>
+            </a:r>
+          </a:p>
+          <a:p>
+            <a:r>
+              <a:rPr lang="de-DE" dirty="0" err="1"/>
+              <a:t>ls</a:t>
+            </a:r>
+            <a:r>
+              <a:rPr lang="de-DE" dirty="0"/>
+              <a:t> Pixel\ 3.zip -l</a:t>
+            </a:r>
+            <a:endParaRPr lang="fr-FR" dirty="0"/>
+          </a:p>
+          <a:p>
+            <a:endParaRPr lang="fr-FR" dirty="0"/>
+          </a:p>
+          <a:p>
+            <a:endParaRPr lang="fr-FR" dirty="0"/>
+          </a:p>
+          <a:p>
+            <a:r>
+              <a:rPr lang="fr-FR" dirty="0"/>
+              <a:t>https://linuxhint.com/kali_linux_top_forensic_tools/#:~:text=The%20hashdeep%20tool%20is%20a,are%20generated%20with%20every%20output.</a:t>
+            </a:r>
+          </a:p>
+          <a:p>
+            <a:r>
+              <a:rPr lang="fr-FR" dirty="0"/>
+              <a:t>https://digitalcorpora.org/corpora/cell-phones/</a:t>
+            </a:r>
+          </a:p>
+          <a:p>
+            <a:endParaRPr lang="fr-FR" dirty="0"/>
+          </a:p>
+          <a:p>
+            <a:endParaRPr lang="en-US" dirty="0"/>
           </a:p>
           <a:p>
             <a:endParaRPr lang="en-US" dirty="0"/>
@@ -8328,7 +8571,7 @@
           <a:p>
             <a:fld id="{DDBF98C7-164A-4723-84F0-B1E4B080DDEC}" type="slidenum">
               <a:rPr lang="en-US" smtClean="0"/>
-              <a:t>7</a:t>
+              <a:t>6</a:t>
             </a:fld>
             <a:endParaRPr lang="en-US"/>
           </a:p>
@@ -8337,7 +8580,7 @@
     </p:spTree>
     <p:extLst>
       <p:ext uri="{BB962C8B-B14F-4D97-AF65-F5344CB8AC3E}">
-        <p14:creationId xmlns:p14="http://schemas.microsoft.com/office/powerpoint/2010/main" val="3890212984"/>
+        <p14:creationId xmlns:p14="http://schemas.microsoft.com/office/powerpoint/2010/main" val="1668012879"/>
       </p:ext>
     </p:extLst>
   </p:cSld>
@@ -8392,12 +8635,22 @@
           <a:lstStyle/>
           <a:p>
             <a:r>
-              <a:rPr lang="de-DE"/>
-              <a:t>unzip -q Pixel\ 3.zip</a:t>
-            </a:r>
-          </a:p>
-          <a:p>
-            <a:endParaRPr lang="en-US"/>
+              <a:rPr lang="en-US" dirty="0" err="1"/>
+              <a:t>hashdeep</a:t>
+            </a:r>
+            <a:r>
+              <a:rPr lang="en-US" dirty="0"/>
+              <a:t> Pixel\ 3.zip </a:t>
+            </a:r>
+          </a:p>
+          <a:p>
+            <a:r>
+              <a:rPr lang="en-US" dirty="0"/>
+              <a:t>5247820897,9cc37ebbbc4e918ee5427de1fe1deecc,ca6918ef8b20486b6a5ded15609ac51318f377829480f93be3ba15364a8aa00a,/home/kali/pixel3/Pixel 3.zip</a:t>
+            </a:r>
+          </a:p>
+          <a:p>
+            <a:endParaRPr lang="en-US" dirty="0"/>
           </a:p>
         </p:txBody>
       </p:sp>
@@ -8418,7 +8671,7 @@
           <a:p>
             <a:fld id="{DDBF98C7-164A-4723-84F0-B1E4B080DDEC}" type="slidenum">
               <a:rPr lang="en-US" smtClean="0"/>
-              <a:t>8</a:t>
+              <a:t>7</a:t>
             </a:fld>
             <a:endParaRPr lang="en-US"/>
           </a:p>
@@ -8427,7 +8680,7 @@
     </p:spTree>
     <p:extLst>
       <p:ext uri="{BB962C8B-B14F-4D97-AF65-F5344CB8AC3E}">
-        <p14:creationId xmlns:p14="http://schemas.microsoft.com/office/powerpoint/2010/main" val="892554975"/>
+        <p14:creationId xmlns:p14="http://schemas.microsoft.com/office/powerpoint/2010/main" val="3890212984"/>
       </p:ext>
     </p:extLst>
   </p:cSld>
@@ -8508,7 +8761,7 @@
           <a:p>
             <a:fld id="{DDBF98C7-164A-4723-84F0-B1E4B080DDEC}" type="slidenum">
               <a:rPr lang="en-US" smtClean="0"/>
-              <a:t>9</a:t>
+              <a:t>8</a:t>
             </a:fld>
             <a:endParaRPr lang="en-US"/>
           </a:p>
@@ -8517,7 +8770,7 @@
     </p:spTree>
     <p:extLst>
       <p:ext uri="{BB962C8B-B14F-4D97-AF65-F5344CB8AC3E}">
-        <p14:creationId xmlns:p14="http://schemas.microsoft.com/office/powerpoint/2010/main" val="57896753"/>
+        <p14:creationId xmlns:p14="http://schemas.microsoft.com/office/powerpoint/2010/main" val="892554975"/>
       </p:ext>
     </p:extLst>
   </p:cSld>
@@ -8572,9 +8825,12 @@
           <a:lstStyle/>
           <a:p>
             <a:r>
-              <a:rPr lang="en-US" dirty="0"/>
-              <a:t>https://www.geeksforgeeks.org/operating-systems/difference-between-system-software-and-application-software/</a:t>
-            </a:r>
+              <a:rPr lang="de-DE"/>
+              <a:t>unzip -q Pixel\ 3.zip</a:t>
+            </a:r>
+          </a:p>
+          <a:p>
+            <a:endParaRPr lang="en-US"/>
           </a:p>
         </p:txBody>
       </p:sp>
@@ -8595,6 +8851,93 @@
           <a:p>
             <a:fld id="{DDBF98C7-164A-4723-84F0-B1E4B080DDEC}" type="slidenum">
               <a:rPr lang="en-US" smtClean="0"/>
+              <a:t>9</a:t>
+            </a:fld>
+            <a:endParaRPr lang="en-US"/>
+          </a:p>
+        </p:txBody>
+      </p:sp>
+    </p:spTree>
+    <p:extLst>
+      <p:ext uri="{BB962C8B-B14F-4D97-AF65-F5344CB8AC3E}">
+        <p14:creationId xmlns:p14="http://schemas.microsoft.com/office/powerpoint/2010/main" val="57896753"/>
+      </p:ext>
+    </p:extLst>
+  </p:cSld>
+  <p:clrMapOvr>
+    <a:masterClrMapping/>
+  </p:clrMapOvr>
+</p:notes>
+</file>
+
+<file path=ppt/notesSlides/notesSlide7.xml><?xml version="1.0" encoding="utf-8"?>
+<p:notes xmlns:a="http://schemas.openxmlformats.org/drawingml/2006/main" xmlns:r="http://schemas.openxmlformats.org/officeDocument/2006/relationships" xmlns:p="http://schemas.openxmlformats.org/presentationml/2006/main">
+  <p:cSld>
+    <p:spTree>
+      <p:nvGrpSpPr>
+        <p:cNvPr id="1" name=""/>
+        <p:cNvGrpSpPr/>
+        <p:nvPr/>
+      </p:nvGrpSpPr>
+      <p:grpSpPr>
+        <a:xfrm>
+          <a:off x="0" y="0"/>
+          <a:ext cx="0" cy="0"/>
+          <a:chOff x="0" y="0"/>
+          <a:chExt cx="0" cy="0"/>
+        </a:xfrm>
+      </p:grpSpPr>
+      <p:sp>
+        <p:nvSpPr>
+          <p:cNvPr id="2" name="Slide Image Placeholder 1"/>
+          <p:cNvSpPr>
+            <a:spLocks noGrp="1" noRot="1" noChangeAspect="1"/>
+          </p:cNvSpPr>
+          <p:nvPr>
+            <p:ph type="sldImg"/>
+          </p:nvPr>
+        </p:nvSpPr>
+        <p:spPr/>
+      </p:sp>
+      <p:sp>
+        <p:nvSpPr>
+          <p:cNvPr id="3" name="Notes Placeholder 2"/>
+          <p:cNvSpPr>
+            <a:spLocks noGrp="1"/>
+          </p:cNvSpPr>
+          <p:nvPr>
+            <p:ph type="body" idx="1"/>
+          </p:nvPr>
+        </p:nvSpPr>
+        <p:spPr/>
+        <p:txBody>
+          <a:bodyPr/>
+          <a:lstStyle/>
+          <a:p>
+            <a:r>
+              <a:rPr lang="en-US" dirty="0"/>
+              <a:t>https://www.geeksforgeeks.org/operating-systems/difference-between-system-software-and-application-software/</a:t>
+            </a:r>
+          </a:p>
+        </p:txBody>
+      </p:sp>
+      <p:sp>
+        <p:nvSpPr>
+          <p:cNvPr id="4" name="Slide Number Placeholder 3"/>
+          <p:cNvSpPr>
+            <a:spLocks noGrp="1"/>
+          </p:cNvSpPr>
+          <p:nvPr>
+            <p:ph type="sldNum" sz="quarter" idx="5"/>
+          </p:nvPr>
+        </p:nvSpPr>
+        <p:spPr/>
+        <p:txBody>
+          <a:bodyPr/>
+          <a:lstStyle/>
+          <a:p>
+            <a:fld id="{DDBF98C7-164A-4723-84F0-B1E4B080DDEC}" type="slidenum">
+              <a:rPr lang="en-US" smtClean="0"/>
               <a:t>11</a:t>
             </a:fld>
             <a:endParaRPr lang="en-US"/>
@@ -8614,7 +8957,7 @@
 </p:notes>
 </file>
 
-<file path=ppt/notesSlides/notesSlide7.xml><?xml version="1.0" encoding="utf-8"?>
+<file path=ppt/notesSlides/notesSlide8.xml><?xml version="1.0" encoding="utf-8"?>
 <p:notes xmlns:a="http://schemas.openxmlformats.org/drawingml/2006/main" xmlns:r="http://schemas.openxmlformats.org/officeDocument/2006/relationships" xmlns:p="http://schemas.openxmlformats.org/presentationml/2006/main">
   <p:cSld>
     <p:spTree>
@@ -8725,99 +9068,6 @@
 </p:notes>
 </file>
 
-<file path=ppt/notesSlides/notesSlide8.xml><?xml version="1.0" encoding="utf-8"?>
-<p:notes xmlns:a="http://schemas.openxmlformats.org/drawingml/2006/main" xmlns:r="http://schemas.openxmlformats.org/officeDocument/2006/relationships" xmlns:p="http://schemas.openxmlformats.org/presentationml/2006/main">
-  <p:cSld>
-    <p:spTree>
-      <p:nvGrpSpPr>
-        <p:cNvPr id="1" name=""/>
-        <p:cNvGrpSpPr/>
-        <p:nvPr/>
-      </p:nvGrpSpPr>
-      <p:grpSpPr>
-        <a:xfrm>
-          <a:off x="0" y="0"/>
-          <a:ext cx="0" cy="0"/>
-          <a:chOff x="0" y="0"/>
-          <a:chExt cx="0" cy="0"/>
-        </a:xfrm>
-      </p:grpSpPr>
-      <p:sp>
-        <p:nvSpPr>
-          <p:cNvPr id="2" name="Slide Image Placeholder 1"/>
-          <p:cNvSpPr>
-            <a:spLocks noGrp="1" noRot="1" noChangeAspect="1"/>
-          </p:cNvSpPr>
-          <p:nvPr>
-            <p:ph type="sldImg"/>
-          </p:nvPr>
-        </p:nvSpPr>
-        <p:spPr/>
-      </p:sp>
-      <p:sp>
-        <p:nvSpPr>
-          <p:cNvPr id="3" name="Notes Placeholder 2"/>
-          <p:cNvSpPr>
-            <a:spLocks noGrp="1"/>
-          </p:cNvSpPr>
-          <p:nvPr>
-            <p:ph type="body" idx="1"/>
-          </p:nvPr>
-        </p:nvSpPr>
-        <p:spPr/>
-        <p:txBody>
-          <a:bodyPr/>
-          <a:lstStyle/>
-          <a:p>
-            <a:r>
-              <a:rPr lang="en-US"/>
-              <a:t>https://www.cnblogs.com/shangdawei/p/4513604.html</a:t>
-            </a:r>
-          </a:p>
-          <a:p>
-            <a:r>
-              <a:rPr lang="en-US"/>
-              <a:t>https://saketupadhyay.medium.com/apex-androids-new-file-format-187e21b8261</a:t>
-            </a:r>
-          </a:p>
-        </p:txBody>
-      </p:sp>
-      <p:sp>
-        <p:nvSpPr>
-          <p:cNvPr id="4" name="Slide Number Placeholder 3"/>
-          <p:cNvSpPr>
-            <a:spLocks noGrp="1"/>
-          </p:cNvSpPr>
-          <p:nvPr>
-            <p:ph type="sldNum" sz="quarter" idx="5"/>
-          </p:nvPr>
-        </p:nvSpPr>
-        <p:spPr/>
-        <p:txBody>
-          <a:bodyPr/>
-          <a:lstStyle/>
-          <a:p>
-            <a:fld id="{DDBF98C7-164A-4723-84F0-B1E4B080DDEC}" type="slidenum">
-              <a:rPr lang="en-US" smtClean="0"/>
-              <a:t>21</a:t>
-            </a:fld>
-            <a:endParaRPr lang="en-US"/>
-          </a:p>
-        </p:txBody>
-      </p:sp>
-    </p:spTree>
-    <p:extLst>
-      <p:ext uri="{BB962C8B-B14F-4D97-AF65-F5344CB8AC3E}">
-        <p14:creationId xmlns:p14="http://schemas.microsoft.com/office/powerpoint/2010/main" val="1086915620"/>
-      </p:ext>
-    </p:extLst>
-  </p:cSld>
-  <p:clrMapOvr>
-    <a:masterClrMapping/>
-  </p:clrMapOvr>
-</p:notes>
-</file>
-
 <file path=ppt/notesSlides/notesSlide9.xml><?xml version="1.0" encoding="utf-8"?>
 <p:notes xmlns:a="http://schemas.openxmlformats.org/drawingml/2006/main" xmlns:r="http://schemas.openxmlformats.org/officeDocument/2006/relationships" xmlns:p="http://schemas.openxmlformats.org/presentationml/2006/main">
   <p:cSld>
@@ -8862,7 +9112,16 @@
           <a:bodyPr/>
           <a:lstStyle/>
           <a:p>
-            <a:endParaRPr lang="en-US"/>
+            <a:r>
+              <a:rPr lang="en-US"/>
+              <a:t>https://www.cnblogs.com/shangdawei/p/4513604.html</a:t>
+            </a:r>
+          </a:p>
+          <a:p>
+            <a:r>
+              <a:rPr lang="en-US"/>
+              <a:t>https://saketupadhyay.medium.com/apex-androids-new-file-format-187e21b8261</a:t>
+            </a:r>
           </a:p>
         </p:txBody>
       </p:sp>
@@ -8883,7 +9142,7 @@
           <a:p>
             <a:fld id="{DDBF98C7-164A-4723-84F0-B1E4B080DDEC}" type="slidenum">
               <a:rPr lang="en-US" smtClean="0"/>
-              <a:t>22</a:t>
+              <a:t>21</a:t>
             </a:fld>
             <a:endParaRPr lang="en-US"/>
           </a:p>
@@ -8892,7 +9151,7 @@
     </p:spTree>
     <p:extLst>
       <p:ext uri="{BB962C8B-B14F-4D97-AF65-F5344CB8AC3E}">
-        <p14:creationId xmlns:p14="http://schemas.microsoft.com/office/powerpoint/2010/main" val="4129088881"/>
+        <p14:creationId xmlns:p14="http://schemas.microsoft.com/office/powerpoint/2010/main" val="1086915620"/>
       </p:ext>
     </p:extLst>
   </p:cSld>
@@ -9031,7 +9290,7 @@
           <a:p>
             <a:fld id="{4263717A-E3C1-4BED-ABE0-B7069385E023}" type="datetimeFigureOut">
               <a:rPr lang="en-US" smtClean="0"/>
-              <a:t>1/30/2026</a:t>
+              <a:t>2/4/2026</a:t>
             </a:fld>
             <a:endParaRPr lang="en-US"/>
           </a:p>
@@ -9204,7 +9463,7 @@
           <a:p>
             <a:fld id="{4263717A-E3C1-4BED-ABE0-B7069385E023}" type="datetimeFigureOut">
               <a:rPr lang="en-US" smtClean="0"/>
-              <a:t>1/30/2026</a:t>
+              <a:t>2/4/2026</a:t>
             </a:fld>
             <a:endParaRPr lang="en-US"/>
           </a:p>
@@ -9382,7 +9641,7 @@
           <a:p>
             <a:fld id="{4263717A-E3C1-4BED-ABE0-B7069385E023}" type="datetimeFigureOut">
               <a:rPr lang="en-US" smtClean="0"/>
-              <a:t>1/30/2026</a:t>
+              <a:t>2/4/2026</a:t>
             </a:fld>
             <a:endParaRPr lang="en-US"/>
           </a:p>
@@ -9550,7 +9809,7 @@
           <a:p>
             <a:fld id="{4263717A-E3C1-4BED-ABE0-B7069385E023}" type="datetimeFigureOut">
               <a:rPr lang="en-US" smtClean="0"/>
-              <a:t>1/30/2026</a:t>
+              <a:t>2/4/2026</a:t>
             </a:fld>
             <a:endParaRPr lang="en-US"/>
           </a:p>
@@ -9795,7 +10054,7 @@
           <a:p>
             <a:fld id="{4263717A-E3C1-4BED-ABE0-B7069385E023}" type="datetimeFigureOut">
               <a:rPr lang="en-US" smtClean="0"/>
-              <a:t>1/30/2026</a:t>
+              <a:t>2/4/2026</a:t>
             </a:fld>
             <a:endParaRPr lang="en-US"/>
           </a:p>
@@ -10024,7 +10283,7 @@
           <a:p>
             <a:fld id="{4263717A-E3C1-4BED-ABE0-B7069385E023}" type="datetimeFigureOut">
               <a:rPr lang="en-US" smtClean="0"/>
-              <a:t>1/30/2026</a:t>
+              <a:t>2/4/2026</a:t>
             </a:fld>
             <a:endParaRPr lang="en-US"/>
           </a:p>
@@ -10388,7 +10647,7 @@
           <a:p>
             <a:fld id="{4263717A-E3C1-4BED-ABE0-B7069385E023}" type="datetimeFigureOut">
               <a:rPr lang="en-US" smtClean="0"/>
-              <a:t>1/30/2026</a:t>
+              <a:t>2/4/2026</a:t>
             </a:fld>
             <a:endParaRPr lang="en-US"/>
           </a:p>
@@ -10505,7 +10764,7 @@
           <a:p>
             <a:fld id="{4263717A-E3C1-4BED-ABE0-B7069385E023}" type="datetimeFigureOut">
               <a:rPr lang="en-US" smtClean="0"/>
-              <a:t>1/30/2026</a:t>
+              <a:t>2/4/2026</a:t>
             </a:fld>
             <a:endParaRPr lang="en-US"/>
           </a:p>
@@ -10600,7 +10859,7 @@
           <a:p>
             <a:fld id="{4263717A-E3C1-4BED-ABE0-B7069385E023}" type="datetimeFigureOut">
               <a:rPr lang="en-US" smtClean="0"/>
-              <a:t>1/30/2026</a:t>
+              <a:t>2/4/2026</a:t>
             </a:fld>
             <a:endParaRPr lang="en-US"/>
           </a:p>
@@ -10875,7 +11134,7 @@
           <a:p>
             <a:fld id="{4263717A-E3C1-4BED-ABE0-B7069385E023}" type="datetimeFigureOut">
               <a:rPr lang="en-US" smtClean="0"/>
-              <a:t>1/30/2026</a:t>
+              <a:t>2/4/2026</a:t>
             </a:fld>
             <a:endParaRPr lang="en-US"/>
           </a:p>
@@ -11127,7 +11386,7 @@
           <a:p>
             <a:fld id="{4263717A-E3C1-4BED-ABE0-B7069385E023}" type="datetimeFigureOut">
               <a:rPr lang="en-US" smtClean="0"/>
-              <a:t>1/30/2026</a:t>
+              <a:t>2/4/2026</a:t>
             </a:fld>
             <a:endParaRPr lang="en-US"/>
           </a:p>
@@ -11338,7 +11597,7 @@
           <a:p>
             <a:fld id="{4263717A-E3C1-4BED-ABE0-B7069385E023}" type="datetimeFigureOut">
               <a:rPr lang="en-US" smtClean="0"/>
-              <a:t>1/30/2026</a:t>
+              <a:t>2/4/2026</a:t>
             </a:fld>
             <a:endParaRPr lang="en-US"/>
           </a:p>
@@ -17707,7 +17966,7 @@
           <a:lstStyle/>
           <a:p>
             <a:r>
-              <a:rPr lang="en-US" i="1">
+              <a:rPr lang="en-US" i="1" dirty="0">
                 <a:solidFill>
                   <a:srgbClr val="C00000"/>
                 </a:solidFill>
@@ -17715,7 +17974,7 @@
               <a:t>data/system </a:t>
             </a:r>
             <a:r>
-              <a:rPr lang="en-US" i="1">
+              <a:rPr lang="en-US" i="1" dirty="0">
                 <a:solidFill>
                   <a:schemeClr val="bg1">
                     <a:lumMod val="85000"/>
@@ -17725,7 +17984,7 @@
               <a:t>settings </a:t>
             </a:r>
             <a:r>
-              <a:rPr lang="en-US" sz="3200" i="1">
+              <a:rPr lang="en-US" sz="3200" i="1" dirty="0">
                 <a:solidFill>
                   <a:schemeClr val="bg1">
                     <a:lumMod val="85000"/>
@@ -17735,7 +17994,7 @@
               <a:t>(don’t confuse with </a:t>
             </a:r>
             <a:r>
-              <a:rPr lang="en-US" sz="3200" i="1">
+              <a:rPr lang="en-US" sz="3200" i="1" dirty="0">
                 <a:solidFill>
                   <a:srgbClr val="7030A0"/>
                 </a:solidFill>
@@ -17743,7 +18002,7 @@
               <a:t>/system</a:t>
             </a:r>
             <a:r>
-              <a:rPr lang="en-US" sz="3200" i="1">
+              <a:rPr lang="en-US" sz="3200" i="1" dirty="0">
                 <a:solidFill>
                   <a:schemeClr val="bg1">
                     <a:lumMod val="85000"/>
@@ -17752,7 +18011,7 @@
               </a:rPr>
               <a:t>)</a:t>
             </a:r>
-            <a:endParaRPr lang="en-US" i="1">
+            <a:endParaRPr lang="en-US" i="1" dirty="0">
               <a:solidFill>
                 <a:schemeClr val="bg1">
                   <a:lumMod val="85000"/>
@@ -18177,33 +18436,64 @@
       </p:grpSpPr>
       <p:sp>
         <p:nvSpPr>
-          <p:cNvPr id="7" name="TextBox 6">
+          <p:cNvPr id="4" name="Title 3">
             <a:extLst>
               <a:ext uri="{FF2B5EF4-FFF2-40B4-BE49-F238E27FC236}">
-                <a16:creationId xmlns:a16="http://schemas.microsoft.com/office/drawing/2014/main" id="{D2EC9C14-40A0-47ED-866E-3120E1FFB527}"/>
+                <a16:creationId xmlns:a16="http://schemas.microsoft.com/office/drawing/2014/main" id="{5067225B-F6E7-0A43-74DE-45821CEBD8CC}"/>
               </a:ext>
             </a:extLst>
           </p:cNvPr>
-          <p:cNvSpPr txBox="1"/>
-          <p:nvPr/>
+          <p:cNvSpPr>
+            <a:spLocks noGrp="1"/>
+          </p:cNvSpPr>
+          <p:nvPr>
+            <p:ph type="title"/>
+          </p:nvPr>
         </p:nvSpPr>
-        <p:spPr>
-          <a:xfrm>
-            <a:off x="758141" y="842492"/>
-            <a:ext cx="10990163" cy="4893647"/>
-          </a:xfrm>
-          <a:prstGeom prst="rect">
-            <a:avLst/>
-          </a:prstGeom>
-          <a:noFill/>
-        </p:spPr>
+        <p:spPr/>
         <p:txBody>
-          <a:bodyPr wrap="square">
-            <a:spAutoFit/>
+          <a:bodyPr/>
+          <a:lstStyle/>
+          <a:p>
+            <a:r>
+              <a:rPr lang="en-US" dirty="0"/>
+              <a:t>System (utility</a:t>
+            </a:r>
+            <a:r>
+              <a:rPr lang="en-US"/>
+              <a:t>) apps’ </a:t>
+            </a:r>
+            <a:r>
+              <a:rPr lang="en-US" dirty="0"/>
+              <a:t>configuration files may contain evidence</a:t>
+            </a:r>
+          </a:p>
+        </p:txBody>
+      </p:sp>
+      <p:sp>
+        <p:nvSpPr>
+          <p:cNvPr id="5" name="Content Placeholder 4">
+            <a:extLst>
+              <a:ext uri="{FF2B5EF4-FFF2-40B4-BE49-F238E27FC236}">
+                <a16:creationId xmlns:a16="http://schemas.microsoft.com/office/drawing/2014/main" id="{DDFA59A4-5C08-B19A-3E86-2B6C2E5F7E8C}"/>
+              </a:ext>
+            </a:extLst>
+          </p:cNvPr>
+          <p:cNvSpPr>
+            <a:spLocks noGrp="1"/>
+          </p:cNvSpPr>
+          <p:nvPr>
+            <p:ph idx="1"/>
+          </p:nvPr>
+        </p:nvSpPr>
+        <p:spPr/>
+        <p:txBody>
+          <a:bodyPr>
+            <a:normAutofit fontScale="92500" lnSpcReduction="20000"/>
           </a:bodyPr>
           <a:lstStyle/>
           <a:p>
-            <a:pPr marL="0" marR="0" lvl="0" indent="0" algn="l" defTabSz="914400" rtl="0" eaLnBrk="0" fontAlgn="base" latinLnBrk="0" hangingPunct="0">
+            <a:pPr marL="0" lvl="0" indent="0" eaLnBrk="0" fontAlgn="base" hangingPunct="0">
               <a:lnSpc>
                 <a:spcPct val="100000"/>
               </a:lnSpc>
@@ -18213,21 +18503,14 @@
               <a:spcAft>
                 <a:spcPct val="0"/>
               </a:spcAft>
-              <a:buClrTx/>
-              <a:buSzTx/>
               <a:buFontTx/>
               <a:buChar char="•"/>
-              <a:tabLst/>
             </a:pPr>
             <a:r>
-              <a:rPr kumimoji="0" lang="en-US" altLang="en-US" sz="2400" b="1" i="1" u="none" strike="noStrike" cap="none" normalizeH="0" baseline="0" dirty="0">
-                <a:ln>
-                  <a:noFill/>
-                </a:ln>
+              <a:rPr lang="en-US" altLang="en-US" b="1" i="1" dirty="0">
                 <a:solidFill>
                   <a:srgbClr val="242729"/>
                 </a:solidFill>
-                <a:effectLst/>
                 <a:latin typeface="Consolas" panose="020B0609020204030204" pitchFamily="49" charset="0"/>
                 <a:ea typeface="inherit"/>
                 <a:cs typeface="Arial" panose="020B0604020202020204" pitchFamily="34" charset="0"/>
@@ -18235,14 +18518,10 @@
               <a:t>appops.xml</a:t>
             </a:r>
             <a:r>
-              <a:rPr kumimoji="0" lang="en-US" altLang="en-US" sz="2400" b="0" i="0" u="none" strike="noStrike" cap="none" normalizeH="0" baseline="0" dirty="0">
-                <a:ln>
-                  <a:noFill/>
-                </a:ln>
+              <a:rPr lang="en-US" altLang="en-US" dirty="0">
                 <a:solidFill>
                   <a:srgbClr val="242729"/>
                 </a:solidFill>
-                <a:effectLst/>
                 <a:latin typeface="Arial" panose="020B0604020202020204" pitchFamily="34" charset="0"/>
                 <a:ea typeface="inherit"/>
                 <a:cs typeface="Arial" panose="020B0604020202020204" pitchFamily="34" charset="0"/>
@@ -18250,14 +18529,10 @@
               <a:t> - a configuration file used by the </a:t>
             </a:r>
             <a:r>
-              <a:rPr kumimoji="0" lang="en-US" altLang="en-US" sz="2400" b="0" i="0" u="none" strike="noStrike" cap="none" normalizeH="0" baseline="0" dirty="0" err="1">
-                <a:ln>
-                  <a:noFill/>
-                </a:ln>
+              <a:rPr lang="en-US" altLang="en-US" dirty="0" err="1">
                 <a:solidFill>
                   <a:srgbClr val="242729"/>
                 </a:solidFill>
-                <a:effectLst/>
                 <a:latin typeface="Consolas" panose="020B0609020204030204" pitchFamily="49" charset="0"/>
                 <a:ea typeface="inherit"/>
                 <a:cs typeface="Arial" panose="020B0604020202020204" pitchFamily="34" charset="0"/>
@@ -18265,14 +18540,10 @@
               <a:t>AppOps</a:t>
             </a:r>
             <a:r>
-              <a:rPr kumimoji="0" lang="en-US" altLang="en-US" sz="2400" b="0" i="0" u="none" strike="noStrike" cap="none" normalizeH="0" baseline="0" dirty="0">
-                <a:ln>
-                  <a:noFill/>
-                </a:ln>
+              <a:rPr lang="en-US" altLang="en-US" dirty="0">
                 <a:solidFill>
                   <a:srgbClr val="242729"/>
                 </a:solidFill>
-                <a:effectLst/>
                 <a:latin typeface="Arial" panose="020B0604020202020204" pitchFamily="34" charset="0"/>
                 <a:ea typeface="inherit"/>
                 <a:cs typeface="Arial" panose="020B0604020202020204" pitchFamily="34" charset="0"/>
@@ -18281,7 +18552,7 @@
             </a:r>
           </a:p>
           <a:p>
-            <a:pPr marL="0" marR="0" lvl="0" indent="0" algn="l" defTabSz="914400" rtl="0" eaLnBrk="0" fontAlgn="base" latinLnBrk="0" hangingPunct="0">
+            <a:pPr marL="0" lvl="0" indent="0" eaLnBrk="0" fontAlgn="base" hangingPunct="0">
               <a:lnSpc>
                 <a:spcPct val="100000"/>
               </a:lnSpc>
@@ -18291,75 +18562,56 @@
               <a:spcAft>
                 <a:spcPct val="0"/>
               </a:spcAft>
-              <a:buClrTx/>
-              <a:buSzTx/>
               <a:buFontTx/>
               <a:buChar char="•"/>
-              <a:tabLst/>
             </a:pPr>
             <a:r>
-              <a:rPr kumimoji="0" lang="en-US" altLang="en-US" sz="2400" b="1" i="1" u="none" strike="noStrike" cap="none" normalizeH="0" baseline="0" dirty="0">
-                <a:ln>
-                  <a:noFill/>
-                </a:ln>
+              <a:rPr lang="en-US" altLang="en-US" b="1" i="1" dirty="0" err="1">
                 <a:solidFill>
                   <a:srgbClr val="242729"/>
                 </a:solidFill>
-                <a:effectLst/>
                 <a:latin typeface="Consolas" panose="020B0609020204030204" pitchFamily="49" charset="0"/>
                 <a:ea typeface="inherit"/>
                 <a:cs typeface="Arial" panose="020B0604020202020204" pitchFamily="34" charset="0"/>
               </a:rPr>
-              <a:t>called_pre_boots.dat</a:t>
-            </a:r>
-            <a:r>
-              <a:rPr kumimoji="0" lang="en-US" altLang="en-US" sz="2400" b="0" i="0" u="none" strike="noStrike" cap="none" normalizeH="0" baseline="0" dirty="0">
-                <a:ln>
-                  <a:noFill/>
-                </a:ln>
+              <a:t>batterystats.bin</a:t>
+            </a:r>
+            <a:r>
+              <a:rPr lang="en-US" altLang="en-US" dirty="0">
                 <a:solidFill>
                   <a:srgbClr val="242729"/>
                 </a:solidFill>
-                <a:effectLst/>
                 <a:latin typeface="Arial" panose="020B0604020202020204" pitchFamily="34" charset="0"/>
                 <a:ea typeface="inherit"/>
                 <a:cs typeface="Arial" panose="020B0604020202020204" pitchFamily="34" charset="0"/>
               </a:rPr>
-              <a:t> - a file used by </a:t>
-            </a:r>
-            <a:r>
-              <a:rPr kumimoji="0" lang="en-US" altLang="en-US" sz="2400" b="0" i="0" u="none" strike="noStrike" cap="none" normalizeH="0" baseline="0" dirty="0" err="1">
-                <a:ln>
-                  <a:noFill/>
-                </a:ln>
+              <a:t> - a binary used by the </a:t>
+            </a:r>
+            <a:r>
+              <a:rPr lang="en-US" altLang="en-US" dirty="0" err="1">
                 <a:solidFill>
                   <a:srgbClr val="242729"/>
                 </a:solidFill>
-                <a:effectLst/>
                 <a:latin typeface="Consolas" panose="020B0609020204030204" pitchFamily="49" charset="0"/>
                 <a:ea typeface="inherit"/>
                 <a:cs typeface="Arial" panose="020B0604020202020204" pitchFamily="34" charset="0"/>
               </a:rPr>
-              <a:t>ActivityManager</a:t>
-            </a:r>
-            <a:r>
-              <a:rPr kumimoji="0" lang="en-US" altLang="en-US" sz="2400" b="0" i="0" u="none" strike="noStrike" cap="none" normalizeH="0" baseline="0" dirty="0">
-                <a:ln>
-                  <a:noFill/>
-                </a:ln>
+              <a:t>BatteryStats</a:t>
+            </a:r>
+            <a:r>
+              <a:rPr lang="en-US" altLang="en-US" dirty="0">
                 <a:solidFill>
                   <a:srgbClr val="242729"/>
                 </a:solidFill>
-                <a:effectLst/>
                 <a:latin typeface="Arial" panose="020B0604020202020204" pitchFamily="34" charset="0"/>
                 <a:ea typeface="inherit"/>
                 <a:cs typeface="Arial" panose="020B0604020202020204" pitchFamily="34" charset="0"/>
               </a:rPr>
-              <a:t> to hold pre-boot broadcast receivers;</a:t>
-            </a:r>
-          </a:p>
-          <a:p>
-            <a:pPr marL="0" marR="0" lvl="0" indent="0" algn="l" defTabSz="914400" rtl="0" eaLnBrk="0" fontAlgn="base" latinLnBrk="0" hangingPunct="0">
+              <a:t> service to keep power statistics of applications installed;</a:t>
+            </a:r>
+          </a:p>
+          <a:p>
+            <a:pPr marL="0" lvl="0" indent="0" eaLnBrk="0" fontAlgn="base" hangingPunct="0">
               <a:lnSpc>
                 <a:spcPct val="100000"/>
               </a:lnSpc>
@@ -18369,75 +18621,34 @@
               <a:spcAft>
                 <a:spcPct val="0"/>
               </a:spcAft>
-              <a:buClrTx/>
-              <a:buSzTx/>
               <a:buFontTx/>
               <a:buChar char="•"/>
-              <a:tabLst/>
             </a:pPr>
             <a:r>
-              <a:rPr kumimoji="0" lang="en-US" altLang="en-US" sz="2400" b="1" i="1" u="none" strike="noStrike" cap="none" normalizeH="0" baseline="0" dirty="0" err="1">
-                <a:ln>
-                  <a:noFill/>
-                </a:ln>
+              <a:rPr lang="en-US" altLang="en-US" b="1" i="1" dirty="0" err="1">
                 <a:solidFill>
                   <a:srgbClr val="242729"/>
                 </a:solidFill>
-                <a:effectLst/>
                 <a:latin typeface="Consolas" panose="020B0609020204030204" pitchFamily="49" charset="0"/>
                 <a:ea typeface="inherit"/>
                 <a:cs typeface="Arial" panose="020B0604020202020204" pitchFamily="34" charset="0"/>
               </a:rPr>
-              <a:t>batterystats.bin</a:t>
-            </a:r>
-            <a:r>
-              <a:rPr kumimoji="0" lang="en-US" altLang="en-US" sz="2400" b="0" i="0" u="none" strike="noStrike" cap="none" normalizeH="0" baseline="0" dirty="0">
-                <a:ln>
-                  <a:noFill/>
-                </a:ln>
+              <a:t>gesture.key</a:t>
+            </a:r>
+            <a:r>
+              <a:rPr lang="en-US" altLang="en-US" dirty="0">
                 <a:solidFill>
                   <a:srgbClr val="242729"/>
                 </a:solidFill>
-                <a:effectLst/>
                 <a:latin typeface="Arial" panose="020B0604020202020204" pitchFamily="34" charset="0"/>
                 <a:ea typeface="inherit"/>
                 <a:cs typeface="Arial" panose="020B0604020202020204" pitchFamily="34" charset="0"/>
               </a:rPr>
-              <a:t> - a binary used by the </a:t>
-            </a:r>
-            <a:r>
-              <a:rPr kumimoji="0" lang="en-US" altLang="en-US" sz="2400" b="0" i="0" u="none" strike="noStrike" cap="none" normalizeH="0" baseline="0" dirty="0" err="1">
-                <a:ln>
-                  <a:noFill/>
-                </a:ln>
-                <a:solidFill>
-                  <a:srgbClr val="242729"/>
-                </a:solidFill>
-                <a:effectLst/>
-                <a:latin typeface="Consolas" panose="020B0609020204030204" pitchFamily="49" charset="0"/>
-                <a:ea typeface="inherit"/>
-                <a:cs typeface="Arial" panose="020B0604020202020204" pitchFamily="34" charset="0"/>
-              </a:rPr>
-              <a:t>BatteryStats</a:t>
-            </a:r>
-            <a:r>
-              <a:rPr kumimoji="0" lang="en-US" altLang="en-US" sz="2400" b="0" i="0" u="none" strike="noStrike" cap="none" normalizeH="0" baseline="0" dirty="0">
-                <a:ln>
-                  <a:noFill/>
-                </a:ln>
-                <a:solidFill>
-                  <a:srgbClr val="242729"/>
-                </a:solidFill>
-                <a:effectLst/>
-                <a:latin typeface="Arial" panose="020B0604020202020204" pitchFamily="34" charset="0"/>
-                <a:ea typeface="inherit"/>
-                <a:cs typeface="Arial" panose="020B0604020202020204" pitchFamily="34" charset="0"/>
-              </a:rPr>
-              <a:t> service to keep power statistics of applications installed;</a:t>
-            </a:r>
-          </a:p>
-          <a:p>
-            <a:pPr marL="0" marR="0" lvl="0" indent="0" algn="l" defTabSz="914400" rtl="0" eaLnBrk="0" fontAlgn="base" latinLnBrk="0" hangingPunct="0">
+              <a:t> - lockscreen pattern;</a:t>
+            </a:r>
+          </a:p>
+          <a:p>
+            <a:pPr marL="0" lvl="0" indent="0" eaLnBrk="0" fontAlgn="base" hangingPunct="0">
               <a:lnSpc>
                 <a:spcPct val="100000"/>
               </a:lnSpc>
@@ -18447,45 +18658,67 @@
               <a:spcAft>
                 <a:spcPct val="0"/>
               </a:spcAft>
-              <a:buClrTx/>
-              <a:buSzTx/>
               <a:buFontTx/>
               <a:buChar char="•"/>
-              <a:tabLst/>
             </a:pPr>
             <a:r>
-              <a:rPr kumimoji="0" lang="en-US" altLang="en-US" sz="2400" b="1" i="1" u="none" strike="noStrike" cap="none" normalizeH="0" baseline="0" dirty="0" err="1">
-                <a:ln>
-                  <a:noFill/>
-                </a:ln>
+              <a:rPr lang="en-US" altLang="en-US" b="1" i="1" dirty="0" err="1">
                 <a:solidFill>
                   <a:srgbClr val="242729"/>
                 </a:solidFill>
-                <a:effectLst/>
                 <a:latin typeface="Consolas" panose="020B0609020204030204" pitchFamily="49" charset="0"/>
                 <a:ea typeface="inherit"/>
                 <a:cs typeface="Arial" panose="020B0604020202020204" pitchFamily="34" charset="0"/>
               </a:rPr>
-              <a:t>gesture.key</a:t>
-            </a:r>
-            <a:r>
-              <a:rPr kumimoji="0" lang="en-US" altLang="en-US" sz="2400" b="0" i="0" u="none" strike="noStrike" cap="none" normalizeH="0" baseline="0" dirty="0">
-                <a:ln>
-                  <a:noFill/>
-                </a:ln>
+              <a:t>inputmethod</a:t>
+            </a:r>
+            <a:r>
+              <a:rPr lang="en-US" altLang="en-US" b="1" i="1" dirty="0">
                 <a:solidFill>
                   <a:srgbClr val="242729"/>
                 </a:solidFill>
-                <a:effectLst/>
+                <a:latin typeface="Consolas" panose="020B0609020204030204" pitchFamily="49" charset="0"/>
+                <a:ea typeface="inherit"/>
+                <a:cs typeface="Arial" panose="020B0604020202020204" pitchFamily="34" charset="0"/>
+              </a:rPr>
+              <a:t>/</a:t>
+            </a:r>
+            <a:r>
+              <a:rPr lang="en-US" altLang="en-US" dirty="0">
+                <a:solidFill>
+                  <a:srgbClr val="242729"/>
+                </a:solidFill>
                 <a:latin typeface="Arial" panose="020B0604020202020204" pitchFamily="34" charset="0"/>
                 <a:ea typeface="inherit"/>
                 <a:cs typeface="Arial" panose="020B0604020202020204" pitchFamily="34" charset="0"/>
               </a:rPr>
-              <a:t> - lockscreen pattern;</a:t>
-            </a:r>
-          </a:p>
-          <a:p>
-            <a:pPr marL="0" marR="0" lvl="0" indent="0" algn="l" defTabSz="914400" rtl="0" eaLnBrk="0" fontAlgn="base" latinLnBrk="0" hangingPunct="0">
+              <a:t> - a directory used to store IME configuration. Contains </a:t>
+            </a:r>
+            <a:r>
+              <a:rPr lang="en-US" altLang="en-US" dirty="0">
+                <a:solidFill>
+                  <a:srgbClr val="242729"/>
+                </a:solidFill>
+                <a:latin typeface="Consolas" panose="020B0609020204030204" pitchFamily="49" charset="0"/>
+                <a:ea typeface="inherit"/>
+                <a:cs typeface="Arial" panose="020B0604020202020204" pitchFamily="34" charset="0"/>
+              </a:rPr>
+              <a:t>subtypes.xml</a:t>
+            </a:r>
+            <a:r>
+              <a:rPr lang="en-US" altLang="en-US" dirty="0">
+                <a:solidFill>
+                  <a:srgbClr val="242729"/>
+                </a:solidFill>
+                <a:latin typeface="Arial" panose="020B0604020202020204" pitchFamily="34" charset="0"/>
+                <a:ea typeface="inherit"/>
+                <a:cs typeface="Arial" panose="020B0604020202020204" pitchFamily="34" charset="0"/>
+              </a:rPr>
+              <a:t> with IME locales, keyboard layout sets, etc.</a:t>
+            </a:r>
+          </a:p>
+          <a:p>
+            <a:pPr marL="0" lvl="0" indent="0" eaLnBrk="0" fontAlgn="base" hangingPunct="0">
               <a:lnSpc>
                 <a:spcPct val="100000"/>
               </a:lnSpc>
@@ -18495,90 +18728,56 @@
               <a:spcAft>
                 <a:spcPct val="0"/>
               </a:spcAft>
-              <a:buClrTx/>
-              <a:buSzTx/>
               <a:buFontTx/>
               <a:buChar char="•"/>
-              <a:tabLst/>
             </a:pPr>
             <a:r>
-              <a:rPr kumimoji="0" lang="en-US" altLang="en-US" sz="2400" b="1" i="1" u="none" strike="noStrike" cap="none" normalizeH="0" baseline="0" dirty="0" err="1">
-                <a:ln>
-                  <a:noFill/>
-                </a:ln>
+              <a:rPr lang="en-US" altLang="en-US" b="1" i="1" dirty="0" err="1">
                 <a:solidFill>
                   <a:srgbClr val="242729"/>
                 </a:solidFill>
-                <a:effectLst/>
                 <a:latin typeface="Consolas" panose="020B0609020204030204" pitchFamily="49" charset="0"/>
                 <a:ea typeface="inherit"/>
                 <a:cs typeface="Arial" panose="020B0604020202020204" pitchFamily="34" charset="0"/>
               </a:rPr>
-              <a:t>inputmethod</a:t>
-            </a:r>
-            <a:r>
-              <a:rPr kumimoji="0" lang="en-US" altLang="en-US" sz="2400" b="1" i="1" u="none" strike="noStrike" cap="none" normalizeH="0" baseline="0" dirty="0">
-                <a:ln>
-                  <a:noFill/>
-                </a:ln>
+              <a:t>locksettings.db</a:t>
+            </a:r>
+            <a:r>
+              <a:rPr lang="en-US" altLang="en-US" dirty="0">
                 <a:solidFill>
                   <a:srgbClr val="242729"/>
                 </a:solidFill>
-                <a:effectLst/>
-                <a:latin typeface="Consolas" panose="020B0609020204030204" pitchFamily="49" charset="0"/>
-                <a:ea typeface="inherit"/>
-                <a:cs typeface="Arial" panose="020B0604020202020204" pitchFamily="34" charset="0"/>
-              </a:rPr>
-              <a:t>/</a:t>
-            </a:r>
-            <a:r>
-              <a:rPr kumimoji="0" lang="en-US" altLang="en-US" sz="2400" b="0" i="0" u="none" strike="noStrike" cap="none" normalizeH="0" baseline="0" dirty="0">
-                <a:ln>
-                  <a:noFill/>
-                </a:ln>
-                <a:solidFill>
-                  <a:srgbClr val="242729"/>
-                </a:solidFill>
-                <a:effectLst/>
                 <a:latin typeface="Arial" panose="020B0604020202020204" pitchFamily="34" charset="0"/>
                 <a:ea typeface="inherit"/>
                 <a:cs typeface="Arial" panose="020B0604020202020204" pitchFamily="34" charset="0"/>
               </a:rPr>
-              <a:t> - a directory used to store IME configuration. Contains </a:t>
-            </a:r>
-            <a:r>
-              <a:rPr kumimoji="0" lang="en-US" altLang="en-US" sz="2400" b="0" i="0" u="none" strike="noStrike" cap="none" normalizeH="0" baseline="0" dirty="0">
-                <a:ln>
-                  <a:noFill/>
-                </a:ln>
+              <a:t> - an </a:t>
+            </a:r>
+            <a:r>
+              <a:rPr lang="en-US" altLang="en-US" dirty="0">
                 <a:solidFill>
                   <a:srgbClr val="242729"/>
                 </a:solidFill>
-                <a:effectLst/>
                 <a:latin typeface="Consolas" panose="020B0609020204030204" pitchFamily="49" charset="0"/>
                 <a:ea typeface="inherit"/>
                 <a:cs typeface="Arial" panose="020B0604020202020204" pitchFamily="34" charset="0"/>
               </a:rPr>
-              <a:t>subtypes.xml</a:t>
-            </a:r>
-            <a:r>
-              <a:rPr kumimoji="0" lang="en-US" altLang="en-US" sz="2400" b="0" i="0" u="none" strike="noStrike" cap="none" normalizeH="0" baseline="0" dirty="0">
-                <a:ln>
-                  <a:noFill/>
-                </a:ln>
+              <a:t>SQLite</a:t>
+            </a:r>
+            <a:r>
+              <a:rPr lang="en-US" altLang="en-US" dirty="0">
                 <a:solidFill>
                   <a:srgbClr val="242729"/>
                 </a:solidFill>
-                <a:effectLst/>
                 <a:latin typeface="Arial" panose="020B0604020202020204" pitchFamily="34" charset="0"/>
                 <a:ea typeface="inherit"/>
                 <a:cs typeface="Arial" panose="020B0604020202020204" pitchFamily="34" charset="0"/>
               </a:rPr>
-              <a:t> with IME locales, keyboard layout sets, etc.</a:t>
-            </a:r>
-          </a:p>
-          <a:p>
-            <a:pPr marL="0" marR="0" lvl="0" indent="0" algn="l" defTabSz="914400" rtl="0" eaLnBrk="0" fontAlgn="base" latinLnBrk="0" hangingPunct="0">
+              <a:t> database containing the lock screen settings;</a:t>
+            </a:r>
+          </a:p>
+          <a:p>
+            <a:pPr marL="0" lvl="0" indent="0" eaLnBrk="0" fontAlgn="base" hangingPunct="0">
               <a:lnSpc>
                 <a:spcPct val="100000"/>
               </a:lnSpc>
@@ -18588,75 +18787,56 @@
               <a:spcAft>
                 <a:spcPct val="0"/>
               </a:spcAft>
-              <a:buClrTx/>
-              <a:buSzTx/>
               <a:buFontTx/>
               <a:buChar char="•"/>
-              <a:tabLst/>
             </a:pPr>
             <a:r>
-              <a:rPr kumimoji="0" lang="en-US" altLang="en-US" sz="2400" b="1" i="1" u="none" strike="noStrike" cap="none" normalizeH="0" baseline="0" dirty="0" err="1">
-                <a:ln>
-                  <a:noFill/>
-                </a:ln>
+              <a:rPr lang="en-US" altLang="en-US" b="1" i="1" dirty="0">
                 <a:solidFill>
                   <a:srgbClr val="242729"/>
                 </a:solidFill>
-                <a:effectLst/>
                 <a:latin typeface="Consolas" panose="020B0609020204030204" pitchFamily="49" charset="0"/>
                 <a:ea typeface="inherit"/>
                 <a:cs typeface="Arial" panose="020B0604020202020204" pitchFamily="34" charset="0"/>
               </a:rPr>
-              <a:t>locksettings.db</a:t>
-            </a:r>
-            <a:r>
-              <a:rPr kumimoji="0" lang="en-US" altLang="en-US" sz="2400" b="0" i="0" u="none" strike="noStrike" cap="none" normalizeH="0" baseline="0" dirty="0">
-                <a:ln>
-                  <a:noFill/>
-                </a:ln>
+              <a:t>netpolicy.xml</a:t>
+            </a:r>
+            <a:r>
+              <a:rPr lang="en-US" altLang="en-US" dirty="0">
                 <a:solidFill>
                   <a:srgbClr val="242729"/>
                 </a:solidFill>
-                <a:effectLst/>
                 <a:latin typeface="Arial" panose="020B0604020202020204" pitchFamily="34" charset="0"/>
                 <a:ea typeface="inherit"/>
                 <a:cs typeface="Arial" panose="020B0604020202020204" pitchFamily="34" charset="0"/>
               </a:rPr>
-              <a:t> - an </a:t>
-            </a:r>
-            <a:r>
-              <a:rPr kumimoji="0" lang="en-US" altLang="en-US" sz="2400" b="0" i="0" u="none" strike="noStrike" cap="none" normalizeH="0" baseline="0" dirty="0">
-                <a:ln>
-                  <a:noFill/>
-                </a:ln>
+              <a:t> - a configuration file used by the </a:t>
+            </a:r>
+            <a:r>
+              <a:rPr lang="en-US" altLang="en-US" dirty="0" err="1">
                 <a:solidFill>
                   <a:srgbClr val="242729"/>
                 </a:solidFill>
-                <a:effectLst/>
                 <a:latin typeface="Consolas" panose="020B0609020204030204" pitchFamily="49" charset="0"/>
                 <a:ea typeface="inherit"/>
                 <a:cs typeface="Arial" panose="020B0604020202020204" pitchFamily="34" charset="0"/>
               </a:rPr>
-              <a:t>SQLite</a:t>
-            </a:r>
-            <a:r>
-              <a:rPr kumimoji="0" lang="en-US" altLang="en-US" sz="2400" b="0" i="0" u="none" strike="noStrike" cap="none" normalizeH="0" baseline="0" dirty="0">
-                <a:ln>
-                  <a:noFill/>
-                </a:ln>
+              <a:t>NetworkPolicyManagerService</a:t>
+            </a:r>
+            <a:r>
+              <a:rPr lang="en-US" altLang="en-US" dirty="0">
                 <a:solidFill>
                   <a:srgbClr val="242729"/>
                 </a:solidFill>
-                <a:effectLst/>
                 <a:latin typeface="Arial" panose="020B0604020202020204" pitchFamily="34" charset="0"/>
                 <a:ea typeface="inherit"/>
                 <a:cs typeface="Arial" panose="020B0604020202020204" pitchFamily="34" charset="0"/>
               </a:rPr>
-              <a:t> database containing the lock screen settings;</a:t>
-            </a:r>
-          </a:p>
-          <a:p>
-            <a:pPr marL="0" marR="0" lvl="0" indent="0" algn="l" defTabSz="914400" rtl="0" eaLnBrk="0" fontAlgn="base" latinLnBrk="0" hangingPunct="0">
+              <a:t>;</a:t>
+            </a:r>
+          </a:p>
+          <a:p>
+            <a:pPr marL="0" lvl="0" indent="0" eaLnBrk="0" fontAlgn="base" hangingPunct="0">
               <a:lnSpc>
                 <a:spcPct val="100000"/>
               </a:lnSpc>
@@ -18666,161 +18846,63 @@
               <a:spcAft>
                 <a:spcPct val="0"/>
               </a:spcAft>
-              <a:buClrTx/>
-              <a:buSzTx/>
               <a:buFontTx/>
               <a:buChar char="•"/>
-              <a:tabLst/>
             </a:pPr>
             <a:r>
-              <a:rPr kumimoji="0" lang="en-US" altLang="en-US" sz="2400" b="1" i="1" u="none" strike="noStrike" cap="none" normalizeH="0" baseline="0" dirty="0">
-                <a:ln>
-                  <a:noFill/>
-                </a:ln>
+              <a:rPr lang="en-US" altLang="en-US" b="1" i="1" dirty="0">
                 <a:solidFill>
                   <a:srgbClr val="242729"/>
                 </a:solidFill>
-                <a:effectLst/>
                 <a:latin typeface="Consolas" panose="020B0609020204030204" pitchFamily="49" charset="0"/>
                 <a:ea typeface="inherit"/>
                 <a:cs typeface="Arial" panose="020B0604020202020204" pitchFamily="34" charset="0"/>
               </a:rPr>
-              <a:t>netpolicy.xml</a:t>
-            </a:r>
-            <a:r>
-              <a:rPr kumimoji="0" lang="en-US" altLang="en-US" sz="2400" b="0" i="0" u="none" strike="noStrike" cap="none" normalizeH="0" baseline="0" dirty="0">
-                <a:ln>
-                  <a:noFill/>
-                </a:ln>
+              <a:t>netstats/</a:t>
+            </a:r>
+            <a:r>
+              <a:rPr lang="en-US" altLang="en-US" dirty="0">
                 <a:solidFill>
                   <a:srgbClr val="242729"/>
                 </a:solidFill>
-                <a:effectLst/>
                 <a:latin typeface="Arial" panose="020B0604020202020204" pitchFamily="34" charset="0"/>
                 <a:ea typeface="inherit"/>
                 <a:cs typeface="Arial" panose="020B0604020202020204" pitchFamily="34" charset="0"/>
               </a:rPr>
-              <a:t> - a configuration file used by the </a:t>
-            </a:r>
-            <a:r>
-              <a:rPr kumimoji="0" lang="en-US" altLang="en-US" sz="2400" b="0" i="0" u="none" strike="noStrike" cap="none" normalizeH="0" baseline="0" dirty="0" err="1">
-                <a:ln>
-                  <a:noFill/>
-                </a:ln>
+              <a:t> - a directory used to hold </a:t>
+            </a:r>
+            <a:r>
+              <a:rPr lang="en-US" altLang="en-US" dirty="0" err="1">
                 <a:solidFill>
                   <a:srgbClr val="242729"/>
                 </a:solidFill>
-                <a:effectLst/>
                 <a:latin typeface="Consolas" panose="020B0609020204030204" pitchFamily="49" charset="0"/>
                 <a:ea typeface="inherit"/>
                 <a:cs typeface="Arial" panose="020B0604020202020204" pitchFamily="34" charset="0"/>
               </a:rPr>
-              <a:t>NetworkPolicyManagerService</a:t>
-            </a:r>
-            <a:r>
-              <a:rPr kumimoji="0" lang="en-US" altLang="en-US" sz="2400" b="0" i="0" u="none" strike="noStrike" cap="none" normalizeH="0" baseline="0" dirty="0">
-                <a:ln>
-                  <a:noFill/>
-                </a:ln>
+              <a:t>NetworkStatsService</a:t>
+            </a:r>
+            <a:r>
+              <a:rPr lang="en-US" altLang="en-US" dirty="0">
                 <a:solidFill>
                   <a:srgbClr val="242729"/>
                 </a:solidFill>
-                <a:effectLst/>
                 <a:latin typeface="Arial" panose="020B0604020202020204" pitchFamily="34" charset="0"/>
                 <a:ea typeface="inherit"/>
                 <a:cs typeface="Arial" panose="020B0604020202020204" pitchFamily="34" charset="0"/>
               </a:rPr>
-              <a:t>;</a:t>
-            </a:r>
-          </a:p>
-          <a:p>
-            <a:pPr marL="0" marR="0" lvl="0" indent="0" algn="l" defTabSz="914400" rtl="0" eaLnBrk="0" fontAlgn="base" latinLnBrk="0" hangingPunct="0">
-              <a:lnSpc>
-                <a:spcPct val="100000"/>
-              </a:lnSpc>
-              <a:spcBef>
-                <a:spcPct val="0"/>
-              </a:spcBef>
-              <a:spcAft>
-                <a:spcPct val="0"/>
-              </a:spcAft>
-              <a:buClrTx/>
-              <a:buSzTx/>
-              <a:buFontTx/>
-              <a:buChar char="•"/>
-              <a:tabLst/>
-            </a:pPr>
-            <a:r>
-              <a:rPr kumimoji="0" lang="en-US" altLang="en-US" sz="2400" b="1" i="1" u="none" strike="noStrike" cap="none" normalizeH="0" baseline="0" dirty="0">
-                <a:ln>
-                  <a:noFill/>
-                </a:ln>
-                <a:solidFill>
-                  <a:srgbClr val="242729"/>
-                </a:solidFill>
-                <a:effectLst/>
-                <a:latin typeface="Consolas" panose="020B0609020204030204" pitchFamily="49" charset="0"/>
-                <a:ea typeface="inherit"/>
-                <a:cs typeface="Arial" panose="020B0604020202020204" pitchFamily="34" charset="0"/>
-              </a:rPr>
-              <a:t>netstats/</a:t>
-            </a:r>
-            <a:r>
-              <a:rPr kumimoji="0" lang="en-US" altLang="en-US" sz="2400" b="0" i="0" u="none" strike="noStrike" cap="none" normalizeH="0" baseline="0" dirty="0">
-                <a:ln>
-                  <a:noFill/>
-                </a:ln>
-                <a:solidFill>
-                  <a:srgbClr val="242729"/>
-                </a:solidFill>
-                <a:effectLst/>
-                <a:latin typeface="Arial" panose="020B0604020202020204" pitchFamily="34" charset="0"/>
-                <a:ea typeface="inherit"/>
-                <a:cs typeface="Arial" panose="020B0604020202020204" pitchFamily="34" charset="0"/>
-              </a:rPr>
-              <a:t> - a directory used to hold </a:t>
-            </a:r>
-            <a:r>
-              <a:rPr kumimoji="0" lang="en-US" altLang="en-US" sz="2400" b="0" i="0" u="none" strike="noStrike" cap="none" normalizeH="0" baseline="0" dirty="0" err="1">
-                <a:ln>
-                  <a:noFill/>
-                </a:ln>
-                <a:solidFill>
-                  <a:srgbClr val="242729"/>
-                </a:solidFill>
-                <a:effectLst/>
-                <a:latin typeface="Consolas" panose="020B0609020204030204" pitchFamily="49" charset="0"/>
-                <a:ea typeface="inherit"/>
-                <a:cs typeface="Arial" panose="020B0604020202020204" pitchFamily="34" charset="0"/>
-              </a:rPr>
-              <a:t>NetworkStatsService</a:t>
-            </a:r>
-            <a:r>
-              <a:rPr kumimoji="0" lang="en-US" altLang="en-US" sz="2400" b="0" i="0" u="none" strike="noStrike" cap="none" normalizeH="0" baseline="0" dirty="0">
-                <a:ln>
-                  <a:noFill/>
-                </a:ln>
-                <a:solidFill>
-                  <a:srgbClr val="242729"/>
-                </a:solidFill>
-                <a:effectLst/>
-                <a:latin typeface="Arial" panose="020B0604020202020204" pitchFamily="34" charset="0"/>
-                <a:ea typeface="inherit"/>
-                <a:cs typeface="Arial" panose="020B0604020202020204" pitchFamily="34" charset="0"/>
-              </a:rPr>
               <a:t> statistics;</a:t>
             </a:r>
-            <a:endParaRPr kumimoji="0" lang="en-US" altLang="en-US" sz="2400" b="0" i="0" u="none" strike="noStrike" cap="none" normalizeH="0" baseline="0" dirty="0">
-              <a:ln>
-                <a:noFill/>
-              </a:ln>
+            <a:endParaRPr lang="en-US" altLang="en-US" dirty="0">
               <a:solidFill>
                 <a:srgbClr val="242729"/>
               </a:solidFill>
-              <a:effectLst/>
               <a:latin typeface="Arial" panose="020B0604020202020204" pitchFamily="34" charset="0"/>
               <a:cs typeface="Arial" panose="020B0604020202020204" pitchFamily="34" charset="0"/>
             </a:endParaRPr>
+          </a:p>
+          <a:p>
+            <a:endParaRPr lang="en-US" dirty="0"/>
           </a:p>
         </p:txBody>
       </p:sp>
@@ -18930,7 +19012,7 @@
               <a:buNone/>
               <a:tabLst/>
             </a:pPr>
-            <a:endParaRPr kumimoji="0" lang="en-US" altLang="en-US" sz="2400" b="0" i="0" u="none" strike="noStrike" cap="none" normalizeH="0" baseline="0">
+            <a:endParaRPr kumimoji="0" lang="en-US" altLang="en-US" sz="2400" b="0" i="0" u="none" strike="noStrike" cap="none" normalizeH="0" baseline="0" dirty="0">
               <a:ln>
                 <a:noFill/>
               </a:ln>
@@ -18959,7 +19041,7 @@
               <a:tabLst/>
             </a:pPr>
             <a:r>
-              <a:rPr kumimoji="0" lang="en-US" altLang="en-US" sz="2400" b="1" i="1" u="none" strike="noStrike" cap="none" normalizeH="0" baseline="0" err="1">
+              <a:rPr kumimoji="0" lang="en-US" altLang="en-US" sz="2400" b="1" i="1" u="none" strike="noStrike" cap="none" normalizeH="0" baseline="0" dirty="0" err="1">
                 <a:ln>
                   <a:noFill/>
                 </a:ln>
@@ -18974,7 +19056,7 @@
               <a:t>packages.list</a:t>
             </a:r>
             <a:r>
-              <a:rPr kumimoji="0" lang="en-US" altLang="en-US" sz="2400" b="0" i="0" u="none" strike="noStrike" cap="none" normalizeH="0" baseline="0">
+              <a:rPr kumimoji="0" lang="en-US" altLang="en-US" sz="2400" b="0" i="0" u="none" strike="noStrike" cap="none" normalizeH="0" baseline="0" dirty="0">
                 <a:ln>
                   <a:noFill/>
                 </a:ln>
@@ -18989,7 +19071,7 @@
               <a:t> - a file used by the </a:t>
             </a:r>
             <a:r>
-              <a:rPr kumimoji="0" lang="en-US" altLang="en-US" sz="2400" b="0" i="0" u="none" strike="noStrike" cap="none" normalizeH="0" baseline="0" err="1">
+              <a:rPr kumimoji="0" lang="en-US" altLang="en-US" sz="2400" b="0" i="0" u="none" strike="noStrike" cap="none" normalizeH="0" baseline="0" dirty="0" err="1">
                 <a:ln>
                   <a:noFill/>
                 </a:ln>
@@ -19004,7 +19086,7 @@
               <a:t>PackageManager</a:t>
             </a:r>
             <a:r>
-              <a:rPr kumimoji="0" lang="en-US" altLang="en-US" sz="2400" b="0" i="0" u="none" strike="noStrike" cap="none" normalizeH="0" baseline="0">
+              <a:rPr kumimoji="0" lang="en-US" altLang="en-US" sz="2400" b="0" i="0" u="none" strike="noStrike" cap="none" normalizeH="0" baseline="0" dirty="0">
                 <a:ln>
                   <a:noFill/>
                 </a:ln>
@@ -19019,7 +19101,7 @@
               <a:t> service containing the list of all packages (</a:t>
             </a:r>
             <a:r>
-              <a:rPr kumimoji="0" lang="en-US" altLang="en-US" sz="2400" b="0" i="0" u="none" strike="noStrike" cap="none" normalizeH="0" baseline="0" err="1">
+              <a:rPr kumimoji="0" lang="en-US" altLang="en-US" sz="2400" b="0" i="0" u="none" strike="noStrike" cap="none" normalizeH="0" baseline="0" dirty="0" err="1">
                 <a:ln>
                   <a:noFill/>
                 </a:ln>
@@ -19034,7 +19116,7 @@
               <a:t>apk</a:t>
             </a:r>
             <a:r>
-              <a:rPr kumimoji="0" lang="en-US" altLang="en-US" sz="2400" b="0" i="0" u="none" strike="noStrike" cap="none" normalizeH="0" baseline="0" err="1">
+              <a:rPr kumimoji="0" lang="en-US" altLang="en-US" sz="2400" b="0" i="0" u="none" strike="noStrike" cap="none" normalizeH="0" baseline="0" dirty="0" err="1">
                 <a:ln>
                   <a:noFill/>
                 </a:ln>
@@ -19049,7 +19131,7 @@
               <a:t>s</a:t>
             </a:r>
             <a:r>
-              <a:rPr kumimoji="0" lang="en-US" altLang="en-US" sz="2400" b="0" i="0" u="none" strike="noStrike" cap="none" normalizeH="0" baseline="0">
+              <a:rPr kumimoji="0" lang="en-US" altLang="en-US" sz="2400" b="0" i="0" u="none" strike="noStrike" cap="none" normalizeH="0" baseline="0" dirty="0">
                 <a:ln>
                   <a:noFill/>
                 </a:ln>
@@ -19064,7 +19146,7 @@
               <a:t>) installed in the system (same as executing </a:t>
             </a:r>
             <a:r>
-              <a:rPr kumimoji="0" lang="en-US" altLang="en-US" sz="2400" b="0" i="0" u="none" strike="noStrike" cap="none" normalizeH="0" baseline="0">
+              <a:rPr kumimoji="0" lang="en-US" altLang="en-US" sz="2400" b="0" i="0" u="none" strike="noStrike" cap="none" normalizeH="0" baseline="0" dirty="0">
                 <a:ln>
                   <a:noFill/>
                 </a:ln>
@@ -19079,7 +19161,7 @@
               <a:t>pm list packages</a:t>
             </a:r>
             <a:r>
-              <a:rPr kumimoji="0" lang="en-US" altLang="en-US" sz="2400" b="0" i="0" u="none" strike="noStrike" cap="none" normalizeH="0" baseline="0">
+              <a:rPr kumimoji="0" lang="en-US" altLang="en-US" sz="2400" b="0" i="0" u="none" strike="noStrike" cap="none" normalizeH="0" baseline="0" dirty="0">
                 <a:ln>
                   <a:noFill/>
                 </a:ln>
@@ -19094,7 +19176,7 @@
               <a:t> within </a:t>
             </a:r>
             <a:r>
-              <a:rPr kumimoji="0" lang="en-US" altLang="en-US" sz="2400" b="0" i="0" u="none" strike="noStrike" cap="none" normalizeH="0" baseline="0">
+              <a:rPr kumimoji="0" lang="en-US" altLang="en-US" sz="2400" b="0" i="0" u="none" strike="noStrike" cap="none" normalizeH="0" baseline="0" dirty="0">
                 <a:ln>
                   <a:noFill/>
                 </a:ln>
@@ -19109,7 +19191,7 @@
               <a:t>shell</a:t>
             </a:r>
             <a:r>
-              <a:rPr kumimoji="0" lang="en-US" altLang="en-US" sz="2400" b="0" i="0" u="none" strike="noStrike" cap="none" normalizeH="0" baseline="0">
+              <a:rPr kumimoji="0" lang="en-US" altLang="en-US" sz="2400" b="0" i="0" u="none" strike="noStrike" cap="none" normalizeH="0" baseline="0" dirty="0">
                 <a:ln>
                   <a:noFill/>
                 </a:ln>
@@ -19142,7 +19224,7 @@
               <a:tabLst/>
             </a:pPr>
             <a:r>
-              <a:rPr kumimoji="0" lang="en-US" altLang="en-US" sz="2400" b="1" i="1" u="none" strike="noStrike" cap="none" normalizeH="0" baseline="0">
+              <a:rPr kumimoji="0" lang="en-US" altLang="en-US" sz="2400" b="1" i="1" u="none" strike="noStrike" cap="none" normalizeH="0" baseline="0" dirty="0">
                 <a:ln>
                   <a:noFill/>
                 </a:ln>
@@ -19157,7 +19239,7 @@
               <a:t>packages.xml</a:t>
             </a:r>
             <a:r>
-              <a:rPr kumimoji="0" lang="en-US" altLang="en-US" sz="2400" b="0" i="0" u="none" strike="noStrike" cap="none" normalizeH="0" baseline="0">
+              <a:rPr kumimoji="0" lang="en-US" altLang="en-US" sz="2400" b="0" i="0" u="none" strike="noStrike" cap="none" normalizeH="0" baseline="0" dirty="0">
                 <a:ln>
                   <a:noFill/>
                 </a:ln>
@@ -19172,7 +19254,7 @@
               <a:t> - a file used by the </a:t>
             </a:r>
             <a:r>
-              <a:rPr kumimoji="0" lang="en-US" altLang="en-US" sz="2400" b="0" i="0" u="none" strike="noStrike" cap="none" normalizeH="0" baseline="0" err="1">
+              <a:rPr kumimoji="0" lang="en-US" altLang="en-US" sz="2400" b="0" i="0" u="none" strike="noStrike" cap="none" normalizeH="0" baseline="0" dirty="0" err="1">
                 <a:ln>
                   <a:noFill/>
                 </a:ln>
@@ -19187,7 +19269,7 @@
               <a:t>PackageManager</a:t>
             </a:r>
             <a:r>
-              <a:rPr kumimoji="0" lang="en-US" altLang="en-US" sz="2400" b="0" i="0" u="none" strike="noStrike" cap="none" normalizeH="0" baseline="0">
+              <a:rPr kumimoji="0" lang="en-US" altLang="en-US" sz="2400" b="0" i="0" u="none" strike="noStrike" cap="none" normalizeH="0" baseline="0" dirty="0">
                 <a:ln>
                   <a:noFill/>
                 </a:ln>
@@ -19202,7 +19284,7 @@
               <a:t> service to hold metadata of all installed packages, like </a:t>
             </a:r>
             <a:r>
-              <a:rPr kumimoji="0" lang="en-US" altLang="en-US" sz="2400" b="0" i="0" u="none" strike="noStrike" cap="none" normalizeH="0" baseline="0">
+              <a:rPr kumimoji="0" lang="en-US" altLang="en-US" sz="2400" b="0" i="0" u="none" strike="noStrike" cap="none" normalizeH="0" baseline="0" dirty="0">
                 <a:ln>
                   <a:noFill/>
                 </a:ln>
@@ -19217,7 +19299,7 @@
               <a:t>UID</a:t>
             </a:r>
             <a:r>
-              <a:rPr kumimoji="0" lang="en-US" altLang="en-US" sz="2400" b="0" i="0" u="none" strike="noStrike" cap="none" normalizeH="0" baseline="0">
+              <a:rPr kumimoji="0" lang="en-US" altLang="en-US" sz="2400" b="0" i="0" u="none" strike="noStrike" cap="none" normalizeH="0" baseline="0" dirty="0">
                 <a:ln>
                   <a:noFill/>
                 </a:ln>
@@ -19232,7 +19314,7 @@
               <a:t>s, requested permissions </a:t>
             </a:r>
             <a:r>
-              <a:rPr kumimoji="0" lang="en-US" altLang="en-US" sz="2400" b="0" i="0" u="none" strike="noStrike" cap="none" normalizeH="0" baseline="0" err="1">
+              <a:rPr kumimoji="0" lang="en-US" altLang="en-US" sz="2400" b="0" i="0" u="none" strike="noStrike" cap="none" normalizeH="0" baseline="0" dirty="0" err="1">
                 <a:ln>
                   <a:noFill/>
                 </a:ln>
@@ -19247,7 +19329,7 @@
               <a:t>etc</a:t>
             </a:r>
             <a:r>
-              <a:rPr kumimoji="0" lang="en-US" altLang="en-US" sz="2400" b="0" i="0" u="none" strike="noStrike" cap="none" normalizeH="0" baseline="0">
+              <a:rPr kumimoji="0" lang="en-US" altLang="en-US" sz="2400" b="0" i="0" u="none" strike="noStrike" cap="none" normalizeH="0" baseline="0" dirty="0">
                 <a:ln>
                   <a:noFill/>
                 </a:ln>
@@ -19280,7 +19362,7 @@
               <a:tabLst/>
             </a:pPr>
             <a:r>
-              <a:rPr kumimoji="0" lang="en-US" altLang="en-US" sz="2400" b="1" i="1" u="none" strike="noStrike" cap="none" normalizeH="0" baseline="0">
+              <a:rPr kumimoji="0" lang="en-US" altLang="en-US" sz="2400" b="1" i="1" u="none" strike="noStrike" cap="none" normalizeH="0" baseline="0" dirty="0">
                 <a:ln>
                   <a:noFill/>
                 </a:ln>
@@ -19295,7 +19377,7 @@
               <a:t>profiles.xml</a:t>
             </a:r>
             <a:r>
-              <a:rPr kumimoji="0" lang="en-US" altLang="en-US" sz="2400" b="0" i="0" u="none" strike="noStrike" cap="none" normalizeH="0" baseline="0">
+              <a:rPr kumimoji="0" lang="en-US" altLang="en-US" sz="2400" b="0" i="0" u="none" strike="noStrike" cap="none" normalizeH="0" baseline="0" dirty="0">
                 <a:ln>
                   <a:noFill/>
                 </a:ln>
@@ -19328,7 +19410,7 @@
               <a:tabLst/>
             </a:pPr>
             <a:r>
-              <a:rPr kumimoji="0" lang="en-US" altLang="en-US" sz="2400" b="1" i="1" u="none" strike="noStrike" cap="none" normalizeH="0" baseline="0" err="1">
+              <a:rPr kumimoji="0" lang="en-US" altLang="en-US" sz="2400" b="1" i="1" u="none" strike="noStrike" cap="none" normalizeH="0" baseline="0" dirty="0" err="1">
                 <a:ln>
                   <a:noFill/>
                 </a:ln>
@@ -19343,7 +19425,7 @@
               <a:t>password.key</a:t>
             </a:r>
             <a:r>
-              <a:rPr kumimoji="0" lang="en-US" altLang="en-US" sz="2400" b="0" i="0" u="none" strike="noStrike" cap="none" normalizeH="0" baseline="0">
+              <a:rPr kumimoji="0" lang="en-US" altLang="en-US" sz="2400" b="0" i="0" u="none" strike="noStrike" cap="none" normalizeH="0" baseline="0" dirty="0">
                 <a:ln>
                   <a:noFill/>
                 </a:ln>
@@ -19376,7 +19458,7 @@
               <a:tabLst/>
             </a:pPr>
             <a:r>
-              <a:rPr kumimoji="0" lang="en-US" altLang="en-US" sz="2400" b="1" i="1" u="none" strike="noStrike" cap="none" normalizeH="0" baseline="0" err="1">
+              <a:rPr kumimoji="0" lang="en-US" altLang="en-US" sz="2400" b="1" i="1" u="none" strike="noStrike" cap="none" normalizeH="0" baseline="0" dirty="0" err="1">
                 <a:ln>
                   <a:noFill/>
                 </a:ln>
@@ -19391,7 +19473,7 @@
               <a:t>usagestats</a:t>
             </a:r>
             <a:r>
-              <a:rPr kumimoji="0" lang="en-US" altLang="en-US" sz="2400" b="1" i="1" u="none" strike="noStrike" cap="none" normalizeH="0" baseline="0">
+              <a:rPr kumimoji="0" lang="en-US" altLang="en-US" sz="2400" b="1" i="1" u="none" strike="noStrike" cap="none" normalizeH="0" baseline="0" dirty="0">
                 <a:ln>
                   <a:noFill/>
                 </a:ln>
@@ -19406,7 +19488,7 @@
               <a:t>/</a:t>
             </a:r>
             <a:r>
-              <a:rPr kumimoji="0" lang="en-US" altLang="en-US" sz="2400" b="0" i="0" u="none" strike="noStrike" cap="none" normalizeH="0" baseline="0">
+              <a:rPr kumimoji="0" lang="en-US" altLang="en-US" sz="2400" b="0" i="0" u="none" strike="noStrike" cap="none" normalizeH="0" baseline="0" dirty="0">
                 <a:ln>
                   <a:noFill/>
                 </a:ln>
@@ -19421,7 +19503,7 @@
               <a:t> - a directory used to store files for the </a:t>
             </a:r>
             <a:r>
-              <a:rPr kumimoji="0" lang="en-US" altLang="en-US" sz="2400" b="0" i="0" u="none" strike="noStrike" cap="none" normalizeH="0" baseline="0" err="1">
+              <a:rPr kumimoji="0" lang="en-US" altLang="en-US" sz="2400" b="0" i="0" u="none" strike="noStrike" cap="none" normalizeH="0" baseline="0" dirty="0" err="1">
                 <a:ln>
                   <a:noFill/>
                 </a:ln>
@@ -19436,7 +19518,7 @@
               <a:t>UsageStats</a:t>
             </a:r>
             <a:r>
-              <a:rPr kumimoji="0" lang="en-US" altLang="en-US" sz="2400" b="0" i="0" u="none" strike="noStrike" cap="none" normalizeH="0" baseline="0">
+              <a:rPr kumimoji="0" lang="en-US" altLang="en-US" sz="2400" b="0" i="0" u="none" strike="noStrike" cap="none" normalizeH="0" baseline="0" dirty="0">
                 <a:ln>
                   <a:noFill/>
                 </a:ln>
@@ -19451,7 +19533,7 @@
               <a:t> service. Contains </a:t>
             </a:r>
             <a:r>
-              <a:rPr kumimoji="0" lang="en-US" altLang="en-US" sz="2400" b="0" i="0" u="none" strike="noStrike" cap="none" normalizeH="0" baseline="0">
+              <a:rPr kumimoji="0" lang="en-US" altLang="en-US" sz="2400" b="0" i="0" u="none" strike="noStrike" cap="none" normalizeH="0" baseline="0" dirty="0">
                 <a:ln>
                   <a:noFill/>
                 </a:ln>
@@ -19466,7 +19548,7 @@
               <a:t>usage-history.xml</a:t>
             </a:r>
             <a:r>
-              <a:rPr kumimoji="0" lang="en-US" altLang="en-US" sz="2400" b="0" i="0" u="none" strike="noStrike" cap="none" normalizeH="0" baseline="0">
+              <a:rPr kumimoji="0" lang="en-US" altLang="en-US" sz="2400" b="0" i="0" u="none" strike="noStrike" cap="none" normalizeH="0" baseline="0" dirty="0">
                 <a:ln>
                   <a:noFill/>
                 </a:ln>
@@ -19499,7 +19581,7 @@
               <a:tabLst/>
             </a:pPr>
             <a:r>
-              <a:rPr kumimoji="0" lang="en-US" altLang="en-US" sz="2400" b="1" i="1" u="none" strike="noStrike" cap="none" normalizeH="0" baseline="0">
+              <a:rPr kumimoji="0" lang="en-US" altLang="en-US" sz="2400" b="1" i="1" u="none" strike="noStrike" cap="none" normalizeH="0" baseline="0" dirty="0">
                 <a:ln>
                   <a:noFill/>
                 </a:ln>
@@ -19514,7 +19596,7 @@
               <a:t>users/</a:t>
             </a:r>
             <a:r>
-              <a:rPr kumimoji="0" lang="en-US" altLang="en-US" sz="2400" b="0" i="0" u="none" strike="noStrike" cap="none" normalizeH="0" baseline="0">
+              <a:rPr kumimoji="0" lang="en-US" altLang="en-US" sz="2400" b="0" i="0" u="none" strike="noStrike" cap="none" normalizeH="0" baseline="0" dirty="0">
                 <a:ln>
                   <a:noFill/>
                 </a:ln>
@@ -19529,7 +19611,7 @@
               <a:t> - a directory used for multi-user support. Contains </a:t>
             </a:r>
             <a:r>
-              <a:rPr kumimoji="0" lang="en-US" altLang="en-US" sz="2400" b="0" i="0" u="none" strike="noStrike" cap="none" normalizeH="0" baseline="0">
+              <a:rPr kumimoji="0" lang="en-US" altLang="en-US" sz="2400" b="0" i="0" u="none" strike="noStrike" cap="none" normalizeH="0" baseline="0" dirty="0">
                 <a:ln>
                   <a:noFill/>
                 </a:ln>
@@ -19544,7 +19626,7 @@
               <a:t>userlist.xml</a:t>
             </a:r>
             <a:r>
-              <a:rPr kumimoji="0" lang="en-US" altLang="en-US" sz="2400" b="0" i="0" u="none" strike="noStrike" cap="none" normalizeH="0" baseline="0">
+              <a:rPr kumimoji="0" lang="en-US" altLang="en-US" sz="2400" b="0" i="0" u="none" strike="noStrike" cap="none" normalizeH="0" baseline="0" dirty="0">
                 <a:ln>
                   <a:noFill/>
                 </a:ln>
@@ -19559,7 +19641,7 @@
               <a:t> which keeps info on all users in the system (</a:t>
             </a:r>
             <a:r>
-              <a:rPr kumimoji="0" lang="en-US" altLang="en-US" sz="2400" b="0" i="0" u="none" strike="noStrike" cap="none" normalizeH="0" baseline="0">
+              <a:rPr kumimoji="0" lang="en-US" altLang="en-US" sz="2400" b="0" i="0" u="none" strike="noStrike" cap="none" normalizeH="0" baseline="0" dirty="0">
                 <a:ln>
                   <a:noFill/>
                 </a:ln>
@@ -19574,7 +19656,7 @@
               <a:t>0</a:t>
             </a:r>
             <a:r>
-              <a:rPr kumimoji="0" lang="en-US" altLang="en-US" sz="2400" b="0" i="0" u="none" strike="noStrike" cap="none" normalizeH="0" baseline="0">
+              <a:rPr kumimoji="0" lang="en-US" altLang="en-US" sz="2400" b="0" i="0" u="none" strike="noStrike" cap="none" normalizeH="0" baseline="0" dirty="0">
                 <a:ln>
                   <a:noFill/>
                 </a:ln>
@@ -19589,7 +19671,7 @@
               <a:t> - is a device owner/primary user); e.g. a sub-directory </a:t>
             </a:r>
             <a:r>
-              <a:rPr kumimoji="0" lang="en-US" altLang="en-US" sz="2400" b="0" i="0" u="none" strike="noStrike" cap="none" normalizeH="0" baseline="0">
+              <a:rPr kumimoji="0" lang="en-US" altLang="en-US" sz="2400" b="0" i="0" u="none" strike="noStrike" cap="none" normalizeH="0" baseline="0" dirty="0">
                 <a:ln>
                   <a:noFill/>
                 </a:ln>
@@ -19604,7 +19686,7 @@
               <a:t>users/0/</a:t>
             </a:r>
             <a:r>
-              <a:rPr kumimoji="0" lang="en-US" altLang="en-US" sz="2400" b="0" i="0" u="none" strike="noStrike" cap="none" normalizeH="0" baseline="0">
+              <a:rPr kumimoji="0" lang="en-US" altLang="en-US" sz="2400" b="0" i="0" u="none" strike="noStrike" cap="none" normalizeH="0" baseline="0" dirty="0">
                 <a:ln>
                   <a:noFill/>
                 </a:ln>
@@ -19619,7 +19701,7 @@
               <a:t> holds info on the user account (</a:t>
             </a:r>
             <a:r>
-              <a:rPr kumimoji="0" lang="en-US" altLang="en-US" sz="2400" b="0" i="0" u="none" strike="noStrike" cap="none" normalizeH="0" baseline="0" err="1">
+              <a:rPr kumimoji="0" lang="en-US" altLang="en-US" sz="2400" b="0" i="0" u="none" strike="noStrike" cap="none" normalizeH="0" baseline="0" dirty="0" err="1">
                 <a:ln>
                   <a:noFill/>
                 </a:ln>
@@ -19634,7 +19716,7 @@
               <a:t>accounts.db</a:t>
             </a:r>
             <a:r>
-              <a:rPr kumimoji="0" lang="en-US" altLang="en-US" sz="2400" b="0" i="0" u="none" strike="noStrike" cap="none" normalizeH="0" baseline="0">
+              <a:rPr kumimoji="0" lang="en-US" altLang="en-US" sz="2400" b="0" i="0" u="none" strike="noStrike" cap="none" normalizeH="0" baseline="0" dirty="0">
                 <a:ln>
                   <a:noFill/>
                 </a:ln>
@@ -19649,7 +19731,7 @@
               <a:t>), widgets (</a:t>
             </a:r>
             <a:r>
-              <a:rPr kumimoji="0" lang="en-US" altLang="en-US" sz="2400" b="0" i="0" u="none" strike="noStrike" cap="none" normalizeH="0" baseline="0">
+              <a:rPr kumimoji="0" lang="en-US" altLang="en-US" sz="2400" b="0" i="0" u="none" strike="noStrike" cap="none" normalizeH="0" baseline="0" dirty="0">
                 <a:ln>
                   <a:noFill/>
                 </a:ln>
@@ -19664,7 +19746,7 @@
               <a:t>appwidgets.xml</a:t>
             </a:r>
             <a:r>
-              <a:rPr kumimoji="0" lang="en-US" altLang="en-US" sz="2400" b="0" i="0" u="none" strike="noStrike" cap="none" normalizeH="0" baseline="0">
+              <a:rPr kumimoji="0" lang="en-US" altLang="en-US" sz="2400" b="0" i="0" u="none" strike="noStrike" cap="none" normalizeH="0" baseline="0" dirty="0">
                 <a:ln>
                   <a:noFill/>
                 </a:ln>
@@ -19679,7 +19761,7 @@
               <a:t>), wallpaper (</a:t>
             </a:r>
             <a:r>
-              <a:rPr kumimoji="0" lang="en-US" altLang="en-US" sz="2400" b="0" i="0" u="none" strike="noStrike" cap="none" normalizeH="0" baseline="0">
+              <a:rPr kumimoji="0" lang="en-US" altLang="en-US" sz="2400" b="0" i="0" u="none" strike="noStrike" cap="none" normalizeH="0" baseline="0" dirty="0">
                 <a:ln>
                   <a:noFill/>
                 </a:ln>
@@ -19694,7 +19776,7 @@
               <a:t>wallpaper_info.xml</a:t>
             </a:r>
             <a:r>
-              <a:rPr kumimoji="0" lang="en-US" altLang="en-US" sz="2400" b="0" i="0" u="none" strike="noStrike" cap="none" normalizeH="0" baseline="0">
+              <a:rPr kumimoji="0" lang="en-US" altLang="en-US" sz="2400" b="0" i="0" u="none" strike="noStrike" cap="none" normalizeH="0" baseline="0" dirty="0">
                 <a:ln>
                   <a:noFill/>
                 </a:ln>
@@ -19708,7 +19790,7 @@
               </a:rPr>
               <a:t>) etc.</a:t>
             </a:r>
-            <a:endParaRPr kumimoji="0" lang="en-US" altLang="en-US" sz="2400" b="0" i="0" u="none" strike="noStrike" cap="none" normalizeH="0" baseline="0">
+            <a:endParaRPr kumimoji="0" lang="en-US" altLang="en-US" sz="2400" b="0" i="0" u="none" strike="noStrike" cap="none" normalizeH="0" baseline="0" dirty="0">
               <a:ln>
                 <a:noFill/>
               </a:ln>
@@ -19737,7 +19819,7 @@
               <a:buNone/>
               <a:tabLst/>
             </a:pPr>
-            <a:endParaRPr kumimoji="0" lang="en-US" altLang="en-US" sz="1800" b="0" i="0" u="none" strike="noStrike" cap="none" normalizeH="0" baseline="0">
+            <a:endParaRPr kumimoji="0" lang="en-US" altLang="en-US" sz="1800" b="0" i="0" u="none" strike="noStrike" cap="none" normalizeH="0" baseline="0" dirty="0">
               <a:ln>
                 <a:noFill/>
               </a:ln>
@@ -26508,163 +26590,125 @@
       </p:grpSpPr>
       <p:sp>
         <p:nvSpPr>
-          <p:cNvPr id="2" name="Title 1">
+          <p:cNvPr id="4" name="AutoShape 2" descr="Generated image">
             <a:extLst>
               <a:ext uri="{FF2B5EF4-FFF2-40B4-BE49-F238E27FC236}">
-                <a16:creationId xmlns:a16="http://schemas.microsoft.com/office/drawing/2014/main" id="{0C456A4E-8E48-F01A-2154-75A3DF8374B5}"/>
+                <a16:creationId xmlns:a16="http://schemas.microsoft.com/office/drawing/2014/main" id="{740B8898-FDEF-D8EF-5740-C1ACA17E3F27}"/>
               </a:ext>
             </a:extLst>
           </p:cNvPr>
           <p:cNvSpPr>
-            <a:spLocks noGrp="1"/>
+            <a:spLocks noChangeAspect="1" noChangeArrowheads="1"/>
           </p:cNvSpPr>
-          <p:nvPr>
-            <p:ph type="title"/>
-          </p:nvPr>
+          <p:nvPr/>
         </p:nvSpPr>
-        <p:spPr/>
+        <p:spPr bwMode="auto">
+          <a:xfrm>
+            <a:off x="5943600" y="3276600"/>
+            <a:ext cx="304800" cy="304800"/>
+          </a:xfrm>
+          <a:prstGeom prst="rect">
+            <a:avLst/>
+          </a:prstGeom>
+          <a:noFill/>
+          <a:extLst>
+            <a:ext uri="{909E8E84-426E-40DD-AFC4-6F175D3DCCD1}">
+              <a14:hiddenFill xmlns:a14="http://schemas.microsoft.com/office/drawing/2010/main">
+                <a:solidFill>
+                  <a:srgbClr val="FFFFFF"/>
+                </a:solidFill>
+              </a14:hiddenFill>
+            </a:ext>
+          </a:extLst>
+        </p:spPr>
         <p:txBody>
-          <a:bodyPr/>
+          <a:bodyPr vert="horz" wrap="square" lIns="91440" tIns="45720" rIns="91440" bIns="45720" numCol="1" anchor="t" anchorCtr="0" compatLnSpc="1">
+            <a:prstTxWarp prst="textNoShape">
+              <a:avLst/>
+            </a:prstTxWarp>
+          </a:bodyPr>
           <a:lstStyle/>
           <a:p>
-            <a:r>
-              <a:rPr lang="en-US" dirty="0"/>
-              <a:t>How TWRP Works</a:t>
-            </a:r>
+            <a:endParaRPr lang="en-US"/>
           </a:p>
         </p:txBody>
       </p:sp>
       <p:sp>
         <p:nvSpPr>
-          <p:cNvPr id="3" name="Content Placeholder 2">
+          <p:cNvPr id="6" name="AutoShape 4" descr="Image of ">
             <a:extLst>
               <a:ext uri="{FF2B5EF4-FFF2-40B4-BE49-F238E27FC236}">
-                <a16:creationId xmlns:a16="http://schemas.microsoft.com/office/drawing/2014/main" id="{0E8A0B75-1192-BA65-E8A7-BB2C36E613CB}"/>
+                <a16:creationId xmlns:a16="http://schemas.microsoft.com/office/drawing/2014/main" id="{E76C1581-DF80-2AC1-C486-C69FE1B048E4}"/>
               </a:ext>
             </a:extLst>
           </p:cNvPr>
           <p:cNvSpPr>
-            <a:spLocks noGrp="1"/>
+            <a:spLocks noChangeAspect="1" noChangeArrowheads="1"/>
           </p:cNvSpPr>
-          <p:nvPr>
-            <p:ph idx="1"/>
-          </p:nvPr>
+          <p:nvPr/>
         </p:nvSpPr>
-        <p:spPr/>
+        <p:spPr bwMode="auto">
+          <a:xfrm>
+            <a:off x="6096000" y="3429000"/>
+            <a:ext cx="304800" cy="304800"/>
+          </a:xfrm>
+          <a:prstGeom prst="rect">
+            <a:avLst/>
+          </a:prstGeom>
+          <a:noFill/>
+          <a:extLst>
+            <a:ext uri="{909E8E84-426E-40DD-AFC4-6F175D3DCCD1}">
+              <a14:hiddenFill xmlns:a14="http://schemas.microsoft.com/office/drawing/2010/main">
+                <a:solidFill>
+                  <a:srgbClr val="FFFFFF"/>
+                </a:solidFill>
+              </a14:hiddenFill>
+            </a:ext>
+          </a:extLst>
+        </p:spPr>
         <p:txBody>
-          <a:bodyPr>
-            <a:normAutofit fontScale="85000" lnSpcReduction="20000"/>
+          <a:bodyPr vert="horz" wrap="square" lIns="91440" tIns="45720" rIns="91440" bIns="45720" numCol="1" anchor="t" anchorCtr="0" compatLnSpc="1">
+            <a:prstTxWarp prst="textNoShape">
+              <a:avLst/>
+            </a:prstTxWarp>
           </a:bodyPr>
           <a:lstStyle/>
           <a:p>
-            <a:r>
-              <a:rPr lang="en-US" dirty="0"/>
-              <a:t>Recall: </a:t>
-            </a:r>
-            <a:r>
-              <a:rPr lang="en-GB" dirty="0"/>
-              <a:t>Android devices have separate partitions for different parts of the system:</a:t>
-            </a:r>
-          </a:p>
-          <a:p>
-            <a:pPr lvl="1"/>
-            <a:r>
-              <a:rPr lang="en-GB" b="1" dirty="0"/>
-              <a:t>Boot</a:t>
-            </a:r>
-            <a:r>
-              <a:rPr lang="en-GB" dirty="0"/>
-              <a:t> partition: Contains the kernel and </a:t>
-            </a:r>
-            <a:r>
-              <a:rPr lang="en-GB" dirty="0" err="1"/>
-              <a:t>ramdisk</a:t>
-            </a:r>
-            <a:r>
-              <a:rPr lang="en-GB" dirty="0"/>
-              <a:t> for normal booting.</a:t>
-            </a:r>
-          </a:p>
-          <a:p>
-            <a:pPr lvl="1"/>
-            <a:r>
-              <a:rPr lang="en-GB" b="1" dirty="0"/>
-              <a:t>System</a:t>
-            </a:r>
-            <a:r>
-              <a:rPr lang="en-GB" dirty="0"/>
-              <a:t> partition: Holds the main OS files.</a:t>
-            </a:r>
-          </a:p>
-          <a:p>
-            <a:pPr lvl="1"/>
-            <a:r>
-              <a:rPr lang="en-GB" b="1" dirty="0"/>
-              <a:t>Recovery</a:t>
-            </a:r>
-            <a:r>
-              <a:rPr lang="en-GB" dirty="0"/>
-              <a:t> partition: A small, independent mini-OS that loads when you boot into recovery mode (usually via button combos like Volume Up + Power).</a:t>
-            </a:r>
-          </a:p>
-          <a:p>
-            <a:pPr lvl="1"/>
-            <a:r>
-              <a:rPr lang="it-IT" dirty="0"/>
-              <a:t>Data partition: User data, apps, settings.</a:t>
-            </a:r>
-          </a:p>
-          <a:p>
-            <a:r>
-              <a:rPr lang="en-GB" dirty="0"/>
-              <a:t>TWRP is essentially a standalone, lightweight operating environment (based on a minimal Linux system) that gets flashed (installed) into the recovery partition.  When you boot into recovery:</a:t>
-            </a:r>
-          </a:p>
-          <a:p>
-            <a:pPr lvl="1"/>
-            <a:r>
-              <a:rPr lang="en-GB" dirty="0"/>
-              <a:t>The device loads TWRP instead of the stock recovery.</a:t>
-            </a:r>
-          </a:p>
-          <a:p>
-            <a:pPr lvl="1"/>
-            <a:r>
-              <a:rPr lang="en-GB" dirty="0"/>
-              <a:t>It runs completely separate from your main Android OS — it doesn't touch or depend on your installed ROM unless you tell it to.</a:t>
-            </a:r>
-          </a:p>
-          <a:p>
-            <a:pPr lvl="1"/>
-            <a:r>
-              <a:rPr lang="en-GB" dirty="0"/>
-              <a:t>It mounts (makes accessible) partitions like /system, /data, /cache, and often /</a:t>
-            </a:r>
-            <a:r>
-              <a:rPr lang="en-GB" dirty="0" err="1"/>
-              <a:t>sdcard</a:t>
-            </a:r>
-            <a:r>
-              <a:rPr lang="en-GB" dirty="0"/>
-              <a:t> (internal storage or external SD).</a:t>
-            </a:r>
-          </a:p>
-          <a:p>
-            <a:pPr lvl="1"/>
-            <a:r>
-              <a:rPr lang="en-GB" dirty="0"/>
-              <a:t>On many devices, it can even decrypt the /data partition if it's encrypted (with your PIN/pattern), allowing full backups/restores.</a:t>
-            </a:r>
-            <a:endParaRPr lang="it-IT" dirty="0"/>
-          </a:p>
-          <a:p>
-            <a:endParaRPr lang="en-GB" dirty="0"/>
-          </a:p>
-          <a:p>
-            <a:endParaRPr lang="en-US" dirty="0"/>
+            <a:endParaRPr lang="en-US"/>
           </a:p>
         </p:txBody>
       </p:sp>
+      <p:pic>
+        <p:nvPicPr>
+          <p:cNvPr id="9" name="Picture 8">
+            <a:extLst>
+              <a:ext uri="{FF2B5EF4-FFF2-40B4-BE49-F238E27FC236}">
+                <a16:creationId xmlns:a16="http://schemas.microsoft.com/office/drawing/2014/main" id="{8B4AE000-E5E1-E008-1F5B-3A7C3A386BE4}"/>
+              </a:ext>
+            </a:extLst>
+          </p:cNvPr>
+          <p:cNvPicPr>
+            <a:picLocks noChangeAspect="1"/>
+          </p:cNvPicPr>
+          <p:nvPr/>
+        </p:nvPicPr>
+        <p:blipFill>
+          <a:blip r:embed="rId3"/>
+          <a:srcRect l="1272" t="984" r="996"/>
+          <a:stretch>
+            <a:fillRect/>
+          </a:stretch>
+        </p:blipFill>
+        <p:spPr>
+          <a:xfrm>
+            <a:off x="2524261" y="33728"/>
+            <a:ext cx="6769642" cy="6790544"/>
+          </a:xfrm>
+          <a:prstGeom prst="rect">
+            <a:avLst/>
+          </a:prstGeom>
+        </p:spPr>
+      </p:pic>
     </p:spTree>
     <p:extLst>
       <p:ext uri="{BB962C8B-B14F-4D97-AF65-F5344CB8AC3E}">
